--- a/Crime_Victoria_PowerPoint_Presentation_temporary_Kelvin.pptx
+++ b/Crime_Victoria_PowerPoint_Presentation_temporary_Kelvin.pptx
@@ -205,7 +205,7 @@
           <a:p>
             <a:fld id="{014CC861-B526-4F4C-BB4A-044EE9A33D98}" type="datetimeFigureOut">
               <a:rPr lang="en-AU" smtClean="0"/>
-              <a:t>2/01/2022</a:t>
+              <a:t>3/01/2022</a:t>
             </a:fld>
             <a:endParaRPr lang="en-AU"/>
           </a:p>
@@ -624,7 +624,7 @@
           <a:p>
             <a:fld id="{B5898F52-2787-4BA2-BBBC-9395E9F86D50}" type="datetimeFigureOut">
               <a:rPr lang="en-US" smtClean="0"/>
-              <a:t>1/2/2022</a:t>
+              <a:t>1/3/2022</a:t>
             </a:fld>
             <a:endParaRPr lang="en-US"/>
           </a:p>
@@ -822,7 +822,7 @@
           <a:p>
             <a:fld id="{B5898F52-2787-4BA2-BBBC-9395E9F86D50}" type="datetimeFigureOut">
               <a:rPr lang="en-US" smtClean="0"/>
-              <a:t>1/2/2022</a:t>
+              <a:t>1/3/2022</a:t>
             </a:fld>
             <a:endParaRPr lang="en-US"/>
           </a:p>
@@ -1030,7 +1030,7 @@
           <a:p>
             <a:fld id="{B5898F52-2787-4BA2-BBBC-9395E9F86D50}" type="datetimeFigureOut">
               <a:rPr lang="en-US" smtClean="0"/>
-              <a:t>1/2/2022</a:t>
+              <a:t>1/3/2022</a:t>
             </a:fld>
             <a:endParaRPr lang="en-US"/>
           </a:p>
@@ -1228,7 +1228,7 @@
           <a:p>
             <a:fld id="{B5898F52-2787-4BA2-BBBC-9395E9F86D50}" type="datetimeFigureOut">
               <a:rPr lang="en-US" smtClean="0"/>
-              <a:t>1/2/2022</a:t>
+              <a:t>1/3/2022</a:t>
             </a:fld>
             <a:endParaRPr lang="en-US"/>
           </a:p>
@@ -1505,7 +1505,7 @@
           <a:p>
             <a:fld id="{B5898F52-2787-4BA2-BBBC-9395E9F86D50}" type="datetimeFigureOut">
               <a:rPr lang="en-US" smtClean="0"/>
-              <a:t>1/2/2022</a:t>
+              <a:t>1/3/2022</a:t>
             </a:fld>
             <a:endParaRPr lang="en-US"/>
           </a:p>
@@ -1770,7 +1770,7 @@
           <a:p>
             <a:fld id="{B5898F52-2787-4BA2-BBBC-9395E9F86D50}" type="datetimeFigureOut">
               <a:rPr lang="en-US" smtClean="0"/>
-              <a:t>1/2/2022</a:t>
+              <a:t>1/3/2022</a:t>
             </a:fld>
             <a:endParaRPr lang="en-US"/>
           </a:p>
@@ -2200,7 +2200,7 @@
           <a:p>
             <a:fld id="{B5898F52-2787-4BA2-BBBC-9395E9F86D50}" type="datetimeFigureOut">
               <a:rPr lang="en-US" smtClean="0"/>
-              <a:t>1/2/2022</a:t>
+              <a:t>1/3/2022</a:t>
             </a:fld>
             <a:endParaRPr lang="en-US"/>
           </a:p>
@@ -2341,7 +2341,7 @@
           <a:p>
             <a:fld id="{B5898F52-2787-4BA2-BBBC-9395E9F86D50}" type="datetimeFigureOut">
               <a:rPr lang="en-US" smtClean="0"/>
-              <a:t>1/2/2022</a:t>
+              <a:t>1/3/2022</a:t>
             </a:fld>
             <a:endParaRPr lang="en-US"/>
           </a:p>
@@ -2454,7 +2454,7 @@
           <a:p>
             <a:fld id="{B5898F52-2787-4BA2-BBBC-9395E9F86D50}" type="datetimeFigureOut">
               <a:rPr lang="en-US" smtClean="0"/>
-              <a:t>1/2/2022</a:t>
+              <a:t>1/3/2022</a:t>
             </a:fld>
             <a:endParaRPr lang="en-US"/>
           </a:p>
@@ -2765,7 +2765,7 @@
           <a:p>
             <a:fld id="{B5898F52-2787-4BA2-BBBC-9395E9F86D50}" type="datetimeFigureOut">
               <a:rPr lang="en-US" smtClean="0"/>
-              <a:t>1/2/2022</a:t>
+              <a:t>1/3/2022</a:t>
             </a:fld>
             <a:endParaRPr lang="en-US"/>
           </a:p>
@@ -3053,7 +3053,7 @@
           <a:p>
             <a:fld id="{B5898F52-2787-4BA2-BBBC-9395E9F86D50}" type="datetimeFigureOut">
               <a:rPr lang="en-US" smtClean="0"/>
-              <a:t>1/2/2022</a:t>
+              <a:t>1/3/2022</a:t>
             </a:fld>
             <a:endParaRPr lang="en-US"/>
           </a:p>
@@ -8003,7 +8003,7 @@
             <a:fld id="{B5898F52-2787-4BA2-BBBC-9395E9F86D50}" type="datetimeFigureOut">
               <a:rPr lang="en-US" smtClean="0"/>
               <a:pPr/>
-              <a:t>1/2/2022</a:t>
+              <a:t>1/3/2022</a:t>
             </a:fld>
             <a:endParaRPr lang="en-US" dirty="0"/>
           </a:p>
@@ -9122,10 +9122,21 @@
         </p:nvSpPr>
         <p:spPr/>
         <p:txBody>
-          <a:bodyPr/>
+          <a:bodyPr>
+            <a:normAutofit/>
+          </a:bodyPr>
           <a:lstStyle/>
           <a:p>
-            <a:endParaRPr lang="en-AU" dirty="0"/>
+            <a:r>
+              <a:rPr lang="en-US" sz="2400" dirty="0">
+                <a:effectLst/>
+                <a:latin typeface="Calibri" panose="020F0502020204030204" pitchFamily="34" charset="0"/>
+                <a:ea typeface="Calibri" panose="020F0502020204030204" pitchFamily="34" charset="0"/>
+                <a:cs typeface="Times New Roman" panose="02020603050405020304" pitchFamily="18" charset="0"/>
+              </a:rPr>
+              <a:t>The more police station a LGA has, the less is charge status percentage</a:t>
+            </a:r>
+            <a:endParaRPr lang="en-AU" sz="2400" dirty="0"/>
           </a:p>
         </p:txBody>
       </p:sp>
@@ -9239,7 +9250,17 @@
           <a:bodyPr/>
           <a:lstStyle/>
           <a:p>
-            <a:endParaRPr lang="en-AU"/>
+            <a:r>
+              <a:rPr lang="en-US" sz="2400" dirty="0">
+                <a:latin typeface="Calibri" panose="020F0502020204030204" pitchFamily="34" charset="0"/>
+                <a:cs typeface="Times New Roman" panose="02020603050405020304" pitchFamily="18" charset="0"/>
+              </a:rPr>
+              <a:t>The more population a LGA has, the higher the percentage of unsolved charges</a:t>
+            </a:r>
+            <a:endParaRPr lang="en-AU" sz="2400" dirty="0">
+              <a:latin typeface="Calibri" panose="020F0502020204030204" pitchFamily="34" charset="0"/>
+              <a:cs typeface="Times New Roman" panose="02020603050405020304" pitchFamily="18" charset="0"/>
+            </a:endParaRPr>
           </a:p>
         </p:txBody>
       </p:sp>
@@ -9267,7 +9288,7 @@
         </p:blipFill>
         <p:spPr>
           <a:xfrm>
-            <a:off x="944626" y="1828484"/>
+            <a:off x="6096000" y="2161250"/>
             <a:ext cx="5020998" cy="3956374"/>
           </a:xfrm>
         </p:spPr>
@@ -9294,7 +9315,7 @@
         </p:blipFill>
         <p:spPr>
           <a:xfrm>
-            <a:off x="6015764" y="1828483"/>
+            <a:off x="906168" y="2130994"/>
             <a:ext cx="5020998" cy="3986630"/>
           </a:xfrm>
           <a:prstGeom prst="rect">

--- a/Crime_Victoria_PowerPoint_Presentation_temporary_Kelvin.pptx
+++ b/Crime_Victoria_PowerPoint_Presentation_temporary_Kelvin.pptx
@@ -5,18 +5,20 @@
     <p:sldMasterId id="2147483660" r:id="rId1"/>
   </p:sldMasterIdLst>
   <p:notesMasterIdLst>
-    <p:notesMasterId r:id="rId11"/>
+    <p:notesMasterId r:id="rId13"/>
   </p:notesMasterIdLst>
   <p:sldIdLst>
-    <p:sldId id="271" r:id="rId2"/>
-    <p:sldId id="273" r:id="rId3"/>
-    <p:sldId id="274" r:id="rId4"/>
-    <p:sldId id="275" r:id="rId5"/>
-    <p:sldId id="276" r:id="rId6"/>
-    <p:sldId id="277" r:id="rId7"/>
-    <p:sldId id="278" r:id="rId8"/>
-    <p:sldId id="279" r:id="rId9"/>
-    <p:sldId id="280" r:id="rId10"/>
+    <p:sldId id="282" r:id="rId2"/>
+    <p:sldId id="271" r:id="rId3"/>
+    <p:sldId id="284" r:id="rId4"/>
+    <p:sldId id="279" r:id="rId5"/>
+    <p:sldId id="273" r:id="rId6"/>
+    <p:sldId id="274" r:id="rId7"/>
+    <p:sldId id="285" r:id="rId8"/>
+    <p:sldId id="275" r:id="rId9"/>
+    <p:sldId id="276" r:id="rId10"/>
+    <p:sldId id="277" r:id="rId11"/>
+    <p:sldId id="280" r:id="rId12"/>
   </p:sldIdLst>
   <p:sldSz cx="12192000" cy="6858000"/>
   <p:notesSz cx="6858000" cy="9144000"/>
@@ -8444,6 +8446,884 @@
       </p:grpSpPr>
       <p:sp>
         <p:nvSpPr>
+          <p:cNvPr id="2" name="Title 1"/>
+          <p:cNvSpPr>
+            <a:spLocks noGrp="1"/>
+          </p:cNvSpPr>
+          <p:nvPr>
+            <p:ph type="title"/>
+          </p:nvPr>
+        </p:nvSpPr>
+        <p:spPr/>
+        <p:txBody>
+          <a:bodyPr/>
+          <a:lstStyle/>
+          <a:p>
+            <a:r>
+              <a:rPr lang="en-AU" dirty="0"/>
+              <a:t>Table of Contents</a:t>
+            </a:r>
+            <a:endParaRPr lang="en-US" dirty="0"/>
+          </a:p>
+        </p:txBody>
+      </p:sp>
+      <p:sp>
+        <p:nvSpPr>
+          <p:cNvPr id="3" name="Content Placeholder 2"/>
+          <p:cNvSpPr>
+            <a:spLocks noGrp="1"/>
+          </p:cNvSpPr>
+          <p:nvPr>
+            <p:ph idx="1"/>
+          </p:nvPr>
+        </p:nvSpPr>
+        <p:spPr>
+          <a:xfrm>
+            <a:off x="1069848" y="1874520"/>
+            <a:ext cx="9634011" cy="3873901"/>
+          </a:xfrm>
+        </p:spPr>
+        <p:txBody>
+          <a:bodyPr/>
+          <a:lstStyle/>
+          <a:p>
+            <a:pPr marL="457200" indent="-457200">
+              <a:buFont typeface="+mj-lt"/>
+              <a:buAutoNum type="arabicPeriod"/>
+            </a:pPr>
+            <a:r>
+              <a:rPr lang="en-AU" dirty="0">
+                <a:solidFill>
+                  <a:schemeClr val="bg1">
+                    <a:lumMod val="65000"/>
+                  </a:schemeClr>
+                </a:solidFill>
+              </a:rPr>
+              <a:t>Introduction &amp; Objectives</a:t>
+            </a:r>
+          </a:p>
+          <a:p>
+            <a:pPr marL="457200" indent="-457200">
+              <a:buFont typeface="+mj-lt"/>
+              <a:buAutoNum type="arabicPeriod"/>
+            </a:pPr>
+            <a:r>
+              <a:rPr lang="en-AU" dirty="0">
+                <a:solidFill>
+                  <a:schemeClr val="bg1">
+                    <a:lumMod val="65000"/>
+                  </a:schemeClr>
+                </a:solidFill>
+              </a:rPr>
+              <a:t>Overview Victoria Crimes from September 2012 to 2021 (Anh)</a:t>
+            </a:r>
+          </a:p>
+          <a:p>
+            <a:pPr marL="457200" indent="-457200">
+              <a:buFont typeface="+mj-lt"/>
+              <a:buAutoNum type="arabicPeriod"/>
+            </a:pPr>
+            <a:r>
+              <a:rPr lang="en-AU" dirty="0">
+                <a:solidFill>
+                  <a:schemeClr val="bg1">
+                    <a:lumMod val="65000"/>
+                  </a:schemeClr>
+                </a:solidFill>
+              </a:rPr>
+              <a:t>Criminal Incidents, Recorded Offences (Antoinette)</a:t>
+            </a:r>
+          </a:p>
+          <a:p>
+            <a:pPr marL="457200" indent="-457200">
+              <a:buFont typeface="+mj-lt"/>
+              <a:buAutoNum type="arabicPeriod"/>
+            </a:pPr>
+            <a:r>
+              <a:rPr lang="en-AU" dirty="0">
+                <a:solidFill>
+                  <a:schemeClr val="bg1">
+                    <a:lumMod val="65000"/>
+                  </a:schemeClr>
+                </a:solidFill>
+              </a:rPr>
+              <a:t>Family Incidents (Jacqueline)</a:t>
+            </a:r>
+          </a:p>
+          <a:p>
+            <a:pPr marL="457200" indent="-457200">
+              <a:buFont typeface="+mj-lt"/>
+              <a:buAutoNum type="arabicPeriod"/>
+            </a:pPr>
+            <a:r>
+              <a:rPr lang="en-AU" dirty="0">
+                <a:solidFill>
+                  <a:schemeClr val="tx1"/>
+                </a:solidFill>
+              </a:rPr>
+              <a:t>Crime status &amp; Police Service Areas (Kelvin)</a:t>
+            </a:r>
+          </a:p>
+          <a:p>
+            <a:pPr marL="457200" indent="-457200">
+              <a:buFont typeface="+mj-lt"/>
+              <a:buAutoNum type="arabicPeriod"/>
+            </a:pPr>
+            <a:endParaRPr lang="en-AU" dirty="0"/>
+          </a:p>
+          <a:p>
+            <a:endParaRPr lang="en-US" dirty="0"/>
+          </a:p>
+        </p:txBody>
+      </p:sp>
+    </p:spTree>
+  </p:cSld>
+  <p:clrMapOvr>
+    <a:masterClrMapping/>
+  </p:clrMapOvr>
+</p:sld>
+</file>
+
+<file path=ppt/slides/slide10.xml><?xml version="1.0" encoding="utf-8"?>
+<p:sld xmlns:a="http://schemas.openxmlformats.org/drawingml/2006/main" xmlns:r="http://schemas.openxmlformats.org/officeDocument/2006/relationships" xmlns:p="http://schemas.openxmlformats.org/presentationml/2006/main">
+  <p:cSld>
+    <p:spTree>
+      <p:nvGrpSpPr>
+        <p:cNvPr id="1" name=""/>
+        <p:cNvGrpSpPr/>
+        <p:nvPr/>
+      </p:nvGrpSpPr>
+      <p:grpSpPr>
+        <a:xfrm>
+          <a:off x="0" y="0"/>
+          <a:ext cx="0" cy="0"/>
+          <a:chOff x="0" y="0"/>
+          <a:chExt cx="0" cy="0"/>
+        </a:xfrm>
+      </p:grpSpPr>
+      <p:pic>
+        <p:nvPicPr>
+          <p:cNvPr id="5" name="Content Placeholder 4">
+            <a:extLst>
+              <a:ext uri="{FF2B5EF4-FFF2-40B4-BE49-F238E27FC236}">
+                <a16:creationId xmlns:a16="http://schemas.microsoft.com/office/drawing/2014/main" id="{F6ADAC9D-5AA9-4E33-B97D-4D5FF863C5AA}"/>
+              </a:ext>
+            </a:extLst>
+          </p:cNvPr>
+          <p:cNvPicPr>
+            <a:picLocks noGrp="1" noChangeAspect="1"/>
+          </p:cNvPicPr>
+          <p:nvPr>
+            <p:ph idx="1"/>
+          </p:nvPr>
+        </p:nvPicPr>
+        <p:blipFill>
+          <a:blip r:embed="rId2"/>
+          <a:stretch>
+            <a:fillRect/>
+          </a:stretch>
+        </p:blipFill>
+        <p:spPr>
+          <a:xfrm>
+            <a:off x="5886853" y="1379914"/>
+            <a:ext cx="5084618" cy="3693189"/>
+          </a:xfrm>
+        </p:spPr>
+      </p:pic>
+      <p:pic>
+        <p:nvPicPr>
+          <p:cNvPr id="8" name="Picture 7">
+            <a:extLst>
+              <a:ext uri="{FF2B5EF4-FFF2-40B4-BE49-F238E27FC236}">
+                <a16:creationId xmlns:a16="http://schemas.microsoft.com/office/drawing/2014/main" id="{F1533C18-4452-4274-8BBE-5A11DED86231}"/>
+              </a:ext>
+            </a:extLst>
+          </p:cNvPr>
+          <p:cNvPicPr>
+            <a:picLocks noChangeAspect="1"/>
+          </p:cNvPicPr>
+          <p:nvPr/>
+        </p:nvPicPr>
+        <p:blipFill>
+          <a:blip r:embed="rId3"/>
+          <a:stretch>
+            <a:fillRect/>
+          </a:stretch>
+        </p:blipFill>
+        <p:spPr>
+          <a:xfrm>
+            <a:off x="661256" y="1379914"/>
+            <a:ext cx="5010795" cy="3693189"/>
+          </a:xfrm>
+          <a:prstGeom prst="rect">
+            <a:avLst/>
+          </a:prstGeom>
+        </p:spPr>
+      </p:pic>
+      <p:sp>
+        <p:nvSpPr>
+          <p:cNvPr id="7" name="Title 1">
+            <a:extLst>
+              <a:ext uri="{FF2B5EF4-FFF2-40B4-BE49-F238E27FC236}">
+                <a16:creationId xmlns:a16="http://schemas.microsoft.com/office/drawing/2014/main" id="{D1A1B9E6-219A-4780-A3A4-36ABA3DAA773}"/>
+              </a:ext>
+            </a:extLst>
+          </p:cNvPr>
+          <p:cNvSpPr txBox="1">
+            <a:spLocks/>
+          </p:cNvSpPr>
+          <p:nvPr/>
+        </p:nvSpPr>
+        <p:spPr>
+          <a:xfrm>
+            <a:off x="1069848" y="502921"/>
+            <a:ext cx="9634011" cy="735676"/>
+          </a:xfrm>
+          <a:prstGeom prst="rect">
+            <a:avLst/>
+          </a:prstGeom>
+        </p:spPr>
+        <p:txBody>
+          <a:bodyPr vert="horz" lIns="91440" tIns="45720" rIns="91440" bIns="45720" rtlCol="0" anchor="ctr">
+            <a:normAutofit/>
+          </a:bodyPr>
+          <a:lstStyle>
+            <a:lvl1pPr algn="l" defTabSz="914400" rtl="0" eaLnBrk="1" latinLnBrk="0" hangingPunct="1">
+              <a:lnSpc>
+                <a:spcPct val="100000"/>
+              </a:lnSpc>
+              <a:spcBef>
+                <a:spcPct val="0"/>
+              </a:spcBef>
+              <a:buNone/>
+              <a:defRPr sz="4000" kern="1200">
+                <a:solidFill>
+                  <a:schemeClr val="tx2"/>
+                </a:solidFill>
+                <a:latin typeface="+mj-lt"/>
+                <a:ea typeface="+mj-ea"/>
+                <a:cs typeface="+mj-cs"/>
+              </a:defRPr>
+            </a:lvl1pPr>
+          </a:lstStyle>
+          <a:p>
+            <a:r>
+              <a:rPr lang="en-US" dirty="0">
+                <a:latin typeface="Slack-Lato"/>
+              </a:rPr>
+              <a:t>Time series analysis over 10 years</a:t>
+            </a:r>
+            <a:endParaRPr lang="en-AU" dirty="0">
+              <a:latin typeface="Slack-Lato"/>
+            </a:endParaRPr>
+          </a:p>
+        </p:txBody>
+      </p:sp>
+      <p:pic>
+        <p:nvPicPr>
+          <p:cNvPr id="10" name="Picture 9">
+            <a:extLst>
+              <a:ext uri="{FF2B5EF4-FFF2-40B4-BE49-F238E27FC236}">
+                <a16:creationId xmlns:a16="http://schemas.microsoft.com/office/drawing/2014/main" id="{DFA4E725-897B-46FC-803C-95355985E966}"/>
+              </a:ext>
+            </a:extLst>
+          </p:cNvPr>
+          <p:cNvPicPr>
+            <a:picLocks noChangeAspect="1"/>
+          </p:cNvPicPr>
+          <p:nvPr/>
+        </p:nvPicPr>
+        <p:blipFill>
+          <a:blip r:embed="rId4"/>
+          <a:stretch>
+            <a:fillRect/>
+          </a:stretch>
+        </p:blipFill>
+        <p:spPr>
+          <a:xfrm>
+            <a:off x="9842486" y="5440778"/>
+            <a:ext cx="933580" cy="1057423"/>
+          </a:xfrm>
+          <a:prstGeom prst="rect">
+            <a:avLst/>
+          </a:prstGeom>
+        </p:spPr>
+      </p:pic>
+      <p:pic>
+        <p:nvPicPr>
+          <p:cNvPr id="12" name="Picture 11">
+            <a:extLst>
+              <a:ext uri="{FF2B5EF4-FFF2-40B4-BE49-F238E27FC236}">
+                <a16:creationId xmlns:a16="http://schemas.microsoft.com/office/drawing/2014/main" id="{7BE4F55B-E769-4836-B2C9-319E297DF21B}"/>
+              </a:ext>
+            </a:extLst>
+          </p:cNvPr>
+          <p:cNvPicPr>
+            <a:picLocks noChangeAspect="1"/>
+          </p:cNvPicPr>
+          <p:nvPr/>
+        </p:nvPicPr>
+        <p:blipFill>
+          <a:blip r:embed="rId5"/>
+          <a:stretch>
+            <a:fillRect/>
+          </a:stretch>
+        </p:blipFill>
+        <p:spPr>
+          <a:xfrm>
+            <a:off x="7568347" y="5214420"/>
+            <a:ext cx="1876687" cy="1181265"/>
+          </a:xfrm>
+          <a:prstGeom prst="rect">
+            <a:avLst/>
+          </a:prstGeom>
+        </p:spPr>
+      </p:pic>
+      <p:pic>
+        <p:nvPicPr>
+          <p:cNvPr id="15" name="Picture 14">
+            <a:extLst>
+              <a:ext uri="{FF2B5EF4-FFF2-40B4-BE49-F238E27FC236}">
+                <a16:creationId xmlns:a16="http://schemas.microsoft.com/office/drawing/2014/main" id="{703656EC-139C-4E80-991D-8127E373F2E8}"/>
+              </a:ext>
+            </a:extLst>
+          </p:cNvPr>
+          <p:cNvPicPr>
+            <a:picLocks noChangeAspect="1"/>
+          </p:cNvPicPr>
+          <p:nvPr/>
+        </p:nvPicPr>
+        <p:blipFill>
+          <a:blip r:embed="rId4"/>
+          <a:stretch>
+            <a:fillRect/>
+          </a:stretch>
+        </p:blipFill>
+        <p:spPr>
+          <a:xfrm>
+            <a:off x="6173863" y="5440777"/>
+            <a:ext cx="933580" cy="1057423"/>
+          </a:xfrm>
+          <a:prstGeom prst="rect">
+            <a:avLst/>
+          </a:prstGeom>
+        </p:spPr>
+      </p:pic>
+    </p:spTree>
+    <p:extLst>
+      <p:ext uri="{BB962C8B-B14F-4D97-AF65-F5344CB8AC3E}">
+        <p14:creationId xmlns:p14="http://schemas.microsoft.com/office/powerpoint/2010/main" val="1208768671"/>
+      </p:ext>
+    </p:extLst>
+  </p:cSld>
+  <p:clrMapOvr>
+    <a:masterClrMapping/>
+  </p:clrMapOvr>
+  <p:timing>
+    <p:tnLst>
+      <p:par>
+        <p:cTn id="1" dur="indefinite" restart="never" nodeType="tmRoot">
+          <p:childTnLst>
+            <p:seq concurrent="1" nextAc="seek">
+              <p:cTn id="2" dur="indefinite" nodeType="mainSeq">
+                <p:childTnLst>
+                  <p:par>
+                    <p:cTn id="3" fill="hold">
+                      <p:stCondLst>
+                        <p:cond delay="indefinite"/>
+                      </p:stCondLst>
+                      <p:childTnLst>
+                        <p:par>
+                          <p:cTn id="4" fill="hold">
+                            <p:stCondLst>
+                              <p:cond delay="0"/>
+                            </p:stCondLst>
+                            <p:childTnLst>
+                              <p:par>
+                                <p:cTn id="5" presetID="32" presetClass="emph" presetSubtype="0" fill="hold" nodeType="clickEffect">
+                                  <p:stCondLst>
+                                    <p:cond delay="0"/>
+                                  </p:stCondLst>
+                                  <p:childTnLst>
+                                    <p:animRot by="120000">
+                                      <p:cBhvr>
+                                        <p:cTn id="6" dur="100" fill="hold">
+                                          <p:stCondLst>
+                                            <p:cond delay="0"/>
+                                          </p:stCondLst>
+                                        </p:cTn>
+                                        <p:tgtEl>
+                                          <p:spTgt spid="5"/>
+                                        </p:tgtEl>
+                                        <p:attrNameLst>
+                                          <p:attrName>r</p:attrName>
+                                        </p:attrNameLst>
+                                      </p:cBhvr>
+                                    </p:animRot>
+                                    <p:animRot by="-240000">
+                                      <p:cBhvr>
+                                        <p:cTn id="7" dur="200" fill="hold">
+                                          <p:stCondLst>
+                                            <p:cond delay="200"/>
+                                          </p:stCondLst>
+                                        </p:cTn>
+                                        <p:tgtEl>
+                                          <p:spTgt spid="5"/>
+                                        </p:tgtEl>
+                                        <p:attrNameLst>
+                                          <p:attrName>r</p:attrName>
+                                        </p:attrNameLst>
+                                      </p:cBhvr>
+                                    </p:animRot>
+                                    <p:animRot by="240000">
+                                      <p:cBhvr>
+                                        <p:cTn id="8" dur="200" fill="hold">
+                                          <p:stCondLst>
+                                            <p:cond delay="400"/>
+                                          </p:stCondLst>
+                                        </p:cTn>
+                                        <p:tgtEl>
+                                          <p:spTgt spid="5"/>
+                                        </p:tgtEl>
+                                        <p:attrNameLst>
+                                          <p:attrName>r</p:attrName>
+                                        </p:attrNameLst>
+                                      </p:cBhvr>
+                                    </p:animRot>
+                                    <p:animRot by="-240000">
+                                      <p:cBhvr>
+                                        <p:cTn id="9" dur="200" fill="hold">
+                                          <p:stCondLst>
+                                            <p:cond delay="600"/>
+                                          </p:stCondLst>
+                                        </p:cTn>
+                                        <p:tgtEl>
+                                          <p:spTgt spid="5"/>
+                                        </p:tgtEl>
+                                        <p:attrNameLst>
+                                          <p:attrName>r</p:attrName>
+                                        </p:attrNameLst>
+                                      </p:cBhvr>
+                                    </p:animRot>
+                                    <p:animRot by="120000">
+                                      <p:cBhvr>
+                                        <p:cTn id="10" dur="200" fill="hold">
+                                          <p:stCondLst>
+                                            <p:cond delay="800"/>
+                                          </p:stCondLst>
+                                        </p:cTn>
+                                        <p:tgtEl>
+                                          <p:spTgt spid="5"/>
+                                        </p:tgtEl>
+                                        <p:attrNameLst>
+                                          <p:attrName>r</p:attrName>
+                                        </p:attrNameLst>
+                                      </p:cBhvr>
+                                    </p:animRot>
+                                  </p:childTnLst>
+                                </p:cTn>
+                              </p:par>
+                            </p:childTnLst>
+                          </p:cTn>
+                        </p:par>
+                      </p:childTnLst>
+                    </p:cTn>
+                  </p:par>
+                  <p:par>
+                    <p:cTn id="11" fill="hold">
+                      <p:stCondLst>
+                        <p:cond delay="indefinite"/>
+                      </p:stCondLst>
+                      <p:childTnLst>
+                        <p:par>
+                          <p:cTn id="12" fill="hold">
+                            <p:stCondLst>
+                              <p:cond delay="0"/>
+                            </p:stCondLst>
+                            <p:childTnLst>
+                              <p:par>
+                                <p:cTn id="13" presetID="53" presetClass="entr" presetSubtype="16" fill="hold" nodeType="clickEffect">
+                                  <p:stCondLst>
+                                    <p:cond delay="0"/>
+                                  </p:stCondLst>
+                                  <p:childTnLst>
+                                    <p:set>
+                                      <p:cBhvr>
+                                        <p:cTn id="14" dur="1" fill="hold">
+                                          <p:stCondLst>
+                                            <p:cond delay="0"/>
+                                          </p:stCondLst>
+                                        </p:cTn>
+                                        <p:tgtEl>
+                                          <p:spTgt spid="15"/>
+                                        </p:tgtEl>
+                                        <p:attrNameLst>
+                                          <p:attrName>style.visibility</p:attrName>
+                                        </p:attrNameLst>
+                                      </p:cBhvr>
+                                      <p:to>
+                                        <p:strVal val="visible"/>
+                                      </p:to>
+                                    </p:set>
+                                    <p:anim calcmode="lin" valueType="num">
+                                      <p:cBhvr>
+                                        <p:cTn id="15" dur="500" fill="hold"/>
+                                        <p:tgtEl>
+                                          <p:spTgt spid="15"/>
+                                        </p:tgtEl>
+                                        <p:attrNameLst>
+                                          <p:attrName>ppt_w</p:attrName>
+                                        </p:attrNameLst>
+                                      </p:cBhvr>
+                                      <p:tavLst>
+                                        <p:tav tm="0">
+                                          <p:val>
+                                            <p:fltVal val="0"/>
+                                          </p:val>
+                                        </p:tav>
+                                        <p:tav tm="100000">
+                                          <p:val>
+                                            <p:strVal val="#ppt_w"/>
+                                          </p:val>
+                                        </p:tav>
+                                      </p:tavLst>
+                                    </p:anim>
+                                    <p:anim calcmode="lin" valueType="num">
+                                      <p:cBhvr>
+                                        <p:cTn id="16" dur="500" fill="hold"/>
+                                        <p:tgtEl>
+                                          <p:spTgt spid="15"/>
+                                        </p:tgtEl>
+                                        <p:attrNameLst>
+                                          <p:attrName>ppt_h</p:attrName>
+                                        </p:attrNameLst>
+                                      </p:cBhvr>
+                                      <p:tavLst>
+                                        <p:tav tm="0">
+                                          <p:val>
+                                            <p:fltVal val="0"/>
+                                          </p:val>
+                                        </p:tav>
+                                        <p:tav tm="100000">
+                                          <p:val>
+                                            <p:strVal val="#ppt_h"/>
+                                          </p:val>
+                                        </p:tav>
+                                      </p:tavLst>
+                                    </p:anim>
+                                    <p:animEffect transition="in" filter="fade">
+                                      <p:cBhvr>
+                                        <p:cTn id="17" dur="500"/>
+                                        <p:tgtEl>
+                                          <p:spTgt spid="15"/>
+                                        </p:tgtEl>
+                                      </p:cBhvr>
+                                    </p:animEffect>
+                                  </p:childTnLst>
+                                </p:cTn>
+                              </p:par>
+                              <p:par>
+                                <p:cTn id="18" presetID="53" presetClass="entr" presetSubtype="16" fill="hold" nodeType="withEffect">
+                                  <p:stCondLst>
+                                    <p:cond delay="0"/>
+                                  </p:stCondLst>
+                                  <p:childTnLst>
+                                    <p:set>
+                                      <p:cBhvr>
+                                        <p:cTn id="19" dur="1" fill="hold">
+                                          <p:stCondLst>
+                                            <p:cond delay="0"/>
+                                          </p:stCondLst>
+                                        </p:cTn>
+                                        <p:tgtEl>
+                                          <p:spTgt spid="12"/>
+                                        </p:tgtEl>
+                                        <p:attrNameLst>
+                                          <p:attrName>style.visibility</p:attrName>
+                                        </p:attrNameLst>
+                                      </p:cBhvr>
+                                      <p:to>
+                                        <p:strVal val="visible"/>
+                                      </p:to>
+                                    </p:set>
+                                    <p:anim calcmode="lin" valueType="num">
+                                      <p:cBhvr>
+                                        <p:cTn id="20" dur="500" fill="hold"/>
+                                        <p:tgtEl>
+                                          <p:spTgt spid="12"/>
+                                        </p:tgtEl>
+                                        <p:attrNameLst>
+                                          <p:attrName>ppt_w</p:attrName>
+                                        </p:attrNameLst>
+                                      </p:cBhvr>
+                                      <p:tavLst>
+                                        <p:tav tm="0">
+                                          <p:val>
+                                            <p:fltVal val="0"/>
+                                          </p:val>
+                                        </p:tav>
+                                        <p:tav tm="100000">
+                                          <p:val>
+                                            <p:strVal val="#ppt_w"/>
+                                          </p:val>
+                                        </p:tav>
+                                      </p:tavLst>
+                                    </p:anim>
+                                    <p:anim calcmode="lin" valueType="num">
+                                      <p:cBhvr>
+                                        <p:cTn id="21" dur="500" fill="hold"/>
+                                        <p:tgtEl>
+                                          <p:spTgt spid="12"/>
+                                        </p:tgtEl>
+                                        <p:attrNameLst>
+                                          <p:attrName>ppt_h</p:attrName>
+                                        </p:attrNameLst>
+                                      </p:cBhvr>
+                                      <p:tavLst>
+                                        <p:tav tm="0">
+                                          <p:val>
+                                            <p:fltVal val="0"/>
+                                          </p:val>
+                                        </p:tav>
+                                        <p:tav tm="100000">
+                                          <p:val>
+                                            <p:strVal val="#ppt_h"/>
+                                          </p:val>
+                                        </p:tav>
+                                      </p:tavLst>
+                                    </p:anim>
+                                    <p:animEffect transition="in" filter="fade">
+                                      <p:cBhvr>
+                                        <p:cTn id="22" dur="500"/>
+                                        <p:tgtEl>
+                                          <p:spTgt spid="12"/>
+                                        </p:tgtEl>
+                                      </p:cBhvr>
+                                    </p:animEffect>
+                                  </p:childTnLst>
+                                </p:cTn>
+                              </p:par>
+                              <p:par>
+                                <p:cTn id="23" presetID="53" presetClass="entr" presetSubtype="16" fill="hold" nodeType="withEffect">
+                                  <p:stCondLst>
+                                    <p:cond delay="0"/>
+                                  </p:stCondLst>
+                                  <p:childTnLst>
+                                    <p:set>
+                                      <p:cBhvr>
+                                        <p:cTn id="24" dur="1" fill="hold">
+                                          <p:stCondLst>
+                                            <p:cond delay="0"/>
+                                          </p:stCondLst>
+                                        </p:cTn>
+                                        <p:tgtEl>
+                                          <p:spTgt spid="10"/>
+                                        </p:tgtEl>
+                                        <p:attrNameLst>
+                                          <p:attrName>style.visibility</p:attrName>
+                                        </p:attrNameLst>
+                                      </p:cBhvr>
+                                      <p:to>
+                                        <p:strVal val="visible"/>
+                                      </p:to>
+                                    </p:set>
+                                    <p:anim calcmode="lin" valueType="num">
+                                      <p:cBhvr>
+                                        <p:cTn id="25" dur="500" fill="hold"/>
+                                        <p:tgtEl>
+                                          <p:spTgt spid="10"/>
+                                        </p:tgtEl>
+                                        <p:attrNameLst>
+                                          <p:attrName>ppt_w</p:attrName>
+                                        </p:attrNameLst>
+                                      </p:cBhvr>
+                                      <p:tavLst>
+                                        <p:tav tm="0">
+                                          <p:val>
+                                            <p:fltVal val="0"/>
+                                          </p:val>
+                                        </p:tav>
+                                        <p:tav tm="100000">
+                                          <p:val>
+                                            <p:strVal val="#ppt_w"/>
+                                          </p:val>
+                                        </p:tav>
+                                      </p:tavLst>
+                                    </p:anim>
+                                    <p:anim calcmode="lin" valueType="num">
+                                      <p:cBhvr>
+                                        <p:cTn id="26" dur="500" fill="hold"/>
+                                        <p:tgtEl>
+                                          <p:spTgt spid="10"/>
+                                        </p:tgtEl>
+                                        <p:attrNameLst>
+                                          <p:attrName>ppt_h</p:attrName>
+                                        </p:attrNameLst>
+                                      </p:cBhvr>
+                                      <p:tavLst>
+                                        <p:tav tm="0">
+                                          <p:val>
+                                            <p:fltVal val="0"/>
+                                          </p:val>
+                                        </p:tav>
+                                        <p:tav tm="100000">
+                                          <p:val>
+                                            <p:strVal val="#ppt_h"/>
+                                          </p:val>
+                                        </p:tav>
+                                      </p:tavLst>
+                                    </p:anim>
+                                    <p:animEffect transition="in" filter="fade">
+                                      <p:cBhvr>
+                                        <p:cTn id="27" dur="500"/>
+                                        <p:tgtEl>
+                                          <p:spTgt spid="10"/>
+                                        </p:tgtEl>
+                                      </p:cBhvr>
+                                    </p:animEffect>
+                                  </p:childTnLst>
+                                </p:cTn>
+                              </p:par>
+                            </p:childTnLst>
+                          </p:cTn>
+                        </p:par>
+                      </p:childTnLst>
+                    </p:cTn>
+                  </p:par>
+                </p:childTnLst>
+              </p:cTn>
+              <p:prevCondLst>
+                <p:cond evt="onPrev" delay="0">
+                  <p:tgtEl>
+                    <p:sldTgt/>
+                  </p:tgtEl>
+                </p:cond>
+              </p:prevCondLst>
+              <p:nextCondLst>
+                <p:cond evt="onNext" delay="0">
+                  <p:tgtEl>
+                    <p:sldTgt/>
+                  </p:tgtEl>
+                </p:cond>
+              </p:nextCondLst>
+            </p:seq>
+          </p:childTnLst>
+        </p:cTn>
+      </p:par>
+    </p:tnLst>
+  </p:timing>
+</p:sld>
+</file>
+
+<file path=ppt/slides/slide11.xml><?xml version="1.0" encoding="utf-8"?>
+<p:sld xmlns:a="http://schemas.openxmlformats.org/drawingml/2006/main" xmlns:r="http://schemas.openxmlformats.org/officeDocument/2006/relationships" xmlns:p="http://schemas.openxmlformats.org/presentationml/2006/main">
+  <p:cSld>
+    <p:spTree>
+      <p:nvGrpSpPr>
+        <p:cNvPr id="1" name=""/>
+        <p:cNvGrpSpPr/>
+        <p:nvPr/>
+      </p:nvGrpSpPr>
+      <p:grpSpPr>
+        <a:xfrm>
+          <a:off x="0" y="0"/>
+          <a:ext cx="0" cy="0"/>
+          <a:chOff x="0" y="0"/>
+          <a:chExt cx="0" cy="0"/>
+        </a:xfrm>
+      </p:grpSpPr>
+      <p:pic>
+        <p:nvPicPr>
+          <p:cNvPr id="7" name="Picture 6">
+            <a:extLst>
+              <a:ext uri="{FF2B5EF4-FFF2-40B4-BE49-F238E27FC236}">
+                <a16:creationId xmlns:a16="http://schemas.microsoft.com/office/drawing/2014/main" id="{915D7BEE-5F3D-49B2-A878-49229E9DD217}"/>
+              </a:ext>
+            </a:extLst>
+          </p:cNvPr>
+          <p:cNvPicPr>
+            <a:picLocks noChangeAspect="1"/>
+          </p:cNvPicPr>
+          <p:nvPr/>
+        </p:nvPicPr>
+        <p:blipFill>
+          <a:blip r:embed="rId2"/>
+          <a:stretch>
+            <a:fillRect/>
+          </a:stretch>
+        </p:blipFill>
+        <p:spPr>
+          <a:xfrm>
+            <a:off x="2377081" y="42390"/>
+            <a:ext cx="8410635" cy="6071027"/>
+          </a:xfrm>
+          <a:prstGeom prst="rect">
+            <a:avLst/>
+          </a:prstGeom>
+        </p:spPr>
+      </p:pic>
+      <p:pic>
+        <p:nvPicPr>
+          <p:cNvPr id="9" name="Picture 8">
+            <a:extLst>
+              <a:ext uri="{FF2B5EF4-FFF2-40B4-BE49-F238E27FC236}">
+                <a16:creationId xmlns:a16="http://schemas.microsoft.com/office/drawing/2014/main" id="{D050DCF3-AD6B-44C2-A20E-7D68B73DF1C7}"/>
+              </a:ext>
+            </a:extLst>
+          </p:cNvPr>
+          <p:cNvPicPr>
+            <a:picLocks noChangeAspect="1"/>
+          </p:cNvPicPr>
+          <p:nvPr/>
+        </p:nvPicPr>
+        <p:blipFill>
+          <a:blip r:embed="rId3"/>
+          <a:stretch>
+            <a:fillRect/>
+          </a:stretch>
+        </p:blipFill>
+        <p:spPr>
+          <a:xfrm>
+            <a:off x="3037500" y="6081390"/>
+            <a:ext cx="6777419" cy="734220"/>
+          </a:xfrm>
+          <a:prstGeom prst="rect">
+            <a:avLst/>
+          </a:prstGeom>
+        </p:spPr>
+      </p:pic>
+    </p:spTree>
+    <p:extLst>
+      <p:ext uri="{BB962C8B-B14F-4D97-AF65-F5344CB8AC3E}">
+        <p14:creationId xmlns:p14="http://schemas.microsoft.com/office/powerpoint/2010/main" val="4093479017"/>
+      </p:ext>
+    </p:extLst>
+  </p:cSld>
+  <p:clrMapOvr>
+    <a:masterClrMapping/>
+  </p:clrMapOvr>
+</p:sld>
+</file>
+
+<file path=ppt/slides/slide2.xml><?xml version="1.0" encoding="utf-8"?>
+<p:sld xmlns:a="http://schemas.openxmlformats.org/drawingml/2006/main" xmlns:r="http://schemas.openxmlformats.org/officeDocument/2006/relationships" xmlns:p="http://schemas.openxmlformats.org/presentationml/2006/main">
+  <p:cSld>
+    <p:spTree>
+      <p:nvGrpSpPr>
+        <p:cNvPr id="1" name=""/>
+        <p:cNvGrpSpPr/>
+        <p:nvPr/>
+      </p:nvGrpSpPr>
+      <p:grpSpPr>
+        <a:xfrm>
+          <a:off x="0" y="0"/>
+          <a:ext cx="0" cy="0"/>
+          <a:chOff x="0" y="0"/>
+          <a:chExt cx="0" cy="0"/>
+        </a:xfrm>
+      </p:grpSpPr>
+      <p:sp>
+        <p:nvSpPr>
           <p:cNvPr id="2" name="Title 1">
             <a:extLst>
               <a:ext uri="{FF2B5EF4-FFF2-40B4-BE49-F238E27FC236}">
@@ -8466,13 +9346,13 @@
         </p:spPr>
         <p:txBody>
           <a:bodyPr anchor="b">
-            <a:normAutofit/>
+            <a:normAutofit fontScale="90000"/>
           </a:bodyPr>
           <a:lstStyle/>
           <a:p>
             <a:r>
               <a:rPr lang="en-AU" sz="4400" dirty="0"/>
-              <a:t>How is the police coping with</a:t>
+              <a:t>How is the police coping with criminal incidents</a:t>
             </a:r>
             <a:r>
               <a:rPr lang="en-AU" sz="4100" dirty="0"/>
@@ -8625,7 +9505,454 @@
 </p:sld>
 </file>
 
-<file path=ppt/slides/slide2.xml><?xml version="1.0" encoding="utf-8"?>
+<file path=ppt/slides/slide3.xml><?xml version="1.0" encoding="utf-8"?>
+<p:sld xmlns:a="http://schemas.openxmlformats.org/drawingml/2006/main" xmlns:r="http://schemas.openxmlformats.org/officeDocument/2006/relationships" xmlns:p="http://schemas.openxmlformats.org/presentationml/2006/main">
+  <p:cSld>
+    <p:spTree>
+      <p:nvGrpSpPr>
+        <p:cNvPr id="1" name=""/>
+        <p:cNvGrpSpPr/>
+        <p:nvPr/>
+      </p:nvGrpSpPr>
+      <p:grpSpPr>
+        <a:xfrm>
+          <a:off x="0" y="0"/>
+          <a:ext cx="0" cy="0"/>
+          <a:chOff x="0" y="0"/>
+          <a:chExt cx="0" cy="0"/>
+        </a:xfrm>
+      </p:grpSpPr>
+      <p:sp>
+        <p:nvSpPr>
+          <p:cNvPr id="2" name="Title 1">
+            <a:extLst>
+              <a:ext uri="{FF2B5EF4-FFF2-40B4-BE49-F238E27FC236}">
+                <a16:creationId xmlns:a16="http://schemas.microsoft.com/office/drawing/2014/main" id="{F76EF593-69E8-4B86-A702-916318316D99}"/>
+              </a:ext>
+            </a:extLst>
+          </p:cNvPr>
+          <p:cNvSpPr>
+            <a:spLocks noGrp="1"/>
+          </p:cNvSpPr>
+          <p:nvPr>
+            <p:ph type="title"/>
+          </p:nvPr>
+        </p:nvSpPr>
+        <p:spPr>
+          <a:xfrm>
+            <a:off x="1069848" y="502921"/>
+            <a:ext cx="9634011" cy="752302"/>
+          </a:xfrm>
+        </p:spPr>
+        <p:txBody>
+          <a:bodyPr/>
+          <a:lstStyle/>
+          <a:p>
+            <a:r>
+              <a:rPr lang="en-US" sz="4000" dirty="0">
+                <a:effectLst/>
+                <a:latin typeface="Calibri" panose="020F0502020204030204" pitchFamily="34" charset="0"/>
+                <a:ea typeface="Calibri" panose="020F0502020204030204" pitchFamily="34" charset="0"/>
+                <a:cs typeface="Times New Roman" panose="02020603050405020304" pitchFamily="18" charset="0"/>
+              </a:rPr>
+              <a:t>Local government areas (LGAs) </a:t>
+            </a:r>
+            <a:endParaRPr lang="en-AU" dirty="0"/>
+          </a:p>
+        </p:txBody>
+      </p:sp>
+      <p:sp>
+        <p:nvSpPr>
+          <p:cNvPr id="3" name="Content Placeholder 2">
+            <a:extLst>
+              <a:ext uri="{FF2B5EF4-FFF2-40B4-BE49-F238E27FC236}">
+                <a16:creationId xmlns:a16="http://schemas.microsoft.com/office/drawing/2014/main" id="{BC69E8B9-3697-4316-853C-2F2E6D1DC16C}"/>
+              </a:ext>
+            </a:extLst>
+          </p:cNvPr>
+          <p:cNvSpPr>
+            <a:spLocks noGrp="1"/>
+          </p:cNvSpPr>
+          <p:nvPr>
+            <p:ph idx="1"/>
+          </p:nvPr>
+        </p:nvSpPr>
+        <p:spPr>
+          <a:xfrm>
+            <a:off x="1069848" y="1277137"/>
+            <a:ext cx="9634011" cy="502920"/>
+          </a:xfrm>
+        </p:spPr>
+        <p:txBody>
+          <a:bodyPr/>
+          <a:lstStyle/>
+          <a:p>
+            <a:pPr marL="0" indent="0">
+              <a:buNone/>
+            </a:pPr>
+            <a:r>
+              <a:rPr lang="en-US" sz="1800" dirty="0">
+                <a:effectLst/>
+                <a:latin typeface="Calibri" panose="020F0502020204030204" pitchFamily="34" charset="0"/>
+                <a:ea typeface="Calibri" panose="020F0502020204030204" pitchFamily="34" charset="0"/>
+                <a:cs typeface="Times New Roman" panose="02020603050405020304" pitchFamily="18" charset="0"/>
+              </a:rPr>
+              <a:t>The 79 Victorian LGAs: are classified as cities (34), shires (38), rural cities (6) and boroughs (1). </a:t>
+            </a:r>
+            <a:endParaRPr lang="en-AU" dirty="0"/>
+          </a:p>
+        </p:txBody>
+      </p:sp>
+      <p:pic>
+        <p:nvPicPr>
+          <p:cNvPr id="5" name="Picture 2">
+            <a:extLst>
+              <a:ext uri="{FF2B5EF4-FFF2-40B4-BE49-F238E27FC236}">
+                <a16:creationId xmlns:a16="http://schemas.microsoft.com/office/drawing/2014/main" id="{5BD3EB07-DD91-48E6-95BD-AE0082CA766B}"/>
+              </a:ext>
+            </a:extLst>
+          </p:cNvPr>
+          <p:cNvPicPr>
+            <a:picLocks noChangeAspect="1" noChangeArrowheads="1"/>
+          </p:cNvPicPr>
+          <p:nvPr/>
+        </p:nvPicPr>
+        <p:blipFill>
+          <a:blip r:embed="rId2">
+            <a:extLst>
+              <a:ext uri="{28A0092B-C50C-407E-A947-70E740481C1C}">
+                <a14:useLocalDpi xmlns:a14="http://schemas.microsoft.com/office/drawing/2010/main" val="0"/>
+              </a:ext>
+            </a:extLst>
+          </a:blip>
+          <a:srcRect/>
+          <a:stretch>
+            <a:fillRect/>
+          </a:stretch>
+        </p:blipFill>
+        <p:spPr bwMode="auto">
+          <a:xfrm>
+            <a:off x="1181650" y="1880943"/>
+            <a:ext cx="7265721" cy="4351337"/>
+          </a:xfrm>
+          <a:prstGeom prst="rect">
+            <a:avLst/>
+          </a:prstGeom>
+          <a:noFill/>
+          <a:extLst>
+            <a:ext uri="{909E8E84-426E-40DD-AFC4-6F175D3DCCD1}">
+              <a14:hiddenFill xmlns:a14="http://schemas.microsoft.com/office/drawing/2010/main">
+                <a:solidFill>
+                  <a:srgbClr val="FFFFFF"/>
+                </a:solidFill>
+              </a14:hiddenFill>
+            </a:ext>
+          </a:extLst>
+        </p:spPr>
+      </p:pic>
+    </p:spTree>
+    <p:extLst>
+      <p:ext uri="{BB962C8B-B14F-4D97-AF65-F5344CB8AC3E}">
+        <p14:creationId xmlns:p14="http://schemas.microsoft.com/office/powerpoint/2010/main" val="2161200247"/>
+      </p:ext>
+    </p:extLst>
+  </p:cSld>
+  <p:clrMapOvr>
+    <a:masterClrMapping/>
+  </p:clrMapOvr>
+</p:sld>
+</file>
+
+<file path=ppt/slides/slide4.xml><?xml version="1.0" encoding="utf-8"?>
+<p:sld xmlns:a="http://schemas.openxmlformats.org/drawingml/2006/main" xmlns:r="http://schemas.openxmlformats.org/officeDocument/2006/relationships" xmlns:p="http://schemas.openxmlformats.org/presentationml/2006/main">
+  <p:cSld>
+    <p:spTree>
+      <p:nvGrpSpPr>
+        <p:cNvPr id="1" name=""/>
+        <p:cNvGrpSpPr/>
+        <p:nvPr/>
+      </p:nvGrpSpPr>
+      <p:grpSpPr>
+        <a:xfrm>
+          <a:off x="0" y="0"/>
+          <a:ext cx="0" cy="0"/>
+          <a:chOff x="0" y="0"/>
+          <a:chExt cx="0" cy="0"/>
+        </a:xfrm>
+      </p:grpSpPr>
+      <p:sp>
+        <p:nvSpPr>
+          <p:cNvPr id="2" name="Title 1">
+            <a:extLst>
+              <a:ext uri="{FF2B5EF4-FFF2-40B4-BE49-F238E27FC236}">
+                <a16:creationId xmlns:a16="http://schemas.microsoft.com/office/drawing/2014/main" id="{8389B3D4-1681-4275-8CBF-0BF2AAE3087E}"/>
+              </a:ext>
+            </a:extLst>
+          </p:cNvPr>
+          <p:cNvSpPr>
+            <a:spLocks noGrp="1"/>
+          </p:cNvSpPr>
+          <p:nvPr>
+            <p:ph type="title"/>
+          </p:nvPr>
+        </p:nvSpPr>
+        <p:spPr/>
+        <p:txBody>
+          <a:bodyPr/>
+          <a:lstStyle/>
+          <a:p>
+            <a:r>
+              <a:rPr lang="en-US" sz="4000" b="1" i="0" dirty="0">
+                <a:effectLst/>
+                <a:latin typeface="Slack-Lato"/>
+              </a:rPr>
+              <a:t>What are Police Service Areas?</a:t>
+            </a:r>
+            <a:endParaRPr lang="en-AU" dirty="0"/>
+          </a:p>
+        </p:txBody>
+      </p:sp>
+      <p:pic>
+        <p:nvPicPr>
+          <p:cNvPr id="5" name="Content Placeholder 4">
+            <a:extLst>
+              <a:ext uri="{FF2B5EF4-FFF2-40B4-BE49-F238E27FC236}">
+                <a16:creationId xmlns:a16="http://schemas.microsoft.com/office/drawing/2014/main" id="{1201CEC3-E323-4992-88B6-C6FC49E012FE}"/>
+              </a:ext>
+            </a:extLst>
+          </p:cNvPr>
+          <p:cNvPicPr>
+            <a:picLocks noGrp="1" noChangeAspect="1"/>
+          </p:cNvPicPr>
+          <p:nvPr>
+            <p:ph idx="1"/>
+          </p:nvPr>
+        </p:nvPicPr>
+        <p:blipFill>
+          <a:blip r:embed="rId2"/>
+          <a:stretch>
+            <a:fillRect/>
+          </a:stretch>
+        </p:blipFill>
+        <p:spPr>
+          <a:xfrm>
+            <a:off x="389187" y="2003743"/>
+            <a:ext cx="5706813" cy="4351337"/>
+          </a:xfrm>
+        </p:spPr>
+      </p:pic>
+      <p:pic>
+        <p:nvPicPr>
+          <p:cNvPr id="7" name="Picture 6">
+            <a:extLst>
+              <a:ext uri="{FF2B5EF4-FFF2-40B4-BE49-F238E27FC236}">
+                <a16:creationId xmlns:a16="http://schemas.microsoft.com/office/drawing/2014/main" id="{96E8BBAF-0802-4703-8AF0-B898043B2FB6}"/>
+              </a:ext>
+            </a:extLst>
+          </p:cNvPr>
+          <p:cNvPicPr>
+            <a:picLocks noChangeAspect="1"/>
+          </p:cNvPicPr>
+          <p:nvPr/>
+        </p:nvPicPr>
+        <p:blipFill>
+          <a:blip r:embed="rId3"/>
+          <a:stretch>
+            <a:fillRect/>
+          </a:stretch>
+        </p:blipFill>
+        <p:spPr>
+          <a:xfrm>
+            <a:off x="6219517" y="2003743"/>
+            <a:ext cx="5706813" cy="4308168"/>
+          </a:xfrm>
+          <a:prstGeom prst="rect">
+            <a:avLst/>
+          </a:prstGeom>
+        </p:spPr>
+      </p:pic>
+      <p:pic>
+        <p:nvPicPr>
+          <p:cNvPr id="6" name="Picture 12" descr="Image result for police victoria">
+            <a:extLst>
+              <a:ext uri="{FF2B5EF4-FFF2-40B4-BE49-F238E27FC236}">
+                <a16:creationId xmlns:a16="http://schemas.microsoft.com/office/drawing/2014/main" id="{E00A9437-14AE-41B9-BE2C-EF1A2A1FF9A2}"/>
+              </a:ext>
+            </a:extLst>
+          </p:cNvPr>
+          <p:cNvPicPr>
+            <a:picLocks noChangeAspect="1" noChangeArrowheads="1"/>
+          </p:cNvPicPr>
+          <p:nvPr/>
+        </p:nvPicPr>
+        <p:blipFill>
+          <a:blip r:embed="rId4">
+            <a:extLst>
+              <a:ext uri="{28A0092B-C50C-407E-A947-70E740481C1C}">
+                <a14:useLocalDpi xmlns:a14="http://schemas.microsoft.com/office/drawing/2010/main" val="0"/>
+              </a:ext>
+            </a:extLst>
+          </a:blip>
+          <a:srcRect/>
+          <a:stretch>
+            <a:fillRect/>
+          </a:stretch>
+        </p:blipFill>
+        <p:spPr bwMode="auto">
+          <a:xfrm>
+            <a:off x="10822402" y="725242"/>
+            <a:ext cx="997373" cy="748030"/>
+          </a:xfrm>
+          <a:prstGeom prst="rect">
+            <a:avLst/>
+          </a:prstGeom>
+          <a:noFill/>
+          <a:extLst>
+            <a:ext uri="{909E8E84-426E-40DD-AFC4-6F175D3DCCD1}">
+              <a14:hiddenFill xmlns:a14="http://schemas.microsoft.com/office/drawing/2010/main">
+                <a:solidFill>
+                  <a:srgbClr val="FFFFFF"/>
+                </a:solidFill>
+              </a14:hiddenFill>
+            </a:ext>
+          </a:extLst>
+        </p:spPr>
+      </p:pic>
+    </p:spTree>
+    <p:extLst>
+      <p:ext uri="{BB962C8B-B14F-4D97-AF65-F5344CB8AC3E}">
+        <p14:creationId xmlns:p14="http://schemas.microsoft.com/office/powerpoint/2010/main" val="3542015520"/>
+      </p:ext>
+    </p:extLst>
+  </p:cSld>
+  <p:clrMapOvr>
+    <a:masterClrMapping/>
+  </p:clrMapOvr>
+  <p:timing>
+    <p:tnLst>
+      <p:par>
+        <p:cTn id="1" dur="indefinite" restart="never" nodeType="tmRoot">
+          <p:childTnLst>
+            <p:seq concurrent="1" nextAc="seek">
+              <p:cTn id="2" dur="indefinite" nodeType="mainSeq">
+                <p:childTnLst>
+                  <p:par>
+                    <p:cTn id="3" fill="hold">
+                      <p:stCondLst>
+                        <p:cond delay="indefinite"/>
+                      </p:stCondLst>
+                      <p:childTnLst>
+                        <p:par>
+                          <p:cTn id="4" fill="hold">
+                            <p:stCondLst>
+                              <p:cond delay="0"/>
+                            </p:stCondLst>
+                            <p:childTnLst>
+                              <p:par>
+                                <p:cTn id="5" presetID="2" presetClass="entr" presetSubtype="4" fill="hold" nodeType="clickEffect">
+                                  <p:stCondLst>
+                                    <p:cond delay="0"/>
+                                  </p:stCondLst>
+                                  <p:childTnLst>
+                                    <p:set>
+                                      <p:cBhvr>
+                                        <p:cTn id="6" dur="1" fill="hold">
+                                          <p:stCondLst>
+                                            <p:cond delay="0"/>
+                                          </p:stCondLst>
+                                        </p:cTn>
+                                        <p:tgtEl>
+                                          <p:spTgt spid="7"/>
+                                        </p:tgtEl>
+                                        <p:attrNameLst>
+                                          <p:attrName>style.visibility</p:attrName>
+                                        </p:attrNameLst>
+                                      </p:cBhvr>
+                                      <p:to>
+                                        <p:strVal val="visible"/>
+                                      </p:to>
+                                    </p:set>
+                                    <p:anim calcmode="lin" valueType="num">
+                                      <p:cBhvr additive="base">
+                                        <p:cTn id="7" dur="500" fill="hold"/>
+                                        <p:tgtEl>
+                                          <p:spTgt spid="7"/>
+                                        </p:tgtEl>
+                                        <p:attrNameLst>
+                                          <p:attrName>ppt_x</p:attrName>
+                                        </p:attrNameLst>
+                                      </p:cBhvr>
+                                      <p:tavLst>
+                                        <p:tav tm="0">
+                                          <p:val>
+                                            <p:strVal val="#ppt_x"/>
+                                          </p:val>
+                                        </p:tav>
+                                        <p:tav tm="100000">
+                                          <p:val>
+                                            <p:strVal val="#ppt_x"/>
+                                          </p:val>
+                                        </p:tav>
+                                      </p:tavLst>
+                                    </p:anim>
+                                    <p:anim calcmode="lin" valueType="num">
+                                      <p:cBhvr additive="base">
+                                        <p:cTn id="8" dur="500" fill="hold"/>
+                                        <p:tgtEl>
+                                          <p:spTgt spid="7"/>
+                                        </p:tgtEl>
+                                        <p:attrNameLst>
+                                          <p:attrName>ppt_y</p:attrName>
+                                        </p:attrNameLst>
+                                      </p:cBhvr>
+                                      <p:tavLst>
+                                        <p:tav tm="0">
+                                          <p:val>
+                                            <p:strVal val="1+#ppt_h/2"/>
+                                          </p:val>
+                                        </p:tav>
+                                        <p:tav tm="100000">
+                                          <p:val>
+                                            <p:strVal val="#ppt_y"/>
+                                          </p:val>
+                                        </p:tav>
+                                      </p:tavLst>
+                                    </p:anim>
+                                  </p:childTnLst>
+                                </p:cTn>
+                              </p:par>
+                            </p:childTnLst>
+                          </p:cTn>
+                        </p:par>
+                      </p:childTnLst>
+                    </p:cTn>
+                  </p:par>
+                </p:childTnLst>
+              </p:cTn>
+              <p:prevCondLst>
+                <p:cond evt="onPrev" delay="0">
+                  <p:tgtEl>
+                    <p:sldTgt/>
+                  </p:tgtEl>
+                </p:cond>
+              </p:prevCondLst>
+              <p:nextCondLst>
+                <p:cond evt="onNext" delay="0">
+                  <p:tgtEl>
+                    <p:sldTgt/>
+                  </p:tgtEl>
+                </p:cond>
+              </p:nextCondLst>
+            </p:seq>
+          </p:childTnLst>
+        </p:cTn>
+      </p:par>
+    </p:tnLst>
+  </p:timing>
+</p:sld>
+</file>
+
+<file path=ppt/slides/slide5.xml><?xml version="1.0" encoding="utf-8"?>
 <p:sld xmlns:a="http://schemas.openxmlformats.org/drawingml/2006/main" xmlns:r="http://schemas.openxmlformats.org/officeDocument/2006/relationships" xmlns:p="http://schemas.openxmlformats.org/presentationml/2006/main">
   <p:cSld>
     <p:spTree>
@@ -8658,16 +9985,29 @@
             <p:ph type="title"/>
           </p:nvPr>
         </p:nvSpPr>
-        <p:spPr/>
+        <p:spPr>
+          <a:xfrm>
+            <a:off x="1271981" y="5268521"/>
+            <a:ext cx="9634011" cy="1325563"/>
+          </a:xfrm>
+        </p:spPr>
         <p:txBody>
-          <a:bodyPr/>
+          <a:bodyPr>
+            <a:normAutofit/>
+          </a:bodyPr>
           <a:lstStyle/>
           <a:p>
             <a:r>
-              <a:rPr lang="en-US" dirty="0"/>
+              <a:rPr lang="en-US" sz="2400" dirty="0">
+                <a:latin typeface="Calibri" panose="020F0502020204030204" pitchFamily="34" charset="0"/>
+                <a:cs typeface="Times New Roman" panose="02020603050405020304" pitchFamily="18" charset="0"/>
+              </a:rPr>
               <a:t>Data is normally distributed, no outliner identified</a:t>
             </a:r>
-            <a:endParaRPr lang="en-AU" dirty="0"/>
+            <a:endParaRPr lang="en-AU" sz="2400" dirty="0">
+              <a:latin typeface="Calibri" panose="020F0502020204030204" pitchFamily="34" charset="0"/>
+              <a:cs typeface="Times New Roman" panose="02020603050405020304" pitchFamily="18" charset="0"/>
+            </a:endParaRPr>
           </a:p>
         </p:txBody>
       </p:sp>
@@ -8731,6 +10071,65 @@
           </a:prstGeom>
         </p:spPr>
       </p:pic>
+      <p:sp>
+        <p:nvSpPr>
+          <p:cNvPr id="5" name="Title 1">
+            <a:extLst>
+              <a:ext uri="{FF2B5EF4-FFF2-40B4-BE49-F238E27FC236}">
+                <a16:creationId xmlns:a16="http://schemas.microsoft.com/office/drawing/2014/main" id="{FB42437F-65B3-42F6-9591-A2BEB8C15E97}"/>
+              </a:ext>
+            </a:extLst>
+          </p:cNvPr>
+          <p:cNvSpPr txBox="1">
+            <a:spLocks/>
+          </p:cNvSpPr>
+          <p:nvPr/>
+        </p:nvSpPr>
+        <p:spPr>
+          <a:xfrm>
+            <a:off x="1069848" y="502920"/>
+            <a:ext cx="9634011" cy="1325563"/>
+          </a:xfrm>
+          <a:prstGeom prst="rect">
+            <a:avLst/>
+          </a:prstGeom>
+        </p:spPr>
+        <p:txBody>
+          <a:bodyPr vert="horz" lIns="91440" tIns="45720" rIns="91440" bIns="45720" rtlCol="0" anchor="ctr">
+            <a:normAutofit/>
+          </a:bodyPr>
+          <a:lstStyle>
+            <a:lvl1pPr algn="l" defTabSz="914400" rtl="0" eaLnBrk="1" latinLnBrk="0" hangingPunct="1">
+              <a:lnSpc>
+                <a:spcPct val="100000"/>
+              </a:lnSpc>
+              <a:spcBef>
+                <a:spcPct val="0"/>
+              </a:spcBef>
+              <a:buNone/>
+              <a:defRPr sz="4000" kern="1200">
+                <a:solidFill>
+                  <a:schemeClr val="tx2"/>
+                </a:solidFill>
+                <a:latin typeface="+mj-lt"/>
+                <a:ea typeface="+mj-ea"/>
+                <a:cs typeface="+mj-cs"/>
+              </a:defRPr>
+            </a:lvl1pPr>
+          </a:lstStyle>
+          <a:p>
+            <a:r>
+              <a:rPr lang="en-US">
+                <a:latin typeface="Slack-Lato"/>
+              </a:rPr>
+              <a:t>Solved charge percentage - 2021</a:t>
+            </a:r>
+            <a:endParaRPr lang="en-AU" dirty="0">
+              <a:latin typeface="Slack-Lato"/>
+            </a:endParaRPr>
+          </a:p>
+        </p:txBody>
+      </p:sp>
     </p:spTree>
     <p:extLst>
       <p:ext uri="{BB962C8B-B14F-4D97-AF65-F5344CB8AC3E}">
@@ -8741,10 +10140,85 @@
   <p:clrMapOvr>
     <a:masterClrMapping/>
   </p:clrMapOvr>
+  <p:timing>
+    <p:tnLst>
+      <p:par>
+        <p:cTn id="1" dur="indefinite" restart="never" nodeType="tmRoot">
+          <p:childTnLst>
+            <p:seq concurrent="1" nextAc="seek">
+              <p:cTn id="2" dur="indefinite" nodeType="mainSeq">
+                <p:childTnLst>
+                  <p:par>
+                    <p:cTn id="3" fill="hold">
+                      <p:stCondLst>
+                        <p:cond delay="indefinite"/>
+                      </p:stCondLst>
+                      <p:childTnLst>
+                        <p:par>
+                          <p:cTn id="4" fill="hold">
+                            <p:stCondLst>
+                              <p:cond delay="0"/>
+                            </p:stCondLst>
+                            <p:childTnLst>
+                              <p:par>
+                                <p:cTn id="5" presetID="1" presetClass="entr" presetSubtype="0" fill="hold" nodeType="clickEffect">
+                                  <p:stCondLst>
+                                    <p:cond delay="0"/>
+                                  </p:stCondLst>
+                                  <p:childTnLst>
+                                    <p:set>
+                                      <p:cBhvr>
+                                        <p:cTn id="6" dur="1" fill="hold">
+                                          <p:stCondLst>
+                                            <p:cond delay="0"/>
+                                          </p:stCondLst>
+                                        </p:cTn>
+                                        <p:tgtEl>
+                                          <p:spTgt spid="11"/>
+                                        </p:tgtEl>
+                                        <p:attrNameLst>
+                                          <p:attrName>style.visibility</p:attrName>
+                                        </p:attrNameLst>
+                                      </p:cBhvr>
+                                      <p:to>
+                                        <p:strVal val="visible"/>
+                                      </p:to>
+                                    </p:set>
+                                  </p:childTnLst>
+                                </p:cTn>
+                              </p:par>
+                            </p:childTnLst>
+                          </p:cTn>
+                        </p:par>
+                      </p:childTnLst>
+                    </p:cTn>
+                  </p:par>
+                </p:childTnLst>
+              </p:cTn>
+              <p:prevCondLst>
+                <p:cond evt="onPrev" delay="0">
+                  <p:tgtEl>
+                    <p:sldTgt/>
+                  </p:tgtEl>
+                </p:cond>
+              </p:prevCondLst>
+              <p:nextCondLst>
+                <p:cond evt="onNext" delay="0">
+                  <p:tgtEl>
+                    <p:sldTgt/>
+                  </p:tgtEl>
+                </p:cond>
+              </p:nextCondLst>
+            </p:seq>
+          </p:childTnLst>
+        </p:cTn>
+      </p:par>
+    </p:tnLst>
+  </p:timing>
 </p:sld>
 </file>
 
-<file path=ppt/slides/slide3.xml><?xml version="1.0" encoding="utf-8"?>
+<file path=ppt/slides/slide6.xml><?xml version="1.0" encoding="utf-8"?>
 <p:sld xmlns:a="http://schemas.openxmlformats.org/drawingml/2006/main" xmlns:r="http://schemas.openxmlformats.org/officeDocument/2006/relationships" xmlns:p="http://schemas.openxmlformats.org/presentationml/2006/main">
   <p:cSld>
     <p:spTree>
@@ -8783,10 +10257,14 @@
           <a:lstStyle/>
           <a:p>
             <a:r>
-              <a:rPr lang="en-US" dirty="0"/>
-              <a:t>Solved Charge percentage</a:t>
+              <a:rPr lang="en-US" dirty="0">
+                <a:latin typeface="Slack-Lato"/>
+              </a:rPr>
+              <a:t>Solved charge percentage - 2021</a:t>
             </a:r>
-            <a:endParaRPr lang="en-AU" dirty="0"/>
+            <a:endParaRPr lang="en-AU" dirty="0">
+              <a:latin typeface="Slack-Lato"/>
+            </a:endParaRPr>
           </a:p>
         </p:txBody>
       </p:sp>
@@ -8808,8 +10286,8 @@
         </p:nvSpPr>
         <p:spPr bwMode="auto">
           <a:xfrm>
-            <a:off x="1377606" y="1828483"/>
-            <a:ext cx="9018494" cy="1938992"/>
+            <a:off x="1161475" y="2925902"/>
+            <a:ext cx="9294211" cy="2769989"/>
           </a:xfrm>
           <a:prstGeom prst="rect">
             <a:avLst/>
@@ -8997,7 +10475,7 @@
                 <a:effectLst/>
                 <a:latin typeface="Courier New" panose="02070309020205020404" pitchFamily="49" charset="0"/>
               </a:rPr>
-              <a:t>68% of LGA has solved charge percentage between 31.1% and 51.9% </a:t>
+              <a:t>68% of LGA has unsolved charge percentage between 31.1% and 51.9% </a:t>
             </a:r>
             <a:br>
               <a:rPr kumimoji="0" lang="en-US" altLang="en-US" sz="1800" b="0" i="0" u="none" strike="noStrike" cap="none" normalizeH="0" baseline="0" dirty="0">
@@ -9022,7 +10500,7 @@
                 <a:effectLst/>
                 <a:latin typeface="Courier New" panose="02070309020205020404" pitchFamily="49" charset="0"/>
               </a:rPr>
-              <a:t>95% of LGA has solved charge percentage between 20.7% and 62.3% </a:t>
+              <a:t>95% of LGA has unsolved charge percentage between 20.7% and 62.3% </a:t>
             </a:r>
             <a:br>
               <a:rPr kumimoji="0" lang="en-US" altLang="en-US" sz="1800" b="0" i="0" u="none" strike="noStrike" cap="none" normalizeH="0" baseline="0" dirty="0">
@@ -9047,7 +10525,7 @@
                 <a:effectLst/>
                 <a:latin typeface="Courier New" panose="02070309020205020404" pitchFamily="49" charset="0"/>
               </a:rPr>
-              <a:t>99.7% of LGA has solved charge percentage between 10.3% and 72.7%</a:t>
+              <a:t>99.7% of LGA has unsolved charge percentage between 10.3% and 72.7%</a:t>
             </a:r>
             <a:r>
               <a:rPr kumimoji="0" lang="en-US" altLang="en-US" sz="1800" b="0" i="0" u="none" strike="noStrike" cap="none" normalizeH="0" baseline="0" dirty="0">
@@ -9061,6 +10539,76 @@
               </a:rPr>
               <a:t> </a:t>
             </a:r>
+          </a:p>
+          <a:p>
+            <a:pPr marL="0" marR="0" lvl="0" indent="0" algn="l" defTabSz="914400" rtl="0" eaLnBrk="0" fontAlgn="base" latinLnBrk="0" hangingPunct="0">
+              <a:lnSpc>
+                <a:spcPct val="100000"/>
+              </a:lnSpc>
+              <a:spcBef>
+                <a:spcPct val="0"/>
+              </a:spcBef>
+              <a:spcAft>
+                <a:spcPct val="0"/>
+              </a:spcAft>
+              <a:buClrTx/>
+              <a:buSzTx/>
+              <a:buFontTx/>
+              <a:buNone/>
+              <a:tabLst/>
+            </a:pPr>
+            <a:endParaRPr kumimoji="0" lang="en-US" altLang="en-US" sz="1800" b="0" i="0" u="none" strike="noStrike" cap="none" normalizeH="0" baseline="0" dirty="0">
+              <a:ln>
+                <a:noFill/>
+              </a:ln>
+              <a:solidFill>
+                <a:schemeClr val="tx1"/>
+              </a:solidFill>
+              <a:effectLst/>
+              <a:latin typeface="Arial" panose="020B0604020202020204" pitchFamily="34" charset="0"/>
+            </a:endParaRPr>
+          </a:p>
+          <a:p>
+            <a:pPr marL="0" marR="0" lvl="0" indent="0" algn="l" defTabSz="914400" rtl="0" eaLnBrk="0" fontAlgn="base" latinLnBrk="0" hangingPunct="0">
+              <a:lnSpc>
+                <a:spcPct val="100000"/>
+              </a:lnSpc>
+              <a:spcBef>
+                <a:spcPct val="0"/>
+              </a:spcBef>
+              <a:spcAft>
+                <a:spcPct val="0"/>
+              </a:spcAft>
+              <a:buClrTx/>
+              <a:buSzTx/>
+              <a:buFontTx/>
+              <a:buNone/>
+              <a:tabLst/>
+            </a:pPr>
+            <a:endParaRPr lang="en-US" altLang="en-US" sz="1800" dirty="0">
+              <a:solidFill>
+                <a:schemeClr val="tx1"/>
+              </a:solidFill>
+              <a:latin typeface="Arial" panose="020B0604020202020204" pitchFamily="34" charset="0"/>
+            </a:endParaRPr>
+          </a:p>
+          <a:p>
+            <a:pPr marL="0" marR="0" lvl="0" indent="0" algn="l" defTabSz="914400" rtl="0" eaLnBrk="0" fontAlgn="base" latinLnBrk="0" hangingPunct="0">
+              <a:lnSpc>
+                <a:spcPct val="100000"/>
+              </a:lnSpc>
+              <a:spcBef>
+                <a:spcPct val="0"/>
+              </a:spcBef>
+              <a:spcAft>
+                <a:spcPct val="0"/>
+              </a:spcAft>
+              <a:buClrTx/>
+              <a:buSzTx/>
+              <a:buFontTx/>
+              <a:buNone/>
+              <a:tabLst/>
+            </a:pPr>
             <a:endParaRPr kumimoji="0" lang="en-US" altLang="en-US" sz="1800" b="0" i="0" u="none" strike="noStrike" cap="none" normalizeH="0" baseline="0" dirty="0">
               <a:ln>
                 <a:noFill/>
@@ -9087,7 +10635,3665 @@
 </p:sld>
 </file>
 
-<file path=ppt/slides/slide4.xml><?xml version="1.0" encoding="utf-8"?>
+<file path=ppt/slides/slide7.xml><?xml version="1.0" encoding="utf-8"?>
+<p:sld xmlns:a="http://schemas.openxmlformats.org/drawingml/2006/main" xmlns:r="http://schemas.openxmlformats.org/officeDocument/2006/relationships" xmlns:p="http://schemas.openxmlformats.org/presentationml/2006/main">
+  <p:cSld>
+    <p:spTree>
+      <p:nvGrpSpPr>
+        <p:cNvPr id="1" name=""/>
+        <p:cNvGrpSpPr/>
+        <p:nvPr/>
+      </p:nvGrpSpPr>
+      <p:grpSpPr>
+        <a:xfrm>
+          <a:off x="0" y="0"/>
+          <a:ext cx="0" cy="0"/>
+          <a:chOff x="0" y="0"/>
+          <a:chExt cx="0" cy="0"/>
+        </a:xfrm>
+      </p:grpSpPr>
+      <p:sp>
+        <p:nvSpPr>
+          <p:cNvPr id="2" name="Title 1">
+            <a:extLst>
+              <a:ext uri="{FF2B5EF4-FFF2-40B4-BE49-F238E27FC236}">
+                <a16:creationId xmlns:a16="http://schemas.microsoft.com/office/drawing/2014/main" id="{AEB41ADB-DB7E-4FF6-A5E1-2AE42FB3FF0C}"/>
+              </a:ext>
+            </a:extLst>
+          </p:cNvPr>
+          <p:cNvSpPr>
+            <a:spLocks noGrp="1"/>
+          </p:cNvSpPr>
+          <p:nvPr>
+            <p:ph type="title"/>
+          </p:nvPr>
+        </p:nvSpPr>
+        <p:spPr>
+          <a:xfrm>
+            <a:off x="1069848" y="502921"/>
+            <a:ext cx="9634011" cy="735676"/>
+          </a:xfrm>
+        </p:spPr>
+        <p:txBody>
+          <a:bodyPr/>
+          <a:lstStyle/>
+          <a:p>
+            <a:r>
+              <a:rPr lang="en-US" dirty="0">
+                <a:latin typeface="Slack-Lato"/>
+              </a:rPr>
+              <a:t>Top vs bottom 5 LGA in 2021</a:t>
+            </a:r>
+            <a:endParaRPr lang="en-AU" dirty="0">
+              <a:latin typeface="Slack-Lato"/>
+            </a:endParaRPr>
+          </a:p>
+        </p:txBody>
+      </p:sp>
+      <p:graphicFrame>
+        <p:nvGraphicFramePr>
+          <p:cNvPr id="4" name="Content Placeholder 3">
+            <a:extLst>
+              <a:ext uri="{FF2B5EF4-FFF2-40B4-BE49-F238E27FC236}">
+                <a16:creationId xmlns:a16="http://schemas.microsoft.com/office/drawing/2014/main" id="{A2B80416-0B16-4EF8-90B5-D3B432C56A6E}"/>
+              </a:ext>
+            </a:extLst>
+          </p:cNvPr>
+          <p:cNvGraphicFramePr>
+            <a:graphicFrameLocks noGrp="1"/>
+          </p:cNvGraphicFramePr>
+          <p:nvPr>
+            <p:ph idx="1"/>
+            <p:extLst>
+              <p:ext uri="{D42A27DB-BD31-4B8C-83A1-F6EECF244321}">
+                <p14:modId xmlns:p14="http://schemas.microsoft.com/office/powerpoint/2010/main" val="416596391"/>
+              </p:ext>
+            </p:extLst>
+          </p:nvPr>
+        </p:nvGraphicFramePr>
+        <p:xfrm>
+          <a:off x="1069848" y="1895302"/>
+          <a:ext cx="8423287" cy="3622422"/>
+        </p:xfrm>
+        <a:graphic>
+          <a:graphicData uri="http://schemas.openxmlformats.org/drawingml/2006/table">
+            <a:tbl>
+              <a:tblPr/>
+              <a:tblGrid>
+                <a:gridCol w="864524">
+                  <a:extLst>
+                    <a:ext uri="{9D8B030D-6E8A-4147-A177-3AD203B41FA5}">
+                      <a16:colId xmlns:a16="http://schemas.microsoft.com/office/drawing/2014/main" val="2570983823"/>
+                    </a:ext>
+                  </a:extLst>
+                </a:gridCol>
+                <a:gridCol w="2377109">
+                  <a:extLst>
+                    <a:ext uri="{9D8B030D-6E8A-4147-A177-3AD203B41FA5}">
+                      <a16:colId xmlns:a16="http://schemas.microsoft.com/office/drawing/2014/main" val="1033791137"/>
+                    </a:ext>
+                  </a:extLst>
+                </a:gridCol>
+                <a:gridCol w="1854068">
+                  <a:extLst>
+                    <a:ext uri="{9D8B030D-6E8A-4147-A177-3AD203B41FA5}">
+                      <a16:colId xmlns:a16="http://schemas.microsoft.com/office/drawing/2014/main" val="3965177709"/>
+                    </a:ext>
+                  </a:extLst>
+                </a:gridCol>
+                <a:gridCol w="1637608">
+                  <a:extLst>
+                    <a:ext uri="{9D8B030D-6E8A-4147-A177-3AD203B41FA5}">
+                      <a16:colId xmlns:a16="http://schemas.microsoft.com/office/drawing/2014/main" val="1545685539"/>
+                    </a:ext>
+                  </a:extLst>
+                </a:gridCol>
+                <a:gridCol w="1689978">
+                  <a:extLst>
+                    <a:ext uri="{9D8B030D-6E8A-4147-A177-3AD203B41FA5}">
+                      <a16:colId xmlns:a16="http://schemas.microsoft.com/office/drawing/2014/main" val="4106614754"/>
+                    </a:ext>
+                  </a:extLst>
+                </a:gridCol>
+              </a:tblGrid>
+              <a:tr h="440574">
+                <a:tc>
+                  <a:txBody>
+                    <a:bodyPr/>
+                    <a:lstStyle/>
+                    <a:p>
+                      <a:pPr algn="r" fontAlgn="ctr"/>
+                      <a:br>
+                        <a:rPr lang="en-AU" sz="1400" b="1" dirty="0">
+                          <a:effectLst/>
+                        </a:rPr>
+                      </a:br>
+                      <a:r>
+                        <a:rPr lang="en-AU" sz="1400" b="1" dirty="0">
+                          <a:effectLst/>
+                        </a:rPr>
+                        <a:t>Ranking</a:t>
+                      </a:r>
+                    </a:p>
+                  </a:txBody>
+                  <a:tcPr marL="69069" marR="69069" marT="34534" marB="34534" anchor="ctr">
+                    <a:lnL w="12700" cap="flat" cmpd="sng" algn="ctr">
+                      <a:solidFill>
+                        <a:schemeClr val="tx1"/>
+                      </a:solidFill>
+                      <a:prstDash val="solid"/>
+                      <a:round/>
+                      <a:headEnd type="none" w="med" len="med"/>
+                      <a:tailEnd type="none" w="med" len="med"/>
+                    </a:lnL>
+                    <a:lnR w="12700" cap="flat" cmpd="sng" algn="ctr">
+                      <a:solidFill>
+                        <a:schemeClr val="tx1"/>
+                      </a:solidFill>
+                      <a:prstDash val="solid"/>
+                      <a:round/>
+                      <a:headEnd type="none" w="med" len="med"/>
+                      <a:tailEnd type="none" w="med" len="med"/>
+                    </a:lnR>
+                    <a:lnT w="12700" cap="flat" cmpd="sng" algn="ctr">
+                      <a:solidFill>
+                        <a:schemeClr val="tx1"/>
+                      </a:solidFill>
+                      <a:prstDash val="solid"/>
+                      <a:round/>
+                      <a:headEnd type="none" w="med" len="med"/>
+                      <a:tailEnd type="none" w="med" len="med"/>
+                    </a:lnT>
+                    <a:lnB w="12700" cap="flat" cmpd="sng" algn="ctr">
+                      <a:solidFill>
+                        <a:schemeClr val="tx1"/>
+                      </a:solidFill>
+                      <a:prstDash val="solid"/>
+                      <a:round/>
+                      <a:headEnd type="none" w="med" len="med"/>
+                      <a:tailEnd type="none" w="med" len="med"/>
+                    </a:lnB>
+                    <a:solidFill>
+                      <a:srgbClr val="FFFFFF"/>
+                    </a:solidFill>
+                  </a:tcPr>
+                </a:tc>
+                <a:tc>
+                  <a:txBody>
+                    <a:bodyPr/>
+                    <a:lstStyle/>
+                    <a:p>
+                      <a:pPr algn="r" fontAlgn="ctr"/>
+                      <a:br>
+                        <a:rPr lang="en-AU" sz="1400" b="1" dirty="0">
+                          <a:effectLst/>
+                        </a:rPr>
+                      </a:br>
+                      <a:r>
+                        <a:rPr lang="en-AU" sz="1400" b="1" dirty="0">
+                          <a:effectLst/>
+                        </a:rPr>
+                        <a:t>Local Government Area</a:t>
+                      </a:r>
+                    </a:p>
+                  </a:txBody>
+                  <a:tcPr marL="69069" marR="69069" marT="34534" marB="34534" anchor="ctr">
+                    <a:lnL w="12700" cap="flat" cmpd="sng" algn="ctr">
+                      <a:solidFill>
+                        <a:schemeClr val="tx1"/>
+                      </a:solidFill>
+                      <a:prstDash val="solid"/>
+                      <a:round/>
+                      <a:headEnd type="none" w="med" len="med"/>
+                      <a:tailEnd type="none" w="med" len="med"/>
+                    </a:lnL>
+                    <a:lnR w="12700" cap="flat" cmpd="sng" algn="ctr">
+                      <a:solidFill>
+                        <a:schemeClr val="tx1"/>
+                      </a:solidFill>
+                      <a:prstDash val="solid"/>
+                      <a:round/>
+                      <a:headEnd type="none" w="med" len="med"/>
+                      <a:tailEnd type="none" w="med" len="med"/>
+                    </a:lnR>
+                    <a:lnT w="12700" cap="flat" cmpd="sng" algn="ctr">
+                      <a:solidFill>
+                        <a:schemeClr val="tx1"/>
+                      </a:solidFill>
+                      <a:prstDash val="solid"/>
+                      <a:round/>
+                      <a:headEnd type="none" w="med" len="med"/>
+                      <a:tailEnd type="none" w="med" len="med"/>
+                    </a:lnT>
+                    <a:lnB w="12700" cap="flat" cmpd="sng" algn="ctr">
+                      <a:solidFill>
+                        <a:schemeClr val="tx1"/>
+                      </a:solidFill>
+                      <a:prstDash val="solid"/>
+                      <a:round/>
+                      <a:headEnd type="none" w="med" len="med"/>
+                      <a:tailEnd type="none" w="med" len="med"/>
+                    </a:lnB>
+                    <a:solidFill>
+                      <a:srgbClr val="FFFFFF"/>
+                    </a:solidFill>
+                  </a:tcPr>
+                </a:tc>
+                <a:tc>
+                  <a:txBody>
+                    <a:bodyPr/>
+                    <a:lstStyle/>
+                    <a:p>
+                      <a:pPr algn="r" fontAlgn="ctr"/>
+                      <a:r>
+                        <a:rPr lang="en-AU" sz="1400" b="1" dirty="0">
+                          <a:effectLst/>
+                        </a:rPr>
+                        <a:t>Incidents Recorded</a:t>
+                      </a:r>
+                    </a:p>
+                  </a:txBody>
+                  <a:tcPr marL="69069" marR="69069" marT="34534" marB="34534" anchor="ctr">
+                    <a:lnL w="12700" cap="flat" cmpd="sng" algn="ctr">
+                      <a:solidFill>
+                        <a:schemeClr val="tx1"/>
+                      </a:solidFill>
+                      <a:prstDash val="solid"/>
+                      <a:round/>
+                      <a:headEnd type="none" w="med" len="med"/>
+                      <a:tailEnd type="none" w="med" len="med"/>
+                    </a:lnL>
+                    <a:lnR w="12700" cap="flat" cmpd="sng" algn="ctr">
+                      <a:solidFill>
+                        <a:schemeClr val="tx1"/>
+                      </a:solidFill>
+                      <a:prstDash val="solid"/>
+                      <a:round/>
+                      <a:headEnd type="none" w="med" len="med"/>
+                      <a:tailEnd type="none" w="med" len="med"/>
+                    </a:lnR>
+                    <a:lnT w="12700" cap="flat" cmpd="sng" algn="ctr">
+                      <a:solidFill>
+                        <a:schemeClr val="tx1"/>
+                      </a:solidFill>
+                      <a:prstDash val="solid"/>
+                      <a:round/>
+                      <a:headEnd type="none" w="med" len="med"/>
+                      <a:tailEnd type="none" w="med" len="med"/>
+                    </a:lnT>
+                    <a:lnB w="12700" cap="flat" cmpd="sng" algn="ctr">
+                      <a:solidFill>
+                        <a:schemeClr val="tx1"/>
+                      </a:solidFill>
+                      <a:prstDash val="solid"/>
+                      <a:round/>
+                      <a:headEnd type="none" w="med" len="med"/>
+                      <a:tailEnd type="none" w="med" len="med"/>
+                    </a:lnB>
+                    <a:solidFill>
+                      <a:srgbClr val="FFFFFF"/>
+                    </a:solidFill>
+                  </a:tcPr>
+                </a:tc>
+                <a:tc>
+                  <a:txBody>
+                    <a:bodyPr/>
+                    <a:lstStyle/>
+                    <a:p>
+                      <a:pPr algn="r" fontAlgn="ctr"/>
+                      <a:r>
+                        <a:rPr lang="en-AU" sz="1400" b="1" dirty="0">
+                          <a:effectLst/>
+                        </a:rPr>
+                        <a:t>Total Incidents</a:t>
+                      </a:r>
+                    </a:p>
+                  </a:txBody>
+                  <a:tcPr marL="69069" marR="69069" marT="34534" marB="34534" anchor="ctr">
+                    <a:lnL w="12700" cap="flat" cmpd="sng" algn="ctr">
+                      <a:solidFill>
+                        <a:schemeClr val="tx1"/>
+                      </a:solidFill>
+                      <a:prstDash val="solid"/>
+                      <a:round/>
+                      <a:headEnd type="none" w="med" len="med"/>
+                      <a:tailEnd type="none" w="med" len="med"/>
+                    </a:lnL>
+                    <a:lnR w="12700" cap="flat" cmpd="sng" algn="ctr">
+                      <a:solidFill>
+                        <a:schemeClr val="tx1"/>
+                      </a:solidFill>
+                      <a:prstDash val="solid"/>
+                      <a:round/>
+                      <a:headEnd type="none" w="med" len="med"/>
+                      <a:tailEnd type="none" w="med" len="med"/>
+                    </a:lnR>
+                    <a:lnT w="12700" cap="flat" cmpd="sng" algn="ctr">
+                      <a:solidFill>
+                        <a:schemeClr val="tx1"/>
+                      </a:solidFill>
+                      <a:prstDash val="solid"/>
+                      <a:round/>
+                      <a:headEnd type="none" w="med" len="med"/>
+                      <a:tailEnd type="none" w="med" len="med"/>
+                    </a:lnT>
+                    <a:lnB w="12700" cap="flat" cmpd="sng" algn="ctr">
+                      <a:solidFill>
+                        <a:schemeClr val="tx1"/>
+                      </a:solidFill>
+                      <a:prstDash val="solid"/>
+                      <a:round/>
+                      <a:headEnd type="none" w="med" len="med"/>
+                      <a:tailEnd type="none" w="med" len="med"/>
+                    </a:lnB>
+                    <a:solidFill>
+                      <a:srgbClr val="FFFFFF"/>
+                    </a:solidFill>
+                  </a:tcPr>
+                </a:tc>
+                <a:tc>
+                  <a:txBody>
+                    <a:bodyPr/>
+                    <a:lstStyle/>
+                    <a:p>
+                      <a:pPr algn="r" fontAlgn="ctr"/>
+                      <a:r>
+                        <a:rPr lang="en-AU" sz="1400" b="1" dirty="0">
+                          <a:effectLst/>
+                        </a:rPr>
+                        <a:t>Unsolved Status Percentage</a:t>
+                      </a:r>
+                    </a:p>
+                  </a:txBody>
+                  <a:tcPr marL="69069" marR="69069" marT="34534" marB="34534" anchor="ctr">
+                    <a:lnL w="12700" cap="flat" cmpd="sng" algn="ctr">
+                      <a:solidFill>
+                        <a:schemeClr val="tx1"/>
+                      </a:solidFill>
+                      <a:prstDash val="solid"/>
+                      <a:round/>
+                      <a:headEnd type="none" w="med" len="med"/>
+                      <a:tailEnd type="none" w="med" len="med"/>
+                    </a:lnL>
+                    <a:lnR w="12700" cap="flat" cmpd="sng" algn="ctr">
+                      <a:solidFill>
+                        <a:schemeClr val="tx1"/>
+                      </a:solidFill>
+                      <a:prstDash val="solid"/>
+                      <a:round/>
+                      <a:headEnd type="none" w="med" len="med"/>
+                      <a:tailEnd type="none" w="med" len="med"/>
+                    </a:lnR>
+                    <a:lnT w="12700" cap="flat" cmpd="sng" algn="ctr">
+                      <a:solidFill>
+                        <a:schemeClr val="tx1"/>
+                      </a:solidFill>
+                      <a:prstDash val="solid"/>
+                      <a:round/>
+                      <a:headEnd type="none" w="med" len="med"/>
+                      <a:tailEnd type="none" w="med" len="med"/>
+                    </a:lnT>
+                    <a:lnB w="12700" cap="flat" cmpd="sng" algn="ctr">
+                      <a:solidFill>
+                        <a:schemeClr val="tx1"/>
+                      </a:solidFill>
+                      <a:prstDash val="solid"/>
+                      <a:round/>
+                      <a:headEnd type="none" w="med" len="med"/>
+                      <a:tailEnd type="none" w="med" len="med"/>
+                    </a:lnB>
+                  </a:tcPr>
+                </a:tc>
+                <a:extLst>
+                  <a:ext uri="{0D108BD9-81ED-4DB2-BD59-A6C34878D82A}">
+                    <a16:rowId xmlns:a16="http://schemas.microsoft.com/office/drawing/2014/main" val="1541483268"/>
+                  </a:ext>
+                </a:extLst>
+              </a:tr>
+              <a:tr h="280977">
+                <a:tc>
+                  <a:txBody>
+                    <a:bodyPr/>
+                    <a:lstStyle/>
+                    <a:p>
+                      <a:pPr algn="r" fontAlgn="ctr"/>
+                      <a:r>
+                        <a:rPr lang="en-AU" sz="1400" b="1" dirty="0">
+                          <a:effectLst/>
+                        </a:rPr>
+                        <a:t>1</a:t>
+                      </a:r>
+                    </a:p>
+                  </a:txBody>
+                  <a:tcPr marL="69069" marR="69069" marT="34534" marB="34534" anchor="ctr">
+                    <a:lnL w="12700" cap="flat" cmpd="sng" algn="ctr">
+                      <a:solidFill>
+                        <a:schemeClr val="tx1"/>
+                      </a:solidFill>
+                      <a:prstDash val="solid"/>
+                      <a:round/>
+                      <a:headEnd type="none" w="med" len="med"/>
+                      <a:tailEnd type="none" w="med" len="med"/>
+                    </a:lnL>
+                    <a:lnR w="12700" cap="flat" cmpd="sng" algn="ctr">
+                      <a:solidFill>
+                        <a:schemeClr val="tx1"/>
+                      </a:solidFill>
+                      <a:prstDash val="solid"/>
+                      <a:round/>
+                      <a:headEnd type="none" w="med" len="med"/>
+                      <a:tailEnd type="none" w="med" len="med"/>
+                    </a:lnR>
+                    <a:lnT w="12700" cap="flat" cmpd="sng" algn="ctr">
+                      <a:solidFill>
+                        <a:schemeClr val="tx1"/>
+                      </a:solidFill>
+                      <a:prstDash val="solid"/>
+                      <a:round/>
+                      <a:headEnd type="none" w="med" len="med"/>
+                      <a:tailEnd type="none" w="med" len="med"/>
+                    </a:lnT>
+                    <a:lnB w="12700" cap="flat" cmpd="sng" algn="ctr">
+                      <a:solidFill>
+                        <a:schemeClr val="tx1"/>
+                      </a:solidFill>
+                      <a:prstDash val="solid"/>
+                      <a:round/>
+                      <a:headEnd type="none" w="med" len="med"/>
+                      <a:tailEnd type="none" w="med" len="med"/>
+                    </a:lnB>
+                    <a:solidFill>
+                      <a:srgbClr val="F5F5F5"/>
+                    </a:solidFill>
+                  </a:tcPr>
+                </a:tc>
+                <a:tc>
+                  <a:txBody>
+                    <a:bodyPr/>
+                    <a:lstStyle/>
+                    <a:p>
+                      <a:pPr algn="r" fontAlgn="ctr"/>
+                      <a:r>
+                        <a:rPr lang="en-AU" sz="1400" dirty="0">
+                          <a:effectLst/>
+                        </a:rPr>
+                        <a:t>Swan Hill</a:t>
+                      </a:r>
+                    </a:p>
+                  </a:txBody>
+                  <a:tcPr marL="69069" marR="69069" marT="34534" marB="34534" anchor="ctr">
+                    <a:lnL w="12700" cap="flat" cmpd="sng" algn="ctr">
+                      <a:solidFill>
+                        <a:schemeClr val="tx1"/>
+                      </a:solidFill>
+                      <a:prstDash val="solid"/>
+                      <a:round/>
+                      <a:headEnd type="none" w="med" len="med"/>
+                      <a:tailEnd type="none" w="med" len="med"/>
+                    </a:lnL>
+                    <a:lnR w="12700" cap="flat" cmpd="sng" algn="ctr">
+                      <a:solidFill>
+                        <a:schemeClr val="tx1"/>
+                      </a:solidFill>
+                      <a:prstDash val="solid"/>
+                      <a:round/>
+                      <a:headEnd type="none" w="med" len="med"/>
+                      <a:tailEnd type="none" w="med" len="med"/>
+                    </a:lnR>
+                    <a:lnT w="12700" cap="flat" cmpd="sng" algn="ctr">
+                      <a:solidFill>
+                        <a:schemeClr val="tx1"/>
+                      </a:solidFill>
+                      <a:prstDash val="solid"/>
+                      <a:round/>
+                      <a:headEnd type="none" w="med" len="med"/>
+                      <a:tailEnd type="none" w="med" len="med"/>
+                    </a:lnT>
+                    <a:lnB w="12700" cap="flat" cmpd="sng" algn="ctr">
+                      <a:solidFill>
+                        <a:schemeClr val="tx1"/>
+                      </a:solidFill>
+                      <a:prstDash val="solid"/>
+                      <a:round/>
+                      <a:headEnd type="none" w="med" len="med"/>
+                      <a:tailEnd type="none" w="med" len="med"/>
+                    </a:lnB>
+                    <a:solidFill>
+                      <a:srgbClr val="F5F5F5"/>
+                    </a:solidFill>
+                  </a:tcPr>
+                </a:tc>
+                <a:tc>
+                  <a:txBody>
+                    <a:bodyPr/>
+                    <a:lstStyle/>
+                    <a:p>
+                      <a:pPr algn="r" fontAlgn="ctr"/>
+                      <a:r>
+                        <a:rPr lang="en-AU" sz="1400">
+                          <a:effectLst/>
+                        </a:rPr>
+                        <a:t>362</a:t>
+                      </a:r>
+                    </a:p>
+                  </a:txBody>
+                  <a:tcPr marL="69069" marR="69069" marT="34534" marB="34534" anchor="ctr">
+                    <a:lnL w="12700" cap="flat" cmpd="sng" algn="ctr">
+                      <a:solidFill>
+                        <a:schemeClr val="tx1"/>
+                      </a:solidFill>
+                      <a:prstDash val="solid"/>
+                      <a:round/>
+                      <a:headEnd type="none" w="med" len="med"/>
+                      <a:tailEnd type="none" w="med" len="med"/>
+                    </a:lnL>
+                    <a:lnR w="12700" cap="flat" cmpd="sng" algn="ctr">
+                      <a:solidFill>
+                        <a:schemeClr val="tx1"/>
+                      </a:solidFill>
+                      <a:prstDash val="solid"/>
+                      <a:round/>
+                      <a:headEnd type="none" w="med" len="med"/>
+                      <a:tailEnd type="none" w="med" len="med"/>
+                    </a:lnR>
+                    <a:lnT w="12700" cap="flat" cmpd="sng" algn="ctr">
+                      <a:solidFill>
+                        <a:schemeClr val="tx1"/>
+                      </a:solidFill>
+                      <a:prstDash val="solid"/>
+                      <a:round/>
+                      <a:headEnd type="none" w="med" len="med"/>
+                      <a:tailEnd type="none" w="med" len="med"/>
+                    </a:lnT>
+                    <a:lnB w="12700" cap="flat" cmpd="sng" algn="ctr">
+                      <a:solidFill>
+                        <a:schemeClr val="tx1"/>
+                      </a:solidFill>
+                      <a:prstDash val="solid"/>
+                      <a:round/>
+                      <a:headEnd type="none" w="med" len="med"/>
+                      <a:tailEnd type="none" w="med" len="med"/>
+                    </a:lnB>
+                    <a:solidFill>
+                      <a:srgbClr val="F5F5F5"/>
+                    </a:solidFill>
+                  </a:tcPr>
+                </a:tc>
+                <a:tc>
+                  <a:txBody>
+                    <a:bodyPr/>
+                    <a:lstStyle/>
+                    <a:p>
+                      <a:pPr algn="r" fontAlgn="ctr"/>
+                      <a:r>
+                        <a:rPr lang="en-AU" sz="1400">
+                          <a:effectLst/>
+                        </a:rPr>
+                        <a:t>1810</a:t>
+                      </a:r>
+                    </a:p>
+                  </a:txBody>
+                  <a:tcPr marL="69069" marR="69069" marT="34534" marB="34534" anchor="ctr">
+                    <a:lnL w="12700" cap="flat" cmpd="sng" algn="ctr">
+                      <a:solidFill>
+                        <a:schemeClr val="tx1"/>
+                      </a:solidFill>
+                      <a:prstDash val="solid"/>
+                      <a:round/>
+                      <a:headEnd type="none" w="med" len="med"/>
+                      <a:tailEnd type="none" w="med" len="med"/>
+                    </a:lnL>
+                    <a:lnR w="12700" cap="flat" cmpd="sng" algn="ctr">
+                      <a:solidFill>
+                        <a:schemeClr val="tx1"/>
+                      </a:solidFill>
+                      <a:prstDash val="solid"/>
+                      <a:round/>
+                      <a:headEnd type="none" w="med" len="med"/>
+                      <a:tailEnd type="none" w="med" len="med"/>
+                    </a:lnR>
+                    <a:lnT w="12700" cap="flat" cmpd="sng" algn="ctr">
+                      <a:solidFill>
+                        <a:schemeClr val="tx1"/>
+                      </a:solidFill>
+                      <a:prstDash val="solid"/>
+                      <a:round/>
+                      <a:headEnd type="none" w="med" len="med"/>
+                      <a:tailEnd type="none" w="med" len="med"/>
+                    </a:lnT>
+                    <a:lnB w="12700" cap="flat" cmpd="sng" algn="ctr">
+                      <a:solidFill>
+                        <a:schemeClr val="tx1"/>
+                      </a:solidFill>
+                      <a:prstDash val="solid"/>
+                      <a:round/>
+                      <a:headEnd type="none" w="med" len="med"/>
+                      <a:tailEnd type="none" w="med" len="med"/>
+                    </a:lnB>
+                    <a:solidFill>
+                      <a:srgbClr val="F5F5F5"/>
+                    </a:solidFill>
+                  </a:tcPr>
+                </a:tc>
+                <a:tc>
+                  <a:txBody>
+                    <a:bodyPr/>
+                    <a:lstStyle/>
+                    <a:p>
+                      <a:pPr algn="r" fontAlgn="ctr"/>
+                      <a:r>
+                        <a:rPr lang="en-AU" sz="1400">
+                          <a:effectLst/>
+                        </a:rPr>
+                        <a:t>20.00</a:t>
+                      </a:r>
+                    </a:p>
+                  </a:txBody>
+                  <a:tcPr marL="69069" marR="69069" marT="34534" marB="34534" anchor="ctr">
+                    <a:lnL w="12700" cap="flat" cmpd="sng" algn="ctr">
+                      <a:solidFill>
+                        <a:schemeClr val="tx1"/>
+                      </a:solidFill>
+                      <a:prstDash val="solid"/>
+                      <a:round/>
+                      <a:headEnd type="none" w="med" len="med"/>
+                      <a:tailEnd type="none" w="med" len="med"/>
+                    </a:lnL>
+                    <a:lnR w="12700" cap="flat" cmpd="sng" algn="ctr">
+                      <a:solidFill>
+                        <a:schemeClr val="tx1"/>
+                      </a:solidFill>
+                      <a:prstDash val="solid"/>
+                      <a:round/>
+                      <a:headEnd type="none" w="med" len="med"/>
+                      <a:tailEnd type="none" w="med" len="med"/>
+                    </a:lnR>
+                    <a:lnT w="12700" cap="flat" cmpd="sng" algn="ctr">
+                      <a:solidFill>
+                        <a:schemeClr val="tx1"/>
+                      </a:solidFill>
+                      <a:prstDash val="solid"/>
+                      <a:round/>
+                      <a:headEnd type="none" w="med" len="med"/>
+                      <a:tailEnd type="none" w="med" len="med"/>
+                    </a:lnT>
+                    <a:lnB w="12700" cap="flat" cmpd="sng" algn="ctr">
+                      <a:solidFill>
+                        <a:schemeClr val="tx1"/>
+                      </a:solidFill>
+                      <a:prstDash val="solid"/>
+                      <a:round/>
+                      <a:headEnd type="none" w="med" len="med"/>
+                      <a:tailEnd type="none" w="med" len="med"/>
+                    </a:lnB>
+                    <a:solidFill>
+                      <a:srgbClr val="F5F5F5"/>
+                    </a:solidFill>
+                  </a:tcPr>
+                </a:tc>
+                <a:extLst>
+                  <a:ext uri="{0D108BD9-81ED-4DB2-BD59-A6C34878D82A}">
+                    <a16:rowId xmlns:a16="http://schemas.microsoft.com/office/drawing/2014/main" val="3659791911"/>
+                  </a:ext>
+                </a:extLst>
+              </a:tr>
+              <a:tr h="302354">
+                <a:tc>
+                  <a:txBody>
+                    <a:bodyPr/>
+                    <a:lstStyle/>
+                    <a:p>
+                      <a:pPr algn="r" fontAlgn="ctr"/>
+                      <a:r>
+                        <a:rPr lang="en-AU" sz="1400" b="1" dirty="0">
+                          <a:effectLst/>
+                        </a:rPr>
+                        <a:t>2</a:t>
+                      </a:r>
+                    </a:p>
+                  </a:txBody>
+                  <a:tcPr marL="69069" marR="69069" marT="34534" marB="34534" anchor="ctr">
+                    <a:lnL w="12700" cap="flat" cmpd="sng" algn="ctr">
+                      <a:solidFill>
+                        <a:schemeClr val="tx1"/>
+                      </a:solidFill>
+                      <a:prstDash val="solid"/>
+                      <a:round/>
+                      <a:headEnd type="none" w="med" len="med"/>
+                      <a:tailEnd type="none" w="med" len="med"/>
+                    </a:lnL>
+                    <a:lnR w="12700" cap="flat" cmpd="sng" algn="ctr">
+                      <a:solidFill>
+                        <a:schemeClr val="tx1"/>
+                      </a:solidFill>
+                      <a:prstDash val="solid"/>
+                      <a:round/>
+                      <a:headEnd type="none" w="med" len="med"/>
+                      <a:tailEnd type="none" w="med" len="med"/>
+                    </a:lnR>
+                    <a:lnT w="12700" cap="flat" cmpd="sng" algn="ctr">
+                      <a:solidFill>
+                        <a:schemeClr val="tx1"/>
+                      </a:solidFill>
+                      <a:prstDash val="solid"/>
+                      <a:round/>
+                      <a:headEnd type="none" w="med" len="med"/>
+                      <a:tailEnd type="none" w="med" len="med"/>
+                    </a:lnT>
+                    <a:lnB w="12700" cap="flat" cmpd="sng" algn="ctr">
+                      <a:solidFill>
+                        <a:schemeClr val="tx1"/>
+                      </a:solidFill>
+                      <a:prstDash val="solid"/>
+                      <a:round/>
+                      <a:headEnd type="none" w="med" len="med"/>
+                      <a:tailEnd type="none" w="med" len="med"/>
+                    </a:lnB>
+                    <a:solidFill>
+                      <a:srgbClr val="FFFFFF"/>
+                    </a:solidFill>
+                  </a:tcPr>
+                </a:tc>
+                <a:tc>
+                  <a:txBody>
+                    <a:bodyPr/>
+                    <a:lstStyle/>
+                    <a:p>
+                      <a:pPr algn="r" fontAlgn="ctr"/>
+                      <a:r>
+                        <a:rPr lang="en-AU" sz="1400">
+                          <a:effectLst/>
+                        </a:rPr>
+                        <a:t>Southern Grampians</a:t>
+                      </a:r>
+                    </a:p>
+                  </a:txBody>
+                  <a:tcPr marL="69069" marR="69069" marT="34534" marB="34534" anchor="ctr">
+                    <a:lnL w="12700" cap="flat" cmpd="sng" algn="ctr">
+                      <a:solidFill>
+                        <a:schemeClr val="tx1"/>
+                      </a:solidFill>
+                      <a:prstDash val="solid"/>
+                      <a:round/>
+                      <a:headEnd type="none" w="med" len="med"/>
+                      <a:tailEnd type="none" w="med" len="med"/>
+                    </a:lnL>
+                    <a:lnR w="12700" cap="flat" cmpd="sng" algn="ctr">
+                      <a:solidFill>
+                        <a:schemeClr val="tx1"/>
+                      </a:solidFill>
+                      <a:prstDash val="solid"/>
+                      <a:round/>
+                      <a:headEnd type="none" w="med" len="med"/>
+                      <a:tailEnd type="none" w="med" len="med"/>
+                    </a:lnR>
+                    <a:lnT w="12700" cap="flat" cmpd="sng" algn="ctr">
+                      <a:solidFill>
+                        <a:schemeClr val="tx1"/>
+                      </a:solidFill>
+                      <a:prstDash val="solid"/>
+                      <a:round/>
+                      <a:headEnd type="none" w="med" len="med"/>
+                      <a:tailEnd type="none" w="med" len="med"/>
+                    </a:lnT>
+                    <a:lnB w="12700" cap="flat" cmpd="sng" algn="ctr">
+                      <a:solidFill>
+                        <a:schemeClr val="tx1"/>
+                      </a:solidFill>
+                      <a:prstDash val="solid"/>
+                      <a:round/>
+                      <a:headEnd type="none" w="med" len="med"/>
+                      <a:tailEnd type="none" w="med" len="med"/>
+                    </a:lnB>
+                    <a:solidFill>
+                      <a:srgbClr val="FFFFFF"/>
+                    </a:solidFill>
+                  </a:tcPr>
+                </a:tc>
+                <a:tc>
+                  <a:txBody>
+                    <a:bodyPr/>
+                    <a:lstStyle/>
+                    <a:p>
+                      <a:pPr algn="r" fontAlgn="ctr"/>
+                      <a:r>
+                        <a:rPr lang="en-AU" sz="1400">
+                          <a:effectLst/>
+                        </a:rPr>
+                        <a:t>172</a:t>
+                      </a:r>
+                    </a:p>
+                  </a:txBody>
+                  <a:tcPr marL="69069" marR="69069" marT="34534" marB="34534" anchor="ctr">
+                    <a:lnL w="12700" cap="flat" cmpd="sng" algn="ctr">
+                      <a:solidFill>
+                        <a:schemeClr val="tx1"/>
+                      </a:solidFill>
+                      <a:prstDash val="solid"/>
+                      <a:round/>
+                      <a:headEnd type="none" w="med" len="med"/>
+                      <a:tailEnd type="none" w="med" len="med"/>
+                    </a:lnL>
+                    <a:lnR w="12700" cap="flat" cmpd="sng" algn="ctr">
+                      <a:solidFill>
+                        <a:schemeClr val="tx1"/>
+                      </a:solidFill>
+                      <a:prstDash val="solid"/>
+                      <a:round/>
+                      <a:headEnd type="none" w="med" len="med"/>
+                      <a:tailEnd type="none" w="med" len="med"/>
+                    </a:lnR>
+                    <a:lnT w="12700" cap="flat" cmpd="sng" algn="ctr">
+                      <a:solidFill>
+                        <a:schemeClr val="tx1"/>
+                      </a:solidFill>
+                      <a:prstDash val="solid"/>
+                      <a:round/>
+                      <a:headEnd type="none" w="med" len="med"/>
+                      <a:tailEnd type="none" w="med" len="med"/>
+                    </a:lnT>
+                    <a:lnB w="12700" cap="flat" cmpd="sng" algn="ctr">
+                      <a:solidFill>
+                        <a:schemeClr val="tx1"/>
+                      </a:solidFill>
+                      <a:prstDash val="solid"/>
+                      <a:round/>
+                      <a:headEnd type="none" w="med" len="med"/>
+                      <a:tailEnd type="none" w="med" len="med"/>
+                    </a:lnB>
+                    <a:solidFill>
+                      <a:srgbClr val="FFFFFF"/>
+                    </a:solidFill>
+                  </a:tcPr>
+                </a:tc>
+                <a:tc>
+                  <a:txBody>
+                    <a:bodyPr/>
+                    <a:lstStyle/>
+                    <a:p>
+                      <a:pPr algn="r" fontAlgn="ctr"/>
+                      <a:r>
+                        <a:rPr lang="en-AU" sz="1400">
+                          <a:effectLst/>
+                        </a:rPr>
+                        <a:t>780</a:t>
+                      </a:r>
+                    </a:p>
+                  </a:txBody>
+                  <a:tcPr marL="69069" marR="69069" marT="34534" marB="34534" anchor="ctr">
+                    <a:lnL w="12700" cap="flat" cmpd="sng" algn="ctr">
+                      <a:solidFill>
+                        <a:schemeClr val="tx1"/>
+                      </a:solidFill>
+                      <a:prstDash val="solid"/>
+                      <a:round/>
+                      <a:headEnd type="none" w="med" len="med"/>
+                      <a:tailEnd type="none" w="med" len="med"/>
+                    </a:lnL>
+                    <a:lnR w="12700" cap="flat" cmpd="sng" algn="ctr">
+                      <a:solidFill>
+                        <a:schemeClr val="tx1"/>
+                      </a:solidFill>
+                      <a:prstDash val="solid"/>
+                      <a:round/>
+                      <a:headEnd type="none" w="med" len="med"/>
+                      <a:tailEnd type="none" w="med" len="med"/>
+                    </a:lnR>
+                    <a:lnT w="12700" cap="flat" cmpd="sng" algn="ctr">
+                      <a:solidFill>
+                        <a:schemeClr val="tx1"/>
+                      </a:solidFill>
+                      <a:prstDash val="solid"/>
+                      <a:round/>
+                      <a:headEnd type="none" w="med" len="med"/>
+                      <a:tailEnd type="none" w="med" len="med"/>
+                    </a:lnT>
+                    <a:lnB w="12700" cap="flat" cmpd="sng" algn="ctr">
+                      <a:solidFill>
+                        <a:schemeClr val="tx1"/>
+                      </a:solidFill>
+                      <a:prstDash val="solid"/>
+                      <a:round/>
+                      <a:headEnd type="none" w="med" len="med"/>
+                      <a:tailEnd type="none" w="med" len="med"/>
+                    </a:lnB>
+                    <a:solidFill>
+                      <a:srgbClr val="FFFFFF"/>
+                    </a:solidFill>
+                  </a:tcPr>
+                </a:tc>
+                <a:tc>
+                  <a:txBody>
+                    <a:bodyPr/>
+                    <a:lstStyle/>
+                    <a:p>
+                      <a:pPr algn="r" fontAlgn="ctr"/>
+                      <a:r>
+                        <a:rPr lang="en-AU" sz="1400">
+                          <a:effectLst/>
+                        </a:rPr>
+                        <a:t>22.05</a:t>
+                      </a:r>
+                    </a:p>
+                  </a:txBody>
+                  <a:tcPr marL="69069" marR="69069" marT="34534" marB="34534" anchor="ctr">
+                    <a:lnL w="12700" cap="flat" cmpd="sng" algn="ctr">
+                      <a:solidFill>
+                        <a:schemeClr val="tx1"/>
+                      </a:solidFill>
+                      <a:prstDash val="solid"/>
+                      <a:round/>
+                      <a:headEnd type="none" w="med" len="med"/>
+                      <a:tailEnd type="none" w="med" len="med"/>
+                    </a:lnL>
+                    <a:lnR w="12700" cap="flat" cmpd="sng" algn="ctr">
+                      <a:solidFill>
+                        <a:schemeClr val="tx1"/>
+                      </a:solidFill>
+                      <a:prstDash val="solid"/>
+                      <a:round/>
+                      <a:headEnd type="none" w="med" len="med"/>
+                      <a:tailEnd type="none" w="med" len="med"/>
+                    </a:lnR>
+                    <a:lnT w="12700" cap="flat" cmpd="sng" algn="ctr">
+                      <a:solidFill>
+                        <a:schemeClr val="tx1"/>
+                      </a:solidFill>
+                      <a:prstDash val="solid"/>
+                      <a:round/>
+                      <a:headEnd type="none" w="med" len="med"/>
+                      <a:tailEnd type="none" w="med" len="med"/>
+                    </a:lnT>
+                    <a:lnB w="12700" cap="flat" cmpd="sng" algn="ctr">
+                      <a:solidFill>
+                        <a:schemeClr val="tx1"/>
+                      </a:solidFill>
+                      <a:prstDash val="solid"/>
+                      <a:round/>
+                      <a:headEnd type="none" w="med" len="med"/>
+                      <a:tailEnd type="none" w="med" len="med"/>
+                    </a:lnB>
+                    <a:solidFill>
+                      <a:srgbClr val="FFFFFF"/>
+                    </a:solidFill>
+                  </a:tcPr>
+                </a:tc>
+                <a:extLst>
+                  <a:ext uri="{0D108BD9-81ED-4DB2-BD59-A6C34878D82A}">
+                    <a16:rowId xmlns:a16="http://schemas.microsoft.com/office/drawing/2014/main" val="78687144"/>
+                  </a:ext>
+                </a:extLst>
+              </a:tr>
+              <a:tr h="280977">
+                <a:tc>
+                  <a:txBody>
+                    <a:bodyPr/>
+                    <a:lstStyle/>
+                    <a:p>
+                      <a:pPr algn="r" fontAlgn="ctr"/>
+                      <a:r>
+                        <a:rPr lang="en-AU" sz="1400" b="1" dirty="0">
+                          <a:effectLst/>
+                        </a:rPr>
+                        <a:t>3</a:t>
+                      </a:r>
+                    </a:p>
+                  </a:txBody>
+                  <a:tcPr marL="69069" marR="69069" marT="34534" marB="34534" anchor="ctr">
+                    <a:lnL w="12700" cap="flat" cmpd="sng" algn="ctr">
+                      <a:solidFill>
+                        <a:schemeClr val="tx1"/>
+                      </a:solidFill>
+                      <a:prstDash val="solid"/>
+                      <a:round/>
+                      <a:headEnd type="none" w="med" len="med"/>
+                      <a:tailEnd type="none" w="med" len="med"/>
+                    </a:lnL>
+                    <a:lnR w="12700" cap="flat" cmpd="sng" algn="ctr">
+                      <a:solidFill>
+                        <a:schemeClr val="tx1"/>
+                      </a:solidFill>
+                      <a:prstDash val="solid"/>
+                      <a:round/>
+                      <a:headEnd type="none" w="med" len="med"/>
+                      <a:tailEnd type="none" w="med" len="med"/>
+                    </a:lnR>
+                    <a:lnT w="12700" cap="flat" cmpd="sng" algn="ctr">
+                      <a:solidFill>
+                        <a:schemeClr val="tx1"/>
+                      </a:solidFill>
+                      <a:prstDash val="solid"/>
+                      <a:round/>
+                      <a:headEnd type="none" w="med" len="med"/>
+                      <a:tailEnd type="none" w="med" len="med"/>
+                    </a:lnT>
+                    <a:lnB w="12700" cap="flat" cmpd="sng" algn="ctr">
+                      <a:solidFill>
+                        <a:schemeClr val="tx1"/>
+                      </a:solidFill>
+                      <a:prstDash val="solid"/>
+                      <a:round/>
+                      <a:headEnd type="none" w="med" len="med"/>
+                      <a:tailEnd type="none" w="med" len="med"/>
+                    </a:lnB>
+                    <a:solidFill>
+                      <a:srgbClr val="F5F5F5"/>
+                    </a:solidFill>
+                  </a:tcPr>
+                </a:tc>
+                <a:tc>
+                  <a:txBody>
+                    <a:bodyPr/>
+                    <a:lstStyle/>
+                    <a:p>
+                      <a:pPr algn="r" fontAlgn="ctr"/>
+                      <a:r>
+                        <a:rPr lang="en-AU" sz="1400">
+                          <a:effectLst/>
+                        </a:rPr>
+                        <a:t>Ararat</a:t>
+                      </a:r>
+                    </a:p>
+                  </a:txBody>
+                  <a:tcPr marL="69069" marR="69069" marT="34534" marB="34534" anchor="ctr">
+                    <a:lnL w="12700" cap="flat" cmpd="sng" algn="ctr">
+                      <a:solidFill>
+                        <a:schemeClr val="tx1"/>
+                      </a:solidFill>
+                      <a:prstDash val="solid"/>
+                      <a:round/>
+                      <a:headEnd type="none" w="med" len="med"/>
+                      <a:tailEnd type="none" w="med" len="med"/>
+                    </a:lnL>
+                    <a:lnR w="12700" cap="flat" cmpd="sng" algn="ctr">
+                      <a:solidFill>
+                        <a:schemeClr val="tx1"/>
+                      </a:solidFill>
+                      <a:prstDash val="solid"/>
+                      <a:round/>
+                      <a:headEnd type="none" w="med" len="med"/>
+                      <a:tailEnd type="none" w="med" len="med"/>
+                    </a:lnR>
+                    <a:lnT w="12700" cap="flat" cmpd="sng" algn="ctr">
+                      <a:solidFill>
+                        <a:schemeClr val="tx1"/>
+                      </a:solidFill>
+                      <a:prstDash val="solid"/>
+                      <a:round/>
+                      <a:headEnd type="none" w="med" len="med"/>
+                      <a:tailEnd type="none" w="med" len="med"/>
+                    </a:lnT>
+                    <a:lnB w="12700" cap="flat" cmpd="sng" algn="ctr">
+                      <a:solidFill>
+                        <a:schemeClr val="tx1"/>
+                      </a:solidFill>
+                      <a:prstDash val="solid"/>
+                      <a:round/>
+                      <a:headEnd type="none" w="med" len="med"/>
+                      <a:tailEnd type="none" w="med" len="med"/>
+                    </a:lnB>
+                    <a:solidFill>
+                      <a:srgbClr val="F5F5F5"/>
+                    </a:solidFill>
+                  </a:tcPr>
+                </a:tc>
+                <a:tc>
+                  <a:txBody>
+                    <a:bodyPr/>
+                    <a:lstStyle/>
+                    <a:p>
+                      <a:pPr algn="r" fontAlgn="ctr"/>
+                      <a:r>
+                        <a:rPr lang="en-AU" sz="1400" dirty="0">
+                          <a:effectLst/>
+                        </a:rPr>
+                        <a:t>259</a:t>
+                      </a:r>
+                    </a:p>
+                  </a:txBody>
+                  <a:tcPr marL="69069" marR="69069" marT="34534" marB="34534" anchor="ctr">
+                    <a:lnL w="12700" cap="flat" cmpd="sng" algn="ctr">
+                      <a:solidFill>
+                        <a:schemeClr val="tx1"/>
+                      </a:solidFill>
+                      <a:prstDash val="solid"/>
+                      <a:round/>
+                      <a:headEnd type="none" w="med" len="med"/>
+                      <a:tailEnd type="none" w="med" len="med"/>
+                    </a:lnL>
+                    <a:lnR w="12700" cap="flat" cmpd="sng" algn="ctr">
+                      <a:solidFill>
+                        <a:schemeClr val="tx1"/>
+                      </a:solidFill>
+                      <a:prstDash val="solid"/>
+                      <a:round/>
+                      <a:headEnd type="none" w="med" len="med"/>
+                      <a:tailEnd type="none" w="med" len="med"/>
+                    </a:lnR>
+                    <a:lnT w="12700" cap="flat" cmpd="sng" algn="ctr">
+                      <a:solidFill>
+                        <a:schemeClr val="tx1"/>
+                      </a:solidFill>
+                      <a:prstDash val="solid"/>
+                      <a:round/>
+                      <a:headEnd type="none" w="med" len="med"/>
+                      <a:tailEnd type="none" w="med" len="med"/>
+                    </a:lnT>
+                    <a:lnB w="12700" cap="flat" cmpd="sng" algn="ctr">
+                      <a:solidFill>
+                        <a:schemeClr val="tx1"/>
+                      </a:solidFill>
+                      <a:prstDash val="solid"/>
+                      <a:round/>
+                      <a:headEnd type="none" w="med" len="med"/>
+                      <a:tailEnd type="none" w="med" len="med"/>
+                    </a:lnB>
+                    <a:solidFill>
+                      <a:srgbClr val="F5F5F5"/>
+                    </a:solidFill>
+                  </a:tcPr>
+                </a:tc>
+                <a:tc>
+                  <a:txBody>
+                    <a:bodyPr/>
+                    <a:lstStyle/>
+                    <a:p>
+                      <a:pPr algn="r" fontAlgn="ctr"/>
+                      <a:r>
+                        <a:rPr lang="en-AU" sz="1400">
+                          <a:effectLst/>
+                        </a:rPr>
+                        <a:t>1134</a:t>
+                      </a:r>
+                    </a:p>
+                  </a:txBody>
+                  <a:tcPr marL="69069" marR="69069" marT="34534" marB="34534" anchor="ctr">
+                    <a:lnL w="12700" cap="flat" cmpd="sng" algn="ctr">
+                      <a:solidFill>
+                        <a:schemeClr val="tx1"/>
+                      </a:solidFill>
+                      <a:prstDash val="solid"/>
+                      <a:round/>
+                      <a:headEnd type="none" w="med" len="med"/>
+                      <a:tailEnd type="none" w="med" len="med"/>
+                    </a:lnL>
+                    <a:lnR w="12700" cap="flat" cmpd="sng" algn="ctr">
+                      <a:solidFill>
+                        <a:schemeClr val="tx1"/>
+                      </a:solidFill>
+                      <a:prstDash val="solid"/>
+                      <a:round/>
+                      <a:headEnd type="none" w="med" len="med"/>
+                      <a:tailEnd type="none" w="med" len="med"/>
+                    </a:lnR>
+                    <a:lnT w="12700" cap="flat" cmpd="sng" algn="ctr">
+                      <a:solidFill>
+                        <a:schemeClr val="tx1"/>
+                      </a:solidFill>
+                      <a:prstDash val="solid"/>
+                      <a:round/>
+                      <a:headEnd type="none" w="med" len="med"/>
+                      <a:tailEnd type="none" w="med" len="med"/>
+                    </a:lnT>
+                    <a:lnB w="12700" cap="flat" cmpd="sng" algn="ctr">
+                      <a:solidFill>
+                        <a:schemeClr val="tx1"/>
+                      </a:solidFill>
+                      <a:prstDash val="solid"/>
+                      <a:round/>
+                      <a:headEnd type="none" w="med" len="med"/>
+                      <a:tailEnd type="none" w="med" len="med"/>
+                    </a:lnB>
+                    <a:solidFill>
+                      <a:srgbClr val="F5F5F5"/>
+                    </a:solidFill>
+                  </a:tcPr>
+                </a:tc>
+                <a:tc>
+                  <a:txBody>
+                    <a:bodyPr/>
+                    <a:lstStyle/>
+                    <a:p>
+                      <a:pPr algn="r" fontAlgn="ctr"/>
+                      <a:r>
+                        <a:rPr lang="en-AU" sz="1400">
+                          <a:effectLst/>
+                        </a:rPr>
+                        <a:t>22.84</a:t>
+                      </a:r>
+                    </a:p>
+                  </a:txBody>
+                  <a:tcPr marL="69069" marR="69069" marT="34534" marB="34534" anchor="ctr">
+                    <a:lnL w="12700" cap="flat" cmpd="sng" algn="ctr">
+                      <a:solidFill>
+                        <a:schemeClr val="tx1"/>
+                      </a:solidFill>
+                      <a:prstDash val="solid"/>
+                      <a:round/>
+                      <a:headEnd type="none" w="med" len="med"/>
+                      <a:tailEnd type="none" w="med" len="med"/>
+                    </a:lnL>
+                    <a:lnR w="12700" cap="flat" cmpd="sng" algn="ctr">
+                      <a:solidFill>
+                        <a:schemeClr val="tx1"/>
+                      </a:solidFill>
+                      <a:prstDash val="solid"/>
+                      <a:round/>
+                      <a:headEnd type="none" w="med" len="med"/>
+                      <a:tailEnd type="none" w="med" len="med"/>
+                    </a:lnR>
+                    <a:lnT w="12700" cap="flat" cmpd="sng" algn="ctr">
+                      <a:solidFill>
+                        <a:schemeClr val="tx1"/>
+                      </a:solidFill>
+                      <a:prstDash val="solid"/>
+                      <a:round/>
+                      <a:headEnd type="none" w="med" len="med"/>
+                      <a:tailEnd type="none" w="med" len="med"/>
+                    </a:lnT>
+                    <a:lnB w="12700" cap="flat" cmpd="sng" algn="ctr">
+                      <a:solidFill>
+                        <a:schemeClr val="tx1"/>
+                      </a:solidFill>
+                      <a:prstDash val="solid"/>
+                      <a:round/>
+                      <a:headEnd type="none" w="med" len="med"/>
+                      <a:tailEnd type="none" w="med" len="med"/>
+                    </a:lnB>
+                    <a:solidFill>
+                      <a:srgbClr val="F5F5F5"/>
+                    </a:solidFill>
+                  </a:tcPr>
+                </a:tc>
+                <a:extLst>
+                  <a:ext uri="{0D108BD9-81ED-4DB2-BD59-A6C34878D82A}">
+                    <a16:rowId xmlns:a16="http://schemas.microsoft.com/office/drawing/2014/main" val="1004060511"/>
+                  </a:ext>
+                </a:extLst>
+              </a:tr>
+              <a:tr h="280977">
+                <a:tc>
+                  <a:txBody>
+                    <a:bodyPr/>
+                    <a:lstStyle/>
+                    <a:p>
+                      <a:pPr algn="r" fontAlgn="ctr"/>
+                      <a:r>
+                        <a:rPr lang="en-AU" sz="1400" b="1" dirty="0">
+                          <a:effectLst/>
+                        </a:rPr>
+                        <a:t>4</a:t>
+                      </a:r>
+                    </a:p>
+                  </a:txBody>
+                  <a:tcPr marL="69069" marR="69069" marT="34534" marB="34534" anchor="ctr">
+                    <a:lnL w="12700" cap="flat" cmpd="sng" algn="ctr">
+                      <a:solidFill>
+                        <a:schemeClr val="tx1"/>
+                      </a:solidFill>
+                      <a:prstDash val="solid"/>
+                      <a:round/>
+                      <a:headEnd type="none" w="med" len="med"/>
+                      <a:tailEnd type="none" w="med" len="med"/>
+                    </a:lnL>
+                    <a:lnR w="12700" cap="flat" cmpd="sng" algn="ctr">
+                      <a:solidFill>
+                        <a:schemeClr val="tx1"/>
+                      </a:solidFill>
+                      <a:prstDash val="solid"/>
+                      <a:round/>
+                      <a:headEnd type="none" w="med" len="med"/>
+                      <a:tailEnd type="none" w="med" len="med"/>
+                    </a:lnR>
+                    <a:lnT w="12700" cap="flat" cmpd="sng" algn="ctr">
+                      <a:solidFill>
+                        <a:schemeClr val="tx1"/>
+                      </a:solidFill>
+                      <a:prstDash val="solid"/>
+                      <a:round/>
+                      <a:headEnd type="none" w="med" len="med"/>
+                      <a:tailEnd type="none" w="med" len="med"/>
+                    </a:lnT>
+                    <a:lnB w="12700" cap="flat" cmpd="sng" algn="ctr">
+                      <a:solidFill>
+                        <a:schemeClr val="tx1"/>
+                      </a:solidFill>
+                      <a:prstDash val="solid"/>
+                      <a:round/>
+                      <a:headEnd type="none" w="med" len="med"/>
+                      <a:tailEnd type="none" w="med" len="med"/>
+                    </a:lnB>
+                    <a:solidFill>
+                      <a:srgbClr val="FFFFFF"/>
+                    </a:solidFill>
+                  </a:tcPr>
+                </a:tc>
+                <a:tc>
+                  <a:txBody>
+                    <a:bodyPr/>
+                    <a:lstStyle/>
+                    <a:p>
+                      <a:pPr algn="r" fontAlgn="ctr"/>
+                      <a:r>
+                        <a:rPr lang="en-AU" sz="1400" dirty="0">
+                          <a:effectLst/>
+                        </a:rPr>
+                        <a:t>Wangaratta</a:t>
+                      </a:r>
+                    </a:p>
+                  </a:txBody>
+                  <a:tcPr marL="69069" marR="69069" marT="34534" marB="34534" anchor="ctr">
+                    <a:lnL w="12700" cap="flat" cmpd="sng" algn="ctr">
+                      <a:solidFill>
+                        <a:schemeClr val="tx1"/>
+                      </a:solidFill>
+                      <a:prstDash val="solid"/>
+                      <a:round/>
+                      <a:headEnd type="none" w="med" len="med"/>
+                      <a:tailEnd type="none" w="med" len="med"/>
+                    </a:lnL>
+                    <a:lnR w="12700" cap="flat" cmpd="sng" algn="ctr">
+                      <a:solidFill>
+                        <a:schemeClr val="tx1"/>
+                      </a:solidFill>
+                      <a:prstDash val="solid"/>
+                      <a:round/>
+                      <a:headEnd type="none" w="med" len="med"/>
+                      <a:tailEnd type="none" w="med" len="med"/>
+                    </a:lnR>
+                    <a:lnT w="12700" cap="flat" cmpd="sng" algn="ctr">
+                      <a:solidFill>
+                        <a:schemeClr val="tx1"/>
+                      </a:solidFill>
+                      <a:prstDash val="solid"/>
+                      <a:round/>
+                      <a:headEnd type="none" w="med" len="med"/>
+                      <a:tailEnd type="none" w="med" len="med"/>
+                    </a:lnT>
+                    <a:lnB w="12700" cap="flat" cmpd="sng" algn="ctr">
+                      <a:solidFill>
+                        <a:schemeClr val="tx1"/>
+                      </a:solidFill>
+                      <a:prstDash val="solid"/>
+                      <a:round/>
+                      <a:headEnd type="none" w="med" len="med"/>
+                      <a:tailEnd type="none" w="med" len="med"/>
+                    </a:lnB>
+                    <a:solidFill>
+                      <a:srgbClr val="FFFFFF"/>
+                    </a:solidFill>
+                  </a:tcPr>
+                </a:tc>
+                <a:tc>
+                  <a:txBody>
+                    <a:bodyPr/>
+                    <a:lstStyle/>
+                    <a:p>
+                      <a:pPr algn="r" fontAlgn="ctr"/>
+                      <a:r>
+                        <a:rPr lang="en-AU" sz="1400">
+                          <a:effectLst/>
+                        </a:rPr>
+                        <a:t>395</a:t>
+                      </a:r>
+                    </a:p>
+                  </a:txBody>
+                  <a:tcPr marL="69069" marR="69069" marT="34534" marB="34534" anchor="ctr">
+                    <a:lnL w="12700" cap="flat" cmpd="sng" algn="ctr">
+                      <a:solidFill>
+                        <a:schemeClr val="tx1"/>
+                      </a:solidFill>
+                      <a:prstDash val="solid"/>
+                      <a:round/>
+                      <a:headEnd type="none" w="med" len="med"/>
+                      <a:tailEnd type="none" w="med" len="med"/>
+                    </a:lnL>
+                    <a:lnR w="12700" cap="flat" cmpd="sng" algn="ctr">
+                      <a:solidFill>
+                        <a:schemeClr val="tx1"/>
+                      </a:solidFill>
+                      <a:prstDash val="solid"/>
+                      <a:round/>
+                      <a:headEnd type="none" w="med" len="med"/>
+                      <a:tailEnd type="none" w="med" len="med"/>
+                    </a:lnR>
+                    <a:lnT w="12700" cap="flat" cmpd="sng" algn="ctr">
+                      <a:solidFill>
+                        <a:schemeClr val="tx1"/>
+                      </a:solidFill>
+                      <a:prstDash val="solid"/>
+                      <a:round/>
+                      <a:headEnd type="none" w="med" len="med"/>
+                      <a:tailEnd type="none" w="med" len="med"/>
+                    </a:lnT>
+                    <a:lnB w="12700" cap="flat" cmpd="sng" algn="ctr">
+                      <a:solidFill>
+                        <a:schemeClr val="tx1"/>
+                      </a:solidFill>
+                      <a:prstDash val="solid"/>
+                      <a:round/>
+                      <a:headEnd type="none" w="med" len="med"/>
+                      <a:tailEnd type="none" w="med" len="med"/>
+                    </a:lnB>
+                    <a:solidFill>
+                      <a:srgbClr val="FFFFFF"/>
+                    </a:solidFill>
+                  </a:tcPr>
+                </a:tc>
+                <a:tc>
+                  <a:txBody>
+                    <a:bodyPr/>
+                    <a:lstStyle/>
+                    <a:p>
+                      <a:pPr algn="r" fontAlgn="ctr"/>
+                      <a:r>
+                        <a:rPr lang="en-AU" sz="1400">
+                          <a:effectLst/>
+                        </a:rPr>
+                        <a:t>1631</a:t>
+                      </a:r>
+                    </a:p>
+                  </a:txBody>
+                  <a:tcPr marL="69069" marR="69069" marT="34534" marB="34534" anchor="ctr">
+                    <a:lnL w="12700" cap="flat" cmpd="sng" algn="ctr">
+                      <a:solidFill>
+                        <a:schemeClr val="tx1"/>
+                      </a:solidFill>
+                      <a:prstDash val="solid"/>
+                      <a:round/>
+                      <a:headEnd type="none" w="med" len="med"/>
+                      <a:tailEnd type="none" w="med" len="med"/>
+                    </a:lnL>
+                    <a:lnR w="12700" cap="flat" cmpd="sng" algn="ctr">
+                      <a:solidFill>
+                        <a:schemeClr val="tx1"/>
+                      </a:solidFill>
+                      <a:prstDash val="solid"/>
+                      <a:round/>
+                      <a:headEnd type="none" w="med" len="med"/>
+                      <a:tailEnd type="none" w="med" len="med"/>
+                    </a:lnR>
+                    <a:lnT w="12700" cap="flat" cmpd="sng" algn="ctr">
+                      <a:solidFill>
+                        <a:schemeClr val="tx1"/>
+                      </a:solidFill>
+                      <a:prstDash val="solid"/>
+                      <a:round/>
+                      <a:headEnd type="none" w="med" len="med"/>
+                      <a:tailEnd type="none" w="med" len="med"/>
+                    </a:lnT>
+                    <a:lnB w="12700" cap="flat" cmpd="sng" algn="ctr">
+                      <a:solidFill>
+                        <a:schemeClr val="tx1"/>
+                      </a:solidFill>
+                      <a:prstDash val="solid"/>
+                      <a:round/>
+                      <a:headEnd type="none" w="med" len="med"/>
+                      <a:tailEnd type="none" w="med" len="med"/>
+                    </a:lnB>
+                    <a:solidFill>
+                      <a:srgbClr val="FFFFFF"/>
+                    </a:solidFill>
+                  </a:tcPr>
+                </a:tc>
+                <a:tc>
+                  <a:txBody>
+                    <a:bodyPr/>
+                    <a:lstStyle/>
+                    <a:p>
+                      <a:pPr algn="r" fontAlgn="ctr"/>
+                      <a:r>
+                        <a:rPr lang="en-AU" sz="1400">
+                          <a:effectLst/>
+                        </a:rPr>
+                        <a:t>24.22</a:t>
+                      </a:r>
+                    </a:p>
+                  </a:txBody>
+                  <a:tcPr marL="69069" marR="69069" marT="34534" marB="34534" anchor="ctr">
+                    <a:lnL w="12700" cap="flat" cmpd="sng" algn="ctr">
+                      <a:solidFill>
+                        <a:schemeClr val="tx1"/>
+                      </a:solidFill>
+                      <a:prstDash val="solid"/>
+                      <a:round/>
+                      <a:headEnd type="none" w="med" len="med"/>
+                      <a:tailEnd type="none" w="med" len="med"/>
+                    </a:lnL>
+                    <a:lnR w="12700" cap="flat" cmpd="sng" algn="ctr">
+                      <a:solidFill>
+                        <a:schemeClr val="tx1"/>
+                      </a:solidFill>
+                      <a:prstDash val="solid"/>
+                      <a:round/>
+                      <a:headEnd type="none" w="med" len="med"/>
+                      <a:tailEnd type="none" w="med" len="med"/>
+                    </a:lnR>
+                    <a:lnT w="12700" cap="flat" cmpd="sng" algn="ctr">
+                      <a:solidFill>
+                        <a:schemeClr val="tx1"/>
+                      </a:solidFill>
+                      <a:prstDash val="solid"/>
+                      <a:round/>
+                      <a:headEnd type="none" w="med" len="med"/>
+                      <a:tailEnd type="none" w="med" len="med"/>
+                    </a:lnT>
+                    <a:lnB w="12700" cap="flat" cmpd="sng" algn="ctr">
+                      <a:solidFill>
+                        <a:schemeClr val="tx1"/>
+                      </a:solidFill>
+                      <a:prstDash val="solid"/>
+                      <a:round/>
+                      <a:headEnd type="none" w="med" len="med"/>
+                      <a:tailEnd type="none" w="med" len="med"/>
+                    </a:lnB>
+                    <a:solidFill>
+                      <a:srgbClr val="FFFFFF"/>
+                    </a:solidFill>
+                  </a:tcPr>
+                </a:tc>
+                <a:extLst>
+                  <a:ext uri="{0D108BD9-81ED-4DB2-BD59-A6C34878D82A}">
+                    <a16:rowId xmlns:a16="http://schemas.microsoft.com/office/drawing/2014/main" val="1564199050"/>
+                  </a:ext>
+                </a:extLst>
+              </a:tr>
+              <a:tr h="266416">
+                <a:tc>
+                  <a:txBody>
+                    <a:bodyPr/>
+                    <a:lstStyle/>
+                    <a:p>
+                      <a:pPr algn="r" fontAlgn="ctr"/>
+                      <a:r>
+                        <a:rPr lang="en-AU" sz="1400" b="1" dirty="0">
+                          <a:effectLst/>
+                        </a:rPr>
+                        <a:t>5</a:t>
+                      </a:r>
+                    </a:p>
+                  </a:txBody>
+                  <a:tcPr marL="69069" marR="69069" marT="34534" marB="34534" anchor="ctr">
+                    <a:lnL w="12700" cap="flat" cmpd="sng" algn="ctr">
+                      <a:solidFill>
+                        <a:schemeClr val="tx1"/>
+                      </a:solidFill>
+                      <a:prstDash val="solid"/>
+                      <a:round/>
+                      <a:headEnd type="none" w="med" len="med"/>
+                      <a:tailEnd type="none" w="med" len="med"/>
+                    </a:lnL>
+                    <a:lnR w="12700" cap="flat" cmpd="sng" algn="ctr">
+                      <a:solidFill>
+                        <a:schemeClr val="tx1"/>
+                      </a:solidFill>
+                      <a:prstDash val="solid"/>
+                      <a:round/>
+                      <a:headEnd type="none" w="med" len="med"/>
+                      <a:tailEnd type="none" w="med" len="med"/>
+                    </a:lnR>
+                    <a:lnT w="12700" cap="flat" cmpd="sng" algn="ctr">
+                      <a:solidFill>
+                        <a:schemeClr val="tx1"/>
+                      </a:solidFill>
+                      <a:prstDash val="solid"/>
+                      <a:round/>
+                      <a:headEnd type="none" w="med" len="med"/>
+                      <a:tailEnd type="none" w="med" len="med"/>
+                    </a:lnT>
+                    <a:lnB w="12700" cap="flat" cmpd="sng" algn="ctr">
+                      <a:solidFill>
+                        <a:schemeClr val="tx1"/>
+                      </a:solidFill>
+                      <a:prstDash val="solid"/>
+                      <a:round/>
+                      <a:headEnd type="none" w="med" len="med"/>
+                      <a:tailEnd type="none" w="med" len="med"/>
+                    </a:lnB>
+                    <a:solidFill>
+                      <a:srgbClr val="F5F5F5"/>
+                    </a:solidFill>
+                  </a:tcPr>
+                </a:tc>
+                <a:tc>
+                  <a:txBody>
+                    <a:bodyPr/>
+                    <a:lstStyle/>
+                    <a:p>
+                      <a:pPr algn="r" fontAlgn="ctr"/>
+                      <a:r>
+                        <a:rPr lang="en-AU" sz="1400">
+                          <a:effectLst/>
+                        </a:rPr>
+                        <a:t>Northern Grampians</a:t>
+                      </a:r>
+                    </a:p>
+                  </a:txBody>
+                  <a:tcPr marL="69069" marR="69069" marT="34534" marB="34534" anchor="ctr">
+                    <a:lnL w="12700" cap="flat" cmpd="sng" algn="ctr">
+                      <a:solidFill>
+                        <a:schemeClr val="tx1"/>
+                      </a:solidFill>
+                      <a:prstDash val="solid"/>
+                      <a:round/>
+                      <a:headEnd type="none" w="med" len="med"/>
+                      <a:tailEnd type="none" w="med" len="med"/>
+                    </a:lnL>
+                    <a:lnR w="12700" cap="flat" cmpd="sng" algn="ctr">
+                      <a:solidFill>
+                        <a:schemeClr val="tx1"/>
+                      </a:solidFill>
+                      <a:prstDash val="solid"/>
+                      <a:round/>
+                      <a:headEnd type="none" w="med" len="med"/>
+                      <a:tailEnd type="none" w="med" len="med"/>
+                    </a:lnR>
+                    <a:lnT w="12700" cap="flat" cmpd="sng" algn="ctr">
+                      <a:solidFill>
+                        <a:schemeClr val="tx1"/>
+                      </a:solidFill>
+                      <a:prstDash val="solid"/>
+                      <a:round/>
+                      <a:headEnd type="none" w="med" len="med"/>
+                      <a:tailEnd type="none" w="med" len="med"/>
+                    </a:lnT>
+                    <a:lnB w="12700" cap="flat" cmpd="sng" algn="ctr">
+                      <a:solidFill>
+                        <a:schemeClr val="tx1"/>
+                      </a:solidFill>
+                      <a:prstDash val="solid"/>
+                      <a:round/>
+                      <a:headEnd type="none" w="med" len="med"/>
+                      <a:tailEnd type="none" w="med" len="med"/>
+                    </a:lnB>
+                    <a:solidFill>
+                      <a:srgbClr val="F5F5F5"/>
+                    </a:solidFill>
+                  </a:tcPr>
+                </a:tc>
+                <a:tc>
+                  <a:txBody>
+                    <a:bodyPr/>
+                    <a:lstStyle/>
+                    <a:p>
+                      <a:pPr algn="r" fontAlgn="ctr"/>
+                      <a:r>
+                        <a:rPr lang="en-AU" sz="1400">
+                          <a:effectLst/>
+                        </a:rPr>
+                        <a:t>233</a:t>
+                      </a:r>
+                    </a:p>
+                  </a:txBody>
+                  <a:tcPr marL="69069" marR="69069" marT="34534" marB="34534" anchor="ctr">
+                    <a:lnL w="12700" cap="flat" cmpd="sng" algn="ctr">
+                      <a:solidFill>
+                        <a:schemeClr val="tx1"/>
+                      </a:solidFill>
+                      <a:prstDash val="solid"/>
+                      <a:round/>
+                      <a:headEnd type="none" w="med" len="med"/>
+                      <a:tailEnd type="none" w="med" len="med"/>
+                    </a:lnL>
+                    <a:lnR w="12700" cap="flat" cmpd="sng" algn="ctr">
+                      <a:solidFill>
+                        <a:schemeClr val="tx1"/>
+                      </a:solidFill>
+                      <a:prstDash val="solid"/>
+                      <a:round/>
+                      <a:headEnd type="none" w="med" len="med"/>
+                      <a:tailEnd type="none" w="med" len="med"/>
+                    </a:lnR>
+                    <a:lnT w="12700" cap="flat" cmpd="sng" algn="ctr">
+                      <a:solidFill>
+                        <a:schemeClr val="tx1"/>
+                      </a:solidFill>
+                      <a:prstDash val="solid"/>
+                      <a:round/>
+                      <a:headEnd type="none" w="med" len="med"/>
+                      <a:tailEnd type="none" w="med" len="med"/>
+                    </a:lnT>
+                    <a:lnB w="12700" cap="flat" cmpd="sng" algn="ctr">
+                      <a:solidFill>
+                        <a:schemeClr val="tx1"/>
+                      </a:solidFill>
+                      <a:prstDash val="solid"/>
+                      <a:round/>
+                      <a:headEnd type="none" w="med" len="med"/>
+                      <a:tailEnd type="none" w="med" len="med"/>
+                    </a:lnB>
+                    <a:solidFill>
+                      <a:srgbClr val="F5F5F5"/>
+                    </a:solidFill>
+                  </a:tcPr>
+                </a:tc>
+                <a:tc>
+                  <a:txBody>
+                    <a:bodyPr/>
+                    <a:lstStyle/>
+                    <a:p>
+                      <a:pPr algn="r" fontAlgn="ctr"/>
+                      <a:r>
+                        <a:rPr lang="en-AU" sz="1400" dirty="0">
+                          <a:effectLst/>
+                        </a:rPr>
+                        <a:t>879</a:t>
+                      </a:r>
+                    </a:p>
+                  </a:txBody>
+                  <a:tcPr marL="69069" marR="69069" marT="34534" marB="34534" anchor="ctr">
+                    <a:lnL w="12700" cap="flat" cmpd="sng" algn="ctr">
+                      <a:solidFill>
+                        <a:schemeClr val="tx1"/>
+                      </a:solidFill>
+                      <a:prstDash val="solid"/>
+                      <a:round/>
+                      <a:headEnd type="none" w="med" len="med"/>
+                      <a:tailEnd type="none" w="med" len="med"/>
+                    </a:lnL>
+                    <a:lnR w="12700" cap="flat" cmpd="sng" algn="ctr">
+                      <a:solidFill>
+                        <a:schemeClr val="tx1"/>
+                      </a:solidFill>
+                      <a:prstDash val="solid"/>
+                      <a:round/>
+                      <a:headEnd type="none" w="med" len="med"/>
+                      <a:tailEnd type="none" w="med" len="med"/>
+                    </a:lnR>
+                    <a:lnT w="12700" cap="flat" cmpd="sng" algn="ctr">
+                      <a:solidFill>
+                        <a:schemeClr val="tx1"/>
+                      </a:solidFill>
+                      <a:prstDash val="solid"/>
+                      <a:round/>
+                      <a:headEnd type="none" w="med" len="med"/>
+                      <a:tailEnd type="none" w="med" len="med"/>
+                    </a:lnT>
+                    <a:lnB w="12700" cap="flat" cmpd="sng" algn="ctr">
+                      <a:solidFill>
+                        <a:schemeClr val="tx1"/>
+                      </a:solidFill>
+                      <a:prstDash val="solid"/>
+                      <a:round/>
+                      <a:headEnd type="none" w="med" len="med"/>
+                      <a:tailEnd type="none" w="med" len="med"/>
+                    </a:lnB>
+                    <a:solidFill>
+                      <a:srgbClr val="F5F5F5"/>
+                    </a:solidFill>
+                  </a:tcPr>
+                </a:tc>
+                <a:tc>
+                  <a:txBody>
+                    <a:bodyPr/>
+                    <a:lstStyle/>
+                    <a:p>
+                      <a:pPr algn="r" fontAlgn="ctr"/>
+                      <a:r>
+                        <a:rPr lang="en-AU" sz="1400" dirty="0">
+                          <a:effectLst/>
+                        </a:rPr>
+                        <a:t>26.51</a:t>
+                      </a:r>
+                    </a:p>
+                  </a:txBody>
+                  <a:tcPr marL="69069" marR="69069" marT="34534" marB="34534" anchor="ctr">
+                    <a:lnL w="12700" cap="flat" cmpd="sng" algn="ctr">
+                      <a:solidFill>
+                        <a:schemeClr val="tx1"/>
+                      </a:solidFill>
+                      <a:prstDash val="solid"/>
+                      <a:round/>
+                      <a:headEnd type="none" w="med" len="med"/>
+                      <a:tailEnd type="none" w="med" len="med"/>
+                    </a:lnL>
+                    <a:lnR w="12700" cap="flat" cmpd="sng" algn="ctr">
+                      <a:solidFill>
+                        <a:schemeClr val="tx1"/>
+                      </a:solidFill>
+                      <a:prstDash val="solid"/>
+                      <a:round/>
+                      <a:headEnd type="none" w="med" len="med"/>
+                      <a:tailEnd type="none" w="med" len="med"/>
+                    </a:lnR>
+                    <a:lnT w="12700" cap="flat" cmpd="sng" algn="ctr">
+                      <a:solidFill>
+                        <a:schemeClr val="tx1"/>
+                      </a:solidFill>
+                      <a:prstDash val="solid"/>
+                      <a:round/>
+                      <a:headEnd type="none" w="med" len="med"/>
+                      <a:tailEnd type="none" w="med" len="med"/>
+                    </a:lnT>
+                    <a:lnB w="12700" cap="flat" cmpd="sng" algn="ctr">
+                      <a:solidFill>
+                        <a:schemeClr val="tx1"/>
+                      </a:solidFill>
+                      <a:prstDash val="solid"/>
+                      <a:round/>
+                      <a:headEnd type="none" w="med" len="med"/>
+                      <a:tailEnd type="none" w="med" len="med"/>
+                    </a:lnB>
+                    <a:solidFill>
+                      <a:srgbClr val="F5F5F5"/>
+                    </a:solidFill>
+                  </a:tcPr>
+                </a:tc>
+                <a:extLst>
+                  <a:ext uri="{0D108BD9-81ED-4DB2-BD59-A6C34878D82A}">
+                    <a16:rowId xmlns:a16="http://schemas.microsoft.com/office/drawing/2014/main" val="2741226210"/>
+                  </a:ext>
+                </a:extLst>
+              </a:tr>
+              <a:tr h="280977">
+                <a:tc>
+                  <a:txBody>
+                    <a:bodyPr/>
+                    <a:lstStyle/>
+                    <a:p>
+                      <a:pPr algn="r" fontAlgn="ctr"/>
+                      <a:r>
+                        <a:rPr lang="en-AU" sz="1400" b="1">
+                          <a:effectLst/>
+                        </a:rPr>
+                        <a:t>...</a:t>
+                      </a:r>
+                      <a:endParaRPr lang="en-AU" sz="1400" b="1" dirty="0">
+                        <a:effectLst/>
+                      </a:endParaRPr>
+                    </a:p>
+                  </a:txBody>
+                  <a:tcPr marL="69069" marR="69069" marT="34534" marB="34534" anchor="ctr">
+                    <a:lnL w="12700" cap="flat" cmpd="sng" algn="ctr">
+                      <a:solidFill>
+                        <a:schemeClr val="tx1"/>
+                      </a:solidFill>
+                      <a:prstDash val="solid"/>
+                      <a:round/>
+                      <a:headEnd type="none" w="med" len="med"/>
+                      <a:tailEnd type="none" w="med" len="med"/>
+                    </a:lnL>
+                    <a:lnR w="12700" cap="flat" cmpd="sng" algn="ctr">
+                      <a:solidFill>
+                        <a:schemeClr val="tx1"/>
+                      </a:solidFill>
+                      <a:prstDash val="solid"/>
+                      <a:round/>
+                      <a:headEnd type="none" w="med" len="med"/>
+                      <a:tailEnd type="none" w="med" len="med"/>
+                    </a:lnR>
+                    <a:lnT w="12700" cap="flat" cmpd="sng" algn="ctr">
+                      <a:solidFill>
+                        <a:schemeClr val="tx1"/>
+                      </a:solidFill>
+                      <a:prstDash val="solid"/>
+                      <a:round/>
+                      <a:headEnd type="none" w="med" len="med"/>
+                      <a:tailEnd type="none" w="med" len="med"/>
+                    </a:lnT>
+                    <a:lnB w="12700" cap="flat" cmpd="sng" algn="ctr">
+                      <a:solidFill>
+                        <a:schemeClr val="tx1"/>
+                      </a:solidFill>
+                      <a:prstDash val="solid"/>
+                      <a:round/>
+                      <a:headEnd type="none" w="med" len="med"/>
+                      <a:tailEnd type="none" w="med" len="med"/>
+                    </a:lnB>
+                    <a:solidFill>
+                      <a:srgbClr val="FFFFFF"/>
+                    </a:solidFill>
+                  </a:tcPr>
+                </a:tc>
+                <a:tc>
+                  <a:txBody>
+                    <a:bodyPr/>
+                    <a:lstStyle/>
+                    <a:p>
+                      <a:pPr algn="r" fontAlgn="ctr"/>
+                      <a:r>
+                        <a:rPr lang="en-AU" sz="1400">
+                          <a:effectLst/>
+                        </a:rPr>
+                        <a:t>...</a:t>
+                      </a:r>
+                      <a:endParaRPr lang="en-AU" sz="1400" dirty="0">
+                        <a:effectLst/>
+                      </a:endParaRPr>
+                    </a:p>
+                  </a:txBody>
+                  <a:tcPr marL="69069" marR="69069" marT="34534" marB="34534" anchor="ctr">
+                    <a:lnL w="12700" cap="flat" cmpd="sng" algn="ctr">
+                      <a:solidFill>
+                        <a:schemeClr val="tx1"/>
+                      </a:solidFill>
+                      <a:prstDash val="solid"/>
+                      <a:round/>
+                      <a:headEnd type="none" w="med" len="med"/>
+                      <a:tailEnd type="none" w="med" len="med"/>
+                    </a:lnL>
+                    <a:lnR w="12700" cap="flat" cmpd="sng" algn="ctr">
+                      <a:solidFill>
+                        <a:schemeClr val="tx1"/>
+                      </a:solidFill>
+                      <a:prstDash val="solid"/>
+                      <a:round/>
+                      <a:headEnd type="none" w="med" len="med"/>
+                      <a:tailEnd type="none" w="med" len="med"/>
+                    </a:lnR>
+                    <a:lnT w="12700" cap="flat" cmpd="sng" algn="ctr">
+                      <a:solidFill>
+                        <a:schemeClr val="tx1"/>
+                      </a:solidFill>
+                      <a:prstDash val="solid"/>
+                      <a:round/>
+                      <a:headEnd type="none" w="med" len="med"/>
+                      <a:tailEnd type="none" w="med" len="med"/>
+                    </a:lnT>
+                    <a:lnB w="12700" cap="flat" cmpd="sng" algn="ctr">
+                      <a:solidFill>
+                        <a:schemeClr val="tx1"/>
+                      </a:solidFill>
+                      <a:prstDash val="solid"/>
+                      <a:round/>
+                      <a:headEnd type="none" w="med" len="med"/>
+                      <a:tailEnd type="none" w="med" len="med"/>
+                    </a:lnB>
+                    <a:solidFill>
+                      <a:srgbClr val="FFFFFF"/>
+                    </a:solidFill>
+                  </a:tcPr>
+                </a:tc>
+                <a:tc>
+                  <a:txBody>
+                    <a:bodyPr/>
+                    <a:lstStyle/>
+                    <a:p>
+                      <a:pPr algn="r" fontAlgn="ctr"/>
+                      <a:r>
+                        <a:rPr lang="en-AU" sz="1400">
+                          <a:effectLst/>
+                        </a:rPr>
+                        <a:t>...</a:t>
+                      </a:r>
+                    </a:p>
+                  </a:txBody>
+                  <a:tcPr marL="69069" marR="69069" marT="34534" marB="34534" anchor="ctr">
+                    <a:lnL w="12700" cap="flat" cmpd="sng" algn="ctr">
+                      <a:solidFill>
+                        <a:schemeClr val="tx1"/>
+                      </a:solidFill>
+                      <a:prstDash val="solid"/>
+                      <a:round/>
+                      <a:headEnd type="none" w="med" len="med"/>
+                      <a:tailEnd type="none" w="med" len="med"/>
+                    </a:lnL>
+                    <a:lnR w="12700" cap="flat" cmpd="sng" algn="ctr">
+                      <a:solidFill>
+                        <a:schemeClr val="tx1"/>
+                      </a:solidFill>
+                      <a:prstDash val="solid"/>
+                      <a:round/>
+                      <a:headEnd type="none" w="med" len="med"/>
+                      <a:tailEnd type="none" w="med" len="med"/>
+                    </a:lnR>
+                    <a:lnT w="12700" cap="flat" cmpd="sng" algn="ctr">
+                      <a:solidFill>
+                        <a:schemeClr val="tx1"/>
+                      </a:solidFill>
+                      <a:prstDash val="solid"/>
+                      <a:round/>
+                      <a:headEnd type="none" w="med" len="med"/>
+                      <a:tailEnd type="none" w="med" len="med"/>
+                    </a:lnT>
+                    <a:lnB w="12700" cap="flat" cmpd="sng" algn="ctr">
+                      <a:solidFill>
+                        <a:schemeClr val="tx1"/>
+                      </a:solidFill>
+                      <a:prstDash val="solid"/>
+                      <a:round/>
+                      <a:headEnd type="none" w="med" len="med"/>
+                      <a:tailEnd type="none" w="med" len="med"/>
+                    </a:lnB>
+                    <a:solidFill>
+                      <a:srgbClr val="FFFFFF"/>
+                    </a:solidFill>
+                  </a:tcPr>
+                </a:tc>
+                <a:tc>
+                  <a:txBody>
+                    <a:bodyPr/>
+                    <a:lstStyle/>
+                    <a:p>
+                      <a:pPr algn="r" fontAlgn="ctr"/>
+                      <a:r>
+                        <a:rPr lang="en-AU" sz="1400">
+                          <a:effectLst/>
+                        </a:rPr>
+                        <a:t>...</a:t>
+                      </a:r>
+                      <a:endParaRPr lang="en-AU" sz="1400" dirty="0">
+                        <a:effectLst/>
+                      </a:endParaRPr>
+                    </a:p>
+                  </a:txBody>
+                  <a:tcPr marL="69069" marR="69069" marT="34534" marB="34534" anchor="ctr">
+                    <a:lnL w="12700" cap="flat" cmpd="sng" algn="ctr">
+                      <a:solidFill>
+                        <a:schemeClr val="tx1"/>
+                      </a:solidFill>
+                      <a:prstDash val="solid"/>
+                      <a:round/>
+                      <a:headEnd type="none" w="med" len="med"/>
+                      <a:tailEnd type="none" w="med" len="med"/>
+                    </a:lnL>
+                    <a:lnR w="12700" cap="flat" cmpd="sng" algn="ctr">
+                      <a:solidFill>
+                        <a:schemeClr val="tx1"/>
+                      </a:solidFill>
+                      <a:prstDash val="solid"/>
+                      <a:round/>
+                      <a:headEnd type="none" w="med" len="med"/>
+                      <a:tailEnd type="none" w="med" len="med"/>
+                    </a:lnR>
+                    <a:lnT w="12700" cap="flat" cmpd="sng" algn="ctr">
+                      <a:solidFill>
+                        <a:schemeClr val="tx1"/>
+                      </a:solidFill>
+                      <a:prstDash val="solid"/>
+                      <a:round/>
+                      <a:headEnd type="none" w="med" len="med"/>
+                      <a:tailEnd type="none" w="med" len="med"/>
+                    </a:lnT>
+                    <a:lnB w="12700" cap="flat" cmpd="sng" algn="ctr">
+                      <a:solidFill>
+                        <a:schemeClr val="tx1"/>
+                      </a:solidFill>
+                      <a:prstDash val="solid"/>
+                      <a:round/>
+                      <a:headEnd type="none" w="med" len="med"/>
+                      <a:tailEnd type="none" w="med" len="med"/>
+                    </a:lnB>
+                    <a:solidFill>
+                      <a:srgbClr val="FFFFFF"/>
+                    </a:solidFill>
+                  </a:tcPr>
+                </a:tc>
+                <a:tc>
+                  <a:txBody>
+                    <a:bodyPr/>
+                    <a:lstStyle/>
+                    <a:p>
+                      <a:pPr algn="r" fontAlgn="ctr"/>
+                      <a:r>
+                        <a:rPr lang="en-AU" sz="1400">
+                          <a:effectLst/>
+                        </a:rPr>
+                        <a:t>...</a:t>
+                      </a:r>
+                    </a:p>
+                  </a:txBody>
+                  <a:tcPr marL="69069" marR="69069" marT="34534" marB="34534" anchor="ctr">
+                    <a:lnL w="12700" cap="flat" cmpd="sng" algn="ctr">
+                      <a:solidFill>
+                        <a:schemeClr val="tx1"/>
+                      </a:solidFill>
+                      <a:prstDash val="solid"/>
+                      <a:round/>
+                      <a:headEnd type="none" w="med" len="med"/>
+                      <a:tailEnd type="none" w="med" len="med"/>
+                    </a:lnL>
+                    <a:lnR w="12700" cap="flat" cmpd="sng" algn="ctr">
+                      <a:solidFill>
+                        <a:schemeClr val="tx1"/>
+                      </a:solidFill>
+                      <a:prstDash val="solid"/>
+                      <a:round/>
+                      <a:headEnd type="none" w="med" len="med"/>
+                      <a:tailEnd type="none" w="med" len="med"/>
+                    </a:lnR>
+                    <a:lnT w="12700" cap="flat" cmpd="sng" algn="ctr">
+                      <a:solidFill>
+                        <a:schemeClr val="tx1"/>
+                      </a:solidFill>
+                      <a:prstDash val="solid"/>
+                      <a:round/>
+                      <a:headEnd type="none" w="med" len="med"/>
+                      <a:tailEnd type="none" w="med" len="med"/>
+                    </a:lnT>
+                    <a:lnB w="12700" cap="flat" cmpd="sng" algn="ctr">
+                      <a:solidFill>
+                        <a:schemeClr val="tx1"/>
+                      </a:solidFill>
+                      <a:prstDash val="solid"/>
+                      <a:round/>
+                      <a:headEnd type="none" w="med" len="med"/>
+                      <a:tailEnd type="none" w="med" len="med"/>
+                    </a:lnB>
+                    <a:solidFill>
+                      <a:srgbClr val="FFFFFF"/>
+                    </a:solidFill>
+                  </a:tcPr>
+                </a:tc>
+                <a:extLst>
+                  <a:ext uri="{0D108BD9-81ED-4DB2-BD59-A6C34878D82A}">
+                    <a16:rowId xmlns:a16="http://schemas.microsoft.com/office/drawing/2014/main" val="4004645175"/>
+                  </a:ext>
+                </a:extLst>
+              </a:tr>
+              <a:tr h="280977">
+                <a:tc>
+                  <a:txBody>
+                    <a:bodyPr/>
+                    <a:lstStyle/>
+                    <a:p>
+                      <a:pPr algn="r" fontAlgn="ctr"/>
+                      <a:r>
+                        <a:rPr lang="en-AU" sz="1400" b="1">
+                          <a:effectLst/>
+                        </a:rPr>
+                        <a:t>75</a:t>
+                      </a:r>
+                      <a:endParaRPr lang="en-AU" sz="1400" b="1" dirty="0">
+                        <a:effectLst/>
+                      </a:endParaRPr>
+                    </a:p>
+                  </a:txBody>
+                  <a:tcPr marL="69069" marR="69069" marT="34534" marB="34534" anchor="ctr">
+                    <a:lnL w="12700" cap="flat" cmpd="sng" algn="ctr">
+                      <a:solidFill>
+                        <a:schemeClr val="tx1"/>
+                      </a:solidFill>
+                      <a:prstDash val="solid"/>
+                      <a:round/>
+                      <a:headEnd type="none" w="med" len="med"/>
+                      <a:tailEnd type="none" w="med" len="med"/>
+                    </a:lnL>
+                    <a:lnR w="12700" cap="flat" cmpd="sng" algn="ctr">
+                      <a:solidFill>
+                        <a:schemeClr val="tx1"/>
+                      </a:solidFill>
+                      <a:prstDash val="solid"/>
+                      <a:round/>
+                      <a:headEnd type="none" w="med" len="med"/>
+                      <a:tailEnd type="none" w="med" len="med"/>
+                    </a:lnR>
+                    <a:lnT w="12700" cap="flat" cmpd="sng" algn="ctr">
+                      <a:solidFill>
+                        <a:schemeClr val="tx1"/>
+                      </a:solidFill>
+                      <a:prstDash val="solid"/>
+                      <a:round/>
+                      <a:headEnd type="none" w="med" len="med"/>
+                      <a:tailEnd type="none" w="med" len="med"/>
+                    </a:lnT>
+                    <a:lnB w="12700" cap="flat" cmpd="sng" algn="ctr">
+                      <a:solidFill>
+                        <a:schemeClr val="tx1"/>
+                      </a:solidFill>
+                      <a:prstDash val="solid"/>
+                      <a:round/>
+                      <a:headEnd type="none" w="med" len="med"/>
+                      <a:tailEnd type="none" w="med" len="med"/>
+                    </a:lnB>
+                    <a:solidFill>
+                      <a:srgbClr val="F5F5F5"/>
+                    </a:solidFill>
+                  </a:tcPr>
+                </a:tc>
+                <a:tc>
+                  <a:txBody>
+                    <a:bodyPr/>
+                    <a:lstStyle/>
+                    <a:p>
+                      <a:pPr algn="r" fontAlgn="ctr"/>
+                      <a:r>
+                        <a:rPr lang="en-AU" sz="1400">
+                          <a:effectLst/>
+                        </a:rPr>
+                        <a:t>Bayside</a:t>
+                      </a:r>
+                      <a:endParaRPr lang="en-AU" sz="1400" dirty="0">
+                        <a:effectLst/>
+                      </a:endParaRPr>
+                    </a:p>
+                  </a:txBody>
+                  <a:tcPr marL="69069" marR="69069" marT="34534" marB="34534" anchor="ctr">
+                    <a:lnL w="12700" cap="flat" cmpd="sng" algn="ctr">
+                      <a:solidFill>
+                        <a:schemeClr val="tx1"/>
+                      </a:solidFill>
+                      <a:prstDash val="solid"/>
+                      <a:round/>
+                      <a:headEnd type="none" w="med" len="med"/>
+                      <a:tailEnd type="none" w="med" len="med"/>
+                    </a:lnL>
+                    <a:lnR w="12700" cap="flat" cmpd="sng" algn="ctr">
+                      <a:solidFill>
+                        <a:schemeClr val="tx1"/>
+                      </a:solidFill>
+                      <a:prstDash val="solid"/>
+                      <a:round/>
+                      <a:headEnd type="none" w="med" len="med"/>
+                      <a:tailEnd type="none" w="med" len="med"/>
+                    </a:lnR>
+                    <a:lnT w="12700" cap="flat" cmpd="sng" algn="ctr">
+                      <a:solidFill>
+                        <a:schemeClr val="tx1"/>
+                      </a:solidFill>
+                      <a:prstDash val="solid"/>
+                      <a:round/>
+                      <a:headEnd type="none" w="med" len="med"/>
+                      <a:tailEnd type="none" w="med" len="med"/>
+                    </a:lnT>
+                    <a:lnB w="12700" cap="flat" cmpd="sng" algn="ctr">
+                      <a:solidFill>
+                        <a:schemeClr val="tx1"/>
+                      </a:solidFill>
+                      <a:prstDash val="solid"/>
+                      <a:round/>
+                      <a:headEnd type="none" w="med" len="med"/>
+                      <a:tailEnd type="none" w="med" len="med"/>
+                    </a:lnB>
+                    <a:solidFill>
+                      <a:srgbClr val="F5F5F5"/>
+                    </a:solidFill>
+                  </a:tcPr>
+                </a:tc>
+                <a:tc>
+                  <a:txBody>
+                    <a:bodyPr/>
+                    <a:lstStyle/>
+                    <a:p>
+                      <a:pPr algn="r" fontAlgn="ctr"/>
+                      <a:r>
+                        <a:rPr lang="en-AU" sz="1400">
+                          <a:effectLst/>
+                        </a:rPr>
+                        <a:t>2007</a:t>
+                      </a:r>
+                    </a:p>
+                  </a:txBody>
+                  <a:tcPr marL="69069" marR="69069" marT="34534" marB="34534" anchor="ctr">
+                    <a:lnL w="12700" cap="flat" cmpd="sng" algn="ctr">
+                      <a:solidFill>
+                        <a:schemeClr val="tx1"/>
+                      </a:solidFill>
+                      <a:prstDash val="solid"/>
+                      <a:round/>
+                      <a:headEnd type="none" w="med" len="med"/>
+                      <a:tailEnd type="none" w="med" len="med"/>
+                    </a:lnL>
+                    <a:lnR w="12700" cap="flat" cmpd="sng" algn="ctr">
+                      <a:solidFill>
+                        <a:schemeClr val="tx1"/>
+                      </a:solidFill>
+                      <a:prstDash val="solid"/>
+                      <a:round/>
+                      <a:headEnd type="none" w="med" len="med"/>
+                      <a:tailEnd type="none" w="med" len="med"/>
+                    </a:lnR>
+                    <a:lnT w="12700" cap="flat" cmpd="sng" algn="ctr">
+                      <a:solidFill>
+                        <a:schemeClr val="tx1"/>
+                      </a:solidFill>
+                      <a:prstDash val="solid"/>
+                      <a:round/>
+                      <a:headEnd type="none" w="med" len="med"/>
+                      <a:tailEnd type="none" w="med" len="med"/>
+                    </a:lnT>
+                    <a:lnB w="12700" cap="flat" cmpd="sng" algn="ctr">
+                      <a:solidFill>
+                        <a:schemeClr val="tx1"/>
+                      </a:solidFill>
+                      <a:prstDash val="solid"/>
+                      <a:round/>
+                      <a:headEnd type="none" w="med" len="med"/>
+                      <a:tailEnd type="none" w="med" len="med"/>
+                    </a:lnB>
+                    <a:solidFill>
+                      <a:srgbClr val="F5F5F5"/>
+                    </a:solidFill>
+                  </a:tcPr>
+                </a:tc>
+                <a:tc>
+                  <a:txBody>
+                    <a:bodyPr/>
+                    <a:lstStyle/>
+                    <a:p>
+                      <a:pPr algn="r" fontAlgn="ctr"/>
+                      <a:r>
+                        <a:rPr lang="en-AU" sz="1400">
+                          <a:effectLst/>
+                        </a:rPr>
+                        <a:t>3435</a:t>
+                      </a:r>
+                      <a:endParaRPr lang="en-AU" sz="1400" dirty="0">
+                        <a:effectLst/>
+                      </a:endParaRPr>
+                    </a:p>
+                  </a:txBody>
+                  <a:tcPr marL="69069" marR="69069" marT="34534" marB="34534" anchor="ctr">
+                    <a:lnL w="12700" cap="flat" cmpd="sng" algn="ctr">
+                      <a:solidFill>
+                        <a:schemeClr val="tx1"/>
+                      </a:solidFill>
+                      <a:prstDash val="solid"/>
+                      <a:round/>
+                      <a:headEnd type="none" w="med" len="med"/>
+                      <a:tailEnd type="none" w="med" len="med"/>
+                    </a:lnL>
+                    <a:lnR w="12700" cap="flat" cmpd="sng" algn="ctr">
+                      <a:solidFill>
+                        <a:schemeClr val="tx1"/>
+                      </a:solidFill>
+                      <a:prstDash val="solid"/>
+                      <a:round/>
+                      <a:headEnd type="none" w="med" len="med"/>
+                      <a:tailEnd type="none" w="med" len="med"/>
+                    </a:lnR>
+                    <a:lnT w="12700" cap="flat" cmpd="sng" algn="ctr">
+                      <a:solidFill>
+                        <a:schemeClr val="tx1"/>
+                      </a:solidFill>
+                      <a:prstDash val="solid"/>
+                      <a:round/>
+                      <a:headEnd type="none" w="med" len="med"/>
+                      <a:tailEnd type="none" w="med" len="med"/>
+                    </a:lnT>
+                    <a:lnB w="12700" cap="flat" cmpd="sng" algn="ctr">
+                      <a:solidFill>
+                        <a:schemeClr val="tx1"/>
+                      </a:solidFill>
+                      <a:prstDash val="solid"/>
+                      <a:round/>
+                      <a:headEnd type="none" w="med" len="med"/>
+                      <a:tailEnd type="none" w="med" len="med"/>
+                    </a:lnB>
+                    <a:solidFill>
+                      <a:srgbClr val="F5F5F5"/>
+                    </a:solidFill>
+                  </a:tcPr>
+                </a:tc>
+                <a:tc>
+                  <a:txBody>
+                    <a:bodyPr/>
+                    <a:lstStyle/>
+                    <a:p>
+                      <a:pPr algn="r" fontAlgn="ctr"/>
+                      <a:r>
+                        <a:rPr lang="en-AU" sz="1400">
+                          <a:effectLst/>
+                        </a:rPr>
+                        <a:t>58.43</a:t>
+                      </a:r>
+                      <a:endParaRPr lang="en-AU" sz="1400" dirty="0">
+                        <a:effectLst/>
+                      </a:endParaRPr>
+                    </a:p>
+                  </a:txBody>
+                  <a:tcPr marL="69069" marR="69069" marT="34534" marB="34534" anchor="ctr">
+                    <a:lnL w="12700" cap="flat" cmpd="sng" algn="ctr">
+                      <a:solidFill>
+                        <a:schemeClr val="tx1"/>
+                      </a:solidFill>
+                      <a:prstDash val="solid"/>
+                      <a:round/>
+                      <a:headEnd type="none" w="med" len="med"/>
+                      <a:tailEnd type="none" w="med" len="med"/>
+                    </a:lnL>
+                    <a:lnR w="12700" cap="flat" cmpd="sng" algn="ctr">
+                      <a:solidFill>
+                        <a:schemeClr val="tx1"/>
+                      </a:solidFill>
+                      <a:prstDash val="solid"/>
+                      <a:round/>
+                      <a:headEnd type="none" w="med" len="med"/>
+                      <a:tailEnd type="none" w="med" len="med"/>
+                    </a:lnR>
+                    <a:lnT w="12700" cap="flat" cmpd="sng" algn="ctr">
+                      <a:solidFill>
+                        <a:schemeClr val="tx1"/>
+                      </a:solidFill>
+                      <a:prstDash val="solid"/>
+                      <a:round/>
+                      <a:headEnd type="none" w="med" len="med"/>
+                      <a:tailEnd type="none" w="med" len="med"/>
+                    </a:lnT>
+                    <a:lnB w="12700" cap="flat" cmpd="sng" algn="ctr">
+                      <a:solidFill>
+                        <a:schemeClr val="tx1"/>
+                      </a:solidFill>
+                      <a:prstDash val="solid"/>
+                      <a:round/>
+                      <a:headEnd type="none" w="med" len="med"/>
+                      <a:tailEnd type="none" w="med" len="med"/>
+                    </a:lnB>
+                    <a:solidFill>
+                      <a:srgbClr val="F5F5F5"/>
+                    </a:solidFill>
+                  </a:tcPr>
+                </a:tc>
+                <a:extLst>
+                  <a:ext uri="{0D108BD9-81ED-4DB2-BD59-A6C34878D82A}">
+                    <a16:rowId xmlns:a16="http://schemas.microsoft.com/office/drawing/2014/main" val="2084786587"/>
+                  </a:ext>
+                </a:extLst>
+              </a:tr>
+              <a:tr h="280977">
+                <a:tc>
+                  <a:txBody>
+                    <a:bodyPr/>
+                    <a:lstStyle/>
+                    <a:p>
+                      <a:pPr algn="r" fontAlgn="ctr"/>
+                      <a:r>
+                        <a:rPr lang="en-AU" sz="1400" b="1">
+                          <a:effectLst/>
+                        </a:rPr>
+                        <a:t>76</a:t>
+                      </a:r>
+                      <a:endParaRPr lang="en-AU" sz="1400" b="1" dirty="0">
+                        <a:effectLst/>
+                      </a:endParaRPr>
+                    </a:p>
+                  </a:txBody>
+                  <a:tcPr marL="69069" marR="69069" marT="34534" marB="34534" anchor="ctr">
+                    <a:lnL w="12700" cap="flat" cmpd="sng" algn="ctr">
+                      <a:solidFill>
+                        <a:schemeClr val="tx1"/>
+                      </a:solidFill>
+                      <a:prstDash val="solid"/>
+                      <a:round/>
+                      <a:headEnd type="none" w="med" len="med"/>
+                      <a:tailEnd type="none" w="med" len="med"/>
+                    </a:lnL>
+                    <a:lnR w="12700" cap="flat" cmpd="sng" algn="ctr">
+                      <a:solidFill>
+                        <a:schemeClr val="tx1"/>
+                      </a:solidFill>
+                      <a:prstDash val="solid"/>
+                      <a:round/>
+                      <a:headEnd type="none" w="med" len="med"/>
+                      <a:tailEnd type="none" w="med" len="med"/>
+                    </a:lnR>
+                    <a:lnT w="12700" cap="flat" cmpd="sng" algn="ctr">
+                      <a:solidFill>
+                        <a:schemeClr val="tx1"/>
+                      </a:solidFill>
+                      <a:prstDash val="solid"/>
+                      <a:round/>
+                      <a:headEnd type="none" w="med" len="med"/>
+                      <a:tailEnd type="none" w="med" len="med"/>
+                    </a:lnT>
+                    <a:lnB w="12700" cap="flat" cmpd="sng" algn="ctr">
+                      <a:solidFill>
+                        <a:schemeClr val="tx1"/>
+                      </a:solidFill>
+                      <a:prstDash val="solid"/>
+                      <a:round/>
+                      <a:headEnd type="none" w="med" len="med"/>
+                      <a:tailEnd type="none" w="med" len="med"/>
+                    </a:lnB>
+                    <a:solidFill>
+                      <a:srgbClr val="FFFFFF"/>
+                    </a:solidFill>
+                  </a:tcPr>
+                </a:tc>
+                <a:tc>
+                  <a:txBody>
+                    <a:bodyPr/>
+                    <a:lstStyle/>
+                    <a:p>
+                      <a:pPr algn="r" fontAlgn="ctr"/>
+                      <a:r>
+                        <a:rPr lang="en-AU" sz="1400">
+                          <a:effectLst/>
+                        </a:rPr>
+                        <a:t>Glen Eira</a:t>
+                      </a:r>
+                      <a:endParaRPr lang="en-AU" sz="1400" dirty="0">
+                        <a:effectLst/>
+                      </a:endParaRPr>
+                    </a:p>
+                  </a:txBody>
+                  <a:tcPr marL="69069" marR="69069" marT="34534" marB="34534" anchor="ctr">
+                    <a:lnL w="12700" cap="flat" cmpd="sng" algn="ctr">
+                      <a:solidFill>
+                        <a:schemeClr val="tx1"/>
+                      </a:solidFill>
+                      <a:prstDash val="solid"/>
+                      <a:round/>
+                      <a:headEnd type="none" w="med" len="med"/>
+                      <a:tailEnd type="none" w="med" len="med"/>
+                    </a:lnL>
+                    <a:lnR w="12700" cap="flat" cmpd="sng" algn="ctr">
+                      <a:solidFill>
+                        <a:schemeClr val="tx1"/>
+                      </a:solidFill>
+                      <a:prstDash val="solid"/>
+                      <a:round/>
+                      <a:headEnd type="none" w="med" len="med"/>
+                      <a:tailEnd type="none" w="med" len="med"/>
+                    </a:lnR>
+                    <a:lnT w="12700" cap="flat" cmpd="sng" algn="ctr">
+                      <a:solidFill>
+                        <a:schemeClr val="tx1"/>
+                      </a:solidFill>
+                      <a:prstDash val="solid"/>
+                      <a:round/>
+                      <a:headEnd type="none" w="med" len="med"/>
+                      <a:tailEnd type="none" w="med" len="med"/>
+                    </a:lnT>
+                    <a:lnB w="12700" cap="flat" cmpd="sng" algn="ctr">
+                      <a:solidFill>
+                        <a:schemeClr val="tx1"/>
+                      </a:solidFill>
+                      <a:prstDash val="solid"/>
+                      <a:round/>
+                      <a:headEnd type="none" w="med" len="med"/>
+                      <a:tailEnd type="none" w="med" len="med"/>
+                    </a:lnB>
+                    <a:solidFill>
+                      <a:srgbClr val="FFFFFF"/>
+                    </a:solidFill>
+                  </a:tcPr>
+                </a:tc>
+                <a:tc>
+                  <a:txBody>
+                    <a:bodyPr/>
+                    <a:lstStyle/>
+                    <a:p>
+                      <a:pPr algn="r" fontAlgn="ctr"/>
+                      <a:r>
+                        <a:rPr lang="en-AU" sz="1400">
+                          <a:effectLst/>
+                        </a:rPr>
+                        <a:t>3276</a:t>
+                      </a:r>
+                      <a:endParaRPr lang="en-AU" sz="1400" dirty="0">
+                        <a:effectLst/>
+                      </a:endParaRPr>
+                    </a:p>
+                  </a:txBody>
+                  <a:tcPr marL="69069" marR="69069" marT="34534" marB="34534" anchor="ctr">
+                    <a:lnL w="12700" cap="flat" cmpd="sng" algn="ctr">
+                      <a:solidFill>
+                        <a:schemeClr val="tx1"/>
+                      </a:solidFill>
+                      <a:prstDash val="solid"/>
+                      <a:round/>
+                      <a:headEnd type="none" w="med" len="med"/>
+                      <a:tailEnd type="none" w="med" len="med"/>
+                    </a:lnL>
+                    <a:lnR w="12700" cap="flat" cmpd="sng" algn="ctr">
+                      <a:solidFill>
+                        <a:schemeClr val="tx1"/>
+                      </a:solidFill>
+                      <a:prstDash val="solid"/>
+                      <a:round/>
+                      <a:headEnd type="none" w="med" len="med"/>
+                      <a:tailEnd type="none" w="med" len="med"/>
+                    </a:lnR>
+                    <a:lnT w="12700" cap="flat" cmpd="sng" algn="ctr">
+                      <a:solidFill>
+                        <a:schemeClr val="tx1"/>
+                      </a:solidFill>
+                      <a:prstDash val="solid"/>
+                      <a:round/>
+                      <a:headEnd type="none" w="med" len="med"/>
+                      <a:tailEnd type="none" w="med" len="med"/>
+                    </a:lnT>
+                    <a:lnB w="12700" cap="flat" cmpd="sng" algn="ctr">
+                      <a:solidFill>
+                        <a:schemeClr val="tx1"/>
+                      </a:solidFill>
+                      <a:prstDash val="solid"/>
+                      <a:round/>
+                      <a:headEnd type="none" w="med" len="med"/>
+                      <a:tailEnd type="none" w="med" len="med"/>
+                    </a:lnB>
+                    <a:solidFill>
+                      <a:srgbClr val="FFFFFF"/>
+                    </a:solidFill>
+                  </a:tcPr>
+                </a:tc>
+                <a:tc>
+                  <a:txBody>
+                    <a:bodyPr/>
+                    <a:lstStyle/>
+                    <a:p>
+                      <a:pPr algn="r" fontAlgn="ctr"/>
+                      <a:r>
+                        <a:rPr lang="en-AU" sz="1400">
+                          <a:effectLst/>
+                        </a:rPr>
+                        <a:t>5440</a:t>
+                      </a:r>
+                      <a:endParaRPr lang="en-AU" sz="1400" dirty="0">
+                        <a:effectLst/>
+                      </a:endParaRPr>
+                    </a:p>
+                  </a:txBody>
+                  <a:tcPr marL="69069" marR="69069" marT="34534" marB="34534" anchor="ctr">
+                    <a:lnL w="12700" cap="flat" cmpd="sng" algn="ctr">
+                      <a:solidFill>
+                        <a:schemeClr val="tx1"/>
+                      </a:solidFill>
+                      <a:prstDash val="solid"/>
+                      <a:round/>
+                      <a:headEnd type="none" w="med" len="med"/>
+                      <a:tailEnd type="none" w="med" len="med"/>
+                    </a:lnL>
+                    <a:lnR w="12700" cap="flat" cmpd="sng" algn="ctr">
+                      <a:solidFill>
+                        <a:schemeClr val="tx1"/>
+                      </a:solidFill>
+                      <a:prstDash val="solid"/>
+                      <a:round/>
+                      <a:headEnd type="none" w="med" len="med"/>
+                      <a:tailEnd type="none" w="med" len="med"/>
+                    </a:lnR>
+                    <a:lnT w="12700" cap="flat" cmpd="sng" algn="ctr">
+                      <a:solidFill>
+                        <a:schemeClr val="tx1"/>
+                      </a:solidFill>
+                      <a:prstDash val="solid"/>
+                      <a:round/>
+                      <a:headEnd type="none" w="med" len="med"/>
+                      <a:tailEnd type="none" w="med" len="med"/>
+                    </a:lnT>
+                    <a:lnB w="12700" cap="flat" cmpd="sng" algn="ctr">
+                      <a:solidFill>
+                        <a:schemeClr val="tx1"/>
+                      </a:solidFill>
+                      <a:prstDash val="solid"/>
+                      <a:round/>
+                      <a:headEnd type="none" w="med" len="med"/>
+                      <a:tailEnd type="none" w="med" len="med"/>
+                    </a:lnB>
+                    <a:solidFill>
+                      <a:srgbClr val="FFFFFF"/>
+                    </a:solidFill>
+                  </a:tcPr>
+                </a:tc>
+                <a:tc>
+                  <a:txBody>
+                    <a:bodyPr/>
+                    <a:lstStyle/>
+                    <a:p>
+                      <a:pPr algn="r" fontAlgn="ctr"/>
+                      <a:r>
+                        <a:rPr lang="en-AU" sz="1400">
+                          <a:effectLst/>
+                        </a:rPr>
+                        <a:t>60.22</a:t>
+                      </a:r>
+                      <a:endParaRPr lang="en-AU" sz="1400" dirty="0">
+                        <a:effectLst/>
+                      </a:endParaRPr>
+                    </a:p>
+                  </a:txBody>
+                  <a:tcPr marL="69069" marR="69069" marT="34534" marB="34534" anchor="ctr">
+                    <a:lnL w="12700" cap="flat" cmpd="sng" algn="ctr">
+                      <a:solidFill>
+                        <a:schemeClr val="tx1"/>
+                      </a:solidFill>
+                      <a:prstDash val="solid"/>
+                      <a:round/>
+                      <a:headEnd type="none" w="med" len="med"/>
+                      <a:tailEnd type="none" w="med" len="med"/>
+                    </a:lnL>
+                    <a:lnR w="12700" cap="flat" cmpd="sng" algn="ctr">
+                      <a:solidFill>
+                        <a:schemeClr val="tx1"/>
+                      </a:solidFill>
+                      <a:prstDash val="solid"/>
+                      <a:round/>
+                      <a:headEnd type="none" w="med" len="med"/>
+                      <a:tailEnd type="none" w="med" len="med"/>
+                    </a:lnR>
+                    <a:lnT w="12700" cap="flat" cmpd="sng" algn="ctr">
+                      <a:solidFill>
+                        <a:schemeClr val="tx1"/>
+                      </a:solidFill>
+                      <a:prstDash val="solid"/>
+                      <a:round/>
+                      <a:headEnd type="none" w="med" len="med"/>
+                      <a:tailEnd type="none" w="med" len="med"/>
+                    </a:lnT>
+                    <a:lnB w="12700" cap="flat" cmpd="sng" algn="ctr">
+                      <a:solidFill>
+                        <a:schemeClr val="tx1"/>
+                      </a:solidFill>
+                      <a:prstDash val="solid"/>
+                      <a:round/>
+                      <a:headEnd type="none" w="med" len="med"/>
+                      <a:tailEnd type="none" w="med" len="med"/>
+                    </a:lnB>
+                    <a:solidFill>
+                      <a:srgbClr val="FFFFFF"/>
+                    </a:solidFill>
+                  </a:tcPr>
+                </a:tc>
+                <a:extLst>
+                  <a:ext uri="{0D108BD9-81ED-4DB2-BD59-A6C34878D82A}">
+                    <a16:rowId xmlns:a16="http://schemas.microsoft.com/office/drawing/2014/main" val="2959259785"/>
+                  </a:ext>
+                </a:extLst>
+              </a:tr>
+              <a:tr h="280977">
+                <a:tc>
+                  <a:txBody>
+                    <a:bodyPr/>
+                    <a:lstStyle/>
+                    <a:p>
+                      <a:pPr algn="r" fontAlgn="ctr"/>
+                      <a:r>
+                        <a:rPr lang="en-AU" sz="1400" b="1">
+                          <a:effectLst/>
+                        </a:rPr>
+                        <a:t>77</a:t>
+                      </a:r>
+                      <a:endParaRPr lang="en-AU" sz="1400" b="1" dirty="0">
+                        <a:effectLst/>
+                      </a:endParaRPr>
+                    </a:p>
+                  </a:txBody>
+                  <a:tcPr marL="69069" marR="69069" marT="34534" marB="34534" anchor="ctr">
+                    <a:lnL w="12700" cap="flat" cmpd="sng" algn="ctr">
+                      <a:solidFill>
+                        <a:schemeClr val="tx1"/>
+                      </a:solidFill>
+                      <a:prstDash val="solid"/>
+                      <a:round/>
+                      <a:headEnd type="none" w="med" len="med"/>
+                      <a:tailEnd type="none" w="med" len="med"/>
+                    </a:lnL>
+                    <a:lnR w="12700" cap="flat" cmpd="sng" algn="ctr">
+                      <a:solidFill>
+                        <a:schemeClr val="tx1"/>
+                      </a:solidFill>
+                      <a:prstDash val="solid"/>
+                      <a:round/>
+                      <a:headEnd type="none" w="med" len="med"/>
+                      <a:tailEnd type="none" w="med" len="med"/>
+                    </a:lnR>
+                    <a:lnT w="12700" cap="flat" cmpd="sng" algn="ctr">
+                      <a:solidFill>
+                        <a:schemeClr val="tx1"/>
+                      </a:solidFill>
+                      <a:prstDash val="solid"/>
+                      <a:round/>
+                      <a:headEnd type="none" w="med" len="med"/>
+                      <a:tailEnd type="none" w="med" len="med"/>
+                    </a:lnT>
+                    <a:lnB w="12700" cap="flat" cmpd="sng" algn="ctr">
+                      <a:solidFill>
+                        <a:schemeClr val="tx1"/>
+                      </a:solidFill>
+                      <a:prstDash val="solid"/>
+                      <a:round/>
+                      <a:headEnd type="none" w="med" len="med"/>
+                      <a:tailEnd type="none" w="med" len="med"/>
+                    </a:lnB>
+                    <a:solidFill>
+                      <a:srgbClr val="F5F5F5"/>
+                    </a:solidFill>
+                  </a:tcPr>
+                </a:tc>
+                <a:tc>
+                  <a:txBody>
+                    <a:bodyPr/>
+                    <a:lstStyle/>
+                    <a:p>
+                      <a:pPr algn="r" fontAlgn="ctr"/>
+                      <a:r>
+                        <a:rPr lang="en-AU" sz="1400">
+                          <a:effectLst/>
+                        </a:rPr>
+                        <a:t>Maribyrnong</a:t>
+                      </a:r>
+                    </a:p>
+                  </a:txBody>
+                  <a:tcPr marL="69069" marR="69069" marT="34534" marB="34534" anchor="ctr">
+                    <a:lnL w="12700" cap="flat" cmpd="sng" algn="ctr">
+                      <a:solidFill>
+                        <a:schemeClr val="tx1"/>
+                      </a:solidFill>
+                      <a:prstDash val="solid"/>
+                      <a:round/>
+                      <a:headEnd type="none" w="med" len="med"/>
+                      <a:tailEnd type="none" w="med" len="med"/>
+                    </a:lnL>
+                    <a:lnR w="12700" cap="flat" cmpd="sng" algn="ctr">
+                      <a:solidFill>
+                        <a:schemeClr val="tx1"/>
+                      </a:solidFill>
+                      <a:prstDash val="solid"/>
+                      <a:round/>
+                      <a:headEnd type="none" w="med" len="med"/>
+                      <a:tailEnd type="none" w="med" len="med"/>
+                    </a:lnR>
+                    <a:lnT w="12700" cap="flat" cmpd="sng" algn="ctr">
+                      <a:solidFill>
+                        <a:schemeClr val="tx1"/>
+                      </a:solidFill>
+                      <a:prstDash val="solid"/>
+                      <a:round/>
+                      <a:headEnd type="none" w="med" len="med"/>
+                      <a:tailEnd type="none" w="med" len="med"/>
+                    </a:lnT>
+                    <a:lnB w="12700" cap="flat" cmpd="sng" algn="ctr">
+                      <a:solidFill>
+                        <a:schemeClr val="tx1"/>
+                      </a:solidFill>
+                      <a:prstDash val="solid"/>
+                      <a:round/>
+                      <a:headEnd type="none" w="med" len="med"/>
+                      <a:tailEnd type="none" w="med" len="med"/>
+                    </a:lnB>
+                    <a:solidFill>
+                      <a:srgbClr val="F5F5F5"/>
+                    </a:solidFill>
+                  </a:tcPr>
+                </a:tc>
+                <a:tc>
+                  <a:txBody>
+                    <a:bodyPr/>
+                    <a:lstStyle/>
+                    <a:p>
+                      <a:pPr algn="r" fontAlgn="ctr"/>
+                      <a:r>
+                        <a:rPr lang="en-AU" sz="1400">
+                          <a:effectLst/>
+                        </a:rPr>
+                        <a:t>4180</a:t>
+                      </a:r>
+                      <a:endParaRPr lang="en-AU" sz="1400" dirty="0">
+                        <a:effectLst/>
+                      </a:endParaRPr>
+                    </a:p>
+                  </a:txBody>
+                  <a:tcPr marL="69069" marR="69069" marT="34534" marB="34534" anchor="ctr">
+                    <a:lnL w="12700" cap="flat" cmpd="sng" algn="ctr">
+                      <a:solidFill>
+                        <a:schemeClr val="tx1"/>
+                      </a:solidFill>
+                      <a:prstDash val="solid"/>
+                      <a:round/>
+                      <a:headEnd type="none" w="med" len="med"/>
+                      <a:tailEnd type="none" w="med" len="med"/>
+                    </a:lnL>
+                    <a:lnR w="12700" cap="flat" cmpd="sng" algn="ctr">
+                      <a:solidFill>
+                        <a:schemeClr val="tx1"/>
+                      </a:solidFill>
+                      <a:prstDash val="solid"/>
+                      <a:round/>
+                      <a:headEnd type="none" w="med" len="med"/>
+                      <a:tailEnd type="none" w="med" len="med"/>
+                    </a:lnR>
+                    <a:lnT w="12700" cap="flat" cmpd="sng" algn="ctr">
+                      <a:solidFill>
+                        <a:schemeClr val="tx1"/>
+                      </a:solidFill>
+                      <a:prstDash val="solid"/>
+                      <a:round/>
+                      <a:headEnd type="none" w="med" len="med"/>
+                      <a:tailEnd type="none" w="med" len="med"/>
+                    </a:lnT>
+                    <a:lnB w="12700" cap="flat" cmpd="sng" algn="ctr">
+                      <a:solidFill>
+                        <a:schemeClr val="tx1"/>
+                      </a:solidFill>
+                      <a:prstDash val="solid"/>
+                      <a:round/>
+                      <a:headEnd type="none" w="med" len="med"/>
+                      <a:tailEnd type="none" w="med" len="med"/>
+                    </a:lnB>
+                    <a:solidFill>
+                      <a:srgbClr val="F5F5F5"/>
+                    </a:solidFill>
+                  </a:tcPr>
+                </a:tc>
+                <a:tc>
+                  <a:txBody>
+                    <a:bodyPr/>
+                    <a:lstStyle/>
+                    <a:p>
+                      <a:pPr algn="r" fontAlgn="ctr"/>
+                      <a:r>
+                        <a:rPr lang="en-AU" sz="1400">
+                          <a:effectLst/>
+                        </a:rPr>
+                        <a:t>6903</a:t>
+                      </a:r>
+                      <a:endParaRPr lang="en-AU" sz="1400" dirty="0">
+                        <a:effectLst/>
+                      </a:endParaRPr>
+                    </a:p>
+                  </a:txBody>
+                  <a:tcPr marL="69069" marR="69069" marT="34534" marB="34534" anchor="ctr">
+                    <a:lnL w="12700" cap="flat" cmpd="sng" algn="ctr">
+                      <a:solidFill>
+                        <a:schemeClr val="tx1"/>
+                      </a:solidFill>
+                      <a:prstDash val="solid"/>
+                      <a:round/>
+                      <a:headEnd type="none" w="med" len="med"/>
+                      <a:tailEnd type="none" w="med" len="med"/>
+                    </a:lnL>
+                    <a:lnR w="12700" cap="flat" cmpd="sng" algn="ctr">
+                      <a:solidFill>
+                        <a:schemeClr val="tx1"/>
+                      </a:solidFill>
+                      <a:prstDash val="solid"/>
+                      <a:round/>
+                      <a:headEnd type="none" w="med" len="med"/>
+                      <a:tailEnd type="none" w="med" len="med"/>
+                    </a:lnR>
+                    <a:lnT w="12700" cap="flat" cmpd="sng" algn="ctr">
+                      <a:solidFill>
+                        <a:schemeClr val="tx1"/>
+                      </a:solidFill>
+                      <a:prstDash val="solid"/>
+                      <a:round/>
+                      <a:headEnd type="none" w="med" len="med"/>
+                      <a:tailEnd type="none" w="med" len="med"/>
+                    </a:lnT>
+                    <a:lnB w="12700" cap="flat" cmpd="sng" algn="ctr">
+                      <a:solidFill>
+                        <a:schemeClr val="tx1"/>
+                      </a:solidFill>
+                      <a:prstDash val="solid"/>
+                      <a:round/>
+                      <a:headEnd type="none" w="med" len="med"/>
+                      <a:tailEnd type="none" w="med" len="med"/>
+                    </a:lnB>
+                    <a:solidFill>
+                      <a:srgbClr val="F5F5F5"/>
+                    </a:solidFill>
+                  </a:tcPr>
+                </a:tc>
+                <a:tc>
+                  <a:txBody>
+                    <a:bodyPr/>
+                    <a:lstStyle/>
+                    <a:p>
+                      <a:pPr algn="r" fontAlgn="ctr"/>
+                      <a:r>
+                        <a:rPr lang="en-AU" sz="1400">
+                          <a:effectLst/>
+                        </a:rPr>
+                        <a:t>60.55</a:t>
+                      </a:r>
+                      <a:endParaRPr lang="en-AU" sz="1400" dirty="0">
+                        <a:effectLst/>
+                      </a:endParaRPr>
+                    </a:p>
+                  </a:txBody>
+                  <a:tcPr marL="69069" marR="69069" marT="34534" marB="34534" anchor="ctr">
+                    <a:lnL w="12700" cap="flat" cmpd="sng" algn="ctr">
+                      <a:solidFill>
+                        <a:schemeClr val="tx1"/>
+                      </a:solidFill>
+                      <a:prstDash val="solid"/>
+                      <a:round/>
+                      <a:headEnd type="none" w="med" len="med"/>
+                      <a:tailEnd type="none" w="med" len="med"/>
+                    </a:lnL>
+                    <a:lnR w="12700" cap="flat" cmpd="sng" algn="ctr">
+                      <a:solidFill>
+                        <a:schemeClr val="tx1"/>
+                      </a:solidFill>
+                      <a:prstDash val="solid"/>
+                      <a:round/>
+                      <a:headEnd type="none" w="med" len="med"/>
+                      <a:tailEnd type="none" w="med" len="med"/>
+                    </a:lnR>
+                    <a:lnT w="12700" cap="flat" cmpd="sng" algn="ctr">
+                      <a:solidFill>
+                        <a:schemeClr val="tx1"/>
+                      </a:solidFill>
+                      <a:prstDash val="solid"/>
+                      <a:round/>
+                      <a:headEnd type="none" w="med" len="med"/>
+                      <a:tailEnd type="none" w="med" len="med"/>
+                    </a:lnT>
+                    <a:lnB w="12700" cap="flat" cmpd="sng" algn="ctr">
+                      <a:solidFill>
+                        <a:schemeClr val="tx1"/>
+                      </a:solidFill>
+                      <a:prstDash val="solid"/>
+                      <a:round/>
+                      <a:headEnd type="none" w="med" len="med"/>
+                      <a:tailEnd type="none" w="med" len="med"/>
+                    </a:lnB>
+                    <a:solidFill>
+                      <a:srgbClr val="F5F5F5"/>
+                    </a:solidFill>
+                  </a:tcPr>
+                </a:tc>
+                <a:extLst>
+                  <a:ext uri="{0D108BD9-81ED-4DB2-BD59-A6C34878D82A}">
+                    <a16:rowId xmlns:a16="http://schemas.microsoft.com/office/drawing/2014/main" val="4137673220"/>
+                  </a:ext>
+                </a:extLst>
+              </a:tr>
+              <a:tr h="271306">
+                <a:tc>
+                  <a:txBody>
+                    <a:bodyPr/>
+                    <a:lstStyle/>
+                    <a:p>
+                      <a:pPr algn="r" fontAlgn="ctr"/>
+                      <a:r>
+                        <a:rPr lang="en-AU" sz="1400" b="1">
+                          <a:effectLst/>
+                        </a:rPr>
+                        <a:t>78</a:t>
+                      </a:r>
+                      <a:endParaRPr lang="en-AU" sz="1400" b="1" dirty="0">
+                        <a:effectLst/>
+                      </a:endParaRPr>
+                    </a:p>
+                  </a:txBody>
+                  <a:tcPr marL="69069" marR="69069" marT="34534" marB="34534" anchor="ctr">
+                    <a:lnL w="12700" cap="flat" cmpd="sng" algn="ctr">
+                      <a:solidFill>
+                        <a:schemeClr val="tx1"/>
+                      </a:solidFill>
+                      <a:prstDash val="solid"/>
+                      <a:round/>
+                      <a:headEnd type="none" w="med" len="med"/>
+                      <a:tailEnd type="none" w="med" len="med"/>
+                    </a:lnL>
+                    <a:lnR w="12700" cap="flat" cmpd="sng" algn="ctr">
+                      <a:solidFill>
+                        <a:schemeClr val="tx1"/>
+                      </a:solidFill>
+                      <a:prstDash val="solid"/>
+                      <a:round/>
+                      <a:headEnd type="none" w="med" len="med"/>
+                      <a:tailEnd type="none" w="med" len="med"/>
+                    </a:lnR>
+                    <a:lnT w="12700" cap="flat" cmpd="sng" algn="ctr">
+                      <a:solidFill>
+                        <a:schemeClr val="tx1"/>
+                      </a:solidFill>
+                      <a:prstDash val="solid"/>
+                      <a:round/>
+                      <a:headEnd type="none" w="med" len="med"/>
+                      <a:tailEnd type="none" w="med" len="med"/>
+                    </a:lnT>
+                    <a:lnB w="12700" cap="flat" cmpd="sng" algn="ctr">
+                      <a:solidFill>
+                        <a:schemeClr val="tx1"/>
+                      </a:solidFill>
+                      <a:prstDash val="solid"/>
+                      <a:round/>
+                      <a:headEnd type="none" w="med" len="med"/>
+                      <a:tailEnd type="none" w="med" len="med"/>
+                    </a:lnB>
+                    <a:solidFill>
+                      <a:srgbClr val="FFFFFF"/>
+                    </a:solidFill>
+                  </a:tcPr>
+                </a:tc>
+                <a:tc>
+                  <a:txBody>
+                    <a:bodyPr/>
+                    <a:lstStyle/>
+                    <a:p>
+                      <a:pPr algn="r" fontAlgn="ctr"/>
+                      <a:r>
+                        <a:rPr lang="en-AU" sz="1400">
+                          <a:effectLst/>
+                        </a:rPr>
+                        <a:t>Boroondara</a:t>
+                      </a:r>
+                      <a:endParaRPr lang="en-AU" sz="1400" dirty="0">
+                        <a:effectLst/>
+                      </a:endParaRPr>
+                    </a:p>
+                  </a:txBody>
+                  <a:tcPr marL="69069" marR="69069" marT="34534" marB="34534" anchor="ctr">
+                    <a:lnL w="12700" cap="flat" cmpd="sng" algn="ctr">
+                      <a:solidFill>
+                        <a:schemeClr val="tx1"/>
+                      </a:solidFill>
+                      <a:prstDash val="solid"/>
+                      <a:round/>
+                      <a:headEnd type="none" w="med" len="med"/>
+                      <a:tailEnd type="none" w="med" len="med"/>
+                    </a:lnL>
+                    <a:lnR w="12700" cap="flat" cmpd="sng" algn="ctr">
+                      <a:solidFill>
+                        <a:schemeClr val="tx1"/>
+                      </a:solidFill>
+                      <a:prstDash val="solid"/>
+                      <a:round/>
+                      <a:headEnd type="none" w="med" len="med"/>
+                      <a:tailEnd type="none" w="med" len="med"/>
+                    </a:lnR>
+                    <a:lnT w="12700" cap="flat" cmpd="sng" algn="ctr">
+                      <a:solidFill>
+                        <a:schemeClr val="tx1"/>
+                      </a:solidFill>
+                      <a:prstDash val="solid"/>
+                      <a:round/>
+                      <a:headEnd type="none" w="med" len="med"/>
+                      <a:tailEnd type="none" w="med" len="med"/>
+                    </a:lnT>
+                    <a:lnB w="12700" cap="flat" cmpd="sng" algn="ctr">
+                      <a:solidFill>
+                        <a:schemeClr val="tx1"/>
+                      </a:solidFill>
+                      <a:prstDash val="solid"/>
+                      <a:round/>
+                      <a:headEnd type="none" w="med" len="med"/>
+                      <a:tailEnd type="none" w="med" len="med"/>
+                    </a:lnB>
+                    <a:solidFill>
+                      <a:srgbClr val="FFFFFF"/>
+                    </a:solidFill>
+                  </a:tcPr>
+                </a:tc>
+                <a:tc>
+                  <a:txBody>
+                    <a:bodyPr/>
+                    <a:lstStyle/>
+                    <a:p>
+                      <a:pPr algn="r" fontAlgn="ctr"/>
+                      <a:r>
+                        <a:rPr lang="en-AU" sz="1400">
+                          <a:effectLst/>
+                        </a:rPr>
+                        <a:t>3473</a:t>
+                      </a:r>
+                    </a:p>
+                  </a:txBody>
+                  <a:tcPr marL="69069" marR="69069" marT="34534" marB="34534" anchor="ctr">
+                    <a:lnL w="12700" cap="flat" cmpd="sng" algn="ctr">
+                      <a:solidFill>
+                        <a:schemeClr val="tx1"/>
+                      </a:solidFill>
+                      <a:prstDash val="solid"/>
+                      <a:round/>
+                      <a:headEnd type="none" w="med" len="med"/>
+                      <a:tailEnd type="none" w="med" len="med"/>
+                    </a:lnL>
+                    <a:lnR w="12700" cap="flat" cmpd="sng" algn="ctr">
+                      <a:solidFill>
+                        <a:schemeClr val="tx1"/>
+                      </a:solidFill>
+                      <a:prstDash val="solid"/>
+                      <a:round/>
+                      <a:headEnd type="none" w="med" len="med"/>
+                      <a:tailEnd type="none" w="med" len="med"/>
+                    </a:lnR>
+                    <a:lnT w="12700" cap="flat" cmpd="sng" algn="ctr">
+                      <a:solidFill>
+                        <a:schemeClr val="tx1"/>
+                      </a:solidFill>
+                      <a:prstDash val="solid"/>
+                      <a:round/>
+                      <a:headEnd type="none" w="med" len="med"/>
+                      <a:tailEnd type="none" w="med" len="med"/>
+                    </a:lnT>
+                    <a:lnB w="12700" cap="flat" cmpd="sng" algn="ctr">
+                      <a:solidFill>
+                        <a:schemeClr val="tx1"/>
+                      </a:solidFill>
+                      <a:prstDash val="solid"/>
+                      <a:round/>
+                      <a:headEnd type="none" w="med" len="med"/>
+                      <a:tailEnd type="none" w="med" len="med"/>
+                    </a:lnB>
+                    <a:solidFill>
+                      <a:srgbClr val="FFFFFF"/>
+                    </a:solidFill>
+                  </a:tcPr>
+                </a:tc>
+                <a:tc>
+                  <a:txBody>
+                    <a:bodyPr/>
+                    <a:lstStyle/>
+                    <a:p>
+                      <a:pPr algn="r" fontAlgn="ctr"/>
+                      <a:r>
+                        <a:rPr lang="en-AU" sz="1400">
+                          <a:effectLst/>
+                        </a:rPr>
+                        <a:t>5535</a:t>
+                      </a:r>
+                      <a:endParaRPr lang="en-AU" sz="1400" dirty="0">
+                        <a:effectLst/>
+                      </a:endParaRPr>
+                    </a:p>
+                  </a:txBody>
+                  <a:tcPr marL="69069" marR="69069" marT="34534" marB="34534" anchor="ctr">
+                    <a:lnL w="12700" cap="flat" cmpd="sng" algn="ctr">
+                      <a:solidFill>
+                        <a:schemeClr val="tx1"/>
+                      </a:solidFill>
+                      <a:prstDash val="solid"/>
+                      <a:round/>
+                      <a:headEnd type="none" w="med" len="med"/>
+                      <a:tailEnd type="none" w="med" len="med"/>
+                    </a:lnL>
+                    <a:lnR w="12700" cap="flat" cmpd="sng" algn="ctr">
+                      <a:solidFill>
+                        <a:schemeClr val="tx1"/>
+                      </a:solidFill>
+                      <a:prstDash val="solid"/>
+                      <a:round/>
+                      <a:headEnd type="none" w="med" len="med"/>
+                      <a:tailEnd type="none" w="med" len="med"/>
+                    </a:lnR>
+                    <a:lnT w="12700" cap="flat" cmpd="sng" algn="ctr">
+                      <a:solidFill>
+                        <a:schemeClr val="tx1"/>
+                      </a:solidFill>
+                      <a:prstDash val="solid"/>
+                      <a:round/>
+                      <a:headEnd type="none" w="med" len="med"/>
+                      <a:tailEnd type="none" w="med" len="med"/>
+                    </a:lnT>
+                    <a:lnB w="12700" cap="flat" cmpd="sng" algn="ctr">
+                      <a:solidFill>
+                        <a:schemeClr val="tx1"/>
+                      </a:solidFill>
+                      <a:prstDash val="solid"/>
+                      <a:round/>
+                      <a:headEnd type="none" w="med" len="med"/>
+                      <a:tailEnd type="none" w="med" len="med"/>
+                    </a:lnB>
+                    <a:solidFill>
+                      <a:srgbClr val="FFFFFF"/>
+                    </a:solidFill>
+                  </a:tcPr>
+                </a:tc>
+                <a:tc>
+                  <a:txBody>
+                    <a:bodyPr/>
+                    <a:lstStyle/>
+                    <a:p>
+                      <a:pPr algn="r" fontAlgn="ctr"/>
+                      <a:r>
+                        <a:rPr lang="en-AU" sz="1400">
+                          <a:effectLst/>
+                        </a:rPr>
+                        <a:t>62.75</a:t>
+                      </a:r>
+                      <a:endParaRPr lang="en-AU" sz="1400" dirty="0">
+                        <a:effectLst/>
+                      </a:endParaRPr>
+                    </a:p>
+                  </a:txBody>
+                  <a:tcPr marL="69069" marR="69069" marT="34534" marB="34534" anchor="ctr">
+                    <a:lnL w="12700" cap="flat" cmpd="sng" algn="ctr">
+                      <a:solidFill>
+                        <a:schemeClr val="tx1"/>
+                      </a:solidFill>
+                      <a:prstDash val="solid"/>
+                      <a:round/>
+                      <a:headEnd type="none" w="med" len="med"/>
+                      <a:tailEnd type="none" w="med" len="med"/>
+                    </a:lnL>
+                    <a:lnR w="12700" cap="flat" cmpd="sng" algn="ctr">
+                      <a:solidFill>
+                        <a:schemeClr val="tx1"/>
+                      </a:solidFill>
+                      <a:prstDash val="solid"/>
+                      <a:round/>
+                      <a:headEnd type="none" w="med" len="med"/>
+                      <a:tailEnd type="none" w="med" len="med"/>
+                    </a:lnR>
+                    <a:lnT w="12700" cap="flat" cmpd="sng" algn="ctr">
+                      <a:solidFill>
+                        <a:schemeClr val="tx1"/>
+                      </a:solidFill>
+                      <a:prstDash val="solid"/>
+                      <a:round/>
+                      <a:headEnd type="none" w="med" len="med"/>
+                      <a:tailEnd type="none" w="med" len="med"/>
+                    </a:lnT>
+                    <a:lnB w="12700" cap="flat" cmpd="sng" algn="ctr">
+                      <a:solidFill>
+                        <a:schemeClr val="tx1"/>
+                      </a:solidFill>
+                      <a:prstDash val="solid"/>
+                      <a:round/>
+                      <a:headEnd type="none" w="med" len="med"/>
+                      <a:tailEnd type="none" w="med" len="med"/>
+                    </a:lnB>
+                    <a:solidFill>
+                      <a:srgbClr val="FFFFFF"/>
+                    </a:solidFill>
+                  </a:tcPr>
+                </a:tc>
+                <a:extLst>
+                  <a:ext uri="{0D108BD9-81ED-4DB2-BD59-A6C34878D82A}">
+                    <a16:rowId xmlns:a16="http://schemas.microsoft.com/office/drawing/2014/main" val="2578513387"/>
+                  </a:ext>
+                </a:extLst>
+              </a:tr>
+              <a:tr h="280977">
+                <a:tc>
+                  <a:txBody>
+                    <a:bodyPr/>
+                    <a:lstStyle/>
+                    <a:p>
+                      <a:pPr algn="r" fontAlgn="ctr"/>
+                      <a:r>
+                        <a:rPr lang="en-AU" sz="1400" b="1">
+                          <a:effectLst/>
+                        </a:rPr>
+                        <a:t>79</a:t>
+                      </a:r>
+                      <a:endParaRPr lang="en-AU" sz="1400" b="1" dirty="0">
+                        <a:effectLst/>
+                      </a:endParaRPr>
+                    </a:p>
+                  </a:txBody>
+                  <a:tcPr marL="69069" marR="69069" marT="34534" marB="34534" anchor="ctr">
+                    <a:lnL w="12700" cap="flat" cmpd="sng" algn="ctr">
+                      <a:solidFill>
+                        <a:schemeClr val="tx1"/>
+                      </a:solidFill>
+                      <a:prstDash val="solid"/>
+                      <a:round/>
+                      <a:headEnd type="none" w="med" len="med"/>
+                      <a:tailEnd type="none" w="med" len="med"/>
+                    </a:lnL>
+                    <a:lnR w="12700" cap="flat" cmpd="sng" algn="ctr">
+                      <a:solidFill>
+                        <a:schemeClr val="tx1"/>
+                      </a:solidFill>
+                      <a:prstDash val="solid"/>
+                      <a:round/>
+                      <a:headEnd type="none" w="med" len="med"/>
+                      <a:tailEnd type="none" w="med" len="med"/>
+                    </a:lnR>
+                    <a:lnT w="12700" cap="flat" cmpd="sng" algn="ctr">
+                      <a:solidFill>
+                        <a:schemeClr val="tx1"/>
+                      </a:solidFill>
+                      <a:prstDash val="solid"/>
+                      <a:round/>
+                      <a:headEnd type="none" w="med" len="med"/>
+                      <a:tailEnd type="none" w="med" len="med"/>
+                    </a:lnT>
+                    <a:lnB w="12700" cap="flat" cmpd="sng" algn="ctr">
+                      <a:solidFill>
+                        <a:schemeClr val="tx1"/>
+                      </a:solidFill>
+                      <a:prstDash val="solid"/>
+                      <a:round/>
+                      <a:headEnd type="none" w="med" len="med"/>
+                      <a:tailEnd type="none" w="med" len="med"/>
+                    </a:lnB>
+                    <a:solidFill>
+                      <a:srgbClr val="F5F5F5"/>
+                    </a:solidFill>
+                  </a:tcPr>
+                </a:tc>
+                <a:tc>
+                  <a:txBody>
+                    <a:bodyPr/>
+                    <a:lstStyle/>
+                    <a:p>
+                      <a:pPr algn="r" fontAlgn="ctr"/>
+                      <a:r>
+                        <a:rPr lang="en-AU" sz="1400">
+                          <a:effectLst/>
+                        </a:rPr>
+                        <a:t>Queenscliffe</a:t>
+                      </a:r>
+                      <a:endParaRPr lang="en-AU" sz="1400" dirty="0">
+                        <a:effectLst/>
+                      </a:endParaRPr>
+                    </a:p>
+                  </a:txBody>
+                  <a:tcPr marL="69069" marR="69069" marT="34534" marB="34534" anchor="ctr">
+                    <a:lnL w="12700" cap="flat" cmpd="sng" algn="ctr">
+                      <a:solidFill>
+                        <a:schemeClr val="tx1"/>
+                      </a:solidFill>
+                      <a:prstDash val="solid"/>
+                      <a:round/>
+                      <a:headEnd type="none" w="med" len="med"/>
+                      <a:tailEnd type="none" w="med" len="med"/>
+                    </a:lnL>
+                    <a:lnR w="12700" cap="flat" cmpd="sng" algn="ctr">
+                      <a:solidFill>
+                        <a:schemeClr val="tx1"/>
+                      </a:solidFill>
+                      <a:prstDash val="solid"/>
+                      <a:round/>
+                      <a:headEnd type="none" w="med" len="med"/>
+                      <a:tailEnd type="none" w="med" len="med"/>
+                    </a:lnR>
+                    <a:lnT w="12700" cap="flat" cmpd="sng" algn="ctr">
+                      <a:solidFill>
+                        <a:schemeClr val="tx1"/>
+                      </a:solidFill>
+                      <a:prstDash val="solid"/>
+                      <a:round/>
+                      <a:headEnd type="none" w="med" len="med"/>
+                      <a:tailEnd type="none" w="med" len="med"/>
+                    </a:lnT>
+                    <a:lnB w="12700" cap="flat" cmpd="sng" algn="ctr">
+                      <a:solidFill>
+                        <a:schemeClr val="tx1"/>
+                      </a:solidFill>
+                      <a:prstDash val="solid"/>
+                      <a:round/>
+                      <a:headEnd type="none" w="med" len="med"/>
+                      <a:tailEnd type="none" w="med" len="med"/>
+                    </a:lnB>
+                    <a:solidFill>
+                      <a:srgbClr val="F5F5F5"/>
+                    </a:solidFill>
+                  </a:tcPr>
+                </a:tc>
+                <a:tc>
+                  <a:txBody>
+                    <a:bodyPr/>
+                    <a:lstStyle/>
+                    <a:p>
+                      <a:pPr algn="r" fontAlgn="ctr"/>
+                      <a:r>
+                        <a:rPr lang="en-AU" sz="1400" dirty="0">
+                          <a:effectLst/>
+                        </a:rPr>
+                        <a:t>47</a:t>
+                      </a:r>
+                    </a:p>
+                  </a:txBody>
+                  <a:tcPr marL="69069" marR="69069" marT="34534" marB="34534" anchor="ctr">
+                    <a:lnL w="12700" cap="flat" cmpd="sng" algn="ctr">
+                      <a:solidFill>
+                        <a:schemeClr val="tx1"/>
+                      </a:solidFill>
+                      <a:prstDash val="solid"/>
+                      <a:round/>
+                      <a:headEnd type="none" w="med" len="med"/>
+                      <a:tailEnd type="none" w="med" len="med"/>
+                    </a:lnL>
+                    <a:lnR w="12700" cap="flat" cmpd="sng" algn="ctr">
+                      <a:solidFill>
+                        <a:schemeClr val="tx1"/>
+                      </a:solidFill>
+                      <a:prstDash val="solid"/>
+                      <a:round/>
+                      <a:headEnd type="none" w="med" len="med"/>
+                      <a:tailEnd type="none" w="med" len="med"/>
+                    </a:lnR>
+                    <a:lnT w="12700" cap="flat" cmpd="sng" algn="ctr">
+                      <a:solidFill>
+                        <a:schemeClr val="tx1"/>
+                      </a:solidFill>
+                      <a:prstDash val="solid"/>
+                      <a:round/>
+                      <a:headEnd type="none" w="med" len="med"/>
+                      <a:tailEnd type="none" w="med" len="med"/>
+                    </a:lnT>
+                    <a:lnB w="12700" cap="flat" cmpd="sng" algn="ctr">
+                      <a:solidFill>
+                        <a:schemeClr val="tx1"/>
+                      </a:solidFill>
+                      <a:prstDash val="solid"/>
+                      <a:round/>
+                      <a:headEnd type="none" w="med" len="med"/>
+                      <a:tailEnd type="none" w="med" len="med"/>
+                    </a:lnB>
+                    <a:solidFill>
+                      <a:srgbClr val="F5F5F5"/>
+                    </a:solidFill>
+                  </a:tcPr>
+                </a:tc>
+                <a:tc>
+                  <a:txBody>
+                    <a:bodyPr/>
+                    <a:lstStyle/>
+                    <a:p>
+                      <a:pPr algn="r" fontAlgn="ctr"/>
+                      <a:r>
+                        <a:rPr lang="en-AU" sz="1400">
+                          <a:effectLst/>
+                        </a:rPr>
+                        <a:t>72</a:t>
+                      </a:r>
+                      <a:endParaRPr lang="en-AU" sz="1400" dirty="0">
+                        <a:effectLst/>
+                      </a:endParaRPr>
+                    </a:p>
+                  </a:txBody>
+                  <a:tcPr marL="69069" marR="69069" marT="34534" marB="34534" anchor="ctr">
+                    <a:lnL w="12700" cap="flat" cmpd="sng" algn="ctr">
+                      <a:solidFill>
+                        <a:schemeClr val="tx1"/>
+                      </a:solidFill>
+                      <a:prstDash val="solid"/>
+                      <a:round/>
+                      <a:headEnd type="none" w="med" len="med"/>
+                      <a:tailEnd type="none" w="med" len="med"/>
+                    </a:lnL>
+                    <a:lnR w="12700" cap="flat" cmpd="sng" algn="ctr">
+                      <a:solidFill>
+                        <a:schemeClr val="tx1"/>
+                      </a:solidFill>
+                      <a:prstDash val="solid"/>
+                      <a:round/>
+                      <a:headEnd type="none" w="med" len="med"/>
+                      <a:tailEnd type="none" w="med" len="med"/>
+                    </a:lnR>
+                    <a:lnT w="12700" cap="flat" cmpd="sng" algn="ctr">
+                      <a:solidFill>
+                        <a:schemeClr val="tx1"/>
+                      </a:solidFill>
+                      <a:prstDash val="solid"/>
+                      <a:round/>
+                      <a:headEnd type="none" w="med" len="med"/>
+                      <a:tailEnd type="none" w="med" len="med"/>
+                    </a:lnT>
+                    <a:lnB w="12700" cap="flat" cmpd="sng" algn="ctr">
+                      <a:solidFill>
+                        <a:schemeClr val="tx1"/>
+                      </a:solidFill>
+                      <a:prstDash val="solid"/>
+                      <a:round/>
+                      <a:headEnd type="none" w="med" len="med"/>
+                      <a:tailEnd type="none" w="med" len="med"/>
+                    </a:lnB>
+                    <a:solidFill>
+                      <a:srgbClr val="F5F5F5"/>
+                    </a:solidFill>
+                  </a:tcPr>
+                </a:tc>
+                <a:tc>
+                  <a:txBody>
+                    <a:bodyPr/>
+                    <a:lstStyle/>
+                    <a:p>
+                      <a:pPr algn="r" fontAlgn="ctr"/>
+                      <a:r>
+                        <a:rPr lang="en-AU" sz="1400" dirty="0">
+                          <a:effectLst/>
+                        </a:rPr>
+                        <a:t>65.28</a:t>
+                      </a:r>
+                    </a:p>
+                  </a:txBody>
+                  <a:tcPr marL="69069" marR="69069" marT="34534" marB="34534" anchor="ctr">
+                    <a:lnL w="12700" cap="flat" cmpd="sng" algn="ctr">
+                      <a:solidFill>
+                        <a:schemeClr val="tx1"/>
+                      </a:solidFill>
+                      <a:prstDash val="solid"/>
+                      <a:round/>
+                      <a:headEnd type="none" w="med" len="med"/>
+                      <a:tailEnd type="none" w="med" len="med"/>
+                    </a:lnL>
+                    <a:lnR w="12700" cap="flat" cmpd="sng" algn="ctr">
+                      <a:solidFill>
+                        <a:schemeClr val="tx1"/>
+                      </a:solidFill>
+                      <a:prstDash val="solid"/>
+                      <a:round/>
+                      <a:headEnd type="none" w="med" len="med"/>
+                      <a:tailEnd type="none" w="med" len="med"/>
+                    </a:lnR>
+                    <a:lnT w="12700" cap="flat" cmpd="sng" algn="ctr">
+                      <a:solidFill>
+                        <a:schemeClr val="tx1"/>
+                      </a:solidFill>
+                      <a:prstDash val="solid"/>
+                      <a:round/>
+                      <a:headEnd type="none" w="med" len="med"/>
+                      <a:tailEnd type="none" w="med" len="med"/>
+                    </a:lnT>
+                    <a:lnB w="12700" cap="flat" cmpd="sng" algn="ctr">
+                      <a:solidFill>
+                        <a:schemeClr val="tx1"/>
+                      </a:solidFill>
+                      <a:prstDash val="solid"/>
+                      <a:round/>
+                      <a:headEnd type="none" w="med" len="med"/>
+                      <a:tailEnd type="none" w="med" len="med"/>
+                    </a:lnB>
+                    <a:solidFill>
+                      <a:srgbClr val="F5F5F5"/>
+                    </a:solidFill>
+                  </a:tcPr>
+                </a:tc>
+                <a:extLst>
+                  <a:ext uri="{0D108BD9-81ED-4DB2-BD59-A6C34878D82A}">
+                    <a16:rowId xmlns:a16="http://schemas.microsoft.com/office/drawing/2014/main" val="336202195"/>
+                  </a:ext>
+                </a:extLst>
+              </a:tr>
+            </a:tbl>
+          </a:graphicData>
+        </a:graphic>
+      </p:graphicFrame>
+    </p:spTree>
+    <p:extLst>
+      <p:ext uri="{BB962C8B-B14F-4D97-AF65-F5344CB8AC3E}">
+        <p14:creationId xmlns:p14="http://schemas.microsoft.com/office/powerpoint/2010/main" val="32221882"/>
+      </p:ext>
+    </p:extLst>
+  </p:cSld>
+  <p:clrMapOvr>
+    <a:masterClrMapping/>
+  </p:clrMapOvr>
+</p:sld>
+</file>
+
+<file path=ppt/slides/slide8.xml><?xml version="1.0" encoding="utf-8"?>
 <p:sld xmlns:a="http://schemas.openxmlformats.org/drawingml/2006/main" xmlns:r="http://schemas.openxmlformats.org/officeDocument/2006/relationships" xmlns:p="http://schemas.openxmlformats.org/presentationml/2006/main">
   <p:cSld>
     <p:spTree>
@@ -9120,7 +14326,12 @@
             <p:ph type="title"/>
           </p:nvPr>
         </p:nvSpPr>
-        <p:spPr/>
+        <p:spPr>
+          <a:xfrm>
+            <a:off x="1967622" y="5920789"/>
+            <a:ext cx="9634011" cy="652549"/>
+          </a:xfrm>
+        </p:spPr>
         <p:txBody>
           <a:bodyPr>
             <a:normAutofit/>
@@ -9134,7 +14345,24 @@
                 <a:ea typeface="Calibri" panose="020F0502020204030204" pitchFamily="34" charset="0"/>
                 <a:cs typeface="Times New Roman" panose="02020603050405020304" pitchFamily="18" charset="0"/>
               </a:rPr>
-              <a:t>The more police station a LGA has, the less is charge status percentage</a:t>
+              <a:t>The more police station a LGA has, the less is </a:t>
+            </a:r>
+            <a:r>
+              <a:rPr lang="en-US" sz="2400" dirty="0">
+                <a:latin typeface="Calibri" panose="020F0502020204030204" pitchFamily="34" charset="0"/>
+                <a:ea typeface="Calibri" panose="020F0502020204030204" pitchFamily="34" charset="0"/>
+                <a:cs typeface="Times New Roman" panose="02020603050405020304" pitchFamily="18" charset="0"/>
+              </a:rPr>
+              <a:t>unsolved </a:t>
+            </a:r>
+            <a:r>
+              <a:rPr lang="en-US" sz="2400" dirty="0">
+                <a:effectLst/>
+                <a:latin typeface="Calibri" panose="020F0502020204030204" pitchFamily="34" charset="0"/>
+                <a:ea typeface="Calibri" panose="020F0502020204030204" pitchFamily="34" charset="0"/>
+                <a:cs typeface="Times New Roman" panose="02020603050405020304" pitchFamily="18" charset="0"/>
+              </a:rPr>
+              <a:t>charge percentage</a:t>
             </a:r>
             <a:endParaRPr lang="en-AU" sz="2400" dirty="0"/>
           </a:p>
@@ -9164,17 +14392,92 @@
         </p:blipFill>
         <p:spPr>
           <a:xfrm>
-            <a:off x="1069848" y="1828484"/>
-            <a:ext cx="5221466" cy="4102054"/>
+            <a:off x="764771" y="399010"/>
+            <a:ext cx="6332877" cy="4975193"/>
           </a:xfrm>
         </p:spPr>
       </p:pic>
+      <p:sp>
+        <p:nvSpPr>
+          <p:cNvPr id="5" name="Title 1">
+            <a:extLst>
+              <a:ext uri="{FF2B5EF4-FFF2-40B4-BE49-F238E27FC236}">
+                <a16:creationId xmlns:a16="http://schemas.microsoft.com/office/drawing/2014/main" id="{1B5DBE3D-5A08-4EF1-8D95-8B73D7FE0FE6}"/>
+              </a:ext>
+            </a:extLst>
+          </p:cNvPr>
+          <p:cNvSpPr txBox="1">
+            <a:spLocks/>
+          </p:cNvSpPr>
+          <p:nvPr/>
+        </p:nvSpPr>
+        <p:spPr>
+          <a:xfrm>
+            <a:off x="764771" y="5480253"/>
+            <a:ext cx="4553769" cy="401088"/>
+          </a:xfrm>
+          <a:prstGeom prst="rect">
+            <a:avLst/>
+          </a:prstGeom>
+        </p:spPr>
+        <p:txBody>
+          <a:bodyPr vert="horz" lIns="91440" tIns="45720" rIns="91440" bIns="45720" rtlCol="0" anchor="ctr">
+            <a:normAutofit/>
+          </a:bodyPr>
+          <a:lstStyle>
+            <a:lvl1pPr algn="l" defTabSz="914400" rtl="0" eaLnBrk="1" latinLnBrk="0" hangingPunct="1">
+              <a:lnSpc>
+                <a:spcPct val="100000"/>
+              </a:lnSpc>
+              <a:spcBef>
+                <a:spcPct val="0"/>
+              </a:spcBef>
+              <a:buNone/>
+              <a:defRPr sz="4000" kern="1200">
+                <a:solidFill>
+                  <a:schemeClr val="tx2"/>
+                </a:solidFill>
+                <a:latin typeface="+mj-lt"/>
+                <a:ea typeface="+mj-ea"/>
+                <a:cs typeface="+mj-cs"/>
+              </a:defRPr>
+            </a:lvl1pPr>
+          </a:lstStyle>
+          <a:p>
+            <a:r>
+              <a:rPr lang="en-US" sz="1600" dirty="0">
+                <a:latin typeface="Calibri" panose="020F0502020204030204" pitchFamily="34" charset="0"/>
+                <a:ea typeface="Calibri" panose="020F0502020204030204" pitchFamily="34" charset="0"/>
+                <a:cs typeface="Times New Roman" panose="02020603050405020304" pitchFamily="18" charset="0"/>
+              </a:rPr>
+              <a:t>Standard error r</a:t>
+            </a:r>
+            <a:r>
+              <a:rPr lang="en-US" sz="1600" baseline="30000" dirty="0">
+                <a:latin typeface="Calibri" panose="020F0502020204030204" pitchFamily="34" charset="0"/>
+                <a:ea typeface="Calibri" panose="020F0502020204030204" pitchFamily="34" charset="0"/>
+                <a:cs typeface="Times New Roman" panose="02020603050405020304" pitchFamily="18" charset="0"/>
+              </a:rPr>
+              <a:t>2</a:t>
+            </a:r>
+            <a:r>
+              <a:rPr lang="en-US" sz="1600" dirty="0">
+                <a:latin typeface="Calibri" panose="020F0502020204030204" pitchFamily="34" charset="0"/>
+                <a:ea typeface="Calibri" panose="020F0502020204030204" pitchFamily="34" charset="0"/>
+                <a:cs typeface="Times New Roman" panose="02020603050405020304" pitchFamily="18" charset="0"/>
+              </a:rPr>
+              <a:t> is 20.25% </a:t>
+            </a:r>
+            <a:endParaRPr lang="en-AU" sz="1600" dirty="0"/>
+          </a:p>
+        </p:txBody>
+      </p:sp>
       <p:pic>
         <p:nvPicPr>
-          <p:cNvPr id="11" name="Picture 10">
+          <p:cNvPr id="4" name="Picture 3">
             <a:extLst>
               <a:ext uri="{FF2B5EF4-FFF2-40B4-BE49-F238E27FC236}">
-                <a16:creationId xmlns:a16="http://schemas.microsoft.com/office/drawing/2014/main" id="{AF9554B8-FC5F-42B1-BC81-06C5E586BC4F}"/>
+                <a16:creationId xmlns:a16="http://schemas.microsoft.com/office/drawing/2014/main" id="{41B0B913-EBD9-4140-8F06-7CBD7CD81DB8}"/>
               </a:ext>
             </a:extLst>
           </p:cNvPr>
@@ -9191,8 +14494,218 @@
         </p:blipFill>
         <p:spPr>
           <a:xfrm>
-            <a:off x="6291314" y="1828483"/>
-            <a:ext cx="5073372" cy="3977408"/>
+            <a:off x="7283352" y="1170027"/>
+            <a:ext cx="789790" cy="849965"/>
+          </a:xfrm>
+          <a:prstGeom prst="rect">
+            <a:avLst/>
+          </a:prstGeom>
+        </p:spPr>
+      </p:pic>
+      <p:pic>
+        <p:nvPicPr>
+          <p:cNvPr id="14" name="Picture 13">
+            <a:extLst>
+              <a:ext uri="{FF2B5EF4-FFF2-40B4-BE49-F238E27FC236}">
+                <a16:creationId xmlns:a16="http://schemas.microsoft.com/office/drawing/2014/main" id="{72787734-276C-4EBD-B6B3-6C3EB633D438}"/>
+              </a:ext>
+            </a:extLst>
+          </p:cNvPr>
+          <p:cNvPicPr>
+            <a:picLocks noChangeAspect="1"/>
+          </p:cNvPicPr>
+          <p:nvPr/>
+        </p:nvPicPr>
+        <p:blipFill>
+          <a:blip r:embed="rId3"/>
+          <a:stretch>
+            <a:fillRect/>
+          </a:stretch>
+        </p:blipFill>
+        <p:spPr>
+          <a:xfrm>
+            <a:off x="8258846" y="1170026"/>
+            <a:ext cx="789790" cy="849965"/>
+          </a:xfrm>
+          <a:prstGeom prst="rect">
+            <a:avLst/>
+          </a:prstGeom>
+        </p:spPr>
+      </p:pic>
+      <p:pic>
+        <p:nvPicPr>
+          <p:cNvPr id="15" name="Picture 14">
+            <a:extLst>
+              <a:ext uri="{FF2B5EF4-FFF2-40B4-BE49-F238E27FC236}">
+                <a16:creationId xmlns:a16="http://schemas.microsoft.com/office/drawing/2014/main" id="{3A1E3F7F-315B-4BB8-91D4-1E1BE50CAAF0}"/>
+              </a:ext>
+            </a:extLst>
+          </p:cNvPr>
+          <p:cNvPicPr>
+            <a:picLocks noChangeAspect="1"/>
+          </p:cNvPicPr>
+          <p:nvPr/>
+        </p:nvPicPr>
+        <p:blipFill>
+          <a:blip r:embed="rId3"/>
+          <a:stretch>
+            <a:fillRect/>
+          </a:stretch>
+        </p:blipFill>
+        <p:spPr>
+          <a:xfrm>
+            <a:off x="9306249" y="1170026"/>
+            <a:ext cx="789790" cy="849965"/>
+          </a:xfrm>
+          <a:prstGeom prst="rect">
+            <a:avLst/>
+          </a:prstGeom>
+        </p:spPr>
+      </p:pic>
+      <p:pic>
+        <p:nvPicPr>
+          <p:cNvPr id="16" name="Picture 15">
+            <a:extLst>
+              <a:ext uri="{FF2B5EF4-FFF2-40B4-BE49-F238E27FC236}">
+                <a16:creationId xmlns:a16="http://schemas.microsoft.com/office/drawing/2014/main" id="{A90C7D1A-72D1-4E6B-870F-43B3F99A1D15}"/>
+              </a:ext>
+            </a:extLst>
+          </p:cNvPr>
+          <p:cNvPicPr>
+            <a:picLocks noChangeAspect="1"/>
+          </p:cNvPicPr>
+          <p:nvPr/>
+        </p:nvPicPr>
+        <p:blipFill>
+          <a:blip r:embed="rId3"/>
+          <a:stretch>
+            <a:fillRect/>
+          </a:stretch>
+        </p:blipFill>
+        <p:spPr>
+          <a:xfrm>
+            <a:off x="7283352" y="2059440"/>
+            <a:ext cx="789790" cy="849965"/>
+          </a:xfrm>
+          <a:prstGeom prst="rect">
+            <a:avLst/>
+          </a:prstGeom>
+        </p:spPr>
+      </p:pic>
+      <p:pic>
+        <p:nvPicPr>
+          <p:cNvPr id="17" name="Picture 16">
+            <a:extLst>
+              <a:ext uri="{FF2B5EF4-FFF2-40B4-BE49-F238E27FC236}">
+                <a16:creationId xmlns:a16="http://schemas.microsoft.com/office/drawing/2014/main" id="{9203E680-6F67-41B0-99CD-65C0EB06D90D}"/>
+              </a:ext>
+            </a:extLst>
+          </p:cNvPr>
+          <p:cNvPicPr>
+            <a:picLocks noChangeAspect="1"/>
+          </p:cNvPicPr>
+          <p:nvPr/>
+        </p:nvPicPr>
+        <p:blipFill>
+          <a:blip r:embed="rId3"/>
+          <a:stretch>
+            <a:fillRect/>
+          </a:stretch>
+        </p:blipFill>
+        <p:spPr>
+          <a:xfrm>
+            <a:off x="8258846" y="2059439"/>
+            <a:ext cx="789790" cy="849965"/>
+          </a:xfrm>
+          <a:prstGeom prst="rect">
+            <a:avLst/>
+          </a:prstGeom>
+        </p:spPr>
+      </p:pic>
+      <p:pic>
+        <p:nvPicPr>
+          <p:cNvPr id="18" name="Picture 17">
+            <a:extLst>
+              <a:ext uri="{FF2B5EF4-FFF2-40B4-BE49-F238E27FC236}">
+                <a16:creationId xmlns:a16="http://schemas.microsoft.com/office/drawing/2014/main" id="{FEF0EEB9-3478-4708-AB74-2CE5F8F5B95A}"/>
+              </a:ext>
+            </a:extLst>
+          </p:cNvPr>
+          <p:cNvPicPr>
+            <a:picLocks noChangeAspect="1"/>
+          </p:cNvPicPr>
+          <p:nvPr/>
+        </p:nvPicPr>
+        <p:blipFill>
+          <a:blip r:embed="rId3"/>
+          <a:stretch>
+            <a:fillRect/>
+          </a:stretch>
+        </p:blipFill>
+        <p:spPr>
+          <a:xfrm>
+            <a:off x="9306249" y="2049071"/>
+            <a:ext cx="789790" cy="849965"/>
+          </a:xfrm>
+          <a:prstGeom prst="rect">
+            <a:avLst/>
+          </a:prstGeom>
+        </p:spPr>
+      </p:pic>
+      <p:pic>
+        <p:nvPicPr>
+          <p:cNvPr id="19" name="Picture 18">
+            <a:extLst>
+              <a:ext uri="{FF2B5EF4-FFF2-40B4-BE49-F238E27FC236}">
+                <a16:creationId xmlns:a16="http://schemas.microsoft.com/office/drawing/2014/main" id="{6C3952C1-11E5-40C2-90CB-A77333524EBE}"/>
+              </a:ext>
+            </a:extLst>
+          </p:cNvPr>
+          <p:cNvPicPr>
+            <a:picLocks noChangeAspect="1"/>
+          </p:cNvPicPr>
+          <p:nvPr/>
+        </p:nvPicPr>
+        <p:blipFill>
+          <a:blip r:embed="rId3"/>
+          <a:stretch>
+            <a:fillRect/>
+          </a:stretch>
+        </p:blipFill>
+        <p:spPr>
+          <a:xfrm>
+            <a:off x="7283352" y="3031008"/>
+            <a:ext cx="789790" cy="849965"/>
+          </a:xfrm>
+          <a:prstGeom prst="rect">
+            <a:avLst/>
+          </a:prstGeom>
+        </p:spPr>
+      </p:pic>
+      <p:pic>
+        <p:nvPicPr>
+          <p:cNvPr id="20" name="Picture 19">
+            <a:extLst>
+              <a:ext uri="{FF2B5EF4-FFF2-40B4-BE49-F238E27FC236}">
+                <a16:creationId xmlns:a16="http://schemas.microsoft.com/office/drawing/2014/main" id="{D9E975A3-FCF8-4493-AD96-88E819C81D4C}"/>
+              </a:ext>
+            </a:extLst>
+          </p:cNvPr>
+          <p:cNvPicPr>
+            <a:picLocks noChangeAspect="1"/>
+          </p:cNvPicPr>
+          <p:nvPr/>
+        </p:nvPicPr>
+        <p:blipFill>
+          <a:blip r:embed="rId3"/>
+          <a:stretch>
+            <a:fillRect/>
+          </a:stretch>
+        </p:blipFill>
+        <p:spPr>
+          <a:xfrm>
+            <a:off x="8258846" y="3031008"/>
+            <a:ext cx="789790" cy="849965"/>
           </a:xfrm>
           <a:prstGeom prst="rect">
             <a:avLst/>
@@ -9209,10 +14722,2282 @@
   <p:clrMapOvr>
     <a:masterClrMapping/>
   </p:clrMapOvr>
+  <p:timing>
+    <p:tnLst>
+      <p:par>
+        <p:cTn id="1" dur="indefinite" restart="never" nodeType="tmRoot">
+          <p:childTnLst>
+            <p:seq concurrent="1" nextAc="seek">
+              <p:cTn id="2" dur="indefinite" nodeType="mainSeq">
+                <p:childTnLst>
+                  <p:par>
+                    <p:cTn id="3" fill="hold">
+                      <p:stCondLst>
+                        <p:cond delay="indefinite"/>
+                      </p:stCondLst>
+                      <p:childTnLst>
+                        <p:par>
+                          <p:cTn id="4" fill="hold">
+                            <p:stCondLst>
+                              <p:cond delay="0"/>
+                            </p:stCondLst>
+                            <p:childTnLst>
+                              <p:par>
+                                <p:cTn id="5" presetID="26" presetClass="entr" presetSubtype="0" fill="hold" nodeType="clickEffect">
+                                  <p:stCondLst>
+                                    <p:cond delay="0"/>
+                                  </p:stCondLst>
+                                  <p:childTnLst>
+                                    <p:set>
+                                      <p:cBhvr>
+                                        <p:cTn id="6" dur="1" fill="hold">
+                                          <p:stCondLst>
+                                            <p:cond delay="0"/>
+                                          </p:stCondLst>
+                                        </p:cTn>
+                                        <p:tgtEl>
+                                          <p:spTgt spid="4"/>
+                                        </p:tgtEl>
+                                        <p:attrNameLst>
+                                          <p:attrName>style.visibility</p:attrName>
+                                        </p:attrNameLst>
+                                      </p:cBhvr>
+                                      <p:to>
+                                        <p:strVal val="visible"/>
+                                      </p:to>
+                                    </p:set>
+                                    <p:animEffect transition="in" filter="wipe(down)">
+                                      <p:cBhvr>
+                                        <p:cTn id="7" dur="580">
+                                          <p:stCondLst>
+                                            <p:cond delay="0"/>
+                                          </p:stCondLst>
+                                        </p:cTn>
+                                        <p:tgtEl>
+                                          <p:spTgt spid="4"/>
+                                        </p:tgtEl>
+                                      </p:cBhvr>
+                                    </p:animEffect>
+                                    <p:anim calcmode="lin" valueType="num">
+                                      <p:cBhvr>
+                                        <p:cTn id="8" dur="1822" tmFilter="0,0; 0.14,0.36; 0.43,0.73; 0.71,0.91; 1.0,1.0">
+                                          <p:stCondLst>
+                                            <p:cond delay="0"/>
+                                          </p:stCondLst>
+                                        </p:cTn>
+                                        <p:tgtEl>
+                                          <p:spTgt spid="4"/>
+                                        </p:tgtEl>
+                                        <p:attrNameLst>
+                                          <p:attrName>ppt_x</p:attrName>
+                                        </p:attrNameLst>
+                                      </p:cBhvr>
+                                      <p:tavLst>
+                                        <p:tav tm="0">
+                                          <p:val>
+                                            <p:strVal val="#ppt_x-0.25"/>
+                                          </p:val>
+                                        </p:tav>
+                                        <p:tav tm="100000">
+                                          <p:val>
+                                            <p:strVal val="#ppt_x"/>
+                                          </p:val>
+                                        </p:tav>
+                                      </p:tavLst>
+                                    </p:anim>
+                                    <p:anim calcmode="lin" valueType="num">
+                                      <p:cBhvr>
+                                        <p:cTn id="9" dur="664" tmFilter="0.0,0.0; 0.25,0.07; 0.50,0.2; 0.75,0.467; 1.0,1.0">
+                                          <p:stCondLst>
+                                            <p:cond delay="0"/>
+                                          </p:stCondLst>
+                                        </p:cTn>
+                                        <p:tgtEl>
+                                          <p:spTgt spid="4"/>
+                                        </p:tgtEl>
+                                        <p:attrNameLst>
+                                          <p:attrName>ppt_y</p:attrName>
+                                        </p:attrNameLst>
+                                      </p:cBhvr>
+                                      <p:tavLst>
+                                        <p:tav tm="0" fmla="#ppt_y-sin(pi*$)/3">
+                                          <p:val>
+                                            <p:fltVal val="0.5"/>
+                                          </p:val>
+                                        </p:tav>
+                                        <p:tav tm="100000">
+                                          <p:val>
+                                            <p:fltVal val="1"/>
+                                          </p:val>
+                                        </p:tav>
+                                      </p:tavLst>
+                                    </p:anim>
+                                    <p:anim calcmode="lin" valueType="num">
+                                      <p:cBhvr>
+                                        <p:cTn id="10" dur="664" tmFilter="0, 0; 0.125,0.2665; 0.25,0.4; 0.375,0.465; 0.5,0.5;  0.625,0.535; 0.75,0.6; 0.875,0.7335; 1,1">
+                                          <p:stCondLst>
+                                            <p:cond delay="664"/>
+                                          </p:stCondLst>
+                                        </p:cTn>
+                                        <p:tgtEl>
+                                          <p:spTgt spid="4"/>
+                                        </p:tgtEl>
+                                        <p:attrNameLst>
+                                          <p:attrName>ppt_y</p:attrName>
+                                        </p:attrNameLst>
+                                      </p:cBhvr>
+                                      <p:tavLst>
+                                        <p:tav tm="0" fmla="#ppt_y-sin(pi*$)/9">
+                                          <p:val>
+                                            <p:fltVal val="0"/>
+                                          </p:val>
+                                        </p:tav>
+                                        <p:tav tm="100000">
+                                          <p:val>
+                                            <p:fltVal val="1"/>
+                                          </p:val>
+                                        </p:tav>
+                                      </p:tavLst>
+                                    </p:anim>
+                                    <p:anim calcmode="lin" valueType="num">
+                                      <p:cBhvr>
+                                        <p:cTn id="11" dur="332" tmFilter="0, 0; 0.125,0.2665; 0.25,0.4; 0.375,0.465; 0.5,0.5;  0.625,0.535; 0.75,0.6; 0.875,0.7335; 1,1">
+                                          <p:stCondLst>
+                                            <p:cond delay="1324"/>
+                                          </p:stCondLst>
+                                        </p:cTn>
+                                        <p:tgtEl>
+                                          <p:spTgt spid="4"/>
+                                        </p:tgtEl>
+                                        <p:attrNameLst>
+                                          <p:attrName>ppt_y</p:attrName>
+                                        </p:attrNameLst>
+                                      </p:cBhvr>
+                                      <p:tavLst>
+                                        <p:tav tm="0" fmla="#ppt_y-sin(pi*$)/27">
+                                          <p:val>
+                                            <p:fltVal val="0"/>
+                                          </p:val>
+                                        </p:tav>
+                                        <p:tav tm="100000">
+                                          <p:val>
+                                            <p:fltVal val="1"/>
+                                          </p:val>
+                                        </p:tav>
+                                      </p:tavLst>
+                                    </p:anim>
+                                    <p:anim calcmode="lin" valueType="num">
+                                      <p:cBhvr>
+                                        <p:cTn id="12" dur="164" tmFilter="0, 0; 0.125,0.2665; 0.25,0.4; 0.375,0.465; 0.5,0.5;  0.625,0.535; 0.75,0.6; 0.875,0.7335; 1,1">
+                                          <p:stCondLst>
+                                            <p:cond delay="1656"/>
+                                          </p:stCondLst>
+                                        </p:cTn>
+                                        <p:tgtEl>
+                                          <p:spTgt spid="4"/>
+                                        </p:tgtEl>
+                                        <p:attrNameLst>
+                                          <p:attrName>ppt_y</p:attrName>
+                                        </p:attrNameLst>
+                                      </p:cBhvr>
+                                      <p:tavLst>
+                                        <p:tav tm="0" fmla="#ppt_y-sin(pi*$)/81">
+                                          <p:val>
+                                            <p:fltVal val="0"/>
+                                          </p:val>
+                                        </p:tav>
+                                        <p:tav tm="100000">
+                                          <p:val>
+                                            <p:fltVal val="1"/>
+                                          </p:val>
+                                        </p:tav>
+                                      </p:tavLst>
+                                    </p:anim>
+                                    <p:animScale>
+                                      <p:cBhvr>
+                                        <p:cTn id="13" dur="26">
+                                          <p:stCondLst>
+                                            <p:cond delay="650"/>
+                                          </p:stCondLst>
+                                        </p:cTn>
+                                        <p:tgtEl>
+                                          <p:spTgt spid="4"/>
+                                        </p:tgtEl>
+                                      </p:cBhvr>
+                                      <p:to x="100000" y="60000"/>
+                                    </p:animScale>
+                                    <p:animScale>
+                                      <p:cBhvr>
+                                        <p:cTn id="14" dur="166" decel="50000">
+                                          <p:stCondLst>
+                                            <p:cond delay="676"/>
+                                          </p:stCondLst>
+                                        </p:cTn>
+                                        <p:tgtEl>
+                                          <p:spTgt spid="4"/>
+                                        </p:tgtEl>
+                                      </p:cBhvr>
+                                      <p:to x="100000" y="100000"/>
+                                    </p:animScale>
+                                    <p:animScale>
+                                      <p:cBhvr>
+                                        <p:cTn id="15" dur="26">
+                                          <p:stCondLst>
+                                            <p:cond delay="1312"/>
+                                          </p:stCondLst>
+                                        </p:cTn>
+                                        <p:tgtEl>
+                                          <p:spTgt spid="4"/>
+                                        </p:tgtEl>
+                                      </p:cBhvr>
+                                      <p:to x="100000" y="80000"/>
+                                    </p:animScale>
+                                    <p:animScale>
+                                      <p:cBhvr>
+                                        <p:cTn id="16" dur="166" decel="50000">
+                                          <p:stCondLst>
+                                            <p:cond delay="1338"/>
+                                          </p:stCondLst>
+                                        </p:cTn>
+                                        <p:tgtEl>
+                                          <p:spTgt spid="4"/>
+                                        </p:tgtEl>
+                                      </p:cBhvr>
+                                      <p:to x="100000" y="100000"/>
+                                    </p:animScale>
+                                    <p:animScale>
+                                      <p:cBhvr>
+                                        <p:cTn id="17" dur="26">
+                                          <p:stCondLst>
+                                            <p:cond delay="1642"/>
+                                          </p:stCondLst>
+                                        </p:cTn>
+                                        <p:tgtEl>
+                                          <p:spTgt spid="4"/>
+                                        </p:tgtEl>
+                                      </p:cBhvr>
+                                      <p:to x="100000" y="90000"/>
+                                    </p:animScale>
+                                    <p:animScale>
+                                      <p:cBhvr>
+                                        <p:cTn id="18" dur="166" decel="50000">
+                                          <p:stCondLst>
+                                            <p:cond delay="1668"/>
+                                          </p:stCondLst>
+                                        </p:cTn>
+                                        <p:tgtEl>
+                                          <p:spTgt spid="4"/>
+                                        </p:tgtEl>
+                                      </p:cBhvr>
+                                      <p:to x="100000" y="100000"/>
+                                    </p:animScale>
+                                    <p:animScale>
+                                      <p:cBhvr>
+                                        <p:cTn id="19" dur="26">
+                                          <p:stCondLst>
+                                            <p:cond delay="1808"/>
+                                          </p:stCondLst>
+                                        </p:cTn>
+                                        <p:tgtEl>
+                                          <p:spTgt spid="4"/>
+                                        </p:tgtEl>
+                                      </p:cBhvr>
+                                      <p:to x="100000" y="95000"/>
+                                    </p:animScale>
+                                    <p:animScale>
+                                      <p:cBhvr>
+                                        <p:cTn id="20" dur="166" decel="50000">
+                                          <p:stCondLst>
+                                            <p:cond delay="1834"/>
+                                          </p:stCondLst>
+                                        </p:cTn>
+                                        <p:tgtEl>
+                                          <p:spTgt spid="4"/>
+                                        </p:tgtEl>
+                                      </p:cBhvr>
+                                      <p:to x="100000" y="100000"/>
+                                    </p:animScale>
+                                  </p:childTnLst>
+                                </p:cTn>
+                              </p:par>
+                              <p:par>
+                                <p:cTn id="21" presetID="26" presetClass="entr" presetSubtype="0" fill="hold" nodeType="withEffect">
+                                  <p:stCondLst>
+                                    <p:cond delay="0"/>
+                                  </p:stCondLst>
+                                  <p:childTnLst>
+                                    <p:set>
+                                      <p:cBhvr>
+                                        <p:cTn id="22" dur="1" fill="hold">
+                                          <p:stCondLst>
+                                            <p:cond delay="0"/>
+                                          </p:stCondLst>
+                                        </p:cTn>
+                                        <p:tgtEl>
+                                          <p:spTgt spid="14"/>
+                                        </p:tgtEl>
+                                        <p:attrNameLst>
+                                          <p:attrName>style.visibility</p:attrName>
+                                        </p:attrNameLst>
+                                      </p:cBhvr>
+                                      <p:to>
+                                        <p:strVal val="visible"/>
+                                      </p:to>
+                                    </p:set>
+                                    <p:animEffect transition="in" filter="wipe(down)">
+                                      <p:cBhvr>
+                                        <p:cTn id="23" dur="580">
+                                          <p:stCondLst>
+                                            <p:cond delay="0"/>
+                                          </p:stCondLst>
+                                        </p:cTn>
+                                        <p:tgtEl>
+                                          <p:spTgt spid="14"/>
+                                        </p:tgtEl>
+                                      </p:cBhvr>
+                                    </p:animEffect>
+                                    <p:anim calcmode="lin" valueType="num">
+                                      <p:cBhvr>
+                                        <p:cTn id="24" dur="1822" tmFilter="0,0; 0.14,0.36; 0.43,0.73; 0.71,0.91; 1.0,1.0">
+                                          <p:stCondLst>
+                                            <p:cond delay="0"/>
+                                          </p:stCondLst>
+                                        </p:cTn>
+                                        <p:tgtEl>
+                                          <p:spTgt spid="14"/>
+                                        </p:tgtEl>
+                                        <p:attrNameLst>
+                                          <p:attrName>ppt_x</p:attrName>
+                                        </p:attrNameLst>
+                                      </p:cBhvr>
+                                      <p:tavLst>
+                                        <p:tav tm="0">
+                                          <p:val>
+                                            <p:strVal val="#ppt_x-0.25"/>
+                                          </p:val>
+                                        </p:tav>
+                                        <p:tav tm="100000">
+                                          <p:val>
+                                            <p:strVal val="#ppt_x"/>
+                                          </p:val>
+                                        </p:tav>
+                                      </p:tavLst>
+                                    </p:anim>
+                                    <p:anim calcmode="lin" valueType="num">
+                                      <p:cBhvr>
+                                        <p:cTn id="25" dur="664" tmFilter="0.0,0.0; 0.25,0.07; 0.50,0.2; 0.75,0.467; 1.0,1.0">
+                                          <p:stCondLst>
+                                            <p:cond delay="0"/>
+                                          </p:stCondLst>
+                                        </p:cTn>
+                                        <p:tgtEl>
+                                          <p:spTgt spid="14"/>
+                                        </p:tgtEl>
+                                        <p:attrNameLst>
+                                          <p:attrName>ppt_y</p:attrName>
+                                        </p:attrNameLst>
+                                      </p:cBhvr>
+                                      <p:tavLst>
+                                        <p:tav tm="0" fmla="#ppt_y-sin(pi*$)/3">
+                                          <p:val>
+                                            <p:fltVal val="0.5"/>
+                                          </p:val>
+                                        </p:tav>
+                                        <p:tav tm="100000">
+                                          <p:val>
+                                            <p:fltVal val="1"/>
+                                          </p:val>
+                                        </p:tav>
+                                      </p:tavLst>
+                                    </p:anim>
+                                    <p:anim calcmode="lin" valueType="num">
+                                      <p:cBhvr>
+                                        <p:cTn id="26" dur="664" tmFilter="0, 0; 0.125,0.2665; 0.25,0.4; 0.375,0.465; 0.5,0.5;  0.625,0.535; 0.75,0.6; 0.875,0.7335; 1,1">
+                                          <p:stCondLst>
+                                            <p:cond delay="664"/>
+                                          </p:stCondLst>
+                                        </p:cTn>
+                                        <p:tgtEl>
+                                          <p:spTgt spid="14"/>
+                                        </p:tgtEl>
+                                        <p:attrNameLst>
+                                          <p:attrName>ppt_y</p:attrName>
+                                        </p:attrNameLst>
+                                      </p:cBhvr>
+                                      <p:tavLst>
+                                        <p:tav tm="0" fmla="#ppt_y-sin(pi*$)/9">
+                                          <p:val>
+                                            <p:fltVal val="0"/>
+                                          </p:val>
+                                        </p:tav>
+                                        <p:tav tm="100000">
+                                          <p:val>
+                                            <p:fltVal val="1"/>
+                                          </p:val>
+                                        </p:tav>
+                                      </p:tavLst>
+                                    </p:anim>
+                                    <p:anim calcmode="lin" valueType="num">
+                                      <p:cBhvr>
+                                        <p:cTn id="27" dur="332" tmFilter="0, 0; 0.125,0.2665; 0.25,0.4; 0.375,0.465; 0.5,0.5;  0.625,0.535; 0.75,0.6; 0.875,0.7335; 1,1">
+                                          <p:stCondLst>
+                                            <p:cond delay="1324"/>
+                                          </p:stCondLst>
+                                        </p:cTn>
+                                        <p:tgtEl>
+                                          <p:spTgt spid="14"/>
+                                        </p:tgtEl>
+                                        <p:attrNameLst>
+                                          <p:attrName>ppt_y</p:attrName>
+                                        </p:attrNameLst>
+                                      </p:cBhvr>
+                                      <p:tavLst>
+                                        <p:tav tm="0" fmla="#ppt_y-sin(pi*$)/27">
+                                          <p:val>
+                                            <p:fltVal val="0"/>
+                                          </p:val>
+                                        </p:tav>
+                                        <p:tav tm="100000">
+                                          <p:val>
+                                            <p:fltVal val="1"/>
+                                          </p:val>
+                                        </p:tav>
+                                      </p:tavLst>
+                                    </p:anim>
+                                    <p:anim calcmode="lin" valueType="num">
+                                      <p:cBhvr>
+                                        <p:cTn id="28" dur="164" tmFilter="0, 0; 0.125,0.2665; 0.25,0.4; 0.375,0.465; 0.5,0.5;  0.625,0.535; 0.75,0.6; 0.875,0.7335; 1,1">
+                                          <p:stCondLst>
+                                            <p:cond delay="1656"/>
+                                          </p:stCondLst>
+                                        </p:cTn>
+                                        <p:tgtEl>
+                                          <p:spTgt spid="14"/>
+                                        </p:tgtEl>
+                                        <p:attrNameLst>
+                                          <p:attrName>ppt_y</p:attrName>
+                                        </p:attrNameLst>
+                                      </p:cBhvr>
+                                      <p:tavLst>
+                                        <p:tav tm="0" fmla="#ppt_y-sin(pi*$)/81">
+                                          <p:val>
+                                            <p:fltVal val="0"/>
+                                          </p:val>
+                                        </p:tav>
+                                        <p:tav tm="100000">
+                                          <p:val>
+                                            <p:fltVal val="1"/>
+                                          </p:val>
+                                        </p:tav>
+                                      </p:tavLst>
+                                    </p:anim>
+                                    <p:animScale>
+                                      <p:cBhvr>
+                                        <p:cTn id="29" dur="26">
+                                          <p:stCondLst>
+                                            <p:cond delay="650"/>
+                                          </p:stCondLst>
+                                        </p:cTn>
+                                        <p:tgtEl>
+                                          <p:spTgt spid="14"/>
+                                        </p:tgtEl>
+                                      </p:cBhvr>
+                                      <p:to x="100000" y="60000"/>
+                                    </p:animScale>
+                                    <p:animScale>
+                                      <p:cBhvr>
+                                        <p:cTn id="30" dur="166" decel="50000">
+                                          <p:stCondLst>
+                                            <p:cond delay="676"/>
+                                          </p:stCondLst>
+                                        </p:cTn>
+                                        <p:tgtEl>
+                                          <p:spTgt spid="14"/>
+                                        </p:tgtEl>
+                                      </p:cBhvr>
+                                      <p:to x="100000" y="100000"/>
+                                    </p:animScale>
+                                    <p:animScale>
+                                      <p:cBhvr>
+                                        <p:cTn id="31" dur="26">
+                                          <p:stCondLst>
+                                            <p:cond delay="1312"/>
+                                          </p:stCondLst>
+                                        </p:cTn>
+                                        <p:tgtEl>
+                                          <p:spTgt spid="14"/>
+                                        </p:tgtEl>
+                                      </p:cBhvr>
+                                      <p:to x="100000" y="80000"/>
+                                    </p:animScale>
+                                    <p:animScale>
+                                      <p:cBhvr>
+                                        <p:cTn id="32" dur="166" decel="50000">
+                                          <p:stCondLst>
+                                            <p:cond delay="1338"/>
+                                          </p:stCondLst>
+                                        </p:cTn>
+                                        <p:tgtEl>
+                                          <p:spTgt spid="14"/>
+                                        </p:tgtEl>
+                                      </p:cBhvr>
+                                      <p:to x="100000" y="100000"/>
+                                    </p:animScale>
+                                    <p:animScale>
+                                      <p:cBhvr>
+                                        <p:cTn id="33" dur="26">
+                                          <p:stCondLst>
+                                            <p:cond delay="1642"/>
+                                          </p:stCondLst>
+                                        </p:cTn>
+                                        <p:tgtEl>
+                                          <p:spTgt spid="14"/>
+                                        </p:tgtEl>
+                                      </p:cBhvr>
+                                      <p:to x="100000" y="90000"/>
+                                    </p:animScale>
+                                    <p:animScale>
+                                      <p:cBhvr>
+                                        <p:cTn id="34" dur="166" decel="50000">
+                                          <p:stCondLst>
+                                            <p:cond delay="1668"/>
+                                          </p:stCondLst>
+                                        </p:cTn>
+                                        <p:tgtEl>
+                                          <p:spTgt spid="14"/>
+                                        </p:tgtEl>
+                                      </p:cBhvr>
+                                      <p:to x="100000" y="100000"/>
+                                    </p:animScale>
+                                    <p:animScale>
+                                      <p:cBhvr>
+                                        <p:cTn id="35" dur="26">
+                                          <p:stCondLst>
+                                            <p:cond delay="1808"/>
+                                          </p:stCondLst>
+                                        </p:cTn>
+                                        <p:tgtEl>
+                                          <p:spTgt spid="14"/>
+                                        </p:tgtEl>
+                                      </p:cBhvr>
+                                      <p:to x="100000" y="95000"/>
+                                    </p:animScale>
+                                    <p:animScale>
+                                      <p:cBhvr>
+                                        <p:cTn id="36" dur="166" decel="50000">
+                                          <p:stCondLst>
+                                            <p:cond delay="1834"/>
+                                          </p:stCondLst>
+                                        </p:cTn>
+                                        <p:tgtEl>
+                                          <p:spTgt spid="14"/>
+                                        </p:tgtEl>
+                                      </p:cBhvr>
+                                      <p:to x="100000" y="100000"/>
+                                    </p:animScale>
+                                  </p:childTnLst>
+                                </p:cTn>
+                              </p:par>
+                              <p:par>
+                                <p:cTn id="37" presetID="26" presetClass="entr" presetSubtype="0" fill="hold" nodeType="withEffect">
+                                  <p:stCondLst>
+                                    <p:cond delay="0"/>
+                                  </p:stCondLst>
+                                  <p:childTnLst>
+                                    <p:set>
+                                      <p:cBhvr>
+                                        <p:cTn id="38" dur="1" fill="hold">
+                                          <p:stCondLst>
+                                            <p:cond delay="0"/>
+                                          </p:stCondLst>
+                                        </p:cTn>
+                                        <p:tgtEl>
+                                          <p:spTgt spid="15"/>
+                                        </p:tgtEl>
+                                        <p:attrNameLst>
+                                          <p:attrName>style.visibility</p:attrName>
+                                        </p:attrNameLst>
+                                      </p:cBhvr>
+                                      <p:to>
+                                        <p:strVal val="visible"/>
+                                      </p:to>
+                                    </p:set>
+                                    <p:animEffect transition="in" filter="wipe(down)">
+                                      <p:cBhvr>
+                                        <p:cTn id="39" dur="580">
+                                          <p:stCondLst>
+                                            <p:cond delay="0"/>
+                                          </p:stCondLst>
+                                        </p:cTn>
+                                        <p:tgtEl>
+                                          <p:spTgt spid="15"/>
+                                        </p:tgtEl>
+                                      </p:cBhvr>
+                                    </p:animEffect>
+                                    <p:anim calcmode="lin" valueType="num">
+                                      <p:cBhvr>
+                                        <p:cTn id="40" dur="1822" tmFilter="0,0; 0.14,0.36; 0.43,0.73; 0.71,0.91; 1.0,1.0">
+                                          <p:stCondLst>
+                                            <p:cond delay="0"/>
+                                          </p:stCondLst>
+                                        </p:cTn>
+                                        <p:tgtEl>
+                                          <p:spTgt spid="15"/>
+                                        </p:tgtEl>
+                                        <p:attrNameLst>
+                                          <p:attrName>ppt_x</p:attrName>
+                                        </p:attrNameLst>
+                                      </p:cBhvr>
+                                      <p:tavLst>
+                                        <p:tav tm="0">
+                                          <p:val>
+                                            <p:strVal val="#ppt_x-0.25"/>
+                                          </p:val>
+                                        </p:tav>
+                                        <p:tav tm="100000">
+                                          <p:val>
+                                            <p:strVal val="#ppt_x"/>
+                                          </p:val>
+                                        </p:tav>
+                                      </p:tavLst>
+                                    </p:anim>
+                                    <p:anim calcmode="lin" valueType="num">
+                                      <p:cBhvr>
+                                        <p:cTn id="41" dur="664" tmFilter="0.0,0.0; 0.25,0.07; 0.50,0.2; 0.75,0.467; 1.0,1.0">
+                                          <p:stCondLst>
+                                            <p:cond delay="0"/>
+                                          </p:stCondLst>
+                                        </p:cTn>
+                                        <p:tgtEl>
+                                          <p:spTgt spid="15"/>
+                                        </p:tgtEl>
+                                        <p:attrNameLst>
+                                          <p:attrName>ppt_y</p:attrName>
+                                        </p:attrNameLst>
+                                      </p:cBhvr>
+                                      <p:tavLst>
+                                        <p:tav tm="0" fmla="#ppt_y-sin(pi*$)/3">
+                                          <p:val>
+                                            <p:fltVal val="0.5"/>
+                                          </p:val>
+                                        </p:tav>
+                                        <p:tav tm="100000">
+                                          <p:val>
+                                            <p:fltVal val="1"/>
+                                          </p:val>
+                                        </p:tav>
+                                      </p:tavLst>
+                                    </p:anim>
+                                    <p:anim calcmode="lin" valueType="num">
+                                      <p:cBhvr>
+                                        <p:cTn id="42" dur="664" tmFilter="0, 0; 0.125,0.2665; 0.25,0.4; 0.375,0.465; 0.5,0.5;  0.625,0.535; 0.75,0.6; 0.875,0.7335; 1,1">
+                                          <p:stCondLst>
+                                            <p:cond delay="664"/>
+                                          </p:stCondLst>
+                                        </p:cTn>
+                                        <p:tgtEl>
+                                          <p:spTgt spid="15"/>
+                                        </p:tgtEl>
+                                        <p:attrNameLst>
+                                          <p:attrName>ppt_y</p:attrName>
+                                        </p:attrNameLst>
+                                      </p:cBhvr>
+                                      <p:tavLst>
+                                        <p:tav tm="0" fmla="#ppt_y-sin(pi*$)/9">
+                                          <p:val>
+                                            <p:fltVal val="0"/>
+                                          </p:val>
+                                        </p:tav>
+                                        <p:tav tm="100000">
+                                          <p:val>
+                                            <p:fltVal val="1"/>
+                                          </p:val>
+                                        </p:tav>
+                                      </p:tavLst>
+                                    </p:anim>
+                                    <p:anim calcmode="lin" valueType="num">
+                                      <p:cBhvr>
+                                        <p:cTn id="43" dur="332" tmFilter="0, 0; 0.125,0.2665; 0.25,0.4; 0.375,0.465; 0.5,0.5;  0.625,0.535; 0.75,0.6; 0.875,0.7335; 1,1">
+                                          <p:stCondLst>
+                                            <p:cond delay="1324"/>
+                                          </p:stCondLst>
+                                        </p:cTn>
+                                        <p:tgtEl>
+                                          <p:spTgt spid="15"/>
+                                        </p:tgtEl>
+                                        <p:attrNameLst>
+                                          <p:attrName>ppt_y</p:attrName>
+                                        </p:attrNameLst>
+                                      </p:cBhvr>
+                                      <p:tavLst>
+                                        <p:tav tm="0" fmla="#ppt_y-sin(pi*$)/27">
+                                          <p:val>
+                                            <p:fltVal val="0"/>
+                                          </p:val>
+                                        </p:tav>
+                                        <p:tav tm="100000">
+                                          <p:val>
+                                            <p:fltVal val="1"/>
+                                          </p:val>
+                                        </p:tav>
+                                      </p:tavLst>
+                                    </p:anim>
+                                    <p:anim calcmode="lin" valueType="num">
+                                      <p:cBhvr>
+                                        <p:cTn id="44" dur="164" tmFilter="0, 0; 0.125,0.2665; 0.25,0.4; 0.375,0.465; 0.5,0.5;  0.625,0.535; 0.75,0.6; 0.875,0.7335; 1,1">
+                                          <p:stCondLst>
+                                            <p:cond delay="1656"/>
+                                          </p:stCondLst>
+                                        </p:cTn>
+                                        <p:tgtEl>
+                                          <p:spTgt spid="15"/>
+                                        </p:tgtEl>
+                                        <p:attrNameLst>
+                                          <p:attrName>ppt_y</p:attrName>
+                                        </p:attrNameLst>
+                                      </p:cBhvr>
+                                      <p:tavLst>
+                                        <p:tav tm="0" fmla="#ppt_y-sin(pi*$)/81">
+                                          <p:val>
+                                            <p:fltVal val="0"/>
+                                          </p:val>
+                                        </p:tav>
+                                        <p:tav tm="100000">
+                                          <p:val>
+                                            <p:fltVal val="1"/>
+                                          </p:val>
+                                        </p:tav>
+                                      </p:tavLst>
+                                    </p:anim>
+                                    <p:animScale>
+                                      <p:cBhvr>
+                                        <p:cTn id="45" dur="26">
+                                          <p:stCondLst>
+                                            <p:cond delay="650"/>
+                                          </p:stCondLst>
+                                        </p:cTn>
+                                        <p:tgtEl>
+                                          <p:spTgt spid="15"/>
+                                        </p:tgtEl>
+                                      </p:cBhvr>
+                                      <p:to x="100000" y="60000"/>
+                                    </p:animScale>
+                                    <p:animScale>
+                                      <p:cBhvr>
+                                        <p:cTn id="46" dur="166" decel="50000">
+                                          <p:stCondLst>
+                                            <p:cond delay="676"/>
+                                          </p:stCondLst>
+                                        </p:cTn>
+                                        <p:tgtEl>
+                                          <p:spTgt spid="15"/>
+                                        </p:tgtEl>
+                                      </p:cBhvr>
+                                      <p:to x="100000" y="100000"/>
+                                    </p:animScale>
+                                    <p:animScale>
+                                      <p:cBhvr>
+                                        <p:cTn id="47" dur="26">
+                                          <p:stCondLst>
+                                            <p:cond delay="1312"/>
+                                          </p:stCondLst>
+                                        </p:cTn>
+                                        <p:tgtEl>
+                                          <p:spTgt spid="15"/>
+                                        </p:tgtEl>
+                                      </p:cBhvr>
+                                      <p:to x="100000" y="80000"/>
+                                    </p:animScale>
+                                    <p:animScale>
+                                      <p:cBhvr>
+                                        <p:cTn id="48" dur="166" decel="50000">
+                                          <p:stCondLst>
+                                            <p:cond delay="1338"/>
+                                          </p:stCondLst>
+                                        </p:cTn>
+                                        <p:tgtEl>
+                                          <p:spTgt spid="15"/>
+                                        </p:tgtEl>
+                                      </p:cBhvr>
+                                      <p:to x="100000" y="100000"/>
+                                    </p:animScale>
+                                    <p:animScale>
+                                      <p:cBhvr>
+                                        <p:cTn id="49" dur="26">
+                                          <p:stCondLst>
+                                            <p:cond delay="1642"/>
+                                          </p:stCondLst>
+                                        </p:cTn>
+                                        <p:tgtEl>
+                                          <p:spTgt spid="15"/>
+                                        </p:tgtEl>
+                                      </p:cBhvr>
+                                      <p:to x="100000" y="90000"/>
+                                    </p:animScale>
+                                    <p:animScale>
+                                      <p:cBhvr>
+                                        <p:cTn id="50" dur="166" decel="50000">
+                                          <p:stCondLst>
+                                            <p:cond delay="1668"/>
+                                          </p:stCondLst>
+                                        </p:cTn>
+                                        <p:tgtEl>
+                                          <p:spTgt spid="15"/>
+                                        </p:tgtEl>
+                                      </p:cBhvr>
+                                      <p:to x="100000" y="100000"/>
+                                    </p:animScale>
+                                    <p:animScale>
+                                      <p:cBhvr>
+                                        <p:cTn id="51" dur="26">
+                                          <p:stCondLst>
+                                            <p:cond delay="1808"/>
+                                          </p:stCondLst>
+                                        </p:cTn>
+                                        <p:tgtEl>
+                                          <p:spTgt spid="15"/>
+                                        </p:tgtEl>
+                                      </p:cBhvr>
+                                      <p:to x="100000" y="95000"/>
+                                    </p:animScale>
+                                    <p:animScale>
+                                      <p:cBhvr>
+                                        <p:cTn id="52" dur="166" decel="50000">
+                                          <p:stCondLst>
+                                            <p:cond delay="1834"/>
+                                          </p:stCondLst>
+                                        </p:cTn>
+                                        <p:tgtEl>
+                                          <p:spTgt spid="15"/>
+                                        </p:tgtEl>
+                                      </p:cBhvr>
+                                      <p:to x="100000" y="100000"/>
+                                    </p:animScale>
+                                  </p:childTnLst>
+                                </p:cTn>
+                              </p:par>
+                              <p:par>
+                                <p:cTn id="53" presetID="26" presetClass="entr" presetSubtype="0" fill="hold" nodeType="withEffect">
+                                  <p:stCondLst>
+                                    <p:cond delay="0"/>
+                                  </p:stCondLst>
+                                  <p:childTnLst>
+                                    <p:set>
+                                      <p:cBhvr>
+                                        <p:cTn id="54" dur="1" fill="hold">
+                                          <p:stCondLst>
+                                            <p:cond delay="0"/>
+                                          </p:stCondLst>
+                                        </p:cTn>
+                                        <p:tgtEl>
+                                          <p:spTgt spid="18"/>
+                                        </p:tgtEl>
+                                        <p:attrNameLst>
+                                          <p:attrName>style.visibility</p:attrName>
+                                        </p:attrNameLst>
+                                      </p:cBhvr>
+                                      <p:to>
+                                        <p:strVal val="visible"/>
+                                      </p:to>
+                                    </p:set>
+                                    <p:animEffect transition="in" filter="wipe(down)">
+                                      <p:cBhvr>
+                                        <p:cTn id="55" dur="580">
+                                          <p:stCondLst>
+                                            <p:cond delay="0"/>
+                                          </p:stCondLst>
+                                        </p:cTn>
+                                        <p:tgtEl>
+                                          <p:spTgt spid="18"/>
+                                        </p:tgtEl>
+                                      </p:cBhvr>
+                                    </p:animEffect>
+                                    <p:anim calcmode="lin" valueType="num">
+                                      <p:cBhvr>
+                                        <p:cTn id="56" dur="1822" tmFilter="0,0; 0.14,0.36; 0.43,0.73; 0.71,0.91; 1.0,1.0">
+                                          <p:stCondLst>
+                                            <p:cond delay="0"/>
+                                          </p:stCondLst>
+                                        </p:cTn>
+                                        <p:tgtEl>
+                                          <p:spTgt spid="18"/>
+                                        </p:tgtEl>
+                                        <p:attrNameLst>
+                                          <p:attrName>ppt_x</p:attrName>
+                                        </p:attrNameLst>
+                                      </p:cBhvr>
+                                      <p:tavLst>
+                                        <p:tav tm="0">
+                                          <p:val>
+                                            <p:strVal val="#ppt_x-0.25"/>
+                                          </p:val>
+                                        </p:tav>
+                                        <p:tav tm="100000">
+                                          <p:val>
+                                            <p:strVal val="#ppt_x"/>
+                                          </p:val>
+                                        </p:tav>
+                                      </p:tavLst>
+                                    </p:anim>
+                                    <p:anim calcmode="lin" valueType="num">
+                                      <p:cBhvr>
+                                        <p:cTn id="57" dur="664" tmFilter="0.0,0.0; 0.25,0.07; 0.50,0.2; 0.75,0.467; 1.0,1.0">
+                                          <p:stCondLst>
+                                            <p:cond delay="0"/>
+                                          </p:stCondLst>
+                                        </p:cTn>
+                                        <p:tgtEl>
+                                          <p:spTgt spid="18"/>
+                                        </p:tgtEl>
+                                        <p:attrNameLst>
+                                          <p:attrName>ppt_y</p:attrName>
+                                        </p:attrNameLst>
+                                      </p:cBhvr>
+                                      <p:tavLst>
+                                        <p:tav tm="0" fmla="#ppt_y-sin(pi*$)/3">
+                                          <p:val>
+                                            <p:fltVal val="0.5"/>
+                                          </p:val>
+                                        </p:tav>
+                                        <p:tav tm="100000">
+                                          <p:val>
+                                            <p:fltVal val="1"/>
+                                          </p:val>
+                                        </p:tav>
+                                      </p:tavLst>
+                                    </p:anim>
+                                    <p:anim calcmode="lin" valueType="num">
+                                      <p:cBhvr>
+                                        <p:cTn id="58" dur="664" tmFilter="0, 0; 0.125,0.2665; 0.25,0.4; 0.375,0.465; 0.5,0.5;  0.625,0.535; 0.75,0.6; 0.875,0.7335; 1,1">
+                                          <p:stCondLst>
+                                            <p:cond delay="664"/>
+                                          </p:stCondLst>
+                                        </p:cTn>
+                                        <p:tgtEl>
+                                          <p:spTgt spid="18"/>
+                                        </p:tgtEl>
+                                        <p:attrNameLst>
+                                          <p:attrName>ppt_y</p:attrName>
+                                        </p:attrNameLst>
+                                      </p:cBhvr>
+                                      <p:tavLst>
+                                        <p:tav tm="0" fmla="#ppt_y-sin(pi*$)/9">
+                                          <p:val>
+                                            <p:fltVal val="0"/>
+                                          </p:val>
+                                        </p:tav>
+                                        <p:tav tm="100000">
+                                          <p:val>
+                                            <p:fltVal val="1"/>
+                                          </p:val>
+                                        </p:tav>
+                                      </p:tavLst>
+                                    </p:anim>
+                                    <p:anim calcmode="lin" valueType="num">
+                                      <p:cBhvr>
+                                        <p:cTn id="59" dur="332" tmFilter="0, 0; 0.125,0.2665; 0.25,0.4; 0.375,0.465; 0.5,0.5;  0.625,0.535; 0.75,0.6; 0.875,0.7335; 1,1">
+                                          <p:stCondLst>
+                                            <p:cond delay="1324"/>
+                                          </p:stCondLst>
+                                        </p:cTn>
+                                        <p:tgtEl>
+                                          <p:spTgt spid="18"/>
+                                        </p:tgtEl>
+                                        <p:attrNameLst>
+                                          <p:attrName>ppt_y</p:attrName>
+                                        </p:attrNameLst>
+                                      </p:cBhvr>
+                                      <p:tavLst>
+                                        <p:tav tm="0" fmla="#ppt_y-sin(pi*$)/27">
+                                          <p:val>
+                                            <p:fltVal val="0"/>
+                                          </p:val>
+                                        </p:tav>
+                                        <p:tav tm="100000">
+                                          <p:val>
+                                            <p:fltVal val="1"/>
+                                          </p:val>
+                                        </p:tav>
+                                      </p:tavLst>
+                                    </p:anim>
+                                    <p:anim calcmode="lin" valueType="num">
+                                      <p:cBhvr>
+                                        <p:cTn id="60" dur="164" tmFilter="0, 0; 0.125,0.2665; 0.25,0.4; 0.375,0.465; 0.5,0.5;  0.625,0.535; 0.75,0.6; 0.875,0.7335; 1,1">
+                                          <p:stCondLst>
+                                            <p:cond delay="1656"/>
+                                          </p:stCondLst>
+                                        </p:cTn>
+                                        <p:tgtEl>
+                                          <p:spTgt spid="18"/>
+                                        </p:tgtEl>
+                                        <p:attrNameLst>
+                                          <p:attrName>ppt_y</p:attrName>
+                                        </p:attrNameLst>
+                                      </p:cBhvr>
+                                      <p:tavLst>
+                                        <p:tav tm="0" fmla="#ppt_y-sin(pi*$)/81">
+                                          <p:val>
+                                            <p:fltVal val="0"/>
+                                          </p:val>
+                                        </p:tav>
+                                        <p:tav tm="100000">
+                                          <p:val>
+                                            <p:fltVal val="1"/>
+                                          </p:val>
+                                        </p:tav>
+                                      </p:tavLst>
+                                    </p:anim>
+                                    <p:animScale>
+                                      <p:cBhvr>
+                                        <p:cTn id="61" dur="26">
+                                          <p:stCondLst>
+                                            <p:cond delay="650"/>
+                                          </p:stCondLst>
+                                        </p:cTn>
+                                        <p:tgtEl>
+                                          <p:spTgt spid="18"/>
+                                        </p:tgtEl>
+                                      </p:cBhvr>
+                                      <p:to x="100000" y="60000"/>
+                                    </p:animScale>
+                                    <p:animScale>
+                                      <p:cBhvr>
+                                        <p:cTn id="62" dur="166" decel="50000">
+                                          <p:stCondLst>
+                                            <p:cond delay="676"/>
+                                          </p:stCondLst>
+                                        </p:cTn>
+                                        <p:tgtEl>
+                                          <p:spTgt spid="18"/>
+                                        </p:tgtEl>
+                                      </p:cBhvr>
+                                      <p:to x="100000" y="100000"/>
+                                    </p:animScale>
+                                    <p:animScale>
+                                      <p:cBhvr>
+                                        <p:cTn id="63" dur="26">
+                                          <p:stCondLst>
+                                            <p:cond delay="1312"/>
+                                          </p:stCondLst>
+                                        </p:cTn>
+                                        <p:tgtEl>
+                                          <p:spTgt spid="18"/>
+                                        </p:tgtEl>
+                                      </p:cBhvr>
+                                      <p:to x="100000" y="80000"/>
+                                    </p:animScale>
+                                    <p:animScale>
+                                      <p:cBhvr>
+                                        <p:cTn id="64" dur="166" decel="50000">
+                                          <p:stCondLst>
+                                            <p:cond delay="1338"/>
+                                          </p:stCondLst>
+                                        </p:cTn>
+                                        <p:tgtEl>
+                                          <p:spTgt spid="18"/>
+                                        </p:tgtEl>
+                                      </p:cBhvr>
+                                      <p:to x="100000" y="100000"/>
+                                    </p:animScale>
+                                    <p:animScale>
+                                      <p:cBhvr>
+                                        <p:cTn id="65" dur="26">
+                                          <p:stCondLst>
+                                            <p:cond delay="1642"/>
+                                          </p:stCondLst>
+                                        </p:cTn>
+                                        <p:tgtEl>
+                                          <p:spTgt spid="18"/>
+                                        </p:tgtEl>
+                                      </p:cBhvr>
+                                      <p:to x="100000" y="90000"/>
+                                    </p:animScale>
+                                    <p:animScale>
+                                      <p:cBhvr>
+                                        <p:cTn id="66" dur="166" decel="50000">
+                                          <p:stCondLst>
+                                            <p:cond delay="1668"/>
+                                          </p:stCondLst>
+                                        </p:cTn>
+                                        <p:tgtEl>
+                                          <p:spTgt spid="18"/>
+                                        </p:tgtEl>
+                                      </p:cBhvr>
+                                      <p:to x="100000" y="100000"/>
+                                    </p:animScale>
+                                    <p:animScale>
+                                      <p:cBhvr>
+                                        <p:cTn id="67" dur="26">
+                                          <p:stCondLst>
+                                            <p:cond delay="1808"/>
+                                          </p:stCondLst>
+                                        </p:cTn>
+                                        <p:tgtEl>
+                                          <p:spTgt spid="18"/>
+                                        </p:tgtEl>
+                                      </p:cBhvr>
+                                      <p:to x="100000" y="95000"/>
+                                    </p:animScale>
+                                    <p:animScale>
+                                      <p:cBhvr>
+                                        <p:cTn id="68" dur="166" decel="50000">
+                                          <p:stCondLst>
+                                            <p:cond delay="1834"/>
+                                          </p:stCondLst>
+                                        </p:cTn>
+                                        <p:tgtEl>
+                                          <p:spTgt spid="18"/>
+                                        </p:tgtEl>
+                                      </p:cBhvr>
+                                      <p:to x="100000" y="100000"/>
+                                    </p:animScale>
+                                  </p:childTnLst>
+                                </p:cTn>
+                              </p:par>
+                              <p:par>
+                                <p:cTn id="69" presetID="26" presetClass="entr" presetSubtype="0" fill="hold" nodeType="withEffect">
+                                  <p:stCondLst>
+                                    <p:cond delay="0"/>
+                                  </p:stCondLst>
+                                  <p:childTnLst>
+                                    <p:set>
+                                      <p:cBhvr>
+                                        <p:cTn id="70" dur="1" fill="hold">
+                                          <p:stCondLst>
+                                            <p:cond delay="0"/>
+                                          </p:stCondLst>
+                                        </p:cTn>
+                                        <p:tgtEl>
+                                          <p:spTgt spid="17"/>
+                                        </p:tgtEl>
+                                        <p:attrNameLst>
+                                          <p:attrName>style.visibility</p:attrName>
+                                        </p:attrNameLst>
+                                      </p:cBhvr>
+                                      <p:to>
+                                        <p:strVal val="visible"/>
+                                      </p:to>
+                                    </p:set>
+                                    <p:animEffect transition="in" filter="wipe(down)">
+                                      <p:cBhvr>
+                                        <p:cTn id="71" dur="580">
+                                          <p:stCondLst>
+                                            <p:cond delay="0"/>
+                                          </p:stCondLst>
+                                        </p:cTn>
+                                        <p:tgtEl>
+                                          <p:spTgt spid="17"/>
+                                        </p:tgtEl>
+                                      </p:cBhvr>
+                                    </p:animEffect>
+                                    <p:anim calcmode="lin" valueType="num">
+                                      <p:cBhvr>
+                                        <p:cTn id="72" dur="1822" tmFilter="0,0; 0.14,0.36; 0.43,0.73; 0.71,0.91; 1.0,1.0">
+                                          <p:stCondLst>
+                                            <p:cond delay="0"/>
+                                          </p:stCondLst>
+                                        </p:cTn>
+                                        <p:tgtEl>
+                                          <p:spTgt spid="17"/>
+                                        </p:tgtEl>
+                                        <p:attrNameLst>
+                                          <p:attrName>ppt_x</p:attrName>
+                                        </p:attrNameLst>
+                                      </p:cBhvr>
+                                      <p:tavLst>
+                                        <p:tav tm="0">
+                                          <p:val>
+                                            <p:strVal val="#ppt_x-0.25"/>
+                                          </p:val>
+                                        </p:tav>
+                                        <p:tav tm="100000">
+                                          <p:val>
+                                            <p:strVal val="#ppt_x"/>
+                                          </p:val>
+                                        </p:tav>
+                                      </p:tavLst>
+                                    </p:anim>
+                                    <p:anim calcmode="lin" valueType="num">
+                                      <p:cBhvr>
+                                        <p:cTn id="73" dur="664" tmFilter="0.0,0.0; 0.25,0.07; 0.50,0.2; 0.75,0.467; 1.0,1.0">
+                                          <p:stCondLst>
+                                            <p:cond delay="0"/>
+                                          </p:stCondLst>
+                                        </p:cTn>
+                                        <p:tgtEl>
+                                          <p:spTgt spid="17"/>
+                                        </p:tgtEl>
+                                        <p:attrNameLst>
+                                          <p:attrName>ppt_y</p:attrName>
+                                        </p:attrNameLst>
+                                      </p:cBhvr>
+                                      <p:tavLst>
+                                        <p:tav tm="0" fmla="#ppt_y-sin(pi*$)/3">
+                                          <p:val>
+                                            <p:fltVal val="0.5"/>
+                                          </p:val>
+                                        </p:tav>
+                                        <p:tav tm="100000">
+                                          <p:val>
+                                            <p:fltVal val="1"/>
+                                          </p:val>
+                                        </p:tav>
+                                      </p:tavLst>
+                                    </p:anim>
+                                    <p:anim calcmode="lin" valueType="num">
+                                      <p:cBhvr>
+                                        <p:cTn id="74" dur="664" tmFilter="0, 0; 0.125,0.2665; 0.25,0.4; 0.375,0.465; 0.5,0.5;  0.625,0.535; 0.75,0.6; 0.875,0.7335; 1,1">
+                                          <p:stCondLst>
+                                            <p:cond delay="664"/>
+                                          </p:stCondLst>
+                                        </p:cTn>
+                                        <p:tgtEl>
+                                          <p:spTgt spid="17"/>
+                                        </p:tgtEl>
+                                        <p:attrNameLst>
+                                          <p:attrName>ppt_y</p:attrName>
+                                        </p:attrNameLst>
+                                      </p:cBhvr>
+                                      <p:tavLst>
+                                        <p:tav tm="0" fmla="#ppt_y-sin(pi*$)/9">
+                                          <p:val>
+                                            <p:fltVal val="0"/>
+                                          </p:val>
+                                        </p:tav>
+                                        <p:tav tm="100000">
+                                          <p:val>
+                                            <p:fltVal val="1"/>
+                                          </p:val>
+                                        </p:tav>
+                                      </p:tavLst>
+                                    </p:anim>
+                                    <p:anim calcmode="lin" valueType="num">
+                                      <p:cBhvr>
+                                        <p:cTn id="75" dur="332" tmFilter="0, 0; 0.125,0.2665; 0.25,0.4; 0.375,0.465; 0.5,0.5;  0.625,0.535; 0.75,0.6; 0.875,0.7335; 1,1">
+                                          <p:stCondLst>
+                                            <p:cond delay="1324"/>
+                                          </p:stCondLst>
+                                        </p:cTn>
+                                        <p:tgtEl>
+                                          <p:spTgt spid="17"/>
+                                        </p:tgtEl>
+                                        <p:attrNameLst>
+                                          <p:attrName>ppt_y</p:attrName>
+                                        </p:attrNameLst>
+                                      </p:cBhvr>
+                                      <p:tavLst>
+                                        <p:tav tm="0" fmla="#ppt_y-sin(pi*$)/27">
+                                          <p:val>
+                                            <p:fltVal val="0"/>
+                                          </p:val>
+                                        </p:tav>
+                                        <p:tav tm="100000">
+                                          <p:val>
+                                            <p:fltVal val="1"/>
+                                          </p:val>
+                                        </p:tav>
+                                      </p:tavLst>
+                                    </p:anim>
+                                    <p:anim calcmode="lin" valueType="num">
+                                      <p:cBhvr>
+                                        <p:cTn id="76" dur="164" tmFilter="0, 0; 0.125,0.2665; 0.25,0.4; 0.375,0.465; 0.5,0.5;  0.625,0.535; 0.75,0.6; 0.875,0.7335; 1,1">
+                                          <p:stCondLst>
+                                            <p:cond delay="1656"/>
+                                          </p:stCondLst>
+                                        </p:cTn>
+                                        <p:tgtEl>
+                                          <p:spTgt spid="17"/>
+                                        </p:tgtEl>
+                                        <p:attrNameLst>
+                                          <p:attrName>ppt_y</p:attrName>
+                                        </p:attrNameLst>
+                                      </p:cBhvr>
+                                      <p:tavLst>
+                                        <p:tav tm="0" fmla="#ppt_y-sin(pi*$)/81">
+                                          <p:val>
+                                            <p:fltVal val="0"/>
+                                          </p:val>
+                                        </p:tav>
+                                        <p:tav tm="100000">
+                                          <p:val>
+                                            <p:fltVal val="1"/>
+                                          </p:val>
+                                        </p:tav>
+                                      </p:tavLst>
+                                    </p:anim>
+                                    <p:animScale>
+                                      <p:cBhvr>
+                                        <p:cTn id="77" dur="26">
+                                          <p:stCondLst>
+                                            <p:cond delay="650"/>
+                                          </p:stCondLst>
+                                        </p:cTn>
+                                        <p:tgtEl>
+                                          <p:spTgt spid="17"/>
+                                        </p:tgtEl>
+                                      </p:cBhvr>
+                                      <p:to x="100000" y="60000"/>
+                                    </p:animScale>
+                                    <p:animScale>
+                                      <p:cBhvr>
+                                        <p:cTn id="78" dur="166" decel="50000">
+                                          <p:stCondLst>
+                                            <p:cond delay="676"/>
+                                          </p:stCondLst>
+                                        </p:cTn>
+                                        <p:tgtEl>
+                                          <p:spTgt spid="17"/>
+                                        </p:tgtEl>
+                                      </p:cBhvr>
+                                      <p:to x="100000" y="100000"/>
+                                    </p:animScale>
+                                    <p:animScale>
+                                      <p:cBhvr>
+                                        <p:cTn id="79" dur="26">
+                                          <p:stCondLst>
+                                            <p:cond delay="1312"/>
+                                          </p:stCondLst>
+                                        </p:cTn>
+                                        <p:tgtEl>
+                                          <p:spTgt spid="17"/>
+                                        </p:tgtEl>
+                                      </p:cBhvr>
+                                      <p:to x="100000" y="80000"/>
+                                    </p:animScale>
+                                    <p:animScale>
+                                      <p:cBhvr>
+                                        <p:cTn id="80" dur="166" decel="50000">
+                                          <p:stCondLst>
+                                            <p:cond delay="1338"/>
+                                          </p:stCondLst>
+                                        </p:cTn>
+                                        <p:tgtEl>
+                                          <p:spTgt spid="17"/>
+                                        </p:tgtEl>
+                                      </p:cBhvr>
+                                      <p:to x="100000" y="100000"/>
+                                    </p:animScale>
+                                    <p:animScale>
+                                      <p:cBhvr>
+                                        <p:cTn id="81" dur="26">
+                                          <p:stCondLst>
+                                            <p:cond delay="1642"/>
+                                          </p:stCondLst>
+                                        </p:cTn>
+                                        <p:tgtEl>
+                                          <p:spTgt spid="17"/>
+                                        </p:tgtEl>
+                                      </p:cBhvr>
+                                      <p:to x="100000" y="90000"/>
+                                    </p:animScale>
+                                    <p:animScale>
+                                      <p:cBhvr>
+                                        <p:cTn id="82" dur="166" decel="50000">
+                                          <p:stCondLst>
+                                            <p:cond delay="1668"/>
+                                          </p:stCondLst>
+                                        </p:cTn>
+                                        <p:tgtEl>
+                                          <p:spTgt spid="17"/>
+                                        </p:tgtEl>
+                                      </p:cBhvr>
+                                      <p:to x="100000" y="100000"/>
+                                    </p:animScale>
+                                    <p:animScale>
+                                      <p:cBhvr>
+                                        <p:cTn id="83" dur="26">
+                                          <p:stCondLst>
+                                            <p:cond delay="1808"/>
+                                          </p:stCondLst>
+                                        </p:cTn>
+                                        <p:tgtEl>
+                                          <p:spTgt spid="17"/>
+                                        </p:tgtEl>
+                                      </p:cBhvr>
+                                      <p:to x="100000" y="95000"/>
+                                    </p:animScale>
+                                    <p:animScale>
+                                      <p:cBhvr>
+                                        <p:cTn id="84" dur="166" decel="50000">
+                                          <p:stCondLst>
+                                            <p:cond delay="1834"/>
+                                          </p:stCondLst>
+                                        </p:cTn>
+                                        <p:tgtEl>
+                                          <p:spTgt spid="17"/>
+                                        </p:tgtEl>
+                                      </p:cBhvr>
+                                      <p:to x="100000" y="100000"/>
+                                    </p:animScale>
+                                  </p:childTnLst>
+                                </p:cTn>
+                              </p:par>
+                              <p:par>
+                                <p:cTn id="85" presetID="26" presetClass="entr" presetSubtype="0" fill="hold" nodeType="withEffect">
+                                  <p:stCondLst>
+                                    <p:cond delay="0"/>
+                                  </p:stCondLst>
+                                  <p:childTnLst>
+                                    <p:set>
+                                      <p:cBhvr>
+                                        <p:cTn id="86" dur="1" fill="hold">
+                                          <p:stCondLst>
+                                            <p:cond delay="0"/>
+                                          </p:stCondLst>
+                                        </p:cTn>
+                                        <p:tgtEl>
+                                          <p:spTgt spid="16"/>
+                                        </p:tgtEl>
+                                        <p:attrNameLst>
+                                          <p:attrName>style.visibility</p:attrName>
+                                        </p:attrNameLst>
+                                      </p:cBhvr>
+                                      <p:to>
+                                        <p:strVal val="visible"/>
+                                      </p:to>
+                                    </p:set>
+                                    <p:animEffect transition="in" filter="wipe(down)">
+                                      <p:cBhvr>
+                                        <p:cTn id="87" dur="580">
+                                          <p:stCondLst>
+                                            <p:cond delay="0"/>
+                                          </p:stCondLst>
+                                        </p:cTn>
+                                        <p:tgtEl>
+                                          <p:spTgt spid="16"/>
+                                        </p:tgtEl>
+                                      </p:cBhvr>
+                                    </p:animEffect>
+                                    <p:anim calcmode="lin" valueType="num">
+                                      <p:cBhvr>
+                                        <p:cTn id="88" dur="1822" tmFilter="0,0; 0.14,0.36; 0.43,0.73; 0.71,0.91; 1.0,1.0">
+                                          <p:stCondLst>
+                                            <p:cond delay="0"/>
+                                          </p:stCondLst>
+                                        </p:cTn>
+                                        <p:tgtEl>
+                                          <p:spTgt spid="16"/>
+                                        </p:tgtEl>
+                                        <p:attrNameLst>
+                                          <p:attrName>ppt_x</p:attrName>
+                                        </p:attrNameLst>
+                                      </p:cBhvr>
+                                      <p:tavLst>
+                                        <p:tav tm="0">
+                                          <p:val>
+                                            <p:strVal val="#ppt_x-0.25"/>
+                                          </p:val>
+                                        </p:tav>
+                                        <p:tav tm="100000">
+                                          <p:val>
+                                            <p:strVal val="#ppt_x"/>
+                                          </p:val>
+                                        </p:tav>
+                                      </p:tavLst>
+                                    </p:anim>
+                                    <p:anim calcmode="lin" valueType="num">
+                                      <p:cBhvr>
+                                        <p:cTn id="89" dur="664" tmFilter="0.0,0.0; 0.25,0.07; 0.50,0.2; 0.75,0.467; 1.0,1.0">
+                                          <p:stCondLst>
+                                            <p:cond delay="0"/>
+                                          </p:stCondLst>
+                                        </p:cTn>
+                                        <p:tgtEl>
+                                          <p:spTgt spid="16"/>
+                                        </p:tgtEl>
+                                        <p:attrNameLst>
+                                          <p:attrName>ppt_y</p:attrName>
+                                        </p:attrNameLst>
+                                      </p:cBhvr>
+                                      <p:tavLst>
+                                        <p:tav tm="0" fmla="#ppt_y-sin(pi*$)/3">
+                                          <p:val>
+                                            <p:fltVal val="0.5"/>
+                                          </p:val>
+                                        </p:tav>
+                                        <p:tav tm="100000">
+                                          <p:val>
+                                            <p:fltVal val="1"/>
+                                          </p:val>
+                                        </p:tav>
+                                      </p:tavLst>
+                                    </p:anim>
+                                    <p:anim calcmode="lin" valueType="num">
+                                      <p:cBhvr>
+                                        <p:cTn id="90" dur="664" tmFilter="0, 0; 0.125,0.2665; 0.25,0.4; 0.375,0.465; 0.5,0.5;  0.625,0.535; 0.75,0.6; 0.875,0.7335; 1,1">
+                                          <p:stCondLst>
+                                            <p:cond delay="664"/>
+                                          </p:stCondLst>
+                                        </p:cTn>
+                                        <p:tgtEl>
+                                          <p:spTgt spid="16"/>
+                                        </p:tgtEl>
+                                        <p:attrNameLst>
+                                          <p:attrName>ppt_y</p:attrName>
+                                        </p:attrNameLst>
+                                      </p:cBhvr>
+                                      <p:tavLst>
+                                        <p:tav tm="0" fmla="#ppt_y-sin(pi*$)/9">
+                                          <p:val>
+                                            <p:fltVal val="0"/>
+                                          </p:val>
+                                        </p:tav>
+                                        <p:tav tm="100000">
+                                          <p:val>
+                                            <p:fltVal val="1"/>
+                                          </p:val>
+                                        </p:tav>
+                                      </p:tavLst>
+                                    </p:anim>
+                                    <p:anim calcmode="lin" valueType="num">
+                                      <p:cBhvr>
+                                        <p:cTn id="91" dur="332" tmFilter="0, 0; 0.125,0.2665; 0.25,0.4; 0.375,0.465; 0.5,0.5;  0.625,0.535; 0.75,0.6; 0.875,0.7335; 1,1">
+                                          <p:stCondLst>
+                                            <p:cond delay="1324"/>
+                                          </p:stCondLst>
+                                        </p:cTn>
+                                        <p:tgtEl>
+                                          <p:spTgt spid="16"/>
+                                        </p:tgtEl>
+                                        <p:attrNameLst>
+                                          <p:attrName>ppt_y</p:attrName>
+                                        </p:attrNameLst>
+                                      </p:cBhvr>
+                                      <p:tavLst>
+                                        <p:tav tm="0" fmla="#ppt_y-sin(pi*$)/27">
+                                          <p:val>
+                                            <p:fltVal val="0"/>
+                                          </p:val>
+                                        </p:tav>
+                                        <p:tav tm="100000">
+                                          <p:val>
+                                            <p:fltVal val="1"/>
+                                          </p:val>
+                                        </p:tav>
+                                      </p:tavLst>
+                                    </p:anim>
+                                    <p:anim calcmode="lin" valueType="num">
+                                      <p:cBhvr>
+                                        <p:cTn id="92" dur="164" tmFilter="0, 0; 0.125,0.2665; 0.25,0.4; 0.375,0.465; 0.5,0.5;  0.625,0.535; 0.75,0.6; 0.875,0.7335; 1,1">
+                                          <p:stCondLst>
+                                            <p:cond delay="1656"/>
+                                          </p:stCondLst>
+                                        </p:cTn>
+                                        <p:tgtEl>
+                                          <p:spTgt spid="16"/>
+                                        </p:tgtEl>
+                                        <p:attrNameLst>
+                                          <p:attrName>ppt_y</p:attrName>
+                                        </p:attrNameLst>
+                                      </p:cBhvr>
+                                      <p:tavLst>
+                                        <p:tav tm="0" fmla="#ppt_y-sin(pi*$)/81">
+                                          <p:val>
+                                            <p:fltVal val="0"/>
+                                          </p:val>
+                                        </p:tav>
+                                        <p:tav tm="100000">
+                                          <p:val>
+                                            <p:fltVal val="1"/>
+                                          </p:val>
+                                        </p:tav>
+                                      </p:tavLst>
+                                    </p:anim>
+                                    <p:animScale>
+                                      <p:cBhvr>
+                                        <p:cTn id="93" dur="26">
+                                          <p:stCondLst>
+                                            <p:cond delay="650"/>
+                                          </p:stCondLst>
+                                        </p:cTn>
+                                        <p:tgtEl>
+                                          <p:spTgt spid="16"/>
+                                        </p:tgtEl>
+                                      </p:cBhvr>
+                                      <p:to x="100000" y="60000"/>
+                                    </p:animScale>
+                                    <p:animScale>
+                                      <p:cBhvr>
+                                        <p:cTn id="94" dur="166" decel="50000">
+                                          <p:stCondLst>
+                                            <p:cond delay="676"/>
+                                          </p:stCondLst>
+                                        </p:cTn>
+                                        <p:tgtEl>
+                                          <p:spTgt spid="16"/>
+                                        </p:tgtEl>
+                                      </p:cBhvr>
+                                      <p:to x="100000" y="100000"/>
+                                    </p:animScale>
+                                    <p:animScale>
+                                      <p:cBhvr>
+                                        <p:cTn id="95" dur="26">
+                                          <p:stCondLst>
+                                            <p:cond delay="1312"/>
+                                          </p:stCondLst>
+                                        </p:cTn>
+                                        <p:tgtEl>
+                                          <p:spTgt spid="16"/>
+                                        </p:tgtEl>
+                                      </p:cBhvr>
+                                      <p:to x="100000" y="80000"/>
+                                    </p:animScale>
+                                    <p:animScale>
+                                      <p:cBhvr>
+                                        <p:cTn id="96" dur="166" decel="50000">
+                                          <p:stCondLst>
+                                            <p:cond delay="1338"/>
+                                          </p:stCondLst>
+                                        </p:cTn>
+                                        <p:tgtEl>
+                                          <p:spTgt spid="16"/>
+                                        </p:tgtEl>
+                                      </p:cBhvr>
+                                      <p:to x="100000" y="100000"/>
+                                    </p:animScale>
+                                    <p:animScale>
+                                      <p:cBhvr>
+                                        <p:cTn id="97" dur="26">
+                                          <p:stCondLst>
+                                            <p:cond delay="1642"/>
+                                          </p:stCondLst>
+                                        </p:cTn>
+                                        <p:tgtEl>
+                                          <p:spTgt spid="16"/>
+                                        </p:tgtEl>
+                                      </p:cBhvr>
+                                      <p:to x="100000" y="90000"/>
+                                    </p:animScale>
+                                    <p:animScale>
+                                      <p:cBhvr>
+                                        <p:cTn id="98" dur="166" decel="50000">
+                                          <p:stCondLst>
+                                            <p:cond delay="1668"/>
+                                          </p:stCondLst>
+                                        </p:cTn>
+                                        <p:tgtEl>
+                                          <p:spTgt spid="16"/>
+                                        </p:tgtEl>
+                                      </p:cBhvr>
+                                      <p:to x="100000" y="100000"/>
+                                    </p:animScale>
+                                    <p:animScale>
+                                      <p:cBhvr>
+                                        <p:cTn id="99" dur="26">
+                                          <p:stCondLst>
+                                            <p:cond delay="1808"/>
+                                          </p:stCondLst>
+                                        </p:cTn>
+                                        <p:tgtEl>
+                                          <p:spTgt spid="16"/>
+                                        </p:tgtEl>
+                                      </p:cBhvr>
+                                      <p:to x="100000" y="95000"/>
+                                    </p:animScale>
+                                    <p:animScale>
+                                      <p:cBhvr>
+                                        <p:cTn id="100" dur="166" decel="50000">
+                                          <p:stCondLst>
+                                            <p:cond delay="1834"/>
+                                          </p:stCondLst>
+                                        </p:cTn>
+                                        <p:tgtEl>
+                                          <p:spTgt spid="16"/>
+                                        </p:tgtEl>
+                                      </p:cBhvr>
+                                      <p:to x="100000" y="100000"/>
+                                    </p:animScale>
+                                  </p:childTnLst>
+                                </p:cTn>
+                              </p:par>
+                              <p:par>
+                                <p:cTn id="101" presetID="26" presetClass="entr" presetSubtype="0" fill="hold" nodeType="withEffect">
+                                  <p:stCondLst>
+                                    <p:cond delay="0"/>
+                                  </p:stCondLst>
+                                  <p:childTnLst>
+                                    <p:set>
+                                      <p:cBhvr>
+                                        <p:cTn id="102" dur="1" fill="hold">
+                                          <p:stCondLst>
+                                            <p:cond delay="0"/>
+                                          </p:stCondLst>
+                                        </p:cTn>
+                                        <p:tgtEl>
+                                          <p:spTgt spid="19"/>
+                                        </p:tgtEl>
+                                        <p:attrNameLst>
+                                          <p:attrName>style.visibility</p:attrName>
+                                        </p:attrNameLst>
+                                      </p:cBhvr>
+                                      <p:to>
+                                        <p:strVal val="visible"/>
+                                      </p:to>
+                                    </p:set>
+                                    <p:animEffect transition="in" filter="wipe(down)">
+                                      <p:cBhvr>
+                                        <p:cTn id="103" dur="580">
+                                          <p:stCondLst>
+                                            <p:cond delay="0"/>
+                                          </p:stCondLst>
+                                        </p:cTn>
+                                        <p:tgtEl>
+                                          <p:spTgt spid="19"/>
+                                        </p:tgtEl>
+                                      </p:cBhvr>
+                                    </p:animEffect>
+                                    <p:anim calcmode="lin" valueType="num">
+                                      <p:cBhvr>
+                                        <p:cTn id="104" dur="1822" tmFilter="0,0; 0.14,0.36; 0.43,0.73; 0.71,0.91; 1.0,1.0">
+                                          <p:stCondLst>
+                                            <p:cond delay="0"/>
+                                          </p:stCondLst>
+                                        </p:cTn>
+                                        <p:tgtEl>
+                                          <p:spTgt spid="19"/>
+                                        </p:tgtEl>
+                                        <p:attrNameLst>
+                                          <p:attrName>ppt_x</p:attrName>
+                                        </p:attrNameLst>
+                                      </p:cBhvr>
+                                      <p:tavLst>
+                                        <p:tav tm="0">
+                                          <p:val>
+                                            <p:strVal val="#ppt_x-0.25"/>
+                                          </p:val>
+                                        </p:tav>
+                                        <p:tav tm="100000">
+                                          <p:val>
+                                            <p:strVal val="#ppt_x"/>
+                                          </p:val>
+                                        </p:tav>
+                                      </p:tavLst>
+                                    </p:anim>
+                                    <p:anim calcmode="lin" valueType="num">
+                                      <p:cBhvr>
+                                        <p:cTn id="105" dur="664" tmFilter="0.0,0.0; 0.25,0.07; 0.50,0.2; 0.75,0.467; 1.0,1.0">
+                                          <p:stCondLst>
+                                            <p:cond delay="0"/>
+                                          </p:stCondLst>
+                                        </p:cTn>
+                                        <p:tgtEl>
+                                          <p:spTgt spid="19"/>
+                                        </p:tgtEl>
+                                        <p:attrNameLst>
+                                          <p:attrName>ppt_y</p:attrName>
+                                        </p:attrNameLst>
+                                      </p:cBhvr>
+                                      <p:tavLst>
+                                        <p:tav tm="0" fmla="#ppt_y-sin(pi*$)/3">
+                                          <p:val>
+                                            <p:fltVal val="0.5"/>
+                                          </p:val>
+                                        </p:tav>
+                                        <p:tav tm="100000">
+                                          <p:val>
+                                            <p:fltVal val="1"/>
+                                          </p:val>
+                                        </p:tav>
+                                      </p:tavLst>
+                                    </p:anim>
+                                    <p:anim calcmode="lin" valueType="num">
+                                      <p:cBhvr>
+                                        <p:cTn id="106" dur="664" tmFilter="0, 0; 0.125,0.2665; 0.25,0.4; 0.375,0.465; 0.5,0.5;  0.625,0.535; 0.75,0.6; 0.875,0.7335; 1,1">
+                                          <p:stCondLst>
+                                            <p:cond delay="664"/>
+                                          </p:stCondLst>
+                                        </p:cTn>
+                                        <p:tgtEl>
+                                          <p:spTgt spid="19"/>
+                                        </p:tgtEl>
+                                        <p:attrNameLst>
+                                          <p:attrName>ppt_y</p:attrName>
+                                        </p:attrNameLst>
+                                      </p:cBhvr>
+                                      <p:tavLst>
+                                        <p:tav tm="0" fmla="#ppt_y-sin(pi*$)/9">
+                                          <p:val>
+                                            <p:fltVal val="0"/>
+                                          </p:val>
+                                        </p:tav>
+                                        <p:tav tm="100000">
+                                          <p:val>
+                                            <p:fltVal val="1"/>
+                                          </p:val>
+                                        </p:tav>
+                                      </p:tavLst>
+                                    </p:anim>
+                                    <p:anim calcmode="lin" valueType="num">
+                                      <p:cBhvr>
+                                        <p:cTn id="107" dur="332" tmFilter="0, 0; 0.125,0.2665; 0.25,0.4; 0.375,0.465; 0.5,0.5;  0.625,0.535; 0.75,0.6; 0.875,0.7335; 1,1">
+                                          <p:stCondLst>
+                                            <p:cond delay="1324"/>
+                                          </p:stCondLst>
+                                        </p:cTn>
+                                        <p:tgtEl>
+                                          <p:spTgt spid="19"/>
+                                        </p:tgtEl>
+                                        <p:attrNameLst>
+                                          <p:attrName>ppt_y</p:attrName>
+                                        </p:attrNameLst>
+                                      </p:cBhvr>
+                                      <p:tavLst>
+                                        <p:tav tm="0" fmla="#ppt_y-sin(pi*$)/27">
+                                          <p:val>
+                                            <p:fltVal val="0"/>
+                                          </p:val>
+                                        </p:tav>
+                                        <p:tav tm="100000">
+                                          <p:val>
+                                            <p:fltVal val="1"/>
+                                          </p:val>
+                                        </p:tav>
+                                      </p:tavLst>
+                                    </p:anim>
+                                    <p:anim calcmode="lin" valueType="num">
+                                      <p:cBhvr>
+                                        <p:cTn id="108" dur="164" tmFilter="0, 0; 0.125,0.2665; 0.25,0.4; 0.375,0.465; 0.5,0.5;  0.625,0.535; 0.75,0.6; 0.875,0.7335; 1,1">
+                                          <p:stCondLst>
+                                            <p:cond delay="1656"/>
+                                          </p:stCondLst>
+                                        </p:cTn>
+                                        <p:tgtEl>
+                                          <p:spTgt spid="19"/>
+                                        </p:tgtEl>
+                                        <p:attrNameLst>
+                                          <p:attrName>ppt_y</p:attrName>
+                                        </p:attrNameLst>
+                                      </p:cBhvr>
+                                      <p:tavLst>
+                                        <p:tav tm="0" fmla="#ppt_y-sin(pi*$)/81">
+                                          <p:val>
+                                            <p:fltVal val="0"/>
+                                          </p:val>
+                                        </p:tav>
+                                        <p:tav tm="100000">
+                                          <p:val>
+                                            <p:fltVal val="1"/>
+                                          </p:val>
+                                        </p:tav>
+                                      </p:tavLst>
+                                    </p:anim>
+                                    <p:animScale>
+                                      <p:cBhvr>
+                                        <p:cTn id="109" dur="26">
+                                          <p:stCondLst>
+                                            <p:cond delay="650"/>
+                                          </p:stCondLst>
+                                        </p:cTn>
+                                        <p:tgtEl>
+                                          <p:spTgt spid="19"/>
+                                        </p:tgtEl>
+                                      </p:cBhvr>
+                                      <p:to x="100000" y="60000"/>
+                                    </p:animScale>
+                                    <p:animScale>
+                                      <p:cBhvr>
+                                        <p:cTn id="110" dur="166" decel="50000">
+                                          <p:stCondLst>
+                                            <p:cond delay="676"/>
+                                          </p:stCondLst>
+                                        </p:cTn>
+                                        <p:tgtEl>
+                                          <p:spTgt spid="19"/>
+                                        </p:tgtEl>
+                                      </p:cBhvr>
+                                      <p:to x="100000" y="100000"/>
+                                    </p:animScale>
+                                    <p:animScale>
+                                      <p:cBhvr>
+                                        <p:cTn id="111" dur="26">
+                                          <p:stCondLst>
+                                            <p:cond delay="1312"/>
+                                          </p:stCondLst>
+                                        </p:cTn>
+                                        <p:tgtEl>
+                                          <p:spTgt spid="19"/>
+                                        </p:tgtEl>
+                                      </p:cBhvr>
+                                      <p:to x="100000" y="80000"/>
+                                    </p:animScale>
+                                    <p:animScale>
+                                      <p:cBhvr>
+                                        <p:cTn id="112" dur="166" decel="50000">
+                                          <p:stCondLst>
+                                            <p:cond delay="1338"/>
+                                          </p:stCondLst>
+                                        </p:cTn>
+                                        <p:tgtEl>
+                                          <p:spTgt spid="19"/>
+                                        </p:tgtEl>
+                                      </p:cBhvr>
+                                      <p:to x="100000" y="100000"/>
+                                    </p:animScale>
+                                    <p:animScale>
+                                      <p:cBhvr>
+                                        <p:cTn id="113" dur="26">
+                                          <p:stCondLst>
+                                            <p:cond delay="1642"/>
+                                          </p:stCondLst>
+                                        </p:cTn>
+                                        <p:tgtEl>
+                                          <p:spTgt spid="19"/>
+                                        </p:tgtEl>
+                                      </p:cBhvr>
+                                      <p:to x="100000" y="90000"/>
+                                    </p:animScale>
+                                    <p:animScale>
+                                      <p:cBhvr>
+                                        <p:cTn id="114" dur="166" decel="50000">
+                                          <p:stCondLst>
+                                            <p:cond delay="1668"/>
+                                          </p:stCondLst>
+                                        </p:cTn>
+                                        <p:tgtEl>
+                                          <p:spTgt spid="19"/>
+                                        </p:tgtEl>
+                                      </p:cBhvr>
+                                      <p:to x="100000" y="100000"/>
+                                    </p:animScale>
+                                    <p:animScale>
+                                      <p:cBhvr>
+                                        <p:cTn id="115" dur="26">
+                                          <p:stCondLst>
+                                            <p:cond delay="1808"/>
+                                          </p:stCondLst>
+                                        </p:cTn>
+                                        <p:tgtEl>
+                                          <p:spTgt spid="19"/>
+                                        </p:tgtEl>
+                                      </p:cBhvr>
+                                      <p:to x="100000" y="95000"/>
+                                    </p:animScale>
+                                    <p:animScale>
+                                      <p:cBhvr>
+                                        <p:cTn id="116" dur="166" decel="50000">
+                                          <p:stCondLst>
+                                            <p:cond delay="1834"/>
+                                          </p:stCondLst>
+                                        </p:cTn>
+                                        <p:tgtEl>
+                                          <p:spTgt spid="19"/>
+                                        </p:tgtEl>
+                                      </p:cBhvr>
+                                      <p:to x="100000" y="100000"/>
+                                    </p:animScale>
+                                  </p:childTnLst>
+                                </p:cTn>
+                              </p:par>
+                              <p:par>
+                                <p:cTn id="117" presetID="26" presetClass="entr" presetSubtype="0" fill="hold" nodeType="withEffect">
+                                  <p:stCondLst>
+                                    <p:cond delay="0"/>
+                                  </p:stCondLst>
+                                  <p:childTnLst>
+                                    <p:set>
+                                      <p:cBhvr>
+                                        <p:cTn id="118" dur="1" fill="hold">
+                                          <p:stCondLst>
+                                            <p:cond delay="0"/>
+                                          </p:stCondLst>
+                                        </p:cTn>
+                                        <p:tgtEl>
+                                          <p:spTgt spid="20"/>
+                                        </p:tgtEl>
+                                        <p:attrNameLst>
+                                          <p:attrName>style.visibility</p:attrName>
+                                        </p:attrNameLst>
+                                      </p:cBhvr>
+                                      <p:to>
+                                        <p:strVal val="visible"/>
+                                      </p:to>
+                                    </p:set>
+                                    <p:animEffect transition="in" filter="wipe(down)">
+                                      <p:cBhvr>
+                                        <p:cTn id="119" dur="580">
+                                          <p:stCondLst>
+                                            <p:cond delay="0"/>
+                                          </p:stCondLst>
+                                        </p:cTn>
+                                        <p:tgtEl>
+                                          <p:spTgt spid="20"/>
+                                        </p:tgtEl>
+                                      </p:cBhvr>
+                                    </p:animEffect>
+                                    <p:anim calcmode="lin" valueType="num">
+                                      <p:cBhvr>
+                                        <p:cTn id="120" dur="1822" tmFilter="0,0; 0.14,0.36; 0.43,0.73; 0.71,0.91; 1.0,1.0">
+                                          <p:stCondLst>
+                                            <p:cond delay="0"/>
+                                          </p:stCondLst>
+                                        </p:cTn>
+                                        <p:tgtEl>
+                                          <p:spTgt spid="20"/>
+                                        </p:tgtEl>
+                                        <p:attrNameLst>
+                                          <p:attrName>ppt_x</p:attrName>
+                                        </p:attrNameLst>
+                                      </p:cBhvr>
+                                      <p:tavLst>
+                                        <p:tav tm="0">
+                                          <p:val>
+                                            <p:strVal val="#ppt_x-0.25"/>
+                                          </p:val>
+                                        </p:tav>
+                                        <p:tav tm="100000">
+                                          <p:val>
+                                            <p:strVal val="#ppt_x"/>
+                                          </p:val>
+                                        </p:tav>
+                                      </p:tavLst>
+                                    </p:anim>
+                                    <p:anim calcmode="lin" valueType="num">
+                                      <p:cBhvr>
+                                        <p:cTn id="121" dur="664" tmFilter="0.0,0.0; 0.25,0.07; 0.50,0.2; 0.75,0.467; 1.0,1.0">
+                                          <p:stCondLst>
+                                            <p:cond delay="0"/>
+                                          </p:stCondLst>
+                                        </p:cTn>
+                                        <p:tgtEl>
+                                          <p:spTgt spid="20"/>
+                                        </p:tgtEl>
+                                        <p:attrNameLst>
+                                          <p:attrName>ppt_y</p:attrName>
+                                        </p:attrNameLst>
+                                      </p:cBhvr>
+                                      <p:tavLst>
+                                        <p:tav tm="0" fmla="#ppt_y-sin(pi*$)/3">
+                                          <p:val>
+                                            <p:fltVal val="0.5"/>
+                                          </p:val>
+                                        </p:tav>
+                                        <p:tav tm="100000">
+                                          <p:val>
+                                            <p:fltVal val="1"/>
+                                          </p:val>
+                                        </p:tav>
+                                      </p:tavLst>
+                                    </p:anim>
+                                    <p:anim calcmode="lin" valueType="num">
+                                      <p:cBhvr>
+                                        <p:cTn id="122" dur="664" tmFilter="0, 0; 0.125,0.2665; 0.25,0.4; 0.375,0.465; 0.5,0.5;  0.625,0.535; 0.75,0.6; 0.875,0.7335; 1,1">
+                                          <p:stCondLst>
+                                            <p:cond delay="664"/>
+                                          </p:stCondLst>
+                                        </p:cTn>
+                                        <p:tgtEl>
+                                          <p:spTgt spid="20"/>
+                                        </p:tgtEl>
+                                        <p:attrNameLst>
+                                          <p:attrName>ppt_y</p:attrName>
+                                        </p:attrNameLst>
+                                      </p:cBhvr>
+                                      <p:tavLst>
+                                        <p:tav tm="0" fmla="#ppt_y-sin(pi*$)/9">
+                                          <p:val>
+                                            <p:fltVal val="0"/>
+                                          </p:val>
+                                        </p:tav>
+                                        <p:tav tm="100000">
+                                          <p:val>
+                                            <p:fltVal val="1"/>
+                                          </p:val>
+                                        </p:tav>
+                                      </p:tavLst>
+                                    </p:anim>
+                                    <p:anim calcmode="lin" valueType="num">
+                                      <p:cBhvr>
+                                        <p:cTn id="123" dur="332" tmFilter="0, 0; 0.125,0.2665; 0.25,0.4; 0.375,0.465; 0.5,0.5;  0.625,0.535; 0.75,0.6; 0.875,0.7335; 1,1">
+                                          <p:stCondLst>
+                                            <p:cond delay="1324"/>
+                                          </p:stCondLst>
+                                        </p:cTn>
+                                        <p:tgtEl>
+                                          <p:spTgt spid="20"/>
+                                        </p:tgtEl>
+                                        <p:attrNameLst>
+                                          <p:attrName>ppt_y</p:attrName>
+                                        </p:attrNameLst>
+                                      </p:cBhvr>
+                                      <p:tavLst>
+                                        <p:tav tm="0" fmla="#ppt_y-sin(pi*$)/27">
+                                          <p:val>
+                                            <p:fltVal val="0"/>
+                                          </p:val>
+                                        </p:tav>
+                                        <p:tav tm="100000">
+                                          <p:val>
+                                            <p:fltVal val="1"/>
+                                          </p:val>
+                                        </p:tav>
+                                      </p:tavLst>
+                                    </p:anim>
+                                    <p:anim calcmode="lin" valueType="num">
+                                      <p:cBhvr>
+                                        <p:cTn id="124" dur="164" tmFilter="0, 0; 0.125,0.2665; 0.25,0.4; 0.375,0.465; 0.5,0.5;  0.625,0.535; 0.75,0.6; 0.875,0.7335; 1,1">
+                                          <p:stCondLst>
+                                            <p:cond delay="1656"/>
+                                          </p:stCondLst>
+                                        </p:cTn>
+                                        <p:tgtEl>
+                                          <p:spTgt spid="20"/>
+                                        </p:tgtEl>
+                                        <p:attrNameLst>
+                                          <p:attrName>ppt_y</p:attrName>
+                                        </p:attrNameLst>
+                                      </p:cBhvr>
+                                      <p:tavLst>
+                                        <p:tav tm="0" fmla="#ppt_y-sin(pi*$)/81">
+                                          <p:val>
+                                            <p:fltVal val="0"/>
+                                          </p:val>
+                                        </p:tav>
+                                        <p:tav tm="100000">
+                                          <p:val>
+                                            <p:fltVal val="1"/>
+                                          </p:val>
+                                        </p:tav>
+                                      </p:tavLst>
+                                    </p:anim>
+                                    <p:animScale>
+                                      <p:cBhvr>
+                                        <p:cTn id="125" dur="26">
+                                          <p:stCondLst>
+                                            <p:cond delay="650"/>
+                                          </p:stCondLst>
+                                        </p:cTn>
+                                        <p:tgtEl>
+                                          <p:spTgt spid="20"/>
+                                        </p:tgtEl>
+                                      </p:cBhvr>
+                                      <p:to x="100000" y="60000"/>
+                                    </p:animScale>
+                                    <p:animScale>
+                                      <p:cBhvr>
+                                        <p:cTn id="126" dur="166" decel="50000">
+                                          <p:stCondLst>
+                                            <p:cond delay="676"/>
+                                          </p:stCondLst>
+                                        </p:cTn>
+                                        <p:tgtEl>
+                                          <p:spTgt spid="20"/>
+                                        </p:tgtEl>
+                                      </p:cBhvr>
+                                      <p:to x="100000" y="100000"/>
+                                    </p:animScale>
+                                    <p:animScale>
+                                      <p:cBhvr>
+                                        <p:cTn id="127" dur="26">
+                                          <p:stCondLst>
+                                            <p:cond delay="1312"/>
+                                          </p:stCondLst>
+                                        </p:cTn>
+                                        <p:tgtEl>
+                                          <p:spTgt spid="20"/>
+                                        </p:tgtEl>
+                                      </p:cBhvr>
+                                      <p:to x="100000" y="80000"/>
+                                    </p:animScale>
+                                    <p:animScale>
+                                      <p:cBhvr>
+                                        <p:cTn id="128" dur="166" decel="50000">
+                                          <p:stCondLst>
+                                            <p:cond delay="1338"/>
+                                          </p:stCondLst>
+                                        </p:cTn>
+                                        <p:tgtEl>
+                                          <p:spTgt spid="20"/>
+                                        </p:tgtEl>
+                                      </p:cBhvr>
+                                      <p:to x="100000" y="100000"/>
+                                    </p:animScale>
+                                    <p:animScale>
+                                      <p:cBhvr>
+                                        <p:cTn id="129" dur="26">
+                                          <p:stCondLst>
+                                            <p:cond delay="1642"/>
+                                          </p:stCondLst>
+                                        </p:cTn>
+                                        <p:tgtEl>
+                                          <p:spTgt spid="20"/>
+                                        </p:tgtEl>
+                                      </p:cBhvr>
+                                      <p:to x="100000" y="90000"/>
+                                    </p:animScale>
+                                    <p:animScale>
+                                      <p:cBhvr>
+                                        <p:cTn id="130" dur="166" decel="50000">
+                                          <p:stCondLst>
+                                            <p:cond delay="1668"/>
+                                          </p:stCondLst>
+                                        </p:cTn>
+                                        <p:tgtEl>
+                                          <p:spTgt spid="20"/>
+                                        </p:tgtEl>
+                                      </p:cBhvr>
+                                      <p:to x="100000" y="100000"/>
+                                    </p:animScale>
+                                    <p:animScale>
+                                      <p:cBhvr>
+                                        <p:cTn id="131" dur="26">
+                                          <p:stCondLst>
+                                            <p:cond delay="1808"/>
+                                          </p:stCondLst>
+                                        </p:cTn>
+                                        <p:tgtEl>
+                                          <p:spTgt spid="20"/>
+                                        </p:tgtEl>
+                                      </p:cBhvr>
+                                      <p:to x="100000" y="95000"/>
+                                    </p:animScale>
+                                    <p:animScale>
+                                      <p:cBhvr>
+                                        <p:cTn id="132" dur="166" decel="50000">
+                                          <p:stCondLst>
+                                            <p:cond delay="1834"/>
+                                          </p:stCondLst>
+                                        </p:cTn>
+                                        <p:tgtEl>
+                                          <p:spTgt spid="20"/>
+                                        </p:tgtEl>
+                                      </p:cBhvr>
+                                      <p:to x="100000" y="100000"/>
+                                    </p:animScale>
+                                  </p:childTnLst>
+                                </p:cTn>
+                              </p:par>
+                            </p:childTnLst>
+                          </p:cTn>
+                        </p:par>
+                      </p:childTnLst>
+                    </p:cTn>
+                  </p:par>
+                </p:childTnLst>
+              </p:cTn>
+              <p:prevCondLst>
+                <p:cond evt="onPrev" delay="0">
+                  <p:tgtEl>
+                    <p:sldTgt/>
+                  </p:tgtEl>
+                </p:cond>
+              </p:prevCondLst>
+              <p:nextCondLst>
+                <p:cond evt="onNext" delay="0">
+                  <p:tgtEl>
+                    <p:sldTgt/>
+                  </p:tgtEl>
+                </p:cond>
+              </p:nextCondLst>
+            </p:seq>
+          </p:childTnLst>
+        </p:cTn>
+      </p:par>
+    </p:tnLst>
+  </p:timing>
 </p:sld>
 </file>
 
-<file path=ppt/slides/slide5.xml><?xml version="1.0" encoding="utf-8"?>
+<file path=ppt/slides/slide9.xml><?xml version="1.0" encoding="utf-8"?>
 <p:sld xmlns:a="http://schemas.openxmlformats.org/drawingml/2006/main" xmlns:r="http://schemas.openxmlformats.org/officeDocument/2006/relationships" xmlns:p="http://schemas.openxmlformats.org/presentationml/2006/main">
   <p:cSld>
     <p:spTree>
@@ -9245,7 +17030,12 @@
             <p:ph type="title"/>
           </p:nvPr>
         </p:nvSpPr>
-        <p:spPr/>
+        <p:spPr>
+          <a:xfrm>
+            <a:off x="1676677" y="5972694"/>
+            <a:ext cx="9977767" cy="511233"/>
+          </a:xfrm>
+        </p:spPr>
         <p:txBody>
           <a:bodyPr/>
           <a:lstStyle/>
@@ -9266,19 +17056,17 @@
       </p:sp>
       <p:pic>
         <p:nvPicPr>
-          <p:cNvPr id="5" name="Content Placeholder 4">
+          <p:cNvPr id="8" name="Picture 7">
             <a:extLst>
               <a:ext uri="{FF2B5EF4-FFF2-40B4-BE49-F238E27FC236}">
-                <a16:creationId xmlns:a16="http://schemas.microsoft.com/office/drawing/2014/main" id="{E328F25A-37BF-4272-A37A-63F62A11663E}"/>
+                <a16:creationId xmlns:a16="http://schemas.microsoft.com/office/drawing/2014/main" id="{48E5ACEE-7F56-4A0D-B3B7-33E36DBBF77F}"/>
               </a:ext>
             </a:extLst>
           </p:cNvPr>
           <p:cNvPicPr>
-            <a:picLocks noGrp="1" noChangeAspect="1"/>
+            <a:picLocks noChangeAspect="1"/>
           </p:cNvPicPr>
-          <p:nvPr>
-            <p:ph idx="1"/>
-          </p:nvPr>
+          <p:nvPr/>
         </p:nvPicPr>
         <p:blipFill>
           <a:blip r:embed="rId2"/>
@@ -9288,17 +17076,20 @@
         </p:blipFill>
         <p:spPr>
           <a:xfrm>
-            <a:off x="6096000" y="2161250"/>
-            <a:ext cx="5020998" cy="3956374"/>
+            <a:off x="4933442" y="499900"/>
+            <a:ext cx="6049219" cy="4810796"/>
           </a:xfrm>
+          <a:prstGeom prst="rect">
+            <a:avLst/>
+          </a:prstGeom>
         </p:spPr>
       </p:pic>
       <p:pic>
         <p:nvPicPr>
-          <p:cNvPr id="7" name="Picture 6">
+          <p:cNvPr id="10" name="Picture 9">
             <a:extLst>
               <a:ext uri="{FF2B5EF4-FFF2-40B4-BE49-F238E27FC236}">
-                <a16:creationId xmlns:a16="http://schemas.microsoft.com/office/drawing/2014/main" id="{C106ECD2-37D9-4E56-B882-92529B6B794C}"/>
+                <a16:creationId xmlns:a16="http://schemas.microsoft.com/office/drawing/2014/main" id="{B8496430-E9A0-4046-92AA-2ED2C76D3712}"/>
               </a:ext>
             </a:extLst>
           </p:cNvPr>
@@ -9315,425 +17106,93 @@
         </p:blipFill>
         <p:spPr>
           <a:xfrm>
-            <a:off x="906168" y="2130994"/>
-            <a:ext cx="5020998" cy="3986630"/>
+            <a:off x="1849190" y="2299738"/>
+            <a:ext cx="1876687" cy="1676634"/>
           </a:xfrm>
           <a:prstGeom prst="rect">
             <a:avLst/>
           </a:prstGeom>
         </p:spPr>
       </p:pic>
-    </p:spTree>
-    <p:extLst>
-      <p:ext uri="{BB962C8B-B14F-4D97-AF65-F5344CB8AC3E}">
-        <p14:creationId xmlns:p14="http://schemas.microsoft.com/office/powerpoint/2010/main" val="809717122"/>
-      </p:ext>
-    </p:extLst>
-  </p:cSld>
-  <p:clrMapOvr>
-    <a:masterClrMapping/>
-  </p:clrMapOvr>
-</p:sld>
-</file>
-
-<file path=ppt/slides/slide6.xml><?xml version="1.0" encoding="utf-8"?>
-<p:sld xmlns:a="http://schemas.openxmlformats.org/drawingml/2006/main" xmlns:r="http://schemas.openxmlformats.org/officeDocument/2006/relationships" xmlns:p="http://schemas.openxmlformats.org/presentationml/2006/main">
-  <p:cSld>
-    <p:spTree>
-      <p:nvGrpSpPr>
-        <p:cNvPr id="1" name=""/>
-        <p:cNvGrpSpPr/>
-        <p:nvPr/>
-      </p:nvGrpSpPr>
-      <p:grpSpPr>
-        <a:xfrm>
-          <a:off x="0" y="0"/>
-          <a:ext cx="0" cy="0"/>
-          <a:chOff x="0" y="0"/>
-          <a:chExt cx="0" cy="0"/>
-        </a:xfrm>
-      </p:grpSpPr>
       <p:sp>
         <p:nvSpPr>
-          <p:cNvPr id="2" name="Title 1">
+          <p:cNvPr id="11" name="Title 1">
             <a:extLst>
               <a:ext uri="{FF2B5EF4-FFF2-40B4-BE49-F238E27FC236}">
-                <a16:creationId xmlns:a16="http://schemas.microsoft.com/office/drawing/2014/main" id="{DB38A9C5-90CE-417F-82AE-11526786DCDE}"/>
+                <a16:creationId xmlns:a16="http://schemas.microsoft.com/office/drawing/2014/main" id="{7D98C783-9AF9-4874-A8A3-55E2E665A091}"/>
               </a:ext>
             </a:extLst>
           </p:cNvPr>
-          <p:cNvSpPr>
-            <a:spLocks noGrp="1"/>
+          <p:cNvSpPr txBox="1">
+            <a:spLocks/>
           </p:cNvSpPr>
-          <p:nvPr>
-            <p:ph type="title"/>
-          </p:nvPr>
+          <p:nvPr/>
         </p:nvSpPr>
-        <p:spPr/>
-        <p:txBody>
-          <a:bodyPr/>
-          <a:lstStyle/>
-          <a:p>
-            <a:endParaRPr lang="en-AU"/>
-          </a:p>
-        </p:txBody>
-      </p:sp>
-      <p:pic>
-        <p:nvPicPr>
-          <p:cNvPr id="5" name="Content Placeholder 4">
-            <a:extLst>
-              <a:ext uri="{FF2B5EF4-FFF2-40B4-BE49-F238E27FC236}">
-                <a16:creationId xmlns:a16="http://schemas.microsoft.com/office/drawing/2014/main" id="{F6ADAC9D-5AA9-4E33-B97D-4D5FF863C5AA}"/>
-              </a:ext>
-            </a:extLst>
-          </p:cNvPr>
-          <p:cNvPicPr>
-            <a:picLocks noGrp="1" noChangeAspect="1"/>
-          </p:cNvPicPr>
-          <p:nvPr>
-            <p:ph idx="1"/>
-          </p:nvPr>
-        </p:nvPicPr>
-        <p:blipFill>
-          <a:blip r:embed="rId2"/>
-          <a:stretch>
-            <a:fillRect/>
-          </a:stretch>
-        </p:blipFill>
         <p:spPr>
           <a:xfrm>
-            <a:off x="1069848" y="1963028"/>
-            <a:ext cx="4573542" cy="3693189"/>
-          </a:xfrm>
-        </p:spPr>
-      </p:pic>
-      <p:pic>
-        <p:nvPicPr>
-          <p:cNvPr id="8" name="Picture 7">
-            <a:extLst>
-              <a:ext uri="{FF2B5EF4-FFF2-40B4-BE49-F238E27FC236}">
-                <a16:creationId xmlns:a16="http://schemas.microsoft.com/office/drawing/2014/main" id="{F1533C18-4452-4274-8BBE-5A11DED86231}"/>
-              </a:ext>
-            </a:extLst>
-          </p:cNvPr>
-          <p:cNvPicPr>
-            <a:picLocks noChangeAspect="1"/>
-          </p:cNvPicPr>
-          <p:nvPr/>
-        </p:nvPicPr>
-        <p:blipFill>
-          <a:blip r:embed="rId3"/>
-          <a:stretch>
-            <a:fillRect/>
-          </a:stretch>
-        </p:blipFill>
-        <p:spPr>
-          <a:xfrm>
-            <a:off x="5878286" y="1963027"/>
-            <a:ext cx="4796628" cy="3535338"/>
+            <a:off x="4933442" y="5441151"/>
+            <a:ext cx="4553769" cy="401088"/>
           </a:xfrm>
           <a:prstGeom prst="rect">
             <a:avLst/>
           </a:prstGeom>
         </p:spPr>
-      </p:pic>
+        <p:txBody>
+          <a:bodyPr vert="horz" lIns="91440" tIns="45720" rIns="91440" bIns="45720" rtlCol="0" anchor="ctr">
+            <a:normAutofit/>
+          </a:bodyPr>
+          <a:lstStyle>
+            <a:lvl1pPr algn="l" defTabSz="914400" rtl="0" eaLnBrk="1" latinLnBrk="0" hangingPunct="1">
+              <a:lnSpc>
+                <a:spcPct val="100000"/>
+              </a:lnSpc>
+              <a:spcBef>
+                <a:spcPct val="0"/>
+              </a:spcBef>
+              <a:buNone/>
+              <a:defRPr sz="4000" kern="1200">
+                <a:solidFill>
+                  <a:schemeClr val="tx2"/>
+                </a:solidFill>
+                <a:latin typeface="+mj-lt"/>
+                <a:ea typeface="+mj-ea"/>
+                <a:cs typeface="+mj-cs"/>
+              </a:defRPr>
+            </a:lvl1pPr>
+          </a:lstStyle>
+          <a:p>
+            <a:r>
+              <a:rPr lang="en-US" sz="1600" dirty="0">
+                <a:latin typeface="Calibri" panose="020F0502020204030204" pitchFamily="34" charset="0"/>
+                <a:ea typeface="Calibri" panose="020F0502020204030204" pitchFamily="34" charset="0"/>
+                <a:cs typeface="Times New Roman" panose="02020603050405020304" pitchFamily="18" charset="0"/>
+              </a:rPr>
+              <a:t>Standard error r</a:t>
+            </a:r>
+            <a:r>
+              <a:rPr lang="en-US" sz="1600" baseline="30000" dirty="0">
+                <a:latin typeface="Calibri" panose="020F0502020204030204" pitchFamily="34" charset="0"/>
+                <a:ea typeface="Calibri" panose="020F0502020204030204" pitchFamily="34" charset="0"/>
+                <a:cs typeface="Times New Roman" panose="02020603050405020304" pitchFamily="18" charset="0"/>
+              </a:rPr>
+              <a:t>2</a:t>
+            </a:r>
+            <a:r>
+              <a:rPr lang="en-US" sz="1600" dirty="0">
+                <a:latin typeface="Calibri" panose="020F0502020204030204" pitchFamily="34" charset="0"/>
+                <a:ea typeface="Calibri" panose="020F0502020204030204" pitchFamily="34" charset="0"/>
+                <a:cs typeface="Times New Roman" panose="02020603050405020304" pitchFamily="18" charset="0"/>
+              </a:rPr>
+              <a:t> is 25% </a:t>
+            </a:r>
+            <a:endParaRPr lang="en-AU" sz="1600" dirty="0"/>
+          </a:p>
+        </p:txBody>
+      </p:sp>
     </p:spTree>
     <p:extLst>
       <p:ext uri="{BB962C8B-B14F-4D97-AF65-F5344CB8AC3E}">
-        <p14:creationId xmlns:p14="http://schemas.microsoft.com/office/powerpoint/2010/main" val="1208768671"/>
-      </p:ext>
-    </p:extLst>
-  </p:cSld>
-  <p:clrMapOvr>
-    <a:masterClrMapping/>
-  </p:clrMapOvr>
-</p:sld>
-</file>
-
-<file path=ppt/slides/slide7.xml><?xml version="1.0" encoding="utf-8"?>
-<p:sld xmlns:a="http://schemas.openxmlformats.org/drawingml/2006/main" xmlns:r="http://schemas.openxmlformats.org/officeDocument/2006/relationships" xmlns:p="http://schemas.openxmlformats.org/presentationml/2006/main">
-  <p:cSld>
-    <p:spTree>
-      <p:nvGrpSpPr>
-        <p:cNvPr id="1" name=""/>
-        <p:cNvGrpSpPr/>
-        <p:nvPr/>
-      </p:nvGrpSpPr>
-      <p:grpSpPr>
-        <a:xfrm>
-          <a:off x="0" y="0"/>
-          <a:ext cx="0" cy="0"/>
-          <a:chOff x="0" y="0"/>
-          <a:chExt cx="0" cy="0"/>
-        </a:xfrm>
-      </p:grpSpPr>
-      <p:pic>
-        <p:nvPicPr>
-          <p:cNvPr id="7" name="Content Placeholder 6">
-            <a:extLst>
-              <a:ext uri="{FF2B5EF4-FFF2-40B4-BE49-F238E27FC236}">
-                <a16:creationId xmlns:a16="http://schemas.microsoft.com/office/drawing/2014/main" id="{523A6FEC-046D-4A88-897D-462DD07C1C12}"/>
-              </a:ext>
-            </a:extLst>
-          </p:cNvPr>
-          <p:cNvPicPr>
-            <a:picLocks noGrp="1" noChangeAspect="1"/>
-          </p:cNvPicPr>
-          <p:nvPr>
-            <p:ph idx="1"/>
-          </p:nvPr>
-        </p:nvPicPr>
-        <p:blipFill>
-          <a:blip r:embed="rId2"/>
-          <a:stretch>
-            <a:fillRect/>
-          </a:stretch>
-        </p:blipFill>
-        <p:spPr>
-          <a:xfrm>
-            <a:off x="966653" y="198170"/>
-            <a:ext cx="7889964" cy="5745431"/>
-          </a:xfrm>
-        </p:spPr>
-      </p:pic>
-      <p:pic>
-        <p:nvPicPr>
-          <p:cNvPr id="9" name="Picture 8">
-            <a:extLst>
-              <a:ext uri="{FF2B5EF4-FFF2-40B4-BE49-F238E27FC236}">
-                <a16:creationId xmlns:a16="http://schemas.microsoft.com/office/drawing/2014/main" id="{49C1C3E7-DE40-44E4-BA1B-451DD5CE88E5}"/>
-              </a:ext>
-            </a:extLst>
-          </p:cNvPr>
-          <p:cNvPicPr>
-            <a:picLocks noChangeAspect="1"/>
-          </p:cNvPicPr>
-          <p:nvPr/>
-        </p:nvPicPr>
-        <p:blipFill>
-          <a:blip r:embed="rId3"/>
-          <a:stretch>
-            <a:fillRect/>
-          </a:stretch>
-        </p:blipFill>
-        <p:spPr>
-          <a:xfrm>
-            <a:off x="1360805" y="5943601"/>
-            <a:ext cx="7101660" cy="763540"/>
-          </a:xfrm>
-          <a:prstGeom prst="rect">
-            <a:avLst/>
-          </a:prstGeom>
-        </p:spPr>
-      </p:pic>
-    </p:spTree>
-    <p:extLst>
-      <p:ext uri="{BB962C8B-B14F-4D97-AF65-F5344CB8AC3E}">
-        <p14:creationId xmlns:p14="http://schemas.microsoft.com/office/powerpoint/2010/main" val="2851777983"/>
-      </p:ext>
-    </p:extLst>
-  </p:cSld>
-  <p:clrMapOvr>
-    <a:masterClrMapping/>
-  </p:clrMapOvr>
-</p:sld>
-</file>
-
-<file path=ppt/slides/slide8.xml><?xml version="1.0" encoding="utf-8"?>
-<p:sld xmlns:a="http://schemas.openxmlformats.org/drawingml/2006/main" xmlns:r="http://schemas.openxmlformats.org/officeDocument/2006/relationships" xmlns:p="http://schemas.openxmlformats.org/presentationml/2006/main">
-  <p:cSld>
-    <p:spTree>
-      <p:nvGrpSpPr>
-        <p:cNvPr id="1" name=""/>
-        <p:cNvGrpSpPr/>
-        <p:nvPr/>
-      </p:nvGrpSpPr>
-      <p:grpSpPr>
-        <a:xfrm>
-          <a:off x="0" y="0"/>
-          <a:ext cx="0" cy="0"/>
-          <a:chOff x="0" y="0"/>
-          <a:chExt cx="0" cy="0"/>
-        </a:xfrm>
-      </p:grpSpPr>
-      <p:sp>
-        <p:nvSpPr>
-          <p:cNvPr id="2" name="Title 1">
-            <a:extLst>
-              <a:ext uri="{FF2B5EF4-FFF2-40B4-BE49-F238E27FC236}">
-                <a16:creationId xmlns:a16="http://schemas.microsoft.com/office/drawing/2014/main" id="{8389B3D4-1681-4275-8CBF-0BF2AAE3087E}"/>
-              </a:ext>
-            </a:extLst>
-          </p:cNvPr>
-          <p:cNvSpPr>
-            <a:spLocks noGrp="1"/>
-          </p:cNvSpPr>
-          <p:nvPr>
-            <p:ph type="title"/>
-          </p:nvPr>
-        </p:nvSpPr>
-        <p:spPr/>
-        <p:txBody>
-          <a:bodyPr/>
-          <a:lstStyle/>
-          <a:p>
-            <a:endParaRPr lang="en-AU"/>
-          </a:p>
-        </p:txBody>
-      </p:sp>
-      <p:pic>
-        <p:nvPicPr>
-          <p:cNvPr id="5" name="Content Placeholder 4">
-            <a:extLst>
-              <a:ext uri="{FF2B5EF4-FFF2-40B4-BE49-F238E27FC236}">
-                <a16:creationId xmlns:a16="http://schemas.microsoft.com/office/drawing/2014/main" id="{1201CEC3-E323-4992-88B6-C6FC49E012FE}"/>
-              </a:ext>
-            </a:extLst>
-          </p:cNvPr>
-          <p:cNvPicPr>
-            <a:picLocks noGrp="1" noChangeAspect="1"/>
-          </p:cNvPicPr>
-          <p:nvPr>
-            <p:ph idx="1"/>
-          </p:nvPr>
-        </p:nvPicPr>
-        <p:blipFill>
-          <a:blip r:embed="rId2"/>
-          <a:stretch>
-            <a:fillRect/>
-          </a:stretch>
-        </p:blipFill>
-        <p:spPr>
-          <a:xfrm>
-            <a:off x="389187" y="2003743"/>
-            <a:ext cx="5706813" cy="4351337"/>
-          </a:xfrm>
-        </p:spPr>
-      </p:pic>
-      <p:pic>
-        <p:nvPicPr>
-          <p:cNvPr id="7" name="Picture 6">
-            <a:extLst>
-              <a:ext uri="{FF2B5EF4-FFF2-40B4-BE49-F238E27FC236}">
-                <a16:creationId xmlns:a16="http://schemas.microsoft.com/office/drawing/2014/main" id="{96E8BBAF-0802-4703-8AF0-B898043B2FB6}"/>
-              </a:ext>
-            </a:extLst>
-          </p:cNvPr>
-          <p:cNvPicPr>
-            <a:picLocks noChangeAspect="1"/>
-          </p:cNvPicPr>
-          <p:nvPr/>
-        </p:nvPicPr>
-        <p:blipFill>
-          <a:blip r:embed="rId3"/>
-          <a:stretch>
-            <a:fillRect/>
-          </a:stretch>
-        </p:blipFill>
-        <p:spPr>
-          <a:xfrm>
-            <a:off x="6219517" y="2003743"/>
-            <a:ext cx="5706813" cy="4308168"/>
-          </a:xfrm>
-          <a:prstGeom prst="rect">
-            <a:avLst/>
-          </a:prstGeom>
-        </p:spPr>
-      </p:pic>
-    </p:spTree>
-    <p:extLst>
-      <p:ext uri="{BB962C8B-B14F-4D97-AF65-F5344CB8AC3E}">
-        <p14:creationId xmlns:p14="http://schemas.microsoft.com/office/powerpoint/2010/main" val="3542015520"/>
-      </p:ext>
-    </p:extLst>
-  </p:cSld>
-  <p:clrMapOvr>
-    <a:masterClrMapping/>
-  </p:clrMapOvr>
-</p:sld>
-</file>
-
-<file path=ppt/slides/slide9.xml><?xml version="1.0" encoding="utf-8"?>
-<p:sld xmlns:a="http://schemas.openxmlformats.org/drawingml/2006/main" xmlns:r="http://schemas.openxmlformats.org/officeDocument/2006/relationships" xmlns:p="http://schemas.openxmlformats.org/presentationml/2006/main">
-  <p:cSld>
-    <p:spTree>
-      <p:nvGrpSpPr>
-        <p:cNvPr id="1" name=""/>
-        <p:cNvGrpSpPr/>
-        <p:nvPr/>
-      </p:nvGrpSpPr>
-      <p:grpSpPr>
-        <a:xfrm>
-          <a:off x="0" y="0"/>
-          <a:ext cx="0" cy="0"/>
-          <a:chOff x="0" y="0"/>
-          <a:chExt cx="0" cy="0"/>
-        </a:xfrm>
-      </p:grpSpPr>
-      <p:pic>
-        <p:nvPicPr>
-          <p:cNvPr id="7" name="Picture 6">
-            <a:extLst>
-              <a:ext uri="{FF2B5EF4-FFF2-40B4-BE49-F238E27FC236}">
-                <a16:creationId xmlns:a16="http://schemas.microsoft.com/office/drawing/2014/main" id="{915D7BEE-5F3D-49B2-A878-49229E9DD217}"/>
-              </a:ext>
-            </a:extLst>
-          </p:cNvPr>
-          <p:cNvPicPr>
-            <a:picLocks noChangeAspect="1"/>
-          </p:cNvPicPr>
-          <p:nvPr/>
-        </p:nvPicPr>
-        <p:blipFill>
-          <a:blip r:embed="rId2"/>
-          <a:stretch>
-            <a:fillRect/>
-          </a:stretch>
-        </p:blipFill>
-        <p:spPr>
-          <a:xfrm>
-            <a:off x="2377081" y="42390"/>
-            <a:ext cx="8410635" cy="6071027"/>
-          </a:xfrm>
-          <a:prstGeom prst="rect">
-            <a:avLst/>
-          </a:prstGeom>
-        </p:spPr>
-      </p:pic>
-      <p:pic>
-        <p:nvPicPr>
-          <p:cNvPr id="9" name="Picture 8">
-            <a:extLst>
-              <a:ext uri="{FF2B5EF4-FFF2-40B4-BE49-F238E27FC236}">
-                <a16:creationId xmlns:a16="http://schemas.microsoft.com/office/drawing/2014/main" id="{D050DCF3-AD6B-44C2-A20E-7D68B73DF1C7}"/>
-              </a:ext>
-            </a:extLst>
-          </p:cNvPr>
-          <p:cNvPicPr>
-            <a:picLocks noChangeAspect="1"/>
-          </p:cNvPicPr>
-          <p:nvPr/>
-        </p:nvPicPr>
-        <p:blipFill>
-          <a:blip r:embed="rId3"/>
-          <a:stretch>
-            <a:fillRect/>
-          </a:stretch>
-        </p:blipFill>
-        <p:spPr>
-          <a:xfrm>
-            <a:off x="3037500" y="6081390"/>
-            <a:ext cx="6777419" cy="734220"/>
-          </a:xfrm>
-          <a:prstGeom prst="rect">
-            <a:avLst/>
-          </a:prstGeom>
-        </p:spPr>
-      </p:pic>
-    </p:spTree>
-    <p:extLst>
-      <p:ext uri="{BB962C8B-B14F-4D97-AF65-F5344CB8AC3E}">
-        <p14:creationId xmlns:p14="http://schemas.microsoft.com/office/powerpoint/2010/main" val="4093479017"/>
+        <p14:creationId xmlns:p14="http://schemas.microsoft.com/office/powerpoint/2010/main" val="809717122"/>
       </p:ext>
     </p:extLst>
   </p:cSld>

--- a/Crime_Victoria_PowerPoint_Presentation_temporary_Kelvin.pptx
+++ b/Crime_Victoria_PowerPoint_Presentation_temporary_Kelvin.pptx
@@ -5,7 +5,7 @@
     <p:sldMasterId id="2147483660" r:id="rId1"/>
   </p:sldMasterIdLst>
   <p:notesMasterIdLst>
-    <p:notesMasterId r:id="rId13"/>
+    <p:notesMasterId r:id="rId14"/>
   </p:notesMasterIdLst>
   <p:sldIdLst>
     <p:sldId id="282" r:id="rId2"/>
@@ -16,9 +16,10 @@
     <p:sldId id="274" r:id="rId7"/>
     <p:sldId id="285" r:id="rId8"/>
     <p:sldId id="275" r:id="rId9"/>
-    <p:sldId id="276" r:id="rId10"/>
-    <p:sldId id="277" r:id="rId11"/>
-    <p:sldId id="280" r:id="rId12"/>
+    <p:sldId id="280" r:id="rId10"/>
+    <p:sldId id="276" r:id="rId11"/>
+    <p:sldId id="277" r:id="rId12"/>
+    <p:sldId id="286" r:id="rId13"/>
   </p:sldIdLst>
   <p:sldSz cx="12192000" cy="6858000"/>
   <p:notesSz cx="6858000" cy="9144000"/>
@@ -174,7 +175,7 @@
             </a:lvl1pPr>
           </a:lstStyle>
           <a:p>
-            <a:endParaRPr lang="en-AU"/>
+            <a:endParaRPr lang="en-AU" dirty="0"/>
           </a:p>
         </p:txBody>
       </p:sp>
@@ -207,9 +208,9 @@
           <a:p>
             <a:fld id="{014CC861-B526-4F4C-BB4A-044EE9A33D98}" type="datetimeFigureOut">
               <a:rPr lang="en-AU" smtClean="0"/>
-              <a:t>3/01/2022</a:t>
+              <a:t>4/01/2022</a:t>
             </a:fld>
-            <a:endParaRPr lang="en-AU"/>
+            <a:endParaRPr lang="en-AU" dirty="0"/>
           </a:p>
         </p:txBody>
       </p:sp>
@@ -242,7 +243,7 @@
           <a:bodyPr vert="horz" lIns="91440" tIns="45720" rIns="91440" bIns="45720" rtlCol="0" anchor="ctr"/>
           <a:lstStyle/>
           <a:p>
-            <a:endParaRPr lang="en-AU"/>
+            <a:endParaRPr lang="en-AU" dirty="0"/>
           </a:p>
         </p:txBody>
       </p:sp>
@@ -333,7 +334,7 @@
             </a:lvl1pPr>
           </a:lstStyle>
           <a:p>
-            <a:endParaRPr lang="en-AU"/>
+            <a:endParaRPr lang="en-AU" dirty="0"/>
           </a:p>
         </p:txBody>
       </p:sp>
@@ -368,7 +369,7 @@
               <a:rPr lang="en-AU" smtClean="0"/>
               <a:t>‹#›</a:t>
             </a:fld>
-            <a:endParaRPr lang="en-AU"/>
+            <a:endParaRPr lang="en-AU" dirty="0"/>
           </a:p>
         </p:txBody>
       </p:sp>
@@ -626,9 +627,9 @@
           <a:p>
             <a:fld id="{B5898F52-2787-4BA2-BBBC-9395E9F86D50}" type="datetimeFigureOut">
               <a:rPr lang="en-US" smtClean="0"/>
-              <a:t>1/3/2022</a:t>
+              <a:t>1/4/2022</a:t>
             </a:fld>
-            <a:endParaRPr lang="en-US"/>
+            <a:endParaRPr lang="en-US" dirty="0"/>
           </a:p>
         </p:txBody>
       </p:sp>
@@ -653,7 +654,7 @@
           <a:bodyPr/>
           <a:lstStyle/>
           <a:p>
-            <a:endParaRPr lang="en-US"/>
+            <a:endParaRPr lang="en-US" dirty="0"/>
           </a:p>
         </p:txBody>
       </p:sp>
@@ -682,7 +683,7 @@
               <a:rPr lang="en-US" smtClean="0"/>
               <a:t>‹#›</a:t>
             </a:fld>
-            <a:endParaRPr lang="en-US"/>
+            <a:endParaRPr lang="en-US" dirty="0"/>
           </a:p>
         </p:txBody>
       </p:sp>
@@ -824,9 +825,9 @@
           <a:p>
             <a:fld id="{B5898F52-2787-4BA2-BBBC-9395E9F86D50}" type="datetimeFigureOut">
               <a:rPr lang="en-US" smtClean="0"/>
-              <a:t>1/3/2022</a:t>
+              <a:t>1/4/2022</a:t>
             </a:fld>
-            <a:endParaRPr lang="en-US"/>
+            <a:endParaRPr lang="en-US" dirty="0"/>
           </a:p>
         </p:txBody>
       </p:sp>
@@ -851,7 +852,7 @@
           <a:bodyPr/>
           <a:lstStyle/>
           <a:p>
-            <a:endParaRPr lang="en-US"/>
+            <a:endParaRPr lang="en-US" dirty="0"/>
           </a:p>
         </p:txBody>
       </p:sp>
@@ -880,7 +881,7 @@
               <a:rPr lang="en-US" smtClean="0"/>
               <a:t>‹#›</a:t>
             </a:fld>
-            <a:endParaRPr lang="en-US"/>
+            <a:endParaRPr lang="en-US" dirty="0"/>
           </a:p>
         </p:txBody>
       </p:sp>
@@ -1032,9 +1033,9 @@
           <a:p>
             <a:fld id="{B5898F52-2787-4BA2-BBBC-9395E9F86D50}" type="datetimeFigureOut">
               <a:rPr lang="en-US" smtClean="0"/>
-              <a:t>1/3/2022</a:t>
+              <a:t>1/4/2022</a:t>
             </a:fld>
-            <a:endParaRPr lang="en-US"/>
+            <a:endParaRPr lang="en-US" dirty="0"/>
           </a:p>
         </p:txBody>
       </p:sp>
@@ -1059,7 +1060,7 @@
           <a:bodyPr/>
           <a:lstStyle/>
           <a:p>
-            <a:endParaRPr lang="en-US"/>
+            <a:endParaRPr lang="en-US" dirty="0"/>
           </a:p>
         </p:txBody>
       </p:sp>
@@ -1088,7 +1089,7 @@
               <a:rPr lang="en-US" smtClean="0"/>
               <a:t>‹#›</a:t>
             </a:fld>
-            <a:endParaRPr lang="en-US"/>
+            <a:endParaRPr lang="en-US" dirty="0"/>
           </a:p>
         </p:txBody>
       </p:sp>
@@ -1230,9 +1231,9 @@
           <a:p>
             <a:fld id="{B5898F52-2787-4BA2-BBBC-9395E9F86D50}" type="datetimeFigureOut">
               <a:rPr lang="en-US" smtClean="0"/>
-              <a:t>1/3/2022</a:t>
+              <a:t>1/4/2022</a:t>
             </a:fld>
-            <a:endParaRPr lang="en-US"/>
+            <a:endParaRPr lang="en-US" dirty="0"/>
           </a:p>
         </p:txBody>
       </p:sp>
@@ -1257,7 +1258,7 @@
           <a:bodyPr/>
           <a:lstStyle/>
           <a:p>
-            <a:endParaRPr lang="en-US"/>
+            <a:endParaRPr lang="en-US" dirty="0"/>
           </a:p>
         </p:txBody>
       </p:sp>
@@ -1507,9 +1508,9 @@
           <a:p>
             <a:fld id="{B5898F52-2787-4BA2-BBBC-9395E9F86D50}" type="datetimeFigureOut">
               <a:rPr lang="en-US" smtClean="0"/>
-              <a:t>1/3/2022</a:t>
+              <a:t>1/4/2022</a:t>
             </a:fld>
-            <a:endParaRPr lang="en-US"/>
+            <a:endParaRPr lang="en-US" dirty="0"/>
           </a:p>
         </p:txBody>
       </p:sp>
@@ -1534,7 +1535,7 @@
           <a:bodyPr/>
           <a:lstStyle/>
           <a:p>
-            <a:endParaRPr lang="en-US"/>
+            <a:endParaRPr lang="en-US" dirty="0"/>
           </a:p>
         </p:txBody>
       </p:sp>
@@ -1563,7 +1564,7 @@
               <a:rPr lang="en-US" smtClean="0"/>
               <a:t>‹#›</a:t>
             </a:fld>
-            <a:endParaRPr lang="en-US"/>
+            <a:endParaRPr lang="en-US" dirty="0"/>
           </a:p>
         </p:txBody>
       </p:sp>
@@ -1772,9 +1773,9 @@
           <a:p>
             <a:fld id="{B5898F52-2787-4BA2-BBBC-9395E9F86D50}" type="datetimeFigureOut">
               <a:rPr lang="en-US" smtClean="0"/>
-              <a:t>1/3/2022</a:t>
+              <a:t>1/4/2022</a:t>
             </a:fld>
-            <a:endParaRPr lang="en-US"/>
+            <a:endParaRPr lang="en-US" dirty="0"/>
           </a:p>
         </p:txBody>
       </p:sp>
@@ -1799,7 +1800,7 @@
           <a:bodyPr/>
           <a:lstStyle/>
           <a:p>
-            <a:endParaRPr lang="en-US"/>
+            <a:endParaRPr lang="en-US" dirty="0"/>
           </a:p>
         </p:txBody>
       </p:sp>
@@ -1828,7 +1829,7 @@
               <a:rPr lang="en-US" smtClean="0"/>
               <a:t>‹#›</a:t>
             </a:fld>
-            <a:endParaRPr lang="en-US"/>
+            <a:endParaRPr lang="en-US" dirty="0"/>
           </a:p>
         </p:txBody>
       </p:sp>
@@ -2202,9 +2203,9 @@
           <a:p>
             <a:fld id="{B5898F52-2787-4BA2-BBBC-9395E9F86D50}" type="datetimeFigureOut">
               <a:rPr lang="en-US" smtClean="0"/>
-              <a:t>1/3/2022</a:t>
+              <a:t>1/4/2022</a:t>
             </a:fld>
-            <a:endParaRPr lang="en-US"/>
+            <a:endParaRPr lang="en-US" dirty="0"/>
           </a:p>
         </p:txBody>
       </p:sp>
@@ -2229,7 +2230,7 @@
           <a:bodyPr/>
           <a:lstStyle/>
           <a:p>
-            <a:endParaRPr lang="en-US"/>
+            <a:endParaRPr lang="en-US" dirty="0"/>
           </a:p>
         </p:txBody>
       </p:sp>
@@ -2258,7 +2259,7 @@
               <a:rPr lang="en-US" smtClean="0"/>
               <a:t>‹#›</a:t>
             </a:fld>
-            <a:endParaRPr lang="en-US"/>
+            <a:endParaRPr lang="en-US" dirty="0"/>
           </a:p>
         </p:txBody>
       </p:sp>
@@ -2343,9 +2344,9 @@
           <a:p>
             <a:fld id="{B5898F52-2787-4BA2-BBBC-9395E9F86D50}" type="datetimeFigureOut">
               <a:rPr lang="en-US" smtClean="0"/>
-              <a:t>1/3/2022</a:t>
+              <a:t>1/4/2022</a:t>
             </a:fld>
-            <a:endParaRPr lang="en-US"/>
+            <a:endParaRPr lang="en-US" dirty="0"/>
           </a:p>
         </p:txBody>
       </p:sp>
@@ -2370,7 +2371,7 @@
           <a:bodyPr/>
           <a:lstStyle/>
           <a:p>
-            <a:endParaRPr lang="en-US"/>
+            <a:endParaRPr lang="en-US" dirty="0"/>
           </a:p>
         </p:txBody>
       </p:sp>
@@ -2399,7 +2400,7 @@
               <a:rPr lang="en-US" smtClean="0"/>
               <a:t>‹#›</a:t>
             </a:fld>
-            <a:endParaRPr lang="en-US"/>
+            <a:endParaRPr lang="en-US" dirty="0"/>
           </a:p>
         </p:txBody>
       </p:sp>
@@ -2456,9 +2457,9 @@
           <a:p>
             <a:fld id="{B5898F52-2787-4BA2-BBBC-9395E9F86D50}" type="datetimeFigureOut">
               <a:rPr lang="en-US" smtClean="0"/>
-              <a:t>1/3/2022</a:t>
+              <a:t>1/4/2022</a:t>
             </a:fld>
-            <a:endParaRPr lang="en-US"/>
+            <a:endParaRPr lang="en-US" dirty="0"/>
           </a:p>
         </p:txBody>
       </p:sp>
@@ -2483,7 +2484,7 @@
           <a:bodyPr/>
           <a:lstStyle/>
           <a:p>
-            <a:endParaRPr lang="en-US"/>
+            <a:endParaRPr lang="en-US" dirty="0"/>
           </a:p>
         </p:txBody>
       </p:sp>
@@ -2512,7 +2513,7 @@
               <a:rPr lang="en-US" smtClean="0"/>
               <a:t>‹#›</a:t>
             </a:fld>
-            <a:endParaRPr lang="en-US"/>
+            <a:endParaRPr lang="en-US" dirty="0"/>
           </a:p>
         </p:txBody>
       </p:sp>
@@ -2767,9 +2768,9 @@
           <a:p>
             <a:fld id="{B5898F52-2787-4BA2-BBBC-9395E9F86D50}" type="datetimeFigureOut">
               <a:rPr lang="en-US" smtClean="0"/>
-              <a:t>1/3/2022</a:t>
+              <a:t>1/4/2022</a:t>
             </a:fld>
-            <a:endParaRPr lang="en-US"/>
+            <a:endParaRPr lang="en-US" dirty="0"/>
           </a:p>
         </p:txBody>
       </p:sp>
@@ -2794,7 +2795,7 @@
           <a:bodyPr/>
           <a:lstStyle/>
           <a:p>
-            <a:endParaRPr lang="en-US"/>
+            <a:endParaRPr lang="en-US" dirty="0"/>
           </a:p>
         </p:txBody>
       </p:sp>
@@ -2823,7 +2824,7 @@
               <a:rPr lang="en-US" smtClean="0"/>
               <a:t>‹#›</a:t>
             </a:fld>
-            <a:endParaRPr lang="en-US"/>
+            <a:endParaRPr lang="en-US" dirty="0"/>
           </a:p>
         </p:txBody>
       </p:sp>
@@ -2957,7 +2958,7 @@
             </a:lvl9pPr>
           </a:lstStyle>
           <a:p>
-            <a:endParaRPr lang="en-US"/>
+            <a:endParaRPr lang="en-US" dirty="0"/>
           </a:p>
         </p:txBody>
       </p:sp>
@@ -3055,9 +3056,9 @@
           <a:p>
             <a:fld id="{B5898F52-2787-4BA2-BBBC-9395E9F86D50}" type="datetimeFigureOut">
               <a:rPr lang="en-US" smtClean="0"/>
-              <a:t>1/3/2022</a:t>
+              <a:t>1/4/2022</a:t>
             </a:fld>
-            <a:endParaRPr lang="en-US"/>
+            <a:endParaRPr lang="en-US" dirty="0"/>
           </a:p>
         </p:txBody>
       </p:sp>
@@ -3082,7 +3083,7 @@
           <a:bodyPr/>
           <a:lstStyle/>
           <a:p>
-            <a:endParaRPr lang="en-US"/>
+            <a:endParaRPr lang="en-US" dirty="0"/>
           </a:p>
         </p:txBody>
       </p:sp>
@@ -3111,7 +3112,7 @@
               <a:rPr lang="en-US" smtClean="0"/>
               <a:t>‹#›</a:t>
             </a:fld>
-            <a:endParaRPr lang="en-US"/>
+            <a:endParaRPr lang="en-US" dirty="0"/>
           </a:p>
         </p:txBody>
       </p:sp>
@@ -3249,7 +3250,7 @@
             </a:bodyPr>
             <a:lstStyle/>
             <a:p>
-              <a:endParaRPr lang="en-US">
+              <a:endParaRPr lang="en-US" dirty="0">
                 <a:solidFill>
                   <a:schemeClr val="tx2"/>
                 </a:solidFill>
@@ -3331,7 +3332,7 @@
             </a:bodyPr>
             <a:lstStyle/>
             <a:p>
-              <a:endParaRPr lang="en-US">
+              <a:endParaRPr lang="en-US" dirty="0">
                 <a:solidFill>
                   <a:schemeClr val="tx2"/>
                 </a:solidFill>
@@ -3413,7 +3414,7 @@
             </a:bodyPr>
             <a:lstStyle/>
             <a:p>
-              <a:endParaRPr lang="en-US">
+              <a:endParaRPr lang="en-US" dirty="0">
                 <a:solidFill>
                   <a:schemeClr val="tx2"/>
                 </a:solidFill>
@@ -3495,7 +3496,7 @@
             </a:bodyPr>
             <a:lstStyle/>
             <a:p>
-              <a:endParaRPr lang="en-US">
+              <a:endParaRPr lang="en-US" dirty="0">
                 <a:solidFill>
                   <a:schemeClr val="tx2"/>
                 </a:solidFill>
@@ -3577,7 +3578,7 @@
             </a:bodyPr>
             <a:lstStyle/>
             <a:p>
-              <a:endParaRPr lang="en-US">
+              <a:endParaRPr lang="en-US" dirty="0">
                 <a:solidFill>
                   <a:schemeClr val="tx2"/>
                 </a:solidFill>
@@ -3659,7 +3660,7 @@
             </a:bodyPr>
             <a:lstStyle/>
             <a:p>
-              <a:endParaRPr lang="en-US">
+              <a:endParaRPr lang="en-US" dirty="0">
                 <a:solidFill>
                   <a:schemeClr val="tx2"/>
                 </a:solidFill>
@@ -3741,7 +3742,7 @@
             </a:bodyPr>
             <a:lstStyle/>
             <a:p>
-              <a:endParaRPr lang="en-US">
+              <a:endParaRPr lang="en-US" dirty="0">
                 <a:solidFill>
                   <a:schemeClr val="tx2"/>
                 </a:solidFill>
@@ -3823,7 +3824,7 @@
             </a:bodyPr>
             <a:lstStyle/>
             <a:p>
-              <a:endParaRPr lang="en-US">
+              <a:endParaRPr lang="en-US" dirty="0">
                 <a:solidFill>
                   <a:schemeClr val="tx2"/>
                 </a:solidFill>
@@ -3905,7 +3906,7 @@
             </a:bodyPr>
             <a:lstStyle/>
             <a:p>
-              <a:endParaRPr lang="en-US">
+              <a:endParaRPr lang="en-US" dirty="0">
                 <a:solidFill>
                   <a:schemeClr val="tx2"/>
                 </a:solidFill>
@@ -3987,7 +3988,7 @@
             </a:bodyPr>
             <a:lstStyle/>
             <a:p>
-              <a:endParaRPr lang="en-US">
+              <a:endParaRPr lang="en-US" dirty="0">
                 <a:solidFill>
                   <a:schemeClr val="tx2"/>
                 </a:solidFill>
@@ -4069,7 +4070,7 @@
             </a:bodyPr>
             <a:lstStyle/>
             <a:p>
-              <a:endParaRPr lang="en-US">
+              <a:endParaRPr lang="en-US" dirty="0">
                 <a:solidFill>
                   <a:schemeClr val="tx2"/>
                 </a:solidFill>
@@ -4151,7 +4152,7 @@
             </a:bodyPr>
             <a:lstStyle/>
             <a:p>
-              <a:endParaRPr lang="en-US">
+              <a:endParaRPr lang="en-US" dirty="0">
                 <a:solidFill>
                   <a:schemeClr val="tx2"/>
                 </a:solidFill>
@@ -4233,7 +4234,7 @@
             </a:bodyPr>
             <a:lstStyle/>
             <a:p>
-              <a:endParaRPr lang="en-US">
+              <a:endParaRPr lang="en-US" dirty="0">
                 <a:solidFill>
                   <a:schemeClr val="tx2"/>
                 </a:solidFill>
@@ -4325,7 +4326,7 @@
             </a:bodyPr>
             <a:lstStyle/>
             <a:p>
-              <a:endParaRPr lang="en-US">
+              <a:endParaRPr lang="en-US" dirty="0">
                 <a:solidFill>
                   <a:schemeClr val="tx2"/>
                 </a:solidFill>
@@ -4407,7 +4408,7 @@
             </a:bodyPr>
             <a:lstStyle/>
             <a:p>
-              <a:endParaRPr lang="en-US">
+              <a:endParaRPr lang="en-US" dirty="0">
                 <a:solidFill>
                   <a:schemeClr val="tx2"/>
                 </a:solidFill>
@@ -4489,7 +4490,7 @@
             </a:bodyPr>
             <a:lstStyle/>
             <a:p>
-              <a:endParaRPr lang="en-US">
+              <a:endParaRPr lang="en-US" dirty="0">
                 <a:solidFill>
                   <a:schemeClr val="tx2"/>
                 </a:solidFill>
@@ -4571,7 +4572,7 @@
             </a:bodyPr>
             <a:lstStyle/>
             <a:p>
-              <a:endParaRPr lang="en-US">
+              <a:endParaRPr lang="en-US" dirty="0">
                 <a:solidFill>
                   <a:schemeClr val="tx2"/>
                 </a:solidFill>
@@ -4653,7 +4654,7 @@
             </a:bodyPr>
             <a:lstStyle/>
             <a:p>
-              <a:endParaRPr lang="en-US">
+              <a:endParaRPr lang="en-US" dirty="0">
                 <a:solidFill>
                   <a:schemeClr val="tx2"/>
                 </a:solidFill>
@@ -4735,7 +4736,7 @@
             </a:bodyPr>
             <a:lstStyle/>
             <a:p>
-              <a:endParaRPr lang="en-US">
+              <a:endParaRPr lang="en-US" dirty="0">
                 <a:solidFill>
                   <a:schemeClr val="tx2"/>
                 </a:solidFill>
@@ -4817,7 +4818,7 @@
             </a:bodyPr>
             <a:lstStyle/>
             <a:p>
-              <a:endParaRPr lang="en-US">
+              <a:endParaRPr lang="en-US" dirty="0">
                 <a:solidFill>
                   <a:schemeClr val="tx2"/>
                 </a:solidFill>
@@ -4899,7 +4900,7 @@
             </a:bodyPr>
             <a:lstStyle/>
             <a:p>
-              <a:endParaRPr lang="en-US">
+              <a:endParaRPr lang="en-US" dirty="0">
                 <a:solidFill>
                   <a:schemeClr val="tx2"/>
                 </a:solidFill>
@@ -4981,7 +4982,7 @@
             </a:bodyPr>
             <a:lstStyle/>
             <a:p>
-              <a:endParaRPr lang="en-US">
+              <a:endParaRPr lang="en-US" dirty="0">
                 <a:solidFill>
                   <a:schemeClr val="tx2"/>
                 </a:solidFill>
@@ -5063,7 +5064,7 @@
             </a:bodyPr>
             <a:lstStyle/>
             <a:p>
-              <a:endParaRPr lang="en-US">
+              <a:endParaRPr lang="en-US" dirty="0">
                 <a:solidFill>
                   <a:schemeClr val="tx2"/>
                 </a:solidFill>
@@ -5145,7 +5146,7 @@
             </a:bodyPr>
             <a:lstStyle/>
             <a:p>
-              <a:endParaRPr lang="en-US">
+              <a:endParaRPr lang="en-US" dirty="0">
                 <a:solidFill>
                   <a:schemeClr val="tx2"/>
                 </a:solidFill>
@@ -5227,7 +5228,7 @@
             </a:bodyPr>
             <a:lstStyle/>
             <a:p>
-              <a:endParaRPr lang="en-US">
+              <a:endParaRPr lang="en-US" dirty="0">
                 <a:solidFill>
                   <a:schemeClr val="tx2"/>
                 </a:solidFill>
@@ -5309,7 +5310,7 @@
             </a:bodyPr>
             <a:lstStyle/>
             <a:p>
-              <a:endParaRPr lang="en-US">
+              <a:endParaRPr lang="en-US" dirty="0">
                 <a:solidFill>
                   <a:schemeClr val="tx2"/>
                 </a:solidFill>
@@ -5391,7 +5392,7 @@
             </a:bodyPr>
             <a:lstStyle/>
             <a:p>
-              <a:endParaRPr lang="en-US">
+              <a:endParaRPr lang="en-US" dirty="0">
                 <a:solidFill>
                   <a:schemeClr val="tx2"/>
                 </a:solidFill>
@@ -5473,7 +5474,7 @@
             </a:bodyPr>
             <a:lstStyle/>
             <a:p>
-              <a:endParaRPr lang="en-US">
+              <a:endParaRPr lang="en-US" dirty="0">
                 <a:solidFill>
                   <a:schemeClr val="tx2"/>
                 </a:solidFill>
@@ -5555,7 +5556,7 @@
             </a:bodyPr>
             <a:lstStyle/>
             <a:p>
-              <a:endParaRPr lang="en-US">
+              <a:endParaRPr lang="en-US" dirty="0">
                 <a:solidFill>
                   <a:schemeClr val="tx2"/>
                 </a:solidFill>
@@ -5637,7 +5638,7 @@
             </a:bodyPr>
             <a:lstStyle/>
             <a:p>
-              <a:endParaRPr lang="en-US">
+              <a:endParaRPr lang="en-US" dirty="0">
                 <a:solidFill>
                   <a:schemeClr val="tx2"/>
                 </a:solidFill>
@@ -5719,7 +5720,7 @@
             </a:bodyPr>
             <a:lstStyle/>
             <a:p>
-              <a:endParaRPr lang="en-US">
+              <a:endParaRPr lang="en-US" dirty="0">
                 <a:solidFill>
                   <a:schemeClr val="tx2"/>
                 </a:solidFill>
@@ -5801,7 +5802,7 @@
             </a:bodyPr>
             <a:lstStyle/>
             <a:p>
-              <a:endParaRPr lang="en-US">
+              <a:endParaRPr lang="en-US" dirty="0">
                 <a:solidFill>
                   <a:schemeClr val="tx2"/>
                 </a:solidFill>
@@ -5883,7 +5884,7 @@
             </a:bodyPr>
             <a:lstStyle/>
             <a:p>
-              <a:endParaRPr lang="en-US">
+              <a:endParaRPr lang="en-US" dirty="0">
                 <a:solidFill>
                   <a:schemeClr val="tx2"/>
                 </a:solidFill>
@@ -5965,7 +5966,7 @@
             </a:bodyPr>
             <a:lstStyle/>
             <a:p>
-              <a:endParaRPr lang="en-US">
+              <a:endParaRPr lang="en-US" dirty="0">
                 <a:solidFill>
                   <a:schemeClr val="tx2"/>
                 </a:solidFill>
@@ -6047,7 +6048,7 @@
             </a:bodyPr>
             <a:lstStyle/>
             <a:p>
-              <a:endParaRPr lang="en-US">
+              <a:endParaRPr lang="en-US" dirty="0">
                 <a:solidFill>
                   <a:schemeClr val="tx2"/>
                 </a:solidFill>
@@ -6129,7 +6130,7 @@
             </a:bodyPr>
             <a:lstStyle/>
             <a:p>
-              <a:endParaRPr lang="en-US">
+              <a:endParaRPr lang="en-US" dirty="0">
                 <a:solidFill>
                   <a:schemeClr val="tx2"/>
                 </a:solidFill>
@@ -6211,7 +6212,7 @@
             </a:bodyPr>
             <a:lstStyle/>
             <a:p>
-              <a:endParaRPr lang="en-US">
+              <a:endParaRPr lang="en-US" dirty="0">
                 <a:solidFill>
                   <a:schemeClr val="tx2"/>
                 </a:solidFill>
@@ -6293,7 +6294,7 @@
             </a:bodyPr>
             <a:lstStyle/>
             <a:p>
-              <a:endParaRPr lang="en-US">
+              <a:endParaRPr lang="en-US" dirty="0">
                 <a:solidFill>
                   <a:schemeClr val="tx2"/>
                 </a:solidFill>
@@ -6375,7 +6376,7 @@
             </a:bodyPr>
             <a:lstStyle/>
             <a:p>
-              <a:endParaRPr lang="en-US">
+              <a:endParaRPr lang="en-US" dirty="0">
                 <a:solidFill>
                   <a:schemeClr val="tx2"/>
                 </a:solidFill>
@@ -6457,7 +6458,7 @@
             </a:bodyPr>
             <a:lstStyle/>
             <a:p>
-              <a:endParaRPr lang="en-US">
+              <a:endParaRPr lang="en-US" dirty="0">
                 <a:solidFill>
                   <a:schemeClr val="tx2"/>
                 </a:solidFill>
@@ -6539,7 +6540,7 @@
             </a:bodyPr>
             <a:lstStyle/>
             <a:p>
-              <a:endParaRPr lang="en-US">
+              <a:endParaRPr lang="en-US" dirty="0">
                 <a:solidFill>
                   <a:schemeClr val="tx2"/>
                 </a:solidFill>
@@ -6621,7 +6622,7 @@
             </a:bodyPr>
             <a:lstStyle/>
             <a:p>
-              <a:endParaRPr lang="en-US">
+              <a:endParaRPr lang="en-US" dirty="0">
                 <a:solidFill>
                   <a:schemeClr val="tx2"/>
                 </a:solidFill>
@@ -6703,7 +6704,7 @@
             </a:bodyPr>
             <a:lstStyle/>
             <a:p>
-              <a:endParaRPr lang="en-US">
+              <a:endParaRPr lang="en-US" dirty="0">
                 <a:solidFill>
                   <a:schemeClr val="tx2"/>
                 </a:solidFill>
@@ -6785,7 +6786,7 @@
             </a:bodyPr>
             <a:lstStyle/>
             <a:p>
-              <a:endParaRPr lang="en-US">
+              <a:endParaRPr lang="en-US" dirty="0">
                 <a:solidFill>
                   <a:schemeClr val="tx2"/>
                 </a:solidFill>
@@ -6867,7 +6868,7 @@
             </a:bodyPr>
             <a:lstStyle/>
             <a:p>
-              <a:endParaRPr lang="en-US">
+              <a:endParaRPr lang="en-US" dirty="0">
                 <a:solidFill>
                   <a:schemeClr val="tx2"/>
                 </a:solidFill>
@@ -6949,7 +6950,7 @@
             </a:bodyPr>
             <a:lstStyle/>
             <a:p>
-              <a:endParaRPr lang="en-US">
+              <a:endParaRPr lang="en-US" dirty="0">
                 <a:solidFill>
                   <a:schemeClr val="tx2"/>
                 </a:solidFill>
@@ -7031,7 +7032,7 @@
             </a:bodyPr>
             <a:lstStyle/>
             <a:p>
-              <a:endParaRPr lang="en-US">
+              <a:endParaRPr lang="en-US" dirty="0">
                 <a:solidFill>
                   <a:schemeClr val="tx2"/>
                 </a:solidFill>
@@ -7113,7 +7114,7 @@
             </a:bodyPr>
             <a:lstStyle/>
             <a:p>
-              <a:endParaRPr lang="en-US">
+              <a:endParaRPr lang="en-US" dirty="0">
                 <a:solidFill>
                   <a:schemeClr val="tx2"/>
                 </a:solidFill>
@@ -7195,7 +7196,7 @@
             </a:bodyPr>
             <a:lstStyle/>
             <a:p>
-              <a:endParaRPr lang="en-US">
+              <a:endParaRPr lang="en-US" dirty="0">
                 <a:solidFill>
                   <a:schemeClr val="tx2"/>
                 </a:solidFill>
@@ -7277,7 +7278,7 @@
             </a:bodyPr>
             <a:lstStyle/>
             <a:p>
-              <a:endParaRPr lang="en-US">
+              <a:endParaRPr lang="en-US" dirty="0">
                 <a:solidFill>
                   <a:schemeClr val="tx2"/>
                 </a:solidFill>
@@ -7359,7 +7360,7 @@
             </a:bodyPr>
             <a:lstStyle/>
             <a:p>
-              <a:endParaRPr lang="en-US">
+              <a:endParaRPr lang="en-US" dirty="0">
                 <a:solidFill>
                   <a:schemeClr val="tx2"/>
                 </a:solidFill>
@@ -7441,7 +7442,7 @@
             </a:bodyPr>
             <a:lstStyle/>
             <a:p>
-              <a:endParaRPr lang="en-US">
+              <a:endParaRPr lang="en-US" dirty="0">
                 <a:solidFill>
                   <a:schemeClr val="tx2"/>
                 </a:solidFill>
@@ -7523,7 +7524,7 @@
             </a:bodyPr>
             <a:lstStyle/>
             <a:p>
-              <a:endParaRPr lang="en-US">
+              <a:endParaRPr lang="en-US" dirty="0">
                 <a:solidFill>
                   <a:schemeClr val="tx2"/>
                 </a:solidFill>
@@ -7605,7 +7606,7 @@
             </a:bodyPr>
             <a:lstStyle/>
             <a:p>
-              <a:endParaRPr lang="en-US">
+              <a:endParaRPr lang="en-US" dirty="0">
                 <a:solidFill>
                   <a:schemeClr val="tx2"/>
                 </a:solidFill>
@@ -7687,7 +7688,7 @@
             </a:bodyPr>
             <a:lstStyle/>
             <a:p>
-              <a:endParaRPr lang="en-US">
+              <a:endParaRPr lang="en-US" dirty="0">
                 <a:solidFill>
                   <a:schemeClr val="tx2"/>
                 </a:solidFill>
@@ -7769,7 +7770,7 @@
             </a:bodyPr>
             <a:lstStyle/>
             <a:p>
-              <a:endParaRPr lang="en-US">
+              <a:endParaRPr lang="en-US" dirty="0">
                 <a:solidFill>
                   <a:schemeClr val="tx2"/>
                 </a:solidFill>
@@ -7851,7 +7852,7 @@
             </a:bodyPr>
             <a:lstStyle/>
             <a:p>
-              <a:endParaRPr lang="en-US">
+              <a:endParaRPr lang="en-US" dirty="0">
                 <a:solidFill>
                   <a:schemeClr val="tx2"/>
                 </a:solidFill>
@@ -8005,7 +8006,7 @@
             <a:fld id="{B5898F52-2787-4BA2-BBBC-9395E9F86D50}" type="datetimeFigureOut">
               <a:rPr lang="en-US" smtClean="0"/>
               <a:pPr/>
-              <a:t>1/3/2022</a:t>
+              <a:t>1/4/2022</a:t>
             </a:fld>
             <a:endParaRPr lang="en-US" dirty="0"/>
           </a:p>
@@ -8094,7 +8095,7 @@
               <a:pPr/>
               <a:t>‹#›</a:t>
             </a:fld>
-            <a:endParaRPr lang="en-US"/>
+            <a:endParaRPr lang="en-US" dirty="0"/>
           </a:p>
         </p:txBody>
       </p:sp>
@@ -8601,6 +8602,211 @@
           <a:chExt cx="0" cy="0"/>
         </a:xfrm>
       </p:grpSpPr>
+      <p:sp>
+        <p:nvSpPr>
+          <p:cNvPr id="2" name="Title 1">
+            <a:extLst>
+              <a:ext uri="{FF2B5EF4-FFF2-40B4-BE49-F238E27FC236}">
+                <a16:creationId xmlns:a16="http://schemas.microsoft.com/office/drawing/2014/main" id="{BD48FA31-BDCC-4F65-B470-CB2E8AF6BE9D}"/>
+              </a:ext>
+            </a:extLst>
+          </p:cNvPr>
+          <p:cNvSpPr>
+            <a:spLocks noGrp="1"/>
+          </p:cNvSpPr>
+          <p:nvPr>
+            <p:ph type="title"/>
+          </p:nvPr>
+        </p:nvSpPr>
+        <p:spPr>
+          <a:xfrm>
+            <a:off x="1676677" y="5972694"/>
+            <a:ext cx="9977767" cy="511233"/>
+          </a:xfrm>
+        </p:spPr>
+        <p:txBody>
+          <a:bodyPr/>
+          <a:lstStyle/>
+          <a:p>
+            <a:r>
+              <a:rPr lang="en-US" sz="2400" dirty="0">
+                <a:latin typeface="Calibri" panose="020F0502020204030204" pitchFamily="34" charset="0"/>
+                <a:cs typeface="Times New Roman" panose="02020603050405020304" pitchFamily="18" charset="0"/>
+              </a:rPr>
+              <a:t>The more population a LGA has, the higher the percentage of unsolved charges</a:t>
+            </a:r>
+            <a:endParaRPr lang="en-AU" sz="2400" dirty="0">
+              <a:latin typeface="Calibri" panose="020F0502020204030204" pitchFamily="34" charset="0"/>
+              <a:cs typeface="Times New Roman" panose="02020603050405020304" pitchFamily="18" charset="0"/>
+            </a:endParaRPr>
+          </a:p>
+        </p:txBody>
+      </p:sp>
+      <p:pic>
+        <p:nvPicPr>
+          <p:cNvPr id="8" name="Picture 7">
+            <a:extLst>
+              <a:ext uri="{FF2B5EF4-FFF2-40B4-BE49-F238E27FC236}">
+                <a16:creationId xmlns:a16="http://schemas.microsoft.com/office/drawing/2014/main" id="{48E5ACEE-7F56-4A0D-B3B7-33E36DBBF77F}"/>
+              </a:ext>
+            </a:extLst>
+          </p:cNvPr>
+          <p:cNvPicPr>
+            <a:picLocks noChangeAspect="1"/>
+          </p:cNvPicPr>
+          <p:nvPr/>
+        </p:nvPicPr>
+        <p:blipFill>
+          <a:blip r:embed="rId2"/>
+          <a:stretch>
+            <a:fillRect/>
+          </a:stretch>
+        </p:blipFill>
+        <p:spPr>
+          <a:xfrm>
+            <a:off x="4933442" y="499900"/>
+            <a:ext cx="6049219" cy="4810796"/>
+          </a:xfrm>
+          <a:prstGeom prst="rect">
+            <a:avLst/>
+          </a:prstGeom>
+        </p:spPr>
+      </p:pic>
+      <p:pic>
+        <p:nvPicPr>
+          <p:cNvPr id="10" name="Picture 9">
+            <a:extLst>
+              <a:ext uri="{FF2B5EF4-FFF2-40B4-BE49-F238E27FC236}">
+                <a16:creationId xmlns:a16="http://schemas.microsoft.com/office/drawing/2014/main" id="{B8496430-E9A0-4046-92AA-2ED2C76D3712}"/>
+              </a:ext>
+            </a:extLst>
+          </p:cNvPr>
+          <p:cNvPicPr>
+            <a:picLocks noChangeAspect="1"/>
+          </p:cNvPicPr>
+          <p:nvPr/>
+        </p:nvPicPr>
+        <p:blipFill>
+          <a:blip r:embed="rId3"/>
+          <a:stretch>
+            <a:fillRect/>
+          </a:stretch>
+        </p:blipFill>
+        <p:spPr>
+          <a:xfrm>
+            <a:off x="1849190" y="2299738"/>
+            <a:ext cx="1876687" cy="1676634"/>
+          </a:xfrm>
+          <a:prstGeom prst="rect">
+            <a:avLst/>
+          </a:prstGeom>
+        </p:spPr>
+      </p:pic>
+      <p:sp>
+        <p:nvSpPr>
+          <p:cNvPr id="11" name="Title 1">
+            <a:extLst>
+              <a:ext uri="{FF2B5EF4-FFF2-40B4-BE49-F238E27FC236}">
+                <a16:creationId xmlns:a16="http://schemas.microsoft.com/office/drawing/2014/main" id="{7D98C783-9AF9-4874-A8A3-55E2E665A091}"/>
+              </a:ext>
+            </a:extLst>
+          </p:cNvPr>
+          <p:cNvSpPr txBox="1">
+            <a:spLocks/>
+          </p:cNvSpPr>
+          <p:nvPr/>
+        </p:nvSpPr>
+        <p:spPr>
+          <a:xfrm>
+            <a:off x="4933442" y="5441151"/>
+            <a:ext cx="4553769" cy="401088"/>
+          </a:xfrm>
+          <a:prstGeom prst="rect">
+            <a:avLst/>
+          </a:prstGeom>
+        </p:spPr>
+        <p:txBody>
+          <a:bodyPr vert="horz" lIns="91440" tIns="45720" rIns="91440" bIns="45720" rtlCol="0" anchor="ctr">
+            <a:normAutofit/>
+          </a:bodyPr>
+          <a:lstStyle>
+            <a:lvl1pPr algn="l" defTabSz="914400" rtl="0" eaLnBrk="1" latinLnBrk="0" hangingPunct="1">
+              <a:lnSpc>
+                <a:spcPct val="100000"/>
+              </a:lnSpc>
+              <a:spcBef>
+                <a:spcPct val="0"/>
+              </a:spcBef>
+              <a:buNone/>
+              <a:defRPr sz="4000" kern="1200">
+                <a:solidFill>
+                  <a:schemeClr val="tx2"/>
+                </a:solidFill>
+                <a:latin typeface="+mj-lt"/>
+                <a:ea typeface="+mj-ea"/>
+                <a:cs typeface="+mj-cs"/>
+              </a:defRPr>
+            </a:lvl1pPr>
+          </a:lstStyle>
+          <a:p>
+            <a:r>
+              <a:rPr lang="en-US" sz="1600" dirty="0">
+                <a:latin typeface="Calibri" panose="020F0502020204030204" pitchFamily="34" charset="0"/>
+                <a:ea typeface="Calibri" panose="020F0502020204030204" pitchFamily="34" charset="0"/>
+                <a:cs typeface="Times New Roman" panose="02020603050405020304" pitchFamily="18" charset="0"/>
+              </a:rPr>
+              <a:t>Standard error r</a:t>
+            </a:r>
+            <a:r>
+              <a:rPr lang="en-US" sz="1600" baseline="30000" dirty="0">
+                <a:latin typeface="Calibri" panose="020F0502020204030204" pitchFamily="34" charset="0"/>
+                <a:ea typeface="Calibri" panose="020F0502020204030204" pitchFamily="34" charset="0"/>
+                <a:cs typeface="Times New Roman" panose="02020603050405020304" pitchFamily="18" charset="0"/>
+              </a:rPr>
+              <a:t>2</a:t>
+            </a:r>
+            <a:r>
+              <a:rPr lang="en-US" sz="1600" dirty="0">
+                <a:latin typeface="Calibri" panose="020F0502020204030204" pitchFamily="34" charset="0"/>
+                <a:ea typeface="Calibri" panose="020F0502020204030204" pitchFamily="34" charset="0"/>
+                <a:cs typeface="Times New Roman" panose="02020603050405020304" pitchFamily="18" charset="0"/>
+              </a:rPr>
+              <a:t> is 25% </a:t>
+            </a:r>
+            <a:endParaRPr lang="en-AU" sz="1600" dirty="0"/>
+          </a:p>
+        </p:txBody>
+      </p:sp>
+    </p:spTree>
+    <p:extLst>
+      <p:ext uri="{BB962C8B-B14F-4D97-AF65-F5344CB8AC3E}">
+        <p14:creationId xmlns:p14="http://schemas.microsoft.com/office/powerpoint/2010/main" val="809717122"/>
+      </p:ext>
+    </p:extLst>
+  </p:cSld>
+  <p:clrMapOvr>
+    <a:masterClrMapping/>
+  </p:clrMapOvr>
+</p:sld>
+</file>
+
+<file path=ppt/slides/slide11.xml><?xml version="1.0" encoding="utf-8"?>
+<p:sld xmlns:a="http://schemas.openxmlformats.org/drawingml/2006/main" xmlns:r="http://schemas.openxmlformats.org/officeDocument/2006/relationships" xmlns:p="http://schemas.openxmlformats.org/presentationml/2006/main">
+  <p:cSld>
+    <p:spTree>
+      <p:nvGrpSpPr>
+        <p:cNvPr id="1" name=""/>
+        <p:cNvGrpSpPr/>
+        <p:nvPr/>
+      </p:nvGrpSpPr>
+      <p:grpSpPr>
+        <a:xfrm>
+          <a:off x="0" y="0"/>
+          <a:ext cx="0" cy="0"/>
+          <a:chOff x="0" y="0"/>
+          <a:chExt cx="0" cy="0"/>
+        </a:xfrm>
+      </p:grpSpPr>
       <p:pic>
         <p:nvPicPr>
           <p:cNvPr id="5" name="Content Placeholder 4">
@@ -8840,14 +9046,14 @@
                             </p:stCondLst>
                             <p:childTnLst>
                               <p:par>
-                                <p:cTn id="5" presetID="32" presetClass="emph" presetSubtype="0" fill="hold" nodeType="clickEffect">
+                                <p:cTn id="5" presetID="42" presetClass="entr" presetSubtype="0" fill="hold" nodeType="clickEffect">
                                   <p:stCondLst>
                                     <p:cond delay="0"/>
                                   </p:stCondLst>
                                   <p:childTnLst>
-                                    <p:animRot by="120000">
+                                    <p:set>
                                       <p:cBhvr>
-                                        <p:cTn id="6" dur="100" fill="hold">
+                                        <p:cTn id="6" dur="1" fill="hold">
                                           <p:stCondLst>
                                             <p:cond delay="0"/>
                                           </p:stCondLst>
@@ -8856,70 +9062,67 @@
                                           <p:spTgt spid="5"/>
                                         </p:tgtEl>
                                         <p:attrNameLst>
-                                          <p:attrName>r</p:attrName>
+                                          <p:attrName>style.visibility</p:attrName>
                                         </p:attrNameLst>
                                       </p:cBhvr>
-                                    </p:animRot>
-                                    <p:animRot by="-240000">
+                                      <p:to>
+                                        <p:strVal val="visible"/>
+                                      </p:to>
+                                    </p:set>
+                                    <p:animEffect transition="in" filter="fade">
                                       <p:cBhvr>
-                                        <p:cTn id="7" dur="200" fill="hold">
-                                          <p:stCondLst>
-                                            <p:cond delay="200"/>
-                                          </p:stCondLst>
-                                        </p:cTn>
+                                        <p:cTn id="7" dur="250"/>
+                                        <p:tgtEl>
+                                          <p:spTgt spid="5"/>
+                                        </p:tgtEl>
+                                      </p:cBhvr>
+                                    </p:animEffect>
+                                    <p:anim calcmode="lin" valueType="num">
+                                      <p:cBhvr>
+                                        <p:cTn id="8" dur="250" fill="hold"/>
                                         <p:tgtEl>
                                           <p:spTgt spid="5"/>
                                         </p:tgtEl>
                                         <p:attrNameLst>
-                                          <p:attrName>r</p:attrName>
+                                          <p:attrName>ppt_x</p:attrName>
                                         </p:attrNameLst>
                                       </p:cBhvr>
-                                    </p:animRot>
-                                    <p:animRot by="240000">
+                                      <p:tavLst>
+                                        <p:tav tm="0">
+                                          <p:val>
+                                            <p:strVal val="#ppt_x"/>
+                                          </p:val>
+                                        </p:tav>
+                                        <p:tav tm="100000">
+                                          <p:val>
+                                            <p:strVal val="#ppt_x"/>
+                                          </p:val>
+                                        </p:tav>
+                                      </p:tavLst>
+                                    </p:anim>
+                                    <p:anim calcmode="lin" valueType="num">
                                       <p:cBhvr>
-                                        <p:cTn id="8" dur="200" fill="hold">
-                                          <p:stCondLst>
-                                            <p:cond delay="400"/>
-                                          </p:stCondLst>
-                                        </p:cTn>
+                                        <p:cTn id="9" dur="250" fill="hold"/>
                                         <p:tgtEl>
                                           <p:spTgt spid="5"/>
                                         </p:tgtEl>
                                         <p:attrNameLst>
-                                          <p:attrName>r</p:attrName>
+                                          <p:attrName>ppt_y</p:attrName>
                                         </p:attrNameLst>
                                       </p:cBhvr>
-                                    </p:animRot>
-                                    <p:animRot by="-240000">
-                                      <p:cBhvr>
-                                        <p:cTn id="9" dur="200" fill="hold">
-                                          <p:stCondLst>
-                                            <p:cond delay="600"/>
-                                          </p:stCondLst>
-                                        </p:cTn>
-                                        <p:tgtEl>
-                                          <p:spTgt spid="5"/>
-                                        </p:tgtEl>
-                                        <p:attrNameLst>
-                                          <p:attrName>r</p:attrName>
-                                        </p:attrNameLst>
-                                      </p:cBhvr>
-                                    </p:animRot>
-                                    <p:animRot by="120000">
-                                      <p:cBhvr>
-                                        <p:cTn id="10" dur="200" fill="hold">
-                                          <p:stCondLst>
-                                            <p:cond delay="800"/>
-                                          </p:stCondLst>
-                                        </p:cTn>
-                                        <p:tgtEl>
-                                          <p:spTgt spid="5"/>
-                                        </p:tgtEl>
-                                        <p:attrNameLst>
-                                          <p:attrName>r</p:attrName>
-                                        </p:attrNameLst>
-                                      </p:cBhvr>
-                                    </p:animRot>
+                                      <p:tavLst>
+                                        <p:tav tm="0">
+                                          <p:val>
+                                            <p:strVal val="#ppt_y+.1"/>
+                                          </p:val>
+                                        </p:tav>
+                                        <p:tav tm="100000">
+                                          <p:val>
+                                            <p:strVal val="#ppt_y"/>
+                                          </p:val>
+                                        </p:tav>
+                                      </p:tavLst>
+                                    </p:anim>
                                   </p:childTnLst>
                                 </p:cTn>
                               </p:par>
@@ -8930,26 +9133,107 @@
                     </p:cTn>
                   </p:par>
                   <p:par>
-                    <p:cTn id="11" fill="hold">
+                    <p:cTn id="10" fill="hold">
                       <p:stCondLst>
                         <p:cond delay="indefinite"/>
                       </p:stCondLst>
                       <p:childTnLst>
                         <p:par>
-                          <p:cTn id="12" fill="hold">
+                          <p:cTn id="11" fill="hold">
                             <p:stCondLst>
                               <p:cond delay="0"/>
                             </p:stCondLst>
                             <p:childTnLst>
                               <p:par>
-                                <p:cTn id="13" presetID="53" presetClass="entr" presetSubtype="16" fill="hold" nodeType="clickEffect">
+                                <p:cTn id="12" presetID="53" presetClass="entr" presetSubtype="16" fill="hold" nodeType="clickEffect">
                                   <p:stCondLst>
                                     <p:cond delay="0"/>
                                   </p:stCondLst>
                                   <p:childTnLst>
                                     <p:set>
                                       <p:cBhvr>
-                                        <p:cTn id="14" dur="1" fill="hold">
+                                        <p:cTn id="13" dur="1" fill="hold">
+                                          <p:stCondLst>
+                                            <p:cond delay="0"/>
+                                          </p:stCondLst>
+                                        </p:cTn>
+                                        <p:tgtEl>
+                                          <p:spTgt spid="12"/>
+                                        </p:tgtEl>
+                                        <p:attrNameLst>
+                                          <p:attrName>style.visibility</p:attrName>
+                                        </p:attrNameLst>
+                                      </p:cBhvr>
+                                      <p:to>
+                                        <p:strVal val="visible"/>
+                                      </p:to>
+                                    </p:set>
+                                    <p:anim calcmode="lin" valueType="num">
+                                      <p:cBhvr>
+                                        <p:cTn id="14" dur="250" fill="hold"/>
+                                        <p:tgtEl>
+                                          <p:spTgt spid="12"/>
+                                        </p:tgtEl>
+                                        <p:attrNameLst>
+                                          <p:attrName>ppt_w</p:attrName>
+                                        </p:attrNameLst>
+                                      </p:cBhvr>
+                                      <p:tavLst>
+                                        <p:tav tm="0">
+                                          <p:val>
+                                            <p:fltVal val="0"/>
+                                          </p:val>
+                                        </p:tav>
+                                        <p:tav tm="100000">
+                                          <p:val>
+                                            <p:strVal val="#ppt_w"/>
+                                          </p:val>
+                                        </p:tav>
+                                      </p:tavLst>
+                                    </p:anim>
+                                    <p:anim calcmode="lin" valueType="num">
+                                      <p:cBhvr>
+                                        <p:cTn id="15" dur="250" fill="hold"/>
+                                        <p:tgtEl>
+                                          <p:spTgt spid="12"/>
+                                        </p:tgtEl>
+                                        <p:attrNameLst>
+                                          <p:attrName>ppt_h</p:attrName>
+                                        </p:attrNameLst>
+                                      </p:cBhvr>
+                                      <p:tavLst>
+                                        <p:tav tm="0">
+                                          <p:val>
+                                            <p:fltVal val="0"/>
+                                          </p:val>
+                                        </p:tav>
+                                        <p:tav tm="100000">
+                                          <p:val>
+                                            <p:strVal val="#ppt_h"/>
+                                          </p:val>
+                                        </p:tav>
+                                      </p:tavLst>
+                                    </p:anim>
+                                    <p:animEffect transition="in" filter="fade">
+                                      <p:cBhvr>
+                                        <p:cTn id="16" dur="250"/>
+                                        <p:tgtEl>
+                                          <p:spTgt spid="12"/>
+                                        </p:tgtEl>
+                                      </p:cBhvr>
+                                    </p:animEffect>
+                                  </p:childTnLst>
+                                </p:cTn>
+                              </p:par>
+                              <p:par>
+                                <p:cTn id="17" presetID="53" presetClass="entr" presetSubtype="16" fill="hold" nodeType="withEffect">
+                                  <p:stCondLst>
+                                    <p:cond delay="0"/>
+                                  </p:stCondLst>
+                                  <p:childTnLst>
+                                    <p:set>
+                                      <p:cBhvr>
+                                        <p:cTn id="18" dur="1" fill="hold">
                                           <p:stCondLst>
                                             <p:cond delay="0"/>
                                           </p:stCondLst>
@@ -8967,7 +9251,7 @@
                                     </p:set>
                                     <p:anim calcmode="lin" valueType="num">
                                       <p:cBhvr>
-                                        <p:cTn id="15" dur="500" fill="hold"/>
+                                        <p:cTn id="19" dur="250" fill="hold"/>
                                         <p:tgtEl>
                                           <p:spTgt spid="15"/>
                                         </p:tgtEl>
@@ -8990,7 +9274,7 @@
                                     </p:anim>
                                     <p:anim calcmode="lin" valueType="num">
                                       <p:cBhvr>
-                                        <p:cTn id="16" dur="500" fill="hold"/>
+                                        <p:cTn id="20" dur="250" fill="hold"/>
                                         <p:tgtEl>
                                           <p:spTgt spid="15"/>
                                         </p:tgtEl>
@@ -9013,7 +9297,7 @@
                                     </p:anim>
                                     <p:animEffect transition="in" filter="fade">
                                       <p:cBhvr>
-                                        <p:cTn id="17" dur="500"/>
+                                        <p:cTn id="21" dur="250"/>
                                         <p:tgtEl>
                                           <p:spTgt spid="15"/>
                                         </p:tgtEl>
@@ -9023,95 +9307,14 @@
                                 </p:cTn>
                               </p:par>
                               <p:par>
-                                <p:cTn id="18" presetID="53" presetClass="entr" presetSubtype="16" fill="hold" nodeType="withEffect">
+                                <p:cTn id="22" presetID="53" presetClass="entr" presetSubtype="16" fill="hold" nodeType="withEffect">
                                   <p:stCondLst>
                                     <p:cond delay="0"/>
                                   </p:stCondLst>
                                   <p:childTnLst>
                                     <p:set>
                                       <p:cBhvr>
-                                        <p:cTn id="19" dur="1" fill="hold">
-                                          <p:stCondLst>
-                                            <p:cond delay="0"/>
-                                          </p:stCondLst>
-                                        </p:cTn>
-                                        <p:tgtEl>
-                                          <p:spTgt spid="12"/>
-                                        </p:tgtEl>
-                                        <p:attrNameLst>
-                                          <p:attrName>style.visibility</p:attrName>
-                                        </p:attrNameLst>
-                                      </p:cBhvr>
-                                      <p:to>
-                                        <p:strVal val="visible"/>
-                                      </p:to>
-                                    </p:set>
-                                    <p:anim calcmode="lin" valueType="num">
-                                      <p:cBhvr>
-                                        <p:cTn id="20" dur="500" fill="hold"/>
-                                        <p:tgtEl>
-                                          <p:spTgt spid="12"/>
-                                        </p:tgtEl>
-                                        <p:attrNameLst>
-                                          <p:attrName>ppt_w</p:attrName>
-                                        </p:attrNameLst>
-                                      </p:cBhvr>
-                                      <p:tavLst>
-                                        <p:tav tm="0">
-                                          <p:val>
-                                            <p:fltVal val="0"/>
-                                          </p:val>
-                                        </p:tav>
-                                        <p:tav tm="100000">
-                                          <p:val>
-                                            <p:strVal val="#ppt_w"/>
-                                          </p:val>
-                                        </p:tav>
-                                      </p:tavLst>
-                                    </p:anim>
-                                    <p:anim calcmode="lin" valueType="num">
-                                      <p:cBhvr>
-                                        <p:cTn id="21" dur="500" fill="hold"/>
-                                        <p:tgtEl>
-                                          <p:spTgt spid="12"/>
-                                        </p:tgtEl>
-                                        <p:attrNameLst>
-                                          <p:attrName>ppt_h</p:attrName>
-                                        </p:attrNameLst>
-                                      </p:cBhvr>
-                                      <p:tavLst>
-                                        <p:tav tm="0">
-                                          <p:val>
-                                            <p:fltVal val="0"/>
-                                          </p:val>
-                                        </p:tav>
-                                        <p:tav tm="100000">
-                                          <p:val>
-                                            <p:strVal val="#ppt_h"/>
-                                          </p:val>
-                                        </p:tav>
-                                      </p:tavLst>
-                                    </p:anim>
-                                    <p:animEffect transition="in" filter="fade">
-                                      <p:cBhvr>
-                                        <p:cTn id="22" dur="500"/>
-                                        <p:tgtEl>
-                                          <p:spTgt spid="12"/>
-                                        </p:tgtEl>
-                                      </p:cBhvr>
-                                    </p:animEffect>
-                                  </p:childTnLst>
-                                </p:cTn>
-                              </p:par>
-                              <p:par>
-                                <p:cTn id="23" presetID="53" presetClass="entr" presetSubtype="16" fill="hold" nodeType="withEffect">
-                                  <p:stCondLst>
-                                    <p:cond delay="0"/>
-                                  </p:stCondLst>
-                                  <p:childTnLst>
-                                    <p:set>
-                                      <p:cBhvr>
-                                        <p:cTn id="24" dur="1" fill="hold">
+                                        <p:cTn id="23" dur="1" fill="hold">
                                           <p:stCondLst>
                                             <p:cond delay="0"/>
                                           </p:stCondLst>
@@ -9129,7 +9332,7 @@
                                     </p:set>
                                     <p:anim calcmode="lin" valueType="num">
                                       <p:cBhvr>
-                                        <p:cTn id="25" dur="500" fill="hold"/>
+                                        <p:cTn id="24" dur="250" fill="hold"/>
                                         <p:tgtEl>
                                           <p:spTgt spid="10"/>
                                         </p:tgtEl>
@@ -9152,7 +9355,7 @@
                                     </p:anim>
                                     <p:anim calcmode="lin" valueType="num">
                                       <p:cBhvr>
-                                        <p:cTn id="26" dur="500" fill="hold"/>
+                                        <p:cTn id="25" dur="250" fill="hold"/>
                                         <p:tgtEl>
                                           <p:spTgt spid="10"/>
                                         </p:tgtEl>
@@ -9175,7 +9378,7 @@
                                     </p:anim>
                                     <p:animEffect transition="in" filter="fade">
                                       <p:cBhvr>
-                                        <p:cTn id="27" dur="500"/>
+                                        <p:cTn id="26" dur="250"/>
                                         <p:tgtEl>
                                           <p:spTgt spid="10"/>
                                         </p:tgtEl>
@@ -9215,7 +9418,7 @@
 </p:sld>
 </file>
 
-<file path=ppt/slides/slide11.xml><?xml version="1.0" encoding="utf-8"?>
+<file path=ppt/slides/slide12.xml><?xml version="1.0" encoding="utf-8"?>
 <p:sld xmlns:a="http://schemas.openxmlformats.org/drawingml/2006/main" xmlns:r="http://schemas.openxmlformats.org/officeDocument/2006/relationships" xmlns:p="http://schemas.openxmlformats.org/presentationml/2006/main">
   <p:cSld>
     <p:spTree>
@@ -9232,70 +9435,64 @@
           <a:chExt cx="0" cy="0"/>
         </a:xfrm>
       </p:grpSpPr>
-      <p:pic>
-        <p:nvPicPr>
-          <p:cNvPr id="7" name="Picture 6">
+      <p:sp>
+        <p:nvSpPr>
+          <p:cNvPr id="2" name="Title 1">
             <a:extLst>
               <a:ext uri="{FF2B5EF4-FFF2-40B4-BE49-F238E27FC236}">
-                <a16:creationId xmlns:a16="http://schemas.microsoft.com/office/drawing/2014/main" id="{915D7BEE-5F3D-49B2-A878-49229E9DD217}"/>
+                <a16:creationId xmlns:a16="http://schemas.microsoft.com/office/drawing/2014/main" id="{CE670E4C-AD66-467C-A339-62A02B51FAB1}"/>
               </a:ext>
             </a:extLst>
           </p:cNvPr>
-          <p:cNvPicPr>
-            <a:picLocks noChangeAspect="1"/>
-          </p:cNvPicPr>
-          <p:nvPr/>
-        </p:nvPicPr>
-        <p:blipFill>
-          <a:blip r:embed="rId2"/>
-          <a:stretch>
-            <a:fillRect/>
-          </a:stretch>
-        </p:blipFill>
-        <p:spPr>
-          <a:xfrm>
-            <a:off x="2377081" y="42390"/>
-            <a:ext cx="8410635" cy="6071027"/>
-          </a:xfrm>
-          <a:prstGeom prst="rect">
-            <a:avLst/>
-          </a:prstGeom>
-        </p:spPr>
-      </p:pic>
-      <p:pic>
-        <p:nvPicPr>
-          <p:cNvPr id="9" name="Picture 8">
+          <p:cNvSpPr>
+            <a:spLocks noGrp="1"/>
+          </p:cNvSpPr>
+          <p:nvPr>
+            <p:ph type="title"/>
+          </p:nvPr>
+        </p:nvSpPr>
+        <p:spPr/>
+        <p:txBody>
+          <a:bodyPr/>
+          <a:lstStyle/>
+          <a:p>
+            <a:r>
+              <a:rPr lang="en-US" dirty="0"/>
+              <a:t>Q&amp;A</a:t>
+            </a:r>
+            <a:endParaRPr lang="en-AU" dirty="0"/>
+          </a:p>
+        </p:txBody>
+      </p:sp>
+      <p:sp>
+        <p:nvSpPr>
+          <p:cNvPr id="3" name="Content Placeholder 2">
             <a:extLst>
               <a:ext uri="{FF2B5EF4-FFF2-40B4-BE49-F238E27FC236}">
-                <a16:creationId xmlns:a16="http://schemas.microsoft.com/office/drawing/2014/main" id="{D050DCF3-AD6B-44C2-A20E-7D68B73DF1C7}"/>
+                <a16:creationId xmlns:a16="http://schemas.microsoft.com/office/drawing/2014/main" id="{7EA5DB96-EB9C-4791-984D-AC0D4A156710}"/>
               </a:ext>
             </a:extLst>
           </p:cNvPr>
-          <p:cNvPicPr>
-            <a:picLocks noChangeAspect="1"/>
-          </p:cNvPicPr>
-          <p:nvPr/>
-        </p:nvPicPr>
-        <p:blipFill>
-          <a:blip r:embed="rId3"/>
-          <a:stretch>
-            <a:fillRect/>
-          </a:stretch>
-        </p:blipFill>
-        <p:spPr>
-          <a:xfrm>
-            <a:off x="3037500" y="6081390"/>
-            <a:ext cx="6777419" cy="734220"/>
-          </a:xfrm>
-          <a:prstGeom prst="rect">
-            <a:avLst/>
-          </a:prstGeom>
-        </p:spPr>
-      </p:pic>
+          <p:cNvSpPr>
+            <a:spLocks noGrp="1"/>
+          </p:cNvSpPr>
+          <p:nvPr>
+            <p:ph idx="1"/>
+          </p:nvPr>
+        </p:nvSpPr>
+        <p:spPr/>
+        <p:txBody>
+          <a:bodyPr/>
+          <a:lstStyle/>
+          <a:p>
+            <a:endParaRPr lang="en-AU"/>
+          </a:p>
+        </p:txBody>
+      </p:sp>
     </p:spTree>
     <p:extLst>
       <p:ext uri="{BB962C8B-B14F-4D97-AF65-F5344CB8AC3E}">
-        <p14:creationId xmlns:p14="http://schemas.microsoft.com/office/powerpoint/2010/main" val="4093479017"/>
+        <p14:creationId xmlns:p14="http://schemas.microsoft.com/office/powerpoint/2010/main" val="3348356996"/>
       </p:ext>
     </p:extLst>
   </p:cSld>
@@ -10119,10 +10316,10 @@
           </a:lstStyle>
           <a:p>
             <a:r>
-              <a:rPr lang="en-US">
+              <a:rPr lang="en-US" dirty="0">
                 <a:latin typeface="Slack-Lato"/>
               </a:rPr>
-              <a:t>Solved charge percentage - 2021</a:t>
+              <a:t>Unsolved charge percentage - 2021</a:t>
             </a:r>
             <a:endParaRPr lang="en-AU" dirty="0">
               <a:latin typeface="Slack-Lato"/>
@@ -10357,7 +10554,7 @@
                 <a:effectLst/>
                 <a:latin typeface="Courier New" panose="02070309020205020404" pitchFamily="49" charset="0"/>
               </a:rPr>
-              <a:t>Mean solved: 41.5%</a:t>
+              <a:t>Mean unsolved: 41.5%</a:t>
             </a:r>
           </a:p>
           <a:p>
@@ -10388,7 +10585,7 @@
                 <a:effectLst/>
                 <a:latin typeface="Courier New" panose="02070309020205020404" pitchFamily="49" charset="0"/>
               </a:rPr>
-              <a:t>Median solved: 40.8%</a:t>
+              <a:t>Median unsolved: 40.8%</a:t>
             </a:r>
           </a:p>
           <a:p>
@@ -11170,7 +11367,7 @@
                     <a:p>
                       <a:pPr algn="r" fontAlgn="ctr"/>
                       <a:r>
-                        <a:rPr lang="en-AU" sz="1400">
+                        <a:rPr lang="en-AU" sz="1400" dirty="0">
                           <a:effectLst/>
                         </a:rPr>
                         <a:t>362</a:t>
@@ -11226,7 +11423,7 @@
                     <a:p>
                       <a:pPr algn="r" fontAlgn="ctr"/>
                       <a:r>
-                        <a:rPr lang="en-AU" sz="1400">
+                        <a:rPr lang="en-AU" sz="1400" dirty="0">
                           <a:effectLst/>
                         </a:rPr>
                         <a:t>1810</a:t>
@@ -11282,7 +11479,7 @@
                     <a:p>
                       <a:pPr algn="r" fontAlgn="ctr"/>
                       <a:r>
-                        <a:rPr lang="en-AU" sz="1400">
+                        <a:rPr lang="en-AU" sz="1400" dirty="0">
                           <a:effectLst/>
                         </a:rPr>
                         <a:t>20.00</a:t>
@@ -11401,7 +11598,7 @@
                     <a:p>
                       <a:pPr algn="r" fontAlgn="ctr"/>
                       <a:r>
-                        <a:rPr lang="en-AU" sz="1400">
+                        <a:rPr lang="en-AU" sz="1400" dirty="0">
                           <a:effectLst/>
                         </a:rPr>
                         <a:t>Southern Grampians</a:t>
@@ -11457,7 +11654,7 @@
                     <a:p>
                       <a:pPr algn="r" fontAlgn="ctr"/>
                       <a:r>
-                        <a:rPr lang="en-AU" sz="1400">
+                        <a:rPr lang="en-AU" sz="1400" dirty="0">
                           <a:effectLst/>
                         </a:rPr>
                         <a:t>172</a:t>
@@ -11513,7 +11710,7 @@
                     <a:p>
                       <a:pPr algn="r" fontAlgn="ctr"/>
                       <a:r>
-                        <a:rPr lang="en-AU" sz="1400">
+                        <a:rPr lang="en-AU" sz="1400" dirty="0">
                           <a:effectLst/>
                         </a:rPr>
                         <a:t>780</a:t>
@@ -11569,7 +11766,7 @@
                     <a:p>
                       <a:pPr algn="r" fontAlgn="ctr"/>
                       <a:r>
-                        <a:rPr lang="en-AU" sz="1400">
+                        <a:rPr lang="en-AU" sz="1400" dirty="0">
                           <a:effectLst/>
                         </a:rPr>
                         <a:t>22.05</a:t>
@@ -11688,7 +11885,7 @@
                     <a:p>
                       <a:pPr algn="r" fontAlgn="ctr"/>
                       <a:r>
-                        <a:rPr lang="en-AU" sz="1400">
+                        <a:rPr lang="en-AU" sz="1400" dirty="0">
                           <a:effectLst/>
                         </a:rPr>
                         <a:t>Ararat</a:t>
@@ -11800,7 +11997,7 @@
                     <a:p>
                       <a:pPr algn="r" fontAlgn="ctr"/>
                       <a:r>
-                        <a:rPr lang="en-AU" sz="1400">
+                        <a:rPr lang="en-AU" sz="1400" dirty="0">
                           <a:effectLst/>
                         </a:rPr>
                         <a:t>1134</a:t>
@@ -11856,7 +12053,7 @@
                     <a:p>
                       <a:pPr algn="r" fontAlgn="ctr"/>
                       <a:r>
-                        <a:rPr lang="en-AU" sz="1400">
+                        <a:rPr lang="en-AU" sz="1400" dirty="0">
                           <a:effectLst/>
                         </a:rPr>
                         <a:t>22.84</a:t>
@@ -12031,7 +12228,7 @@
                     <a:p>
                       <a:pPr algn="r" fontAlgn="ctr"/>
                       <a:r>
-                        <a:rPr lang="en-AU" sz="1400">
+                        <a:rPr lang="en-AU" sz="1400" dirty="0">
                           <a:effectLst/>
                         </a:rPr>
                         <a:t>395</a:t>
@@ -12087,7 +12284,7 @@
                     <a:p>
                       <a:pPr algn="r" fontAlgn="ctr"/>
                       <a:r>
-                        <a:rPr lang="en-AU" sz="1400">
+                        <a:rPr lang="en-AU" sz="1400" dirty="0">
                           <a:effectLst/>
                         </a:rPr>
                         <a:t>1631</a:t>
@@ -12143,7 +12340,7 @@
                     <a:p>
                       <a:pPr algn="r" fontAlgn="ctr"/>
                       <a:r>
-                        <a:rPr lang="en-AU" sz="1400">
+                        <a:rPr lang="en-AU" sz="1400" dirty="0">
                           <a:effectLst/>
                         </a:rPr>
                         <a:t>24.22</a:t>
@@ -12262,7 +12459,7 @@
                     <a:p>
                       <a:pPr algn="r" fontAlgn="ctr"/>
                       <a:r>
-                        <a:rPr lang="en-AU" sz="1400">
+                        <a:rPr lang="en-AU" sz="1400" dirty="0">
                           <a:effectLst/>
                         </a:rPr>
                         <a:t>Northern Grampians</a:t>
@@ -12318,7 +12515,7 @@
                     <a:p>
                       <a:pPr algn="r" fontAlgn="ctr"/>
                       <a:r>
-                        <a:rPr lang="en-AU" sz="1400">
+                        <a:rPr lang="en-AU" sz="1400" dirty="0">
                           <a:effectLst/>
                         </a:rPr>
                         <a:t>233</a:t>
@@ -12493,14 +12690,11 @@
                     <a:p>
                       <a:pPr algn="r" fontAlgn="ctr"/>
                       <a:r>
-                        <a:rPr lang="en-AU" sz="1400" b="1">
+                        <a:rPr lang="en-AU" sz="1400" b="1" dirty="0">
                           <a:effectLst/>
                         </a:rPr>
                         <a:t>...</a:t>
                       </a:r>
-                      <a:endParaRPr lang="en-AU" sz="1400" b="1" dirty="0">
-                        <a:effectLst/>
-                      </a:endParaRPr>
                     </a:p>
                   </a:txBody>
                   <a:tcPr marL="69069" marR="69069" marT="34534" marB="34534" anchor="ctr">
@@ -12552,14 +12746,11 @@
                     <a:p>
                       <a:pPr algn="r" fontAlgn="ctr"/>
                       <a:r>
-                        <a:rPr lang="en-AU" sz="1400">
+                        <a:rPr lang="en-AU" sz="1400" dirty="0">
                           <a:effectLst/>
                         </a:rPr>
                         <a:t>...</a:t>
                       </a:r>
-                      <a:endParaRPr lang="en-AU" sz="1400" dirty="0">
-                        <a:effectLst/>
-                      </a:endParaRPr>
                     </a:p>
                   </a:txBody>
                   <a:tcPr marL="69069" marR="69069" marT="34534" marB="34534" anchor="ctr">
@@ -12611,7 +12802,7 @@
                     <a:p>
                       <a:pPr algn="r" fontAlgn="ctr"/>
                       <a:r>
-                        <a:rPr lang="en-AU" sz="1400">
+                        <a:rPr lang="en-AU" sz="1400" dirty="0">
                           <a:effectLst/>
                         </a:rPr>
                         <a:t>...</a:t>
@@ -12667,14 +12858,11 @@
                     <a:p>
                       <a:pPr algn="r" fontAlgn="ctr"/>
                       <a:r>
-                        <a:rPr lang="en-AU" sz="1400">
+                        <a:rPr lang="en-AU" sz="1400" dirty="0">
                           <a:effectLst/>
                         </a:rPr>
                         <a:t>...</a:t>
                       </a:r>
-                      <a:endParaRPr lang="en-AU" sz="1400" dirty="0">
-                        <a:effectLst/>
-                      </a:endParaRPr>
                     </a:p>
                   </a:txBody>
                   <a:tcPr marL="69069" marR="69069" marT="34534" marB="34534" anchor="ctr">
@@ -12726,7 +12914,7 @@
                     <a:p>
                       <a:pPr algn="r" fontAlgn="ctr"/>
                       <a:r>
-                        <a:rPr lang="en-AU" sz="1400">
+                        <a:rPr lang="en-AU" sz="1400" dirty="0">
                           <a:effectLst/>
                         </a:rPr>
                         <a:t>...</a:t>
@@ -12789,14 +12977,11 @@
                     <a:p>
                       <a:pPr algn="r" fontAlgn="ctr"/>
                       <a:r>
-                        <a:rPr lang="en-AU" sz="1400" b="1">
+                        <a:rPr lang="en-AU" sz="1400" b="1" dirty="0">
                           <a:effectLst/>
                         </a:rPr>
                         <a:t>75</a:t>
                       </a:r>
-                      <a:endParaRPr lang="en-AU" sz="1400" b="1" dirty="0">
-                        <a:effectLst/>
-                      </a:endParaRPr>
                     </a:p>
                   </a:txBody>
                   <a:tcPr marL="69069" marR="69069" marT="34534" marB="34534" anchor="ctr">
@@ -12848,14 +13033,11 @@
                     <a:p>
                       <a:pPr algn="r" fontAlgn="ctr"/>
                       <a:r>
-                        <a:rPr lang="en-AU" sz="1400">
+                        <a:rPr lang="en-AU" sz="1400" dirty="0">
                           <a:effectLst/>
                         </a:rPr>
                         <a:t>Bayside</a:t>
                       </a:r>
-                      <a:endParaRPr lang="en-AU" sz="1400" dirty="0">
-                        <a:effectLst/>
-                      </a:endParaRPr>
                     </a:p>
                   </a:txBody>
                   <a:tcPr marL="69069" marR="69069" marT="34534" marB="34534" anchor="ctr">
@@ -12907,7 +13089,7 @@
                     <a:p>
                       <a:pPr algn="r" fontAlgn="ctr"/>
                       <a:r>
-                        <a:rPr lang="en-AU" sz="1400">
+                        <a:rPr lang="en-AU" sz="1400" dirty="0">
                           <a:effectLst/>
                         </a:rPr>
                         <a:t>2007</a:t>
@@ -12963,14 +13145,11 @@
                     <a:p>
                       <a:pPr algn="r" fontAlgn="ctr"/>
                       <a:r>
-                        <a:rPr lang="en-AU" sz="1400">
+                        <a:rPr lang="en-AU" sz="1400" dirty="0">
                           <a:effectLst/>
                         </a:rPr>
                         <a:t>3435</a:t>
                       </a:r>
-                      <a:endParaRPr lang="en-AU" sz="1400" dirty="0">
-                        <a:effectLst/>
-                      </a:endParaRPr>
                     </a:p>
                   </a:txBody>
                   <a:tcPr marL="69069" marR="69069" marT="34534" marB="34534" anchor="ctr">
@@ -13022,14 +13201,11 @@
                     <a:p>
                       <a:pPr algn="r" fontAlgn="ctr"/>
                       <a:r>
-                        <a:rPr lang="en-AU" sz="1400">
+                        <a:rPr lang="en-AU" sz="1400" dirty="0">
                           <a:effectLst/>
                         </a:rPr>
                         <a:t>58.43</a:t>
                       </a:r>
-                      <a:endParaRPr lang="en-AU" sz="1400" dirty="0">
-                        <a:effectLst/>
-                      </a:endParaRPr>
                     </a:p>
                   </a:txBody>
                   <a:tcPr marL="69069" marR="69069" marT="34534" marB="34534" anchor="ctr">
@@ -13088,14 +13264,11 @@
                     <a:p>
                       <a:pPr algn="r" fontAlgn="ctr"/>
                       <a:r>
-                        <a:rPr lang="en-AU" sz="1400" b="1">
+                        <a:rPr lang="en-AU" sz="1400" b="1" dirty="0">
                           <a:effectLst/>
                         </a:rPr>
                         <a:t>76</a:t>
                       </a:r>
-                      <a:endParaRPr lang="en-AU" sz="1400" b="1" dirty="0">
-                        <a:effectLst/>
-                      </a:endParaRPr>
                     </a:p>
                   </a:txBody>
                   <a:tcPr marL="69069" marR="69069" marT="34534" marB="34534" anchor="ctr">
@@ -13147,14 +13320,11 @@
                     <a:p>
                       <a:pPr algn="r" fontAlgn="ctr"/>
                       <a:r>
-                        <a:rPr lang="en-AU" sz="1400">
+                        <a:rPr lang="en-AU" sz="1400" dirty="0">
                           <a:effectLst/>
                         </a:rPr>
                         <a:t>Glen Eira</a:t>
                       </a:r>
-                      <a:endParaRPr lang="en-AU" sz="1400" dirty="0">
-                        <a:effectLst/>
-                      </a:endParaRPr>
                     </a:p>
                   </a:txBody>
                   <a:tcPr marL="69069" marR="69069" marT="34534" marB="34534" anchor="ctr">
@@ -13206,14 +13376,11 @@
                     <a:p>
                       <a:pPr algn="r" fontAlgn="ctr"/>
                       <a:r>
-                        <a:rPr lang="en-AU" sz="1400">
+                        <a:rPr lang="en-AU" sz="1400" dirty="0">
                           <a:effectLst/>
                         </a:rPr>
                         <a:t>3276</a:t>
                       </a:r>
-                      <a:endParaRPr lang="en-AU" sz="1400" dirty="0">
-                        <a:effectLst/>
-                      </a:endParaRPr>
                     </a:p>
                   </a:txBody>
                   <a:tcPr marL="69069" marR="69069" marT="34534" marB="34534" anchor="ctr">
@@ -13265,14 +13432,11 @@
                     <a:p>
                       <a:pPr algn="r" fontAlgn="ctr"/>
                       <a:r>
-                        <a:rPr lang="en-AU" sz="1400">
+                        <a:rPr lang="en-AU" sz="1400" dirty="0">
                           <a:effectLst/>
                         </a:rPr>
                         <a:t>5440</a:t>
                       </a:r>
-                      <a:endParaRPr lang="en-AU" sz="1400" dirty="0">
-                        <a:effectLst/>
-                      </a:endParaRPr>
                     </a:p>
                   </a:txBody>
                   <a:tcPr marL="69069" marR="69069" marT="34534" marB="34534" anchor="ctr">
@@ -13324,14 +13488,11 @@
                     <a:p>
                       <a:pPr algn="r" fontAlgn="ctr"/>
                       <a:r>
-                        <a:rPr lang="en-AU" sz="1400">
+                        <a:rPr lang="en-AU" sz="1400" dirty="0">
                           <a:effectLst/>
                         </a:rPr>
                         <a:t>60.22</a:t>
                       </a:r>
-                      <a:endParaRPr lang="en-AU" sz="1400" dirty="0">
-                        <a:effectLst/>
-                      </a:endParaRPr>
                     </a:p>
                   </a:txBody>
                   <a:tcPr marL="69069" marR="69069" marT="34534" marB="34534" anchor="ctr">
@@ -13390,14 +13551,11 @@
                     <a:p>
                       <a:pPr algn="r" fontAlgn="ctr"/>
                       <a:r>
-                        <a:rPr lang="en-AU" sz="1400" b="1">
+                        <a:rPr lang="en-AU" sz="1400" b="1" dirty="0">
                           <a:effectLst/>
                         </a:rPr>
                         <a:t>77</a:t>
                       </a:r>
-                      <a:endParaRPr lang="en-AU" sz="1400" b="1" dirty="0">
-                        <a:effectLst/>
-                      </a:endParaRPr>
                     </a:p>
                   </a:txBody>
                   <a:tcPr marL="69069" marR="69069" marT="34534" marB="34534" anchor="ctr">
@@ -13449,7 +13607,7 @@
                     <a:p>
                       <a:pPr algn="r" fontAlgn="ctr"/>
                       <a:r>
-                        <a:rPr lang="en-AU" sz="1400">
+                        <a:rPr lang="en-AU" sz="1400" dirty="0">
                           <a:effectLst/>
                         </a:rPr>
                         <a:t>Maribyrnong</a:t>
@@ -13505,14 +13663,11 @@
                     <a:p>
                       <a:pPr algn="r" fontAlgn="ctr"/>
                       <a:r>
-                        <a:rPr lang="en-AU" sz="1400">
+                        <a:rPr lang="en-AU" sz="1400" dirty="0">
                           <a:effectLst/>
                         </a:rPr>
                         <a:t>4180</a:t>
                       </a:r>
-                      <a:endParaRPr lang="en-AU" sz="1400" dirty="0">
-                        <a:effectLst/>
-                      </a:endParaRPr>
                     </a:p>
                   </a:txBody>
                   <a:tcPr marL="69069" marR="69069" marT="34534" marB="34534" anchor="ctr">
@@ -13564,14 +13719,11 @@
                     <a:p>
                       <a:pPr algn="r" fontAlgn="ctr"/>
                       <a:r>
-                        <a:rPr lang="en-AU" sz="1400">
+                        <a:rPr lang="en-AU" sz="1400" dirty="0">
                           <a:effectLst/>
                         </a:rPr>
                         <a:t>6903</a:t>
                       </a:r>
-                      <a:endParaRPr lang="en-AU" sz="1400" dirty="0">
-                        <a:effectLst/>
-                      </a:endParaRPr>
                     </a:p>
                   </a:txBody>
                   <a:tcPr marL="69069" marR="69069" marT="34534" marB="34534" anchor="ctr">
@@ -13623,14 +13775,11 @@
                     <a:p>
                       <a:pPr algn="r" fontAlgn="ctr"/>
                       <a:r>
-                        <a:rPr lang="en-AU" sz="1400">
+                        <a:rPr lang="en-AU" sz="1400" dirty="0">
                           <a:effectLst/>
                         </a:rPr>
                         <a:t>60.55</a:t>
                       </a:r>
-                      <a:endParaRPr lang="en-AU" sz="1400" dirty="0">
-                        <a:effectLst/>
-                      </a:endParaRPr>
                     </a:p>
                   </a:txBody>
                   <a:tcPr marL="69069" marR="69069" marT="34534" marB="34534" anchor="ctr">
@@ -13689,14 +13838,11 @@
                     <a:p>
                       <a:pPr algn="r" fontAlgn="ctr"/>
                       <a:r>
-                        <a:rPr lang="en-AU" sz="1400" b="1">
+                        <a:rPr lang="en-AU" sz="1400" b="1" dirty="0">
                           <a:effectLst/>
                         </a:rPr>
                         <a:t>78</a:t>
                       </a:r>
-                      <a:endParaRPr lang="en-AU" sz="1400" b="1" dirty="0">
-                        <a:effectLst/>
-                      </a:endParaRPr>
                     </a:p>
                   </a:txBody>
                   <a:tcPr marL="69069" marR="69069" marT="34534" marB="34534" anchor="ctr">
@@ -13748,14 +13894,11 @@
                     <a:p>
                       <a:pPr algn="r" fontAlgn="ctr"/>
                       <a:r>
-                        <a:rPr lang="en-AU" sz="1400">
+                        <a:rPr lang="en-AU" sz="1400" dirty="0">
                           <a:effectLst/>
                         </a:rPr>
                         <a:t>Boroondara</a:t>
                       </a:r>
-                      <a:endParaRPr lang="en-AU" sz="1400" dirty="0">
-                        <a:effectLst/>
-                      </a:endParaRPr>
                     </a:p>
                   </a:txBody>
                   <a:tcPr marL="69069" marR="69069" marT="34534" marB="34534" anchor="ctr">
@@ -13807,7 +13950,7 @@
                     <a:p>
                       <a:pPr algn="r" fontAlgn="ctr"/>
                       <a:r>
-                        <a:rPr lang="en-AU" sz="1400">
+                        <a:rPr lang="en-AU" sz="1400" dirty="0">
                           <a:effectLst/>
                         </a:rPr>
                         <a:t>3473</a:t>
@@ -13863,14 +14006,11 @@
                     <a:p>
                       <a:pPr algn="r" fontAlgn="ctr"/>
                       <a:r>
-                        <a:rPr lang="en-AU" sz="1400">
+                        <a:rPr lang="en-AU" sz="1400" dirty="0">
                           <a:effectLst/>
                         </a:rPr>
                         <a:t>5535</a:t>
                       </a:r>
-                      <a:endParaRPr lang="en-AU" sz="1400" dirty="0">
-                        <a:effectLst/>
-                      </a:endParaRPr>
                     </a:p>
                   </a:txBody>
                   <a:tcPr marL="69069" marR="69069" marT="34534" marB="34534" anchor="ctr">
@@ -13922,14 +14062,11 @@
                     <a:p>
                       <a:pPr algn="r" fontAlgn="ctr"/>
                       <a:r>
-                        <a:rPr lang="en-AU" sz="1400">
+                        <a:rPr lang="en-AU" sz="1400" dirty="0">
                           <a:effectLst/>
                         </a:rPr>
                         <a:t>62.75</a:t>
                       </a:r>
-                      <a:endParaRPr lang="en-AU" sz="1400" dirty="0">
-                        <a:effectLst/>
-                      </a:endParaRPr>
                     </a:p>
                   </a:txBody>
                   <a:tcPr marL="69069" marR="69069" marT="34534" marB="34534" anchor="ctr">
@@ -13988,14 +14125,11 @@
                     <a:p>
                       <a:pPr algn="r" fontAlgn="ctr"/>
                       <a:r>
-                        <a:rPr lang="en-AU" sz="1400" b="1">
+                        <a:rPr lang="en-AU" sz="1400" b="1" dirty="0">
                           <a:effectLst/>
                         </a:rPr>
                         <a:t>79</a:t>
                       </a:r>
-                      <a:endParaRPr lang="en-AU" sz="1400" b="1" dirty="0">
-                        <a:effectLst/>
-                      </a:endParaRPr>
                     </a:p>
                   </a:txBody>
                   <a:tcPr marL="69069" marR="69069" marT="34534" marB="34534" anchor="ctr">
@@ -14047,7 +14181,7 @@
                     <a:p>
                       <a:pPr algn="r" fontAlgn="ctr"/>
                       <a:r>
-                        <a:rPr lang="en-AU" sz="1400">
+                        <a:rPr lang="en-AU" sz="1400" dirty="0" err="1">
                           <a:effectLst/>
                         </a:rPr>
                         <a:t>Queenscliffe</a:t>
@@ -14768,7 +14902,7 @@
                                     </p:set>
                                     <p:animEffect transition="in" filter="wipe(down)">
                                       <p:cBhvr>
-                                        <p:cTn id="7" dur="580">
+                                        <p:cTn id="7" dur="217">
                                           <p:stCondLst>
                                             <p:cond delay="0"/>
                                           </p:stCondLst>
@@ -14780,7 +14914,7 @@
                                     </p:animEffect>
                                     <p:anim calcmode="lin" valueType="num">
                                       <p:cBhvr>
-                                        <p:cTn id="8" dur="1822" tmFilter="0,0; 0.14,0.36; 0.43,0.73; 0.71,0.91; 1.0,1.0">
+                                        <p:cTn id="8" dur="683" tmFilter="0,0; 0.14,0.36; 0.43,0.73; 0.71,0.91; 1.0,1.0">
                                           <p:stCondLst>
                                             <p:cond delay="0"/>
                                           </p:stCondLst>
@@ -14807,7 +14941,7 @@
                                     </p:anim>
                                     <p:anim calcmode="lin" valueType="num">
                                       <p:cBhvr>
-                                        <p:cTn id="9" dur="664" tmFilter="0.0,0.0; 0.25,0.07; 0.50,0.2; 0.75,0.467; 1.0,1.0">
+                                        <p:cTn id="9" dur="249" tmFilter="0.0,0.0; 0.25,0.07; 0.50,0.2; 0.75,0.467; 1.0,1.0">
                                           <p:stCondLst>
                                             <p:cond delay="0"/>
                                           </p:stCondLst>
@@ -14834,9 +14968,9 @@
                                     </p:anim>
                                     <p:anim calcmode="lin" valueType="num">
                                       <p:cBhvr>
-                                        <p:cTn id="10" dur="664" tmFilter="0, 0; 0.125,0.2665; 0.25,0.4; 0.375,0.465; 0.5,0.5;  0.625,0.535; 0.75,0.6; 0.875,0.7335; 1,1">
+                                        <p:cTn id="10" dur="249" tmFilter="0, 0; 0.125,0.2665; 0.25,0.4; 0.375,0.465; 0.5,0.5;  0.625,0.535; 0.75,0.6; 0.875,0.7335; 1,1">
                                           <p:stCondLst>
-                                            <p:cond delay="664"/>
+                                            <p:cond delay="249"/>
                                           </p:stCondLst>
                                         </p:cTn>
                                         <p:tgtEl>
@@ -14861,9 +14995,9 @@
                                     </p:anim>
                                     <p:anim calcmode="lin" valueType="num">
                                       <p:cBhvr>
-                                        <p:cTn id="11" dur="332" tmFilter="0, 0; 0.125,0.2665; 0.25,0.4; 0.375,0.465; 0.5,0.5;  0.625,0.535; 0.75,0.6; 0.875,0.7335; 1,1">
+                                        <p:cTn id="11" dur="125" tmFilter="0, 0; 0.125,0.2665; 0.25,0.4; 0.375,0.465; 0.5,0.5;  0.625,0.535; 0.75,0.6; 0.875,0.7335; 1,1">
                                           <p:stCondLst>
-                                            <p:cond delay="1324"/>
+                                            <p:cond delay="496"/>
                                           </p:stCondLst>
                                         </p:cTn>
                                         <p:tgtEl>
@@ -14888,9 +15022,9 @@
                                     </p:anim>
                                     <p:anim calcmode="lin" valueType="num">
                                       <p:cBhvr>
-                                        <p:cTn id="12" dur="164" tmFilter="0, 0; 0.125,0.2665; 0.25,0.4; 0.375,0.465; 0.5,0.5;  0.625,0.535; 0.75,0.6; 0.875,0.7335; 1,1">
+                                        <p:cTn id="12" dur="62" tmFilter="0, 0; 0.125,0.2665; 0.25,0.4; 0.375,0.465; 0.5,0.5;  0.625,0.535; 0.75,0.6; 0.875,0.7335; 1,1">
                                           <p:stCondLst>
-                                            <p:cond delay="1656"/>
+                                            <p:cond delay="621"/>
                                           </p:stCondLst>
                                         </p:cTn>
                                         <p:tgtEl>
@@ -14915,9 +15049,9 @@
                                     </p:anim>
                                     <p:animScale>
                                       <p:cBhvr>
-                                        <p:cTn id="13" dur="26">
+                                        <p:cTn id="13" dur="10">
                                           <p:stCondLst>
-                                            <p:cond delay="650"/>
+                                            <p:cond delay="244"/>
                                           </p:stCondLst>
                                         </p:cTn>
                                         <p:tgtEl>
@@ -14928,9 +15062,9 @@
                                     </p:animScale>
                                     <p:animScale>
                                       <p:cBhvr>
-                                        <p:cTn id="14" dur="166" decel="50000">
+                                        <p:cTn id="14" dur="62" decel="50000">
                                           <p:stCondLst>
-                                            <p:cond delay="676"/>
+                                            <p:cond delay="253"/>
                                           </p:stCondLst>
                                         </p:cTn>
                                         <p:tgtEl>
@@ -14941,9 +15075,9 @@
                                     </p:animScale>
                                     <p:animScale>
                                       <p:cBhvr>
-                                        <p:cTn id="15" dur="26">
+                                        <p:cTn id="15" dur="10">
                                           <p:stCondLst>
-                                            <p:cond delay="1312"/>
+                                            <p:cond delay="492"/>
                                           </p:stCondLst>
                                         </p:cTn>
                                         <p:tgtEl>
@@ -14954,9 +15088,9 @@
                                     </p:animScale>
                                     <p:animScale>
                                       <p:cBhvr>
-                                        <p:cTn id="16" dur="166" decel="50000">
+                                        <p:cTn id="16" dur="62" decel="50000">
                                           <p:stCondLst>
-                                            <p:cond delay="1338"/>
+                                            <p:cond delay="502"/>
                                           </p:stCondLst>
                                         </p:cTn>
                                         <p:tgtEl>
@@ -14967,9 +15101,9 @@
                                     </p:animScale>
                                     <p:animScale>
                                       <p:cBhvr>
-                                        <p:cTn id="17" dur="26">
+                                        <p:cTn id="17" dur="10">
                                           <p:stCondLst>
-                                            <p:cond delay="1642"/>
+                                            <p:cond delay="616"/>
                                           </p:stCondLst>
                                         </p:cTn>
                                         <p:tgtEl>
@@ -14980,9 +15114,9 @@
                                     </p:animScale>
                                     <p:animScale>
                                       <p:cBhvr>
-                                        <p:cTn id="18" dur="166" decel="50000">
+                                        <p:cTn id="18" dur="62" decel="50000">
                                           <p:stCondLst>
-                                            <p:cond delay="1668"/>
+                                            <p:cond delay="626"/>
                                           </p:stCondLst>
                                         </p:cTn>
                                         <p:tgtEl>
@@ -14993,9 +15127,9 @@
                                     </p:animScale>
                                     <p:animScale>
                                       <p:cBhvr>
-                                        <p:cTn id="19" dur="26">
+                                        <p:cTn id="19" dur="10">
                                           <p:stCondLst>
-                                            <p:cond delay="1808"/>
+                                            <p:cond delay="678"/>
                                           </p:stCondLst>
                                         </p:cTn>
                                         <p:tgtEl>
@@ -15006,9 +15140,9 @@
                                     </p:animScale>
                                     <p:animScale>
                                       <p:cBhvr>
-                                        <p:cTn id="20" dur="166" decel="50000">
+                                        <p:cTn id="20" dur="62" decel="50000">
                                           <p:stCondLst>
-                                            <p:cond delay="1834"/>
+                                            <p:cond delay="688"/>
                                           </p:stCondLst>
                                         </p:cTn>
                                         <p:tgtEl>
@@ -15046,7 +15180,7 @@
                                     </p:set>
                                     <p:animEffect transition="in" filter="wipe(down)">
                                       <p:cBhvr>
-                                        <p:cTn id="23" dur="580">
+                                        <p:cTn id="23" dur="217">
                                           <p:stCondLst>
                                             <p:cond delay="0"/>
                                           </p:stCondLst>
@@ -15058,7 +15192,7 @@
                                     </p:animEffect>
                                     <p:anim calcmode="lin" valueType="num">
                                       <p:cBhvr>
-                                        <p:cTn id="24" dur="1822" tmFilter="0,0; 0.14,0.36; 0.43,0.73; 0.71,0.91; 1.0,1.0">
+                                        <p:cTn id="24" dur="683" tmFilter="0,0; 0.14,0.36; 0.43,0.73; 0.71,0.91; 1.0,1.0">
                                           <p:stCondLst>
                                             <p:cond delay="0"/>
                                           </p:stCondLst>
@@ -15085,7 +15219,7 @@
                                     </p:anim>
                                     <p:anim calcmode="lin" valueType="num">
                                       <p:cBhvr>
-                                        <p:cTn id="25" dur="664" tmFilter="0.0,0.0; 0.25,0.07; 0.50,0.2; 0.75,0.467; 1.0,1.0">
+                                        <p:cTn id="25" dur="249" tmFilter="0.0,0.0; 0.25,0.07; 0.50,0.2; 0.75,0.467; 1.0,1.0">
                                           <p:stCondLst>
                                             <p:cond delay="0"/>
                                           </p:stCondLst>
@@ -15112,9 +15246,9 @@
                                     </p:anim>
                                     <p:anim calcmode="lin" valueType="num">
                                       <p:cBhvr>
-                                        <p:cTn id="26" dur="664" tmFilter="0, 0; 0.125,0.2665; 0.25,0.4; 0.375,0.465; 0.5,0.5;  0.625,0.535; 0.75,0.6; 0.875,0.7335; 1,1">
+                                        <p:cTn id="26" dur="249" tmFilter="0, 0; 0.125,0.2665; 0.25,0.4; 0.375,0.465; 0.5,0.5;  0.625,0.535; 0.75,0.6; 0.875,0.7335; 1,1">
                                           <p:stCondLst>
-                                            <p:cond delay="664"/>
+                                            <p:cond delay="249"/>
                                           </p:stCondLst>
                                         </p:cTn>
                                         <p:tgtEl>
@@ -15139,9 +15273,9 @@
                                     </p:anim>
                                     <p:anim calcmode="lin" valueType="num">
                                       <p:cBhvr>
-                                        <p:cTn id="27" dur="332" tmFilter="0, 0; 0.125,0.2665; 0.25,0.4; 0.375,0.465; 0.5,0.5;  0.625,0.535; 0.75,0.6; 0.875,0.7335; 1,1">
+                                        <p:cTn id="27" dur="125" tmFilter="0, 0; 0.125,0.2665; 0.25,0.4; 0.375,0.465; 0.5,0.5;  0.625,0.535; 0.75,0.6; 0.875,0.7335; 1,1">
                                           <p:stCondLst>
-                                            <p:cond delay="1324"/>
+                                            <p:cond delay="496"/>
                                           </p:stCondLst>
                                         </p:cTn>
                                         <p:tgtEl>
@@ -15166,9 +15300,9 @@
                                     </p:anim>
                                     <p:anim calcmode="lin" valueType="num">
                                       <p:cBhvr>
-                                        <p:cTn id="28" dur="164" tmFilter="0, 0; 0.125,0.2665; 0.25,0.4; 0.375,0.465; 0.5,0.5;  0.625,0.535; 0.75,0.6; 0.875,0.7335; 1,1">
+                                        <p:cTn id="28" dur="62" tmFilter="0, 0; 0.125,0.2665; 0.25,0.4; 0.375,0.465; 0.5,0.5;  0.625,0.535; 0.75,0.6; 0.875,0.7335; 1,1">
                                           <p:stCondLst>
-                                            <p:cond delay="1656"/>
+                                            <p:cond delay="621"/>
                                           </p:stCondLst>
                                         </p:cTn>
                                         <p:tgtEl>
@@ -15193,9 +15327,9 @@
                                     </p:anim>
                                     <p:animScale>
                                       <p:cBhvr>
-                                        <p:cTn id="29" dur="26">
+                                        <p:cTn id="29" dur="10">
                                           <p:stCondLst>
-                                            <p:cond delay="650"/>
+                                            <p:cond delay="244"/>
                                           </p:stCondLst>
                                         </p:cTn>
                                         <p:tgtEl>
@@ -15206,9 +15340,9 @@
                                     </p:animScale>
                                     <p:animScale>
                                       <p:cBhvr>
-                                        <p:cTn id="30" dur="166" decel="50000">
+                                        <p:cTn id="30" dur="62" decel="50000">
                                           <p:stCondLst>
-                                            <p:cond delay="676"/>
+                                            <p:cond delay="253"/>
                                           </p:stCondLst>
                                         </p:cTn>
                                         <p:tgtEl>
@@ -15219,9 +15353,9 @@
                                     </p:animScale>
                                     <p:animScale>
                                       <p:cBhvr>
-                                        <p:cTn id="31" dur="26">
+                                        <p:cTn id="31" dur="10">
                                           <p:stCondLst>
-                                            <p:cond delay="1312"/>
+                                            <p:cond delay="492"/>
                                           </p:stCondLst>
                                         </p:cTn>
                                         <p:tgtEl>
@@ -15232,9 +15366,9 @@
                                     </p:animScale>
                                     <p:animScale>
                                       <p:cBhvr>
-                                        <p:cTn id="32" dur="166" decel="50000">
+                                        <p:cTn id="32" dur="62" decel="50000">
                                           <p:stCondLst>
-                                            <p:cond delay="1338"/>
+                                            <p:cond delay="502"/>
                                           </p:stCondLst>
                                         </p:cTn>
                                         <p:tgtEl>
@@ -15245,9 +15379,9 @@
                                     </p:animScale>
                                     <p:animScale>
                                       <p:cBhvr>
-                                        <p:cTn id="33" dur="26">
+                                        <p:cTn id="33" dur="10">
                                           <p:stCondLst>
-                                            <p:cond delay="1642"/>
+                                            <p:cond delay="616"/>
                                           </p:stCondLst>
                                         </p:cTn>
                                         <p:tgtEl>
@@ -15258,9 +15392,9 @@
                                     </p:animScale>
                                     <p:animScale>
                                       <p:cBhvr>
-                                        <p:cTn id="34" dur="166" decel="50000">
+                                        <p:cTn id="34" dur="62" decel="50000">
                                           <p:stCondLst>
-                                            <p:cond delay="1668"/>
+                                            <p:cond delay="626"/>
                                           </p:stCondLst>
                                         </p:cTn>
                                         <p:tgtEl>
@@ -15271,9 +15405,9 @@
                                     </p:animScale>
                                     <p:animScale>
                                       <p:cBhvr>
-                                        <p:cTn id="35" dur="26">
+                                        <p:cTn id="35" dur="10">
                                           <p:stCondLst>
-                                            <p:cond delay="1808"/>
+                                            <p:cond delay="678"/>
                                           </p:stCondLst>
                                         </p:cTn>
                                         <p:tgtEl>
@@ -15284,9 +15418,9 @@
                                     </p:animScale>
                                     <p:animScale>
                                       <p:cBhvr>
-                                        <p:cTn id="36" dur="166" decel="50000">
+                                        <p:cTn id="36" dur="62" decel="50000">
                                           <p:stCondLst>
-                                            <p:cond delay="1834"/>
+                                            <p:cond delay="688"/>
                                           </p:stCondLst>
                                         </p:cTn>
                                         <p:tgtEl>
@@ -15324,7 +15458,7 @@
                                     </p:set>
                                     <p:animEffect transition="in" filter="wipe(down)">
                                       <p:cBhvr>
-                                        <p:cTn id="39" dur="580">
+                                        <p:cTn id="39" dur="217">
                                           <p:stCondLst>
                                             <p:cond delay="0"/>
                                           </p:stCondLst>
@@ -15336,7 +15470,7 @@
                                     </p:animEffect>
                                     <p:anim calcmode="lin" valueType="num">
                                       <p:cBhvr>
-                                        <p:cTn id="40" dur="1822" tmFilter="0,0; 0.14,0.36; 0.43,0.73; 0.71,0.91; 1.0,1.0">
+                                        <p:cTn id="40" dur="683" tmFilter="0,0; 0.14,0.36; 0.43,0.73; 0.71,0.91; 1.0,1.0">
                                           <p:stCondLst>
                                             <p:cond delay="0"/>
                                           </p:stCondLst>
@@ -15363,7 +15497,7 @@
                                     </p:anim>
                                     <p:anim calcmode="lin" valueType="num">
                                       <p:cBhvr>
-                                        <p:cTn id="41" dur="664" tmFilter="0.0,0.0; 0.25,0.07; 0.50,0.2; 0.75,0.467; 1.0,1.0">
+                                        <p:cTn id="41" dur="249" tmFilter="0.0,0.0; 0.25,0.07; 0.50,0.2; 0.75,0.467; 1.0,1.0">
                                           <p:stCondLst>
                                             <p:cond delay="0"/>
                                           </p:stCondLst>
@@ -15390,9 +15524,9 @@
                                     </p:anim>
                                     <p:anim calcmode="lin" valueType="num">
                                       <p:cBhvr>
-                                        <p:cTn id="42" dur="664" tmFilter="0, 0; 0.125,0.2665; 0.25,0.4; 0.375,0.465; 0.5,0.5;  0.625,0.535; 0.75,0.6; 0.875,0.7335; 1,1">
+                                        <p:cTn id="42" dur="249" tmFilter="0, 0; 0.125,0.2665; 0.25,0.4; 0.375,0.465; 0.5,0.5;  0.625,0.535; 0.75,0.6; 0.875,0.7335; 1,1">
                                           <p:stCondLst>
-                                            <p:cond delay="664"/>
+                                            <p:cond delay="249"/>
                                           </p:stCondLst>
                                         </p:cTn>
                                         <p:tgtEl>
@@ -15417,9 +15551,9 @@
                                     </p:anim>
                                     <p:anim calcmode="lin" valueType="num">
                                       <p:cBhvr>
-                                        <p:cTn id="43" dur="332" tmFilter="0, 0; 0.125,0.2665; 0.25,0.4; 0.375,0.465; 0.5,0.5;  0.625,0.535; 0.75,0.6; 0.875,0.7335; 1,1">
+                                        <p:cTn id="43" dur="125" tmFilter="0, 0; 0.125,0.2665; 0.25,0.4; 0.375,0.465; 0.5,0.5;  0.625,0.535; 0.75,0.6; 0.875,0.7335; 1,1">
                                           <p:stCondLst>
-                                            <p:cond delay="1324"/>
+                                            <p:cond delay="496"/>
                                           </p:stCondLst>
                                         </p:cTn>
                                         <p:tgtEl>
@@ -15444,9 +15578,9 @@
                                     </p:anim>
                                     <p:anim calcmode="lin" valueType="num">
                                       <p:cBhvr>
-                                        <p:cTn id="44" dur="164" tmFilter="0, 0; 0.125,0.2665; 0.25,0.4; 0.375,0.465; 0.5,0.5;  0.625,0.535; 0.75,0.6; 0.875,0.7335; 1,1">
+                                        <p:cTn id="44" dur="62" tmFilter="0, 0; 0.125,0.2665; 0.25,0.4; 0.375,0.465; 0.5,0.5;  0.625,0.535; 0.75,0.6; 0.875,0.7335; 1,1">
                                           <p:stCondLst>
-                                            <p:cond delay="1656"/>
+                                            <p:cond delay="621"/>
                                           </p:stCondLst>
                                         </p:cTn>
                                         <p:tgtEl>
@@ -15471,9 +15605,9 @@
                                     </p:anim>
                                     <p:animScale>
                                       <p:cBhvr>
-                                        <p:cTn id="45" dur="26">
+                                        <p:cTn id="45" dur="10">
                                           <p:stCondLst>
-                                            <p:cond delay="650"/>
+                                            <p:cond delay="244"/>
                                           </p:stCondLst>
                                         </p:cTn>
                                         <p:tgtEl>
@@ -15484,9 +15618,9 @@
                                     </p:animScale>
                                     <p:animScale>
                                       <p:cBhvr>
-                                        <p:cTn id="46" dur="166" decel="50000">
+                                        <p:cTn id="46" dur="62" decel="50000">
                                           <p:stCondLst>
-                                            <p:cond delay="676"/>
+                                            <p:cond delay="253"/>
                                           </p:stCondLst>
                                         </p:cTn>
                                         <p:tgtEl>
@@ -15497,9 +15631,9 @@
                                     </p:animScale>
                                     <p:animScale>
                                       <p:cBhvr>
-                                        <p:cTn id="47" dur="26">
+                                        <p:cTn id="47" dur="10">
                                           <p:stCondLst>
-                                            <p:cond delay="1312"/>
+                                            <p:cond delay="492"/>
                                           </p:stCondLst>
                                         </p:cTn>
                                         <p:tgtEl>
@@ -15510,9 +15644,9 @@
                                     </p:animScale>
                                     <p:animScale>
                                       <p:cBhvr>
-                                        <p:cTn id="48" dur="166" decel="50000">
+                                        <p:cTn id="48" dur="62" decel="50000">
                                           <p:stCondLst>
-                                            <p:cond delay="1338"/>
+                                            <p:cond delay="502"/>
                                           </p:stCondLst>
                                         </p:cTn>
                                         <p:tgtEl>
@@ -15523,9 +15657,9 @@
                                     </p:animScale>
                                     <p:animScale>
                                       <p:cBhvr>
-                                        <p:cTn id="49" dur="26">
+                                        <p:cTn id="49" dur="10">
                                           <p:stCondLst>
-                                            <p:cond delay="1642"/>
+                                            <p:cond delay="616"/>
                                           </p:stCondLst>
                                         </p:cTn>
                                         <p:tgtEl>
@@ -15536,9 +15670,9 @@
                                     </p:animScale>
                                     <p:animScale>
                                       <p:cBhvr>
-                                        <p:cTn id="50" dur="166" decel="50000">
+                                        <p:cTn id="50" dur="62" decel="50000">
                                           <p:stCondLst>
-                                            <p:cond delay="1668"/>
+                                            <p:cond delay="626"/>
                                           </p:stCondLst>
                                         </p:cTn>
                                         <p:tgtEl>
@@ -15549,9 +15683,9 @@
                                     </p:animScale>
                                     <p:animScale>
                                       <p:cBhvr>
-                                        <p:cTn id="51" dur="26">
+                                        <p:cTn id="51" dur="10">
                                           <p:stCondLst>
-                                            <p:cond delay="1808"/>
+                                            <p:cond delay="678"/>
                                           </p:stCondLst>
                                         </p:cTn>
                                         <p:tgtEl>
@@ -15562,9 +15696,9 @@
                                     </p:animScale>
                                     <p:animScale>
                                       <p:cBhvr>
-                                        <p:cTn id="52" dur="166" decel="50000">
+                                        <p:cTn id="52" dur="62" decel="50000">
                                           <p:stCondLst>
-                                            <p:cond delay="1834"/>
+                                            <p:cond delay="688"/>
                                           </p:stCondLst>
                                         </p:cTn>
                                         <p:tgtEl>
@@ -15602,7 +15736,7 @@
                                     </p:set>
                                     <p:animEffect transition="in" filter="wipe(down)">
                                       <p:cBhvr>
-                                        <p:cTn id="55" dur="580">
+                                        <p:cTn id="55" dur="217">
                                           <p:stCondLst>
                                             <p:cond delay="0"/>
                                           </p:stCondLst>
@@ -15614,7 +15748,7 @@
                                     </p:animEffect>
                                     <p:anim calcmode="lin" valueType="num">
                                       <p:cBhvr>
-                                        <p:cTn id="56" dur="1822" tmFilter="0,0; 0.14,0.36; 0.43,0.73; 0.71,0.91; 1.0,1.0">
+                                        <p:cTn id="56" dur="683" tmFilter="0,0; 0.14,0.36; 0.43,0.73; 0.71,0.91; 1.0,1.0">
                                           <p:stCondLst>
                                             <p:cond delay="0"/>
                                           </p:stCondLst>
@@ -15641,7 +15775,7 @@
                                     </p:anim>
                                     <p:anim calcmode="lin" valueType="num">
                                       <p:cBhvr>
-                                        <p:cTn id="57" dur="664" tmFilter="0.0,0.0; 0.25,0.07; 0.50,0.2; 0.75,0.467; 1.0,1.0">
+                                        <p:cTn id="57" dur="249" tmFilter="0.0,0.0; 0.25,0.07; 0.50,0.2; 0.75,0.467; 1.0,1.0">
                                           <p:stCondLst>
                                             <p:cond delay="0"/>
                                           </p:stCondLst>
@@ -15668,9 +15802,9 @@
                                     </p:anim>
                                     <p:anim calcmode="lin" valueType="num">
                                       <p:cBhvr>
-                                        <p:cTn id="58" dur="664" tmFilter="0, 0; 0.125,0.2665; 0.25,0.4; 0.375,0.465; 0.5,0.5;  0.625,0.535; 0.75,0.6; 0.875,0.7335; 1,1">
+                                        <p:cTn id="58" dur="249" tmFilter="0, 0; 0.125,0.2665; 0.25,0.4; 0.375,0.465; 0.5,0.5;  0.625,0.535; 0.75,0.6; 0.875,0.7335; 1,1">
                                           <p:stCondLst>
-                                            <p:cond delay="664"/>
+                                            <p:cond delay="249"/>
                                           </p:stCondLst>
                                         </p:cTn>
                                         <p:tgtEl>
@@ -15695,9 +15829,9 @@
                                     </p:anim>
                                     <p:anim calcmode="lin" valueType="num">
                                       <p:cBhvr>
-                                        <p:cTn id="59" dur="332" tmFilter="0, 0; 0.125,0.2665; 0.25,0.4; 0.375,0.465; 0.5,0.5;  0.625,0.535; 0.75,0.6; 0.875,0.7335; 1,1">
+                                        <p:cTn id="59" dur="125" tmFilter="0, 0; 0.125,0.2665; 0.25,0.4; 0.375,0.465; 0.5,0.5;  0.625,0.535; 0.75,0.6; 0.875,0.7335; 1,1">
                                           <p:stCondLst>
-                                            <p:cond delay="1324"/>
+                                            <p:cond delay="496"/>
                                           </p:stCondLst>
                                         </p:cTn>
                                         <p:tgtEl>
@@ -15722,9 +15856,9 @@
                                     </p:anim>
                                     <p:anim calcmode="lin" valueType="num">
                                       <p:cBhvr>
-                                        <p:cTn id="60" dur="164" tmFilter="0, 0; 0.125,0.2665; 0.25,0.4; 0.375,0.465; 0.5,0.5;  0.625,0.535; 0.75,0.6; 0.875,0.7335; 1,1">
+                                        <p:cTn id="60" dur="62" tmFilter="0, 0; 0.125,0.2665; 0.25,0.4; 0.375,0.465; 0.5,0.5;  0.625,0.535; 0.75,0.6; 0.875,0.7335; 1,1">
                                           <p:stCondLst>
-                                            <p:cond delay="1656"/>
+                                            <p:cond delay="621"/>
                                           </p:stCondLst>
                                         </p:cTn>
                                         <p:tgtEl>
@@ -15749,9 +15883,9 @@
                                     </p:anim>
                                     <p:animScale>
                                       <p:cBhvr>
-                                        <p:cTn id="61" dur="26">
+                                        <p:cTn id="61" dur="10">
                                           <p:stCondLst>
-                                            <p:cond delay="650"/>
+                                            <p:cond delay="244"/>
                                           </p:stCondLst>
                                         </p:cTn>
                                         <p:tgtEl>
@@ -15762,9 +15896,9 @@
                                     </p:animScale>
                                     <p:animScale>
                                       <p:cBhvr>
-                                        <p:cTn id="62" dur="166" decel="50000">
+                                        <p:cTn id="62" dur="62" decel="50000">
                                           <p:stCondLst>
-                                            <p:cond delay="676"/>
+                                            <p:cond delay="253"/>
                                           </p:stCondLst>
                                         </p:cTn>
                                         <p:tgtEl>
@@ -15775,9 +15909,9 @@
                                     </p:animScale>
                                     <p:animScale>
                                       <p:cBhvr>
-                                        <p:cTn id="63" dur="26">
+                                        <p:cTn id="63" dur="10">
                                           <p:stCondLst>
-                                            <p:cond delay="1312"/>
+                                            <p:cond delay="492"/>
                                           </p:stCondLst>
                                         </p:cTn>
                                         <p:tgtEl>
@@ -15788,9 +15922,9 @@
                                     </p:animScale>
                                     <p:animScale>
                                       <p:cBhvr>
-                                        <p:cTn id="64" dur="166" decel="50000">
+                                        <p:cTn id="64" dur="62" decel="50000">
                                           <p:stCondLst>
-                                            <p:cond delay="1338"/>
+                                            <p:cond delay="502"/>
                                           </p:stCondLst>
                                         </p:cTn>
                                         <p:tgtEl>
@@ -15801,9 +15935,9 @@
                                     </p:animScale>
                                     <p:animScale>
                                       <p:cBhvr>
-                                        <p:cTn id="65" dur="26">
+                                        <p:cTn id="65" dur="10">
                                           <p:stCondLst>
-                                            <p:cond delay="1642"/>
+                                            <p:cond delay="616"/>
                                           </p:stCondLst>
                                         </p:cTn>
                                         <p:tgtEl>
@@ -15814,9 +15948,9 @@
                                     </p:animScale>
                                     <p:animScale>
                                       <p:cBhvr>
-                                        <p:cTn id="66" dur="166" decel="50000">
+                                        <p:cTn id="66" dur="62" decel="50000">
                                           <p:stCondLst>
-                                            <p:cond delay="1668"/>
+                                            <p:cond delay="626"/>
                                           </p:stCondLst>
                                         </p:cTn>
                                         <p:tgtEl>
@@ -15827,9 +15961,9 @@
                                     </p:animScale>
                                     <p:animScale>
                                       <p:cBhvr>
-                                        <p:cTn id="67" dur="26">
+                                        <p:cTn id="67" dur="10">
                                           <p:stCondLst>
-                                            <p:cond delay="1808"/>
+                                            <p:cond delay="678"/>
                                           </p:stCondLst>
                                         </p:cTn>
                                         <p:tgtEl>
@@ -15840,9 +15974,9 @@
                                     </p:animScale>
                                     <p:animScale>
                                       <p:cBhvr>
-                                        <p:cTn id="68" dur="166" decel="50000">
+                                        <p:cTn id="68" dur="62" decel="50000">
                                           <p:stCondLst>
-                                            <p:cond delay="1834"/>
+                                            <p:cond delay="688"/>
                                           </p:stCondLst>
                                         </p:cTn>
                                         <p:tgtEl>
@@ -15880,7 +16014,7 @@
                                     </p:set>
                                     <p:animEffect transition="in" filter="wipe(down)">
                                       <p:cBhvr>
-                                        <p:cTn id="71" dur="580">
+                                        <p:cTn id="71" dur="217">
                                           <p:stCondLst>
                                             <p:cond delay="0"/>
                                           </p:stCondLst>
@@ -15892,7 +16026,7 @@
                                     </p:animEffect>
                                     <p:anim calcmode="lin" valueType="num">
                                       <p:cBhvr>
-                                        <p:cTn id="72" dur="1822" tmFilter="0,0; 0.14,0.36; 0.43,0.73; 0.71,0.91; 1.0,1.0">
+                                        <p:cTn id="72" dur="683" tmFilter="0,0; 0.14,0.36; 0.43,0.73; 0.71,0.91; 1.0,1.0">
                                           <p:stCondLst>
                                             <p:cond delay="0"/>
                                           </p:stCondLst>
@@ -15919,7 +16053,7 @@
                                     </p:anim>
                                     <p:anim calcmode="lin" valueType="num">
                                       <p:cBhvr>
-                                        <p:cTn id="73" dur="664" tmFilter="0.0,0.0; 0.25,0.07; 0.50,0.2; 0.75,0.467; 1.0,1.0">
+                                        <p:cTn id="73" dur="249" tmFilter="0.0,0.0; 0.25,0.07; 0.50,0.2; 0.75,0.467; 1.0,1.0">
                                           <p:stCondLst>
                                             <p:cond delay="0"/>
                                           </p:stCondLst>
@@ -15946,9 +16080,9 @@
                                     </p:anim>
                                     <p:anim calcmode="lin" valueType="num">
                                       <p:cBhvr>
-                                        <p:cTn id="74" dur="664" tmFilter="0, 0; 0.125,0.2665; 0.25,0.4; 0.375,0.465; 0.5,0.5;  0.625,0.535; 0.75,0.6; 0.875,0.7335; 1,1">
+                                        <p:cTn id="74" dur="249" tmFilter="0, 0; 0.125,0.2665; 0.25,0.4; 0.375,0.465; 0.5,0.5;  0.625,0.535; 0.75,0.6; 0.875,0.7335; 1,1">
                                           <p:stCondLst>
-                                            <p:cond delay="664"/>
+                                            <p:cond delay="249"/>
                                           </p:stCondLst>
                                         </p:cTn>
                                         <p:tgtEl>
@@ -15973,9 +16107,9 @@
                                     </p:anim>
                                     <p:anim calcmode="lin" valueType="num">
                                       <p:cBhvr>
-                                        <p:cTn id="75" dur="332" tmFilter="0, 0; 0.125,0.2665; 0.25,0.4; 0.375,0.465; 0.5,0.5;  0.625,0.535; 0.75,0.6; 0.875,0.7335; 1,1">
+                                        <p:cTn id="75" dur="125" tmFilter="0, 0; 0.125,0.2665; 0.25,0.4; 0.375,0.465; 0.5,0.5;  0.625,0.535; 0.75,0.6; 0.875,0.7335; 1,1">
                                           <p:stCondLst>
-                                            <p:cond delay="1324"/>
+                                            <p:cond delay="496"/>
                                           </p:stCondLst>
                                         </p:cTn>
                                         <p:tgtEl>
@@ -16000,9 +16134,9 @@
                                     </p:anim>
                                     <p:anim calcmode="lin" valueType="num">
                                       <p:cBhvr>
-                                        <p:cTn id="76" dur="164" tmFilter="0, 0; 0.125,0.2665; 0.25,0.4; 0.375,0.465; 0.5,0.5;  0.625,0.535; 0.75,0.6; 0.875,0.7335; 1,1">
+                                        <p:cTn id="76" dur="62" tmFilter="0, 0; 0.125,0.2665; 0.25,0.4; 0.375,0.465; 0.5,0.5;  0.625,0.535; 0.75,0.6; 0.875,0.7335; 1,1">
                                           <p:stCondLst>
-                                            <p:cond delay="1656"/>
+                                            <p:cond delay="621"/>
                                           </p:stCondLst>
                                         </p:cTn>
                                         <p:tgtEl>
@@ -16027,9 +16161,9 @@
                                     </p:anim>
                                     <p:animScale>
                                       <p:cBhvr>
-                                        <p:cTn id="77" dur="26">
+                                        <p:cTn id="77" dur="10">
                                           <p:stCondLst>
-                                            <p:cond delay="650"/>
+                                            <p:cond delay="244"/>
                                           </p:stCondLst>
                                         </p:cTn>
                                         <p:tgtEl>
@@ -16040,9 +16174,9 @@
                                     </p:animScale>
                                     <p:animScale>
                                       <p:cBhvr>
-                                        <p:cTn id="78" dur="166" decel="50000">
+                                        <p:cTn id="78" dur="62" decel="50000">
                                           <p:stCondLst>
-                                            <p:cond delay="676"/>
+                                            <p:cond delay="253"/>
                                           </p:stCondLst>
                                         </p:cTn>
                                         <p:tgtEl>
@@ -16053,9 +16187,9 @@
                                     </p:animScale>
                                     <p:animScale>
                                       <p:cBhvr>
-                                        <p:cTn id="79" dur="26">
+                                        <p:cTn id="79" dur="10">
                                           <p:stCondLst>
-                                            <p:cond delay="1312"/>
+                                            <p:cond delay="492"/>
                                           </p:stCondLst>
                                         </p:cTn>
                                         <p:tgtEl>
@@ -16066,9 +16200,9 @@
                                     </p:animScale>
                                     <p:animScale>
                                       <p:cBhvr>
-                                        <p:cTn id="80" dur="166" decel="50000">
+                                        <p:cTn id="80" dur="62" decel="50000">
                                           <p:stCondLst>
-                                            <p:cond delay="1338"/>
+                                            <p:cond delay="502"/>
                                           </p:stCondLst>
                                         </p:cTn>
                                         <p:tgtEl>
@@ -16079,9 +16213,9 @@
                                     </p:animScale>
                                     <p:animScale>
                                       <p:cBhvr>
-                                        <p:cTn id="81" dur="26">
+                                        <p:cTn id="81" dur="10">
                                           <p:stCondLst>
-                                            <p:cond delay="1642"/>
+                                            <p:cond delay="616"/>
                                           </p:stCondLst>
                                         </p:cTn>
                                         <p:tgtEl>
@@ -16092,9 +16226,9 @@
                                     </p:animScale>
                                     <p:animScale>
                                       <p:cBhvr>
-                                        <p:cTn id="82" dur="166" decel="50000">
+                                        <p:cTn id="82" dur="62" decel="50000">
                                           <p:stCondLst>
-                                            <p:cond delay="1668"/>
+                                            <p:cond delay="626"/>
                                           </p:stCondLst>
                                         </p:cTn>
                                         <p:tgtEl>
@@ -16105,9 +16239,9 @@
                                     </p:animScale>
                                     <p:animScale>
                                       <p:cBhvr>
-                                        <p:cTn id="83" dur="26">
+                                        <p:cTn id="83" dur="10">
                                           <p:stCondLst>
-                                            <p:cond delay="1808"/>
+                                            <p:cond delay="678"/>
                                           </p:stCondLst>
                                         </p:cTn>
                                         <p:tgtEl>
@@ -16118,9 +16252,9 @@
                                     </p:animScale>
                                     <p:animScale>
                                       <p:cBhvr>
-                                        <p:cTn id="84" dur="166" decel="50000">
+                                        <p:cTn id="84" dur="62" decel="50000">
                                           <p:stCondLst>
-                                            <p:cond delay="1834"/>
+                                            <p:cond delay="688"/>
                                           </p:stCondLst>
                                         </p:cTn>
                                         <p:tgtEl>
@@ -16158,7 +16292,7 @@
                                     </p:set>
                                     <p:animEffect transition="in" filter="wipe(down)">
                                       <p:cBhvr>
-                                        <p:cTn id="87" dur="580">
+                                        <p:cTn id="87" dur="217">
                                           <p:stCondLst>
                                             <p:cond delay="0"/>
                                           </p:stCondLst>
@@ -16170,7 +16304,7 @@
                                     </p:animEffect>
                                     <p:anim calcmode="lin" valueType="num">
                                       <p:cBhvr>
-                                        <p:cTn id="88" dur="1822" tmFilter="0,0; 0.14,0.36; 0.43,0.73; 0.71,0.91; 1.0,1.0">
+                                        <p:cTn id="88" dur="683" tmFilter="0,0; 0.14,0.36; 0.43,0.73; 0.71,0.91; 1.0,1.0">
                                           <p:stCondLst>
                                             <p:cond delay="0"/>
                                           </p:stCondLst>
@@ -16197,7 +16331,7 @@
                                     </p:anim>
                                     <p:anim calcmode="lin" valueType="num">
                                       <p:cBhvr>
-                                        <p:cTn id="89" dur="664" tmFilter="0.0,0.0; 0.25,0.07; 0.50,0.2; 0.75,0.467; 1.0,1.0">
+                                        <p:cTn id="89" dur="249" tmFilter="0.0,0.0; 0.25,0.07; 0.50,0.2; 0.75,0.467; 1.0,1.0">
                                           <p:stCondLst>
                                             <p:cond delay="0"/>
                                           </p:stCondLst>
@@ -16224,9 +16358,9 @@
                                     </p:anim>
                                     <p:anim calcmode="lin" valueType="num">
                                       <p:cBhvr>
-                                        <p:cTn id="90" dur="664" tmFilter="0, 0; 0.125,0.2665; 0.25,0.4; 0.375,0.465; 0.5,0.5;  0.625,0.535; 0.75,0.6; 0.875,0.7335; 1,1">
+                                        <p:cTn id="90" dur="249" tmFilter="0, 0; 0.125,0.2665; 0.25,0.4; 0.375,0.465; 0.5,0.5;  0.625,0.535; 0.75,0.6; 0.875,0.7335; 1,1">
                                           <p:stCondLst>
-                                            <p:cond delay="664"/>
+                                            <p:cond delay="249"/>
                                           </p:stCondLst>
                                         </p:cTn>
                                         <p:tgtEl>
@@ -16251,9 +16385,9 @@
                                     </p:anim>
                                     <p:anim calcmode="lin" valueType="num">
                                       <p:cBhvr>
-                                        <p:cTn id="91" dur="332" tmFilter="0, 0; 0.125,0.2665; 0.25,0.4; 0.375,0.465; 0.5,0.5;  0.625,0.535; 0.75,0.6; 0.875,0.7335; 1,1">
+                                        <p:cTn id="91" dur="125" tmFilter="0, 0; 0.125,0.2665; 0.25,0.4; 0.375,0.465; 0.5,0.5;  0.625,0.535; 0.75,0.6; 0.875,0.7335; 1,1">
                                           <p:stCondLst>
-                                            <p:cond delay="1324"/>
+                                            <p:cond delay="496"/>
                                           </p:stCondLst>
                                         </p:cTn>
                                         <p:tgtEl>
@@ -16278,9 +16412,9 @@
                                     </p:anim>
                                     <p:anim calcmode="lin" valueType="num">
                                       <p:cBhvr>
-                                        <p:cTn id="92" dur="164" tmFilter="0, 0; 0.125,0.2665; 0.25,0.4; 0.375,0.465; 0.5,0.5;  0.625,0.535; 0.75,0.6; 0.875,0.7335; 1,1">
+                                        <p:cTn id="92" dur="62" tmFilter="0, 0; 0.125,0.2665; 0.25,0.4; 0.375,0.465; 0.5,0.5;  0.625,0.535; 0.75,0.6; 0.875,0.7335; 1,1">
                                           <p:stCondLst>
-                                            <p:cond delay="1656"/>
+                                            <p:cond delay="621"/>
                                           </p:stCondLst>
                                         </p:cTn>
                                         <p:tgtEl>
@@ -16305,9 +16439,9 @@
                                     </p:anim>
                                     <p:animScale>
                                       <p:cBhvr>
-                                        <p:cTn id="93" dur="26">
+                                        <p:cTn id="93" dur="10">
                                           <p:stCondLst>
-                                            <p:cond delay="650"/>
+                                            <p:cond delay="244"/>
                                           </p:stCondLst>
                                         </p:cTn>
                                         <p:tgtEl>
@@ -16318,9 +16452,9 @@
                                     </p:animScale>
                                     <p:animScale>
                                       <p:cBhvr>
-                                        <p:cTn id="94" dur="166" decel="50000">
+                                        <p:cTn id="94" dur="62" decel="50000">
                                           <p:stCondLst>
-                                            <p:cond delay="676"/>
+                                            <p:cond delay="253"/>
                                           </p:stCondLst>
                                         </p:cTn>
                                         <p:tgtEl>
@@ -16331,9 +16465,9 @@
                                     </p:animScale>
                                     <p:animScale>
                                       <p:cBhvr>
-                                        <p:cTn id="95" dur="26">
+                                        <p:cTn id="95" dur="10">
                                           <p:stCondLst>
-                                            <p:cond delay="1312"/>
+                                            <p:cond delay="492"/>
                                           </p:stCondLst>
                                         </p:cTn>
                                         <p:tgtEl>
@@ -16344,9 +16478,9 @@
                                     </p:animScale>
                                     <p:animScale>
                                       <p:cBhvr>
-                                        <p:cTn id="96" dur="166" decel="50000">
+                                        <p:cTn id="96" dur="62" decel="50000">
                                           <p:stCondLst>
-                                            <p:cond delay="1338"/>
+                                            <p:cond delay="502"/>
                                           </p:stCondLst>
                                         </p:cTn>
                                         <p:tgtEl>
@@ -16357,9 +16491,9 @@
                                     </p:animScale>
                                     <p:animScale>
                                       <p:cBhvr>
-                                        <p:cTn id="97" dur="26">
+                                        <p:cTn id="97" dur="10">
                                           <p:stCondLst>
-                                            <p:cond delay="1642"/>
+                                            <p:cond delay="616"/>
                                           </p:stCondLst>
                                         </p:cTn>
                                         <p:tgtEl>
@@ -16370,9 +16504,9 @@
                                     </p:animScale>
                                     <p:animScale>
                                       <p:cBhvr>
-                                        <p:cTn id="98" dur="166" decel="50000">
+                                        <p:cTn id="98" dur="62" decel="50000">
                                           <p:stCondLst>
-                                            <p:cond delay="1668"/>
+                                            <p:cond delay="626"/>
                                           </p:stCondLst>
                                         </p:cTn>
                                         <p:tgtEl>
@@ -16383,9 +16517,9 @@
                                     </p:animScale>
                                     <p:animScale>
                                       <p:cBhvr>
-                                        <p:cTn id="99" dur="26">
+                                        <p:cTn id="99" dur="10">
                                           <p:stCondLst>
-                                            <p:cond delay="1808"/>
+                                            <p:cond delay="678"/>
                                           </p:stCondLst>
                                         </p:cTn>
                                         <p:tgtEl>
@@ -16396,9 +16530,9 @@
                                     </p:animScale>
                                     <p:animScale>
                                       <p:cBhvr>
-                                        <p:cTn id="100" dur="166" decel="50000">
+                                        <p:cTn id="100" dur="62" decel="50000">
                                           <p:stCondLst>
-                                            <p:cond delay="1834"/>
+                                            <p:cond delay="688"/>
                                           </p:stCondLst>
                                         </p:cTn>
                                         <p:tgtEl>
@@ -16436,7 +16570,7 @@
                                     </p:set>
                                     <p:animEffect transition="in" filter="wipe(down)">
                                       <p:cBhvr>
-                                        <p:cTn id="103" dur="580">
+                                        <p:cTn id="103" dur="217">
                                           <p:stCondLst>
                                             <p:cond delay="0"/>
                                           </p:stCondLst>
@@ -16448,7 +16582,7 @@
                                     </p:animEffect>
                                     <p:anim calcmode="lin" valueType="num">
                                       <p:cBhvr>
-                                        <p:cTn id="104" dur="1822" tmFilter="0,0; 0.14,0.36; 0.43,0.73; 0.71,0.91; 1.0,1.0">
+                                        <p:cTn id="104" dur="683" tmFilter="0,0; 0.14,0.36; 0.43,0.73; 0.71,0.91; 1.0,1.0">
                                           <p:stCondLst>
                                             <p:cond delay="0"/>
                                           </p:stCondLst>
@@ -16475,7 +16609,7 @@
                                     </p:anim>
                                     <p:anim calcmode="lin" valueType="num">
                                       <p:cBhvr>
-                                        <p:cTn id="105" dur="664" tmFilter="0.0,0.0; 0.25,0.07; 0.50,0.2; 0.75,0.467; 1.0,1.0">
+                                        <p:cTn id="105" dur="249" tmFilter="0.0,0.0; 0.25,0.07; 0.50,0.2; 0.75,0.467; 1.0,1.0">
                                           <p:stCondLst>
                                             <p:cond delay="0"/>
                                           </p:stCondLst>
@@ -16502,9 +16636,9 @@
                                     </p:anim>
                                     <p:anim calcmode="lin" valueType="num">
                                       <p:cBhvr>
-                                        <p:cTn id="106" dur="664" tmFilter="0, 0; 0.125,0.2665; 0.25,0.4; 0.375,0.465; 0.5,0.5;  0.625,0.535; 0.75,0.6; 0.875,0.7335; 1,1">
+                                        <p:cTn id="106" dur="249" tmFilter="0, 0; 0.125,0.2665; 0.25,0.4; 0.375,0.465; 0.5,0.5;  0.625,0.535; 0.75,0.6; 0.875,0.7335; 1,1">
                                           <p:stCondLst>
-                                            <p:cond delay="664"/>
+                                            <p:cond delay="249"/>
                                           </p:stCondLst>
                                         </p:cTn>
                                         <p:tgtEl>
@@ -16529,9 +16663,9 @@
                                     </p:anim>
                                     <p:anim calcmode="lin" valueType="num">
                                       <p:cBhvr>
-                                        <p:cTn id="107" dur="332" tmFilter="0, 0; 0.125,0.2665; 0.25,0.4; 0.375,0.465; 0.5,0.5;  0.625,0.535; 0.75,0.6; 0.875,0.7335; 1,1">
+                                        <p:cTn id="107" dur="125" tmFilter="0, 0; 0.125,0.2665; 0.25,0.4; 0.375,0.465; 0.5,0.5;  0.625,0.535; 0.75,0.6; 0.875,0.7335; 1,1">
                                           <p:stCondLst>
-                                            <p:cond delay="1324"/>
+                                            <p:cond delay="496"/>
                                           </p:stCondLst>
                                         </p:cTn>
                                         <p:tgtEl>
@@ -16556,9 +16690,9 @@
                                     </p:anim>
                                     <p:anim calcmode="lin" valueType="num">
                                       <p:cBhvr>
-                                        <p:cTn id="108" dur="164" tmFilter="0, 0; 0.125,0.2665; 0.25,0.4; 0.375,0.465; 0.5,0.5;  0.625,0.535; 0.75,0.6; 0.875,0.7335; 1,1">
+                                        <p:cTn id="108" dur="62" tmFilter="0, 0; 0.125,0.2665; 0.25,0.4; 0.375,0.465; 0.5,0.5;  0.625,0.535; 0.75,0.6; 0.875,0.7335; 1,1">
                                           <p:stCondLst>
-                                            <p:cond delay="1656"/>
+                                            <p:cond delay="621"/>
                                           </p:stCondLst>
                                         </p:cTn>
                                         <p:tgtEl>
@@ -16583,9 +16717,9 @@
                                     </p:anim>
                                     <p:animScale>
                                       <p:cBhvr>
-                                        <p:cTn id="109" dur="26">
+                                        <p:cTn id="109" dur="10">
                                           <p:stCondLst>
-                                            <p:cond delay="650"/>
+                                            <p:cond delay="244"/>
                                           </p:stCondLst>
                                         </p:cTn>
                                         <p:tgtEl>
@@ -16596,9 +16730,9 @@
                                     </p:animScale>
                                     <p:animScale>
                                       <p:cBhvr>
-                                        <p:cTn id="110" dur="166" decel="50000">
+                                        <p:cTn id="110" dur="62" decel="50000">
                                           <p:stCondLst>
-                                            <p:cond delay="676"/>
+                                            <p:cond delay="253"/>
                                           </p:stCondLst>
                                         </p:cTn>
                                         <p:tgtEl>
@@ -16609,9 +16743,9 @@
                                     </p:animScale>
                                     <p:animScale>
                                       <p:cBhvr>
-                                        <p:cTn id="111" dur="26">
+                                        <p:cTn id="111" dur="10">
                                           <p:stCondLst>
-                                            <p:cond delay="1312"/>
+                                            <p:cond delay="492"/>
                                           </p:stCondLst>
                                         </p:cTn>
                                         <p:tgtEl>
@@ -16622,9 +16756,9 @@
                                     </p:animScale>
                                     <p:animScale>
                                       <p:cBhvr>
-                                        <p:cTn id="112" dur="166" decel="50000">
+                                        <p:cTn id="112" dur="62" decel="50000">
                                           <p:stCondLst>
-                                            <p:cond delay="1338"/>
+                                            <p:cond delay="502"/>
                                           </p:stCondLst>
                                         </p:cTn>
                                         <p:tgtEl>
@@ -16635,9 +16769,9 @@
                                     </p:animScale>
                                     <p:animScale>
                                       <p:cBhvr>
-                                        <p:cTn id="113" dur="26">
+                                        <p:cTn id="113" dur="10">
                                           <p:stCondLst>
-                                            <p:cond delay="1642"/>
+                                            <p:cond delay="616"/>
                                           </p:stCondLst>
                                         </p:cTn>
                                         <p:tgtEl>
@@ -16648,9 +16782,9 @@
                                     </p:animScale>
                                     <p:animScale>
                                       <p:cBhvr>
-                                        <p:cTn id="114" dur="166" decel="50000">
+                                        <p:cTn id="114" dur="62" decel="50000">
                                           <p:stCondLst>
-                                            <p:cond delay="1668"/>
+                                            <p:cond delay="626"/>
                                           </p:stCondLst>
                                         </p:cTn>
                                         <p:tgtEl>
@@ -16661,9 +16795,9 @@
                                     </p:animScale>
                                     <p:animScale>
                                       <p:cBhvr>
-                                        <p:cTn id="115" dur="26">
+                                        <p:cTn id="115" dur="10">
                                           <p:stCondLst>
-                                            <p:cond delay="1808"/>
+                                            <p:cond delay="678"/>
                                           </p:stCondLst>
                                         </p:cTn>
                                         <p:tgtEl>
@@ -16674,9 +16808,9 @@
                                     </p:animScale>
                                     <p:animScale>
                                       <p:cBhvr>
-                                        <p:cTn id="116" dur="166" decel="50000">
+                                        <p:cTn id="116" dur="62" decel="50000">
                                           <p:stCondLst>
-                                            <p:cond delay="1834"/>
+                                            <p:cond delay="688"/>
                                           </p:stCondLst>
                                         </p:cTn>
                                         <p:tgtEl>
@@ -16714,7 +16848,7 @@
                                     </p:set>
                                     <p:animEffect transition="in" filter="wipe(down)">
                                       <p:cBhvr>
-                                        <p:cTn id="119" dur="580">
+                                        <p:cTn id="119" dur="217">
                                           <p:stCondLst>
                                             <p:cond delay="0"/>
                                           </p:stCondLst>
@@ -16726,7 +16860,7 @@
                                     </p:animEffect>
                                     <p:anim calcmode="lin" valueType="num">
                                       <p:cBhvr>
-                                        <p:cTn id="120" dur="1822" tmFilter="0,0; 0.14,0.36; 0.43,0.73; 0.71,0.91; 1.0,1.0">
+                                        <p:cTn id="120" dur="683" tmFilter="0,0; 0.14,0.36; 0.43,0.73; 0.71,0.91; 1.0,1.0">
                                           <p:stCondLst>
                                             <p:cond delay="0"/>
                                           </p:stCondLst>
@@ -16753,7 +16887,7 @@
                                     </p:anim>
                                     <p:anim calcmode="lin" valueType="num">
                                       <p:cBhvr>
-                                        <p:cTn id="121" dur="664" tmFilter="0.0,0.0; 0.25,0.07; 0.50,0.2; 0.75,0.467; 1.0,1.0">
+                                        <p:cTn id="121" dur="249" tmFilter="0.0,0.0; 0.25,0.07; 0.50,0.2; 0.75,0.467; 1.0,1.0">
                                           <p:stCondLst>
                                             <p:cond delay="0"/>
                                           </p:stCondLst>
@@ -16780,9 +16914,9 @@
                                     </p:anim>
                                     <p:anim calcmode="lin" valueType="num">
                                       <p:cBhvr>
-                                        <p:cTn id="122" dur="664" tmFilter="0, 0; 0.125,0.2665; 0.25,0.4; 0.375,0.465; 0.5,0.5;  0.625,0.535; 0.75,0.6; 0.875,0.7335; 1,1">
+                                        <p:cTn id="122" dur="249" tmFilter="0, 0; 0.125,0.2665; 0.25,0.4; 0.375,0.465; 0.5,0.5;  0.625,0.535; 0.75,0.6; 0.875,0.7335; 1,1">
                                           <p:stCondLst>
-                                            <p:cond delay="664"/>
+                                            <p:cond delay="249"/>
                                           </p:stCondLst>
                                         </p:cTn>
                                         <p:tgtEl>
@@ -16807,9 +16941,9 @@
                                     </p:anim>
                                     <p:anim calcmode="lin" valueType="num">
                                       <p:cBhvr>
-                                        <p:cTn id="123" dur="332" tmFilter="0, 0; 0.125,0.2665; 0.25,0.4; 0.375,0.465; 0.5,0.5;  0.625,0.535; 0.75,0.6; 0.875,0.7335; 1,1">
+                                        <p:cTn id="123" dur="125" tmFilter="0, 0; 0.125,0.2665; 0.25,0.4; 0.375,0.465; 0.5,0.5;  0.625,0.535; 0.75,0.6; 0.875,0.7335; 1,1">
                                           <p:stCondLst>
-                                            <p:cond delay="1324"/>
+                                            <p:cond delay="496"/>
                                           </p:stCondLst>
                                         </p:cTn>
                                         <p:tgtEl>
@@ -16834,9 +16968,9 @@
                                     </p:anim>
                                     <p:anim calcmode="lin" valueType="num">
                                       <p:cBhvr>
-                                        <p:cTn id="124" dur="164" tmFilter="0, 0; 0.125,0.2665; 0.25,0.4; 0.375,0.465; 0.5,0.5;  0.625,0.535; 0.75,0.6; 0.875,0.7335; 1,1">
+                                        <p:cTn id="124" dur="62" tmFilter="0, 0; 0.125,0.2665; 0.25,0.4; 0.375,0.465; 0.5,0.5;  0.625,0.535; 0.75,0.6; 0.875,0.7335; 1,1">
                                           <p:stCondLst>
-                                            <p:cond delay="1656"/>
+                                            <p:cond delay="621"/>
                                           </p:stCondLst>
                                         </p:cTn>
                                         <p:tgtEl>
@@ -16861,9 +16995,9 @@
                                     </p:anim>
                                     <p:animScale>
                                       <p:cBhvr>
-                                        <p:cTn id="125" dur="26">
+                                        <p:cTn id="125" dur="10">
                                           <p:stCondLst>
-                                            <p:cond delay="650"/>
+                                            <p:cond delay="244"/>
                                           </p:stCondLst>
                                         </p:cTn>
                                         <p:tgtEl>
@@ -16874,9 +17008,9 @@
                                     </p:animScale>
                                     <p:animScale>
                                       <p:cBhvr>
-                                        <p:cTn id="126" dur="166" decel="50000">
+                                        <p:cTn id="126" dur="62" decel="50000">
                                           <p:stCondLst>
-                                            <p:cond delay="676"/>
+                                            <p:cond delay="253"/>
                                           </p:stCondLst>
                                         </p:cTn>
                                         <p:tgtEl>
@@ -16887,9 +17021,9 @@
                                     </p:animScale>
                                     <p:animScale>
                                       <p:cBhvr>
-                                        <p:cTn id="127" dur="26">
+                                        <p:cTn id="127" dur="10">
                                           <p:stCondLst>
-                                            <p:cond delay="1312"/>
+                                            <p:cond delay="492"/>
                                           </p:stCondLst>
                                         </p:cTn>
                                         <p:tgtEl>
@@ -16900,9 +17034,9 @@
                                     </p:animScale>
                                     <p:animScale>
                                       <p:cBhvr>
-                                        <p:cTn id="128" dur="166" decel="50000">
+                                        <p:cTn id="128" dur="62" decel="50000">
                                           <p:stCondLst>
-                                            <p:cond delay="1338"/>
+                                            <p:cond delay="502"/>
                                           </p:stCondLst>
                                         </p:cTn>
                                         <p:tgtEl>
@@ -16913,9 +17047,9 @@
                                     </p:animScale>
                                     <p:animScale>
                                       <p:cBhvr>
-                                        <p:cTn id="129" dur="26">
+                                        <p:cTn id="129" dur="10">
                                           <p:stCondLst>
-                                            <p:cond delay="1642"/>
+                                            <p:cond delay="616"/>
                                           </p:stCondLst>
                                         </p:cTn>
                                         <p:tgtEl>
@@ -16926,9 +17060,9 @@
                                     </p:animScale>
                                     <p:animScale>
                                       <p:cBhvr>
-                                        <p:cTn id="130" dur="166" decel="50000">
+                                        <p:cTn id="130" dur="62" decel="50000">
                                           <p:stCondLst>
-                                            <p:cond delay="1668"/>
+                                            <p:cond delay="626"/>
                                           </p:stCondLst>
                                         </p:cTn>
                                         <p:tgtEl>
@@ -16939,9 +17073,9 @@
                                     </p:animScale>
                                     <p:animScale>
                                       <p:cBhvr>
-                                        <p:cTn id="131" dur="26">
+                                        <p:cTn id="131" dur="10">
                                           <p:stCondLst>
-                                            <p:cond delay="1808"/>
+                                            <p:cond delay="678"/>
                                           </p:stCondLst>
                                         </p:cTn>
                                         <p:tgtEl>
@@ -16952,9 +17086,9 @@
                                     </p:animScale>
                                     <p:animScale>
                                       <p:cBhvr>
-                                        <p:cTn id="132" dur="166" decel="50000">
+                                        <p:cTn id="132" dur="62" decel="50000">
                                           <p:stCondLst>
-                                            <p:cond delay="1834"/>
+                                            <p:cond delay="688"/>
                                           </p:stCondLst>
                                         </p:cTn>
                                         <p:tgtEl>
@@ -17014,52 +17148,12 @@
           <a:chExt cx="0" cy="0"/>
         </a:xfrm>
       </p:grpSpPr>
-      <p:sp>
-        <p:nvSpPr>
-          <p:cNvPr id="2" name="Title 1">
+      <p:pic>
+        <p:nvPicPr>
+          <p:cNvPr id="7" name="Picture 6">
             <a:extLst>
               <a:ext uri="{FF2B5EF4-FFF2-40B4-BE49-F238E27FC236}">
-                <a16:creationId xmlns:a16="http://schemas.microsoft.com/office/drawing/2014/main" id="{BD48FA31-BDCC-4F65-B470-CB2E8AF6BE9D}"/>
-              </a:ext>
-            </a:extLst>
-          </p:cNvPr>
-          <p:cNvSpPr>
-            <a:spLocks noGrp="1"/>
-          </p:cNvSpPr>
-          <p:nvPr>
-            <p:ph type="title"/>
-          </p:nvPr>
-        </p:nvSpPr>
-        <p:spPr>
-          <a:xfrm>
-            <a:off x="1676677" y="5972694"/>
-            <a:ext cx="9977767" cy="511233"/>
-          </a:xfrm>
-        </p:spPr>
-        <p:txBody>
-          <a:bodyPr/>
-          <a:lstStyle/>
-          <a:p>
-            <a:r>
-              <a:rPr lang="en-US" sz="2400" dirty="0">
-                <a:latin typeface="Calibri" panose="020F0502020204030204" pitchFamily="34" charset="0"/>
-                <a:cs typeface="Times New Roman" panose="02020603050405020304" pitchFamily="18" charset="0"/>
-              </a:rPr>
-              <a:t>The more population a LGA has, the higher the percentage of unsolved charges</a:t>
-            </a:r>
-            <a:endParaRPr lang="en-AU" sz="2400" dirty="0">
-              <a:latin typeface="Calibri" panose="020F0502020204030204" pitchFamily="34" charset="0"/>
-              <a:cs typeface="Times New Roman" panose="02020603050405020304" pitchFamily="18" charset="0"/>
-            </a:endParaRPr>
-          </a:p>
-        </p:txBody>
-      </p:sp>
-      <p:pic>
-        <p:nvPicPr>
-          <p:cNvPr id="8" name="Picture 7">
-            <a:extLst>
-              <a:ext uri="{FF2B5EF4-FFF2-40B4-BE49-F238E27FC236}">
-                <a16:creationId xmlns:a16="http://schemas.microsoft.com/office/drawing/2014/main" id="{48E5ACEE-7F56-4A0D-B3B7-33E36DBBF77F}"/>
+                <a16:creationId xmlns:a16="http://schemas.microsoft.com/office/drawing/2014/main" id="{915D7BEE-5F3D-49B2-A878-49229E9DD217}"/>
               </a:ext>
             </a:extLst>
           </p:cNvPr>
@@ -17076,8 +17170,8 @@
         </p:blipFill>
         <p:spPr>
           <a:xfrm>
-            <a:off x="4933442" y="499900"/>
-            <a:ext cx="6049219" cy="4810796"/>
+            <a:off x="2377081" y="42390"/>
+            <a:ext cx="8410635" cy="6071027"/>
           </a:xfrm>
           <a:prstGeom prst="rect">
             <a:avLst/>
@@ -17086,10 +17180,10 @@
       </p:pic>
       <p:pic>
         <p:nvPicPr>
-          <p:cNvPr id="10" name="Picture 9">
+          <p:cNvPr id="9" name="Picture 8">
             <a:extLst>
               <a:ext uri="{FF2B5EF4-FFF2-40B4-BE49-F238E27FC236}">
-                <a16:creationId xmlns:a16="http://schemas.microsoft.com/office/drawing/2014/main" id="{B8496430-E9A0-4046-92AA-2ED2C76D3712}"/>
+                <a16:creationId xmlns:a16="http://schemas.microsoft.com/office/drawing/2014/main" id="{D050DCF3-AD6B-44C2-A20E-7D68B73DF1C7}"/>
               </a:ext>
             </a:extLst>
           </p:cNvPr>
@@ -17106,93 +17200,18 @@
         </p:blipFill>
         <p:spPr>
           <a:xfrm>
-            <a:off x="1849190" y="2299738"/>
-            <a:ext cx="1876687" cy="1676634"/>
+            <a:off x="3037500" y="6081390"/>
+            <a:ext cx="6777419" cy="734220"/>
           </a:xfrm>
           <a:prstGeom prst="rect">
             <a:avLst/>
           </a:prstGeom>
         </p:spPr>
       </p:pic>
-      <p:sp>
-        <p:nvSpPr>
-          <p:cNvPr id="11" name="Title 1">
-            <a:extLst>
-              <a:ext uri="{FF2B5EF4-FFF2-40B4-BE49-F238E27FC236}">
-                <a16:creationId xmlns:a16="http://schemas.microsoft.com/office/drawing/2014/main" id="{7D98C783-9AF9-4874-A8A3-55E2E665A091}"/>
-              </a:ext>
-            </a:extLst>
-          </p:cNvPr>
-          <p:cNvSpPr txBox="1">
-            <a:spLocks/>
-          </p:cNvSpPr>
-          <p:nvPr/>
-        </p:nvSpPr>
-        <p:spPr>
-          <a:xfrm>
-            <a:off x="4933442" y="5441151"/>
-            <a:ext cx="4553769" cy="401088"/>
-          </a:xfrm>
-          <a:prstGeom prst="rect">
-            <a:avLst/>
-          </a:prstGeom>
-        </p:spPr>
-        <p:txBody>
-          <a:bodyPr vert="horz" lIns="91440" tIns="45720" rIns="91440" bIns="45720" rtlCol="0" anchor="ctr">
-            <a:normAutofit/>
-          </a:bodyPr>
-          <a:lstStyle>
-            <a:lvl1pPr algn="l" defTabSz="914400" rtl="0" eaLnBrk="1" latinLnBrk="0" hangingPunct="1">
-              <a:lnSpc>
-                <a:spcPct val="100000"/>
-              </a:lnSpc>
-              <a:spcBef>
-                <a:spcPct val="0"/>
-              </a:spcBef>
-              <a:buNone/>
-              <a:defRPr sz="4000" kern="1200">
-                <a:solidFill>
-                  <a:schemeClr val="tx2"/>
-                </a:solidFill>
-                <a:latin typeface="+mj-lt"/>
-                <a:ea typeface="+mj-ea"/>
-                <a:cs typeface="+mj-cs"/>
-              </a:defRPr>
-            </a:lvl1pPr>
-          </a:lstStyle>
-          <a:p>
-            <a:r>
-              <a:rPr lang="en-US" sz="1600" dirty="0">
-                <a:latin typeface="Calibri" panose="020F0502020204030204" pitchFamily="34" charset="0"/>
-                <a:ea typeface="Calibri" panose="020F0502020204030204" pitchFamily="34" charset="0"/>
-                <a:cs typeface="Times New Roman" panose="02020603050405020304" pitchFamily="18" charset="0"/>
-              </a:rPr>
-              <a:t>Standard error r</a:t>
-            </a:r>
-            <a:r>
-              <a:rPr lang="en-US" sz="1600" baseline="30000" dirty="0">
-                <a:latin typeface="Calibri" panose="020F0502020204030204" pitchFamily="34" charset="0"/>
-                <a:ea typeface="Calibri" panose="020F0502020204030204" pitchFamily="34" charset="0"/>
-                <a:cs typeface="Times New Roman" panose="02020603050405020304" pitchFamily="18" charset="0"/>
-              </a:rPr>
-              <a:t>2</a:t>
-            </a:r>
-            <a:r>
-              <a:rPr lang="en-US" sz="1600" dirty="0">
-                <a:latin typeface="Calibri" panose="020F0502020204030204" pitchFamily="34" charset="0"/>
-                <a:ea typeface="Calibri" panose="020F0502020204030204" pitchFamily="34" charset="0"/>
-                <a:cs typeface="Times New Roman" panose="02020603050405020304" pitchFamily="18" charset="0"/>
-              </a:rPr>
-              <a:t> is 25% </a:t>
-            </a:r>
-            <a:endParaRPr lang="en-AU" sz="1600" dirty="0"/>
-          </a:p>
-        </p:txBody>
-      </p:sp>
     </p:spTree>
     <p:extLst>
       <p:ext uri="{BB962C8B-B14F-4D97-AF65-F5344CB8AC3E}">
-        <p14:creationId xmlns:p14="http://schemas.microsoft.com/office/powerpoint/2010/main" val="809717122"/>
+        <p14:creationId xmlns:p14="http://schemas.microsoft.com/office/powerpoint/2010/main" val="4093479017"/>
       </p:ext>
     </p:extLst>
   </p:cSld>

--- a/Crime_Victoria_PowerPoint_Presentation_temporary_Kelvin.pptx
+++ b/Crime_Victoria_PowerPoint_Presentation_temporary_Kelvin.pptx
@@ -8462,7 +8462,7 @@
           <a:p>
             <a:r>
               <a:rPr lang="en-AU" dirty="0"/>
-              <a:t>Table of Contents</a:t>
+              <a:t>Agenda</a:t>
             </a:r>
             <a:endParaRPr lang="en-US" dirty="0"/>
           </a:p>
@@ -8493,12 +8493,11 @@
               <a:buAutoNum type="arabicPeriod"/>
             </a:pPr>
             <a:r>
-              <a:rPr lang="en-AU" dirty="0">
+              <a:rPr lang="en-AU" sz="1800" dirty="0">
                 <a:solidFill>
-                  <a:schemeClr val="bg1">
-                    <a:lumMod val="65000"/>
-                  </a:schemeClr>
+                  <a:schemeClr val="tx1"/>
                 </a:solidFill>
+                <a:latin typeface="Consolas" panose="020B0609020204030204" pitchFamily="49" charset="0"/>
               </a:rPr>
               <a:t>Introduction &amp; Objectives</a:t>
             </a:r>
@@ -8509,28 +8508,11 @@
               <a:buAutoNum type="arabicPeriod"/>
             </a:pPr>
             <a:r>
-              <a:rPr lang="en-AU" dirty="0">
+              <a:rPr lang="en-AU" sz="1800" dirty="0">
                 <a:solidFill>
-                  <a:schemeClr val="bg1">
-                    <a:lumMod val="65000"/>
-                  </a:schemeClr>
+                  <a:schemeClr val="tx1"/>
                 </a:solidFill>
-              </a:rPr>
-              <a:t>Overview Victoria Crimes from September 2012 to 2021 (Anh)</a:t>
-            </a:r>
-          </a:p>
-          <a:p>
-            <a:pPr marL="457200" indent="-457200">
-              <a:buFont typeface="+mj-lt"/>
-              <a:buAutoNum type="arabicPeriod"/>
-            </a:pPr>
-            <a:r>
-              <a:rPr lang="en-AU" dirty="0">
-                <a:solidFill>
-                  <a:schemeClr val="bg1">
-                    <a:lumMod val="65000"/>
-                  </a:schemeClr>
-                </a:solidFill>
+                <a:latin typeface="Consolas" panose="020B0609020204030204" pitchFamily="49" charset="0"/>
               </a:rPr>
               <a:t>Criminal Incidents, Recorded Offences (Antoinette)</a:t>
             </a:r>
@@ -8541,14 +8523,13 @@
               <a:buAutoNum type="arabicPeriod"/>
             </a:pPr>
             <a:r>
-              <a:rPr lang="en-AU" dirty="0">
+              <a:rPr lang="en-AU" sz="1800" dirty="0">
                 <a:solidFill>
-                  <a:schemeClr val="bg1">
-                    <a:lumMod val="65000"/>
-                  </a:schemeClr>
+                  <a:schemeClr val="tx1"/>
                 </a:solidFill>
+                <a:latin typeface="Consolas" panose="020B0609020204030204" pitchFamily="49" charset="0"/>
               </a:rPr>
-              <a:t>Family Incidents (Jacqueline)</a:t>
+              <a:t>Victim Reports &amp; Family Incidents (Jacqueline)</a:t>
             </a:r>
           </a:p>
           <a:p>
@@ -8557,12 +8538,28 @@
               <a:buAutoNum type="arabicPeriod"/>
             </a:pPr>
             <a:r>
-              <a:rPr lang="en-AU" dirty="0">
+              <a:rPr lang="en-AU" sz="1800" b="1" dirty="0">
                 <a:solidFill>
                   <a:schemeClr val="tx1"/>
                 </a:solidFill>
+                <a:latin typeface="Consolas" panose="020B0609020204030204" pitchFamily="49" charset="0"/>
               </a:rPr>
               <a:t>Crime status &amp; Police Service Areas (Kelvin)</a:t>
+            </a:r>
+          </a:p>
+          <a:p>
+            <a:pPr marL="457200" indent="-457200">
+              <a:buFont typeface="+mj-lt"/>
+              <a:buAutoNum type="arabicPeriod"/>
+            </a:pPr>
+            <a:r>
+              <a:rPr lang="en-AU" sz="1800" dirty="0">
+                <a:solidFill>
+                  <a:schemeClr val="tx1"/>
+                </a:solidFill>
+                <a:latin typeface="Consolas" panose="020B0609020204030204" pitchFamily="49" charset="0"/>
+              </a:rPr>
+              <a:t>Victoria Crimes Trends from September 2012 to 2021 (Anh)</a:t>
             </a:r>
           </a:p>
           <a:p>
@@ -8620,24 +8617,34 @@
         </p:nvSpPr>
         <p:spPr>
           <a:xfrm>
-            <a:off x="1676677" y="5972694"/>
-            <a:ext cx="9977767" cy="511233"/>
+            <a:off x="716693" y="5972694"/>
+            <a:ext cx="10937752" cy="511233"/>
           </a:xfrm>
         </p:spPr>
         <p:txBody>
-          <a:bodyPr/>
+          <a:bodyPr>
+            <a:normAutofit/>
+          </a:bodyPr>
           <a:lstStyle/>
           <a:p>
             <a:r>
-              <a:rPr lang="en-US" sz="2400" dirty="0">
-                <a:latin typeface="Calibri" panose="020F0502020204030204" pitchFamily="34" charset="0"/>
-                <a:cs typeface="Times New Roman" panose="02020603050405020304" pitchFamily="18" charset="0"/>
+              <a:rPr lang="en-US" sz="1800" dirty="0">
+                <a:solidFill>
+                  <a:schemeClr val="tx1"/>
+                </a:solidFill>
+                <a:latin typeface="Consolas" panose="020B0609020204030204" pitchFamily="49" charset="0"/>
+                <a:ea typeface="+mn-ea"/>
+                <a:cs typeface="+mn-cs"/>
               </a:rPr>
-              <a:t>The more population a LGA has, the higher the percentage of unsolved charges</a:t>
+              <a:t>As the population increases in a LGA, the higher the percentage of unsolved charges</a:t>
             </a:r>
-            <a:endParaRPr lang="en-AU" sz="2400" dirty="0">
-              <a:latin typeface="Calibri" panose="020F0502020204030204" pitchFamily="34" charset="0"/>
-              <a:cs typeface="Times New Roman" panose="02020603050405020304" pitchFamily="18" charset="0"/>
+            <a:endParaRPr lang="en-AU" sz="1800" dirty="0">
+              <a:solidFill>
+                <a:schemeClr val="tx1"/>
+              </a:solidFill>
+              <a:latin typeface="Consolas" panose="020B0609020204030204" pitchFamily="49" charset="0"/>
+              <a:ea typeface="+mn-ea"/>
+              <a:cs typeface="+mn-cs"/>
             </a:endParaRPr>
           </a:p>
         </p:txBody>
@@ -9437,13 +9444,7 @@
       </p:grpSpPr>
       <p:sp>
         <p:nvSpPr>
-          <p:cNvPr id="2" name="Title 1">
-            <a:extLst>
-              <a:ext uri="{FF2B5EF4-FFF2-40B4-BE49-F238E27FC236}">
-                <a16:creationId xmlns:a16="http://schemas.microsoft.com/office/drawing/2014/main" id="{CE670E4C-AD66-467C-A339-62A02B51FAB1}"/>
-              </a:ext>
-            </a:extLst>
-          </p:cNvPr>
+          <p:cNvPr id="2" name="Title 1"/>
           <p:cNvSpPr>
             <a:spLocks noGrp="1"/>
           </p:cNvSpPr>
@@ -9457,22 +9458,16 @@
           <a:lstStyle/>
           <a:p>
             <a:r>
-              <a:rPr lang="en-US" dirty="0"/>
-              <a:t>Q&amp;A</a:t>
+              <a:rPr lang="en-AU" dirty="0"/>
+              <a:t>Agenda</a:t>
             </a:r>
-            <a:endParaRPr lang="en-AU" dirty="0"/>
+            <a:endParaRPr lang="en-US" dirty="0"/>
           </a:p>
         </p:txBody>
       </p:sp>
       <p:sp>
         <p:nvSpPr>
-          <p:cNvPr id="3" name="Content Placeholder 2">
-            <a:extLst>
-              <a:ext uri="{FF2B5EF4-FFF2-40B4-BE49-F238E27FC236}">
-                <a16:creationId xmlns:a16="http://schemas.microsoft.com/office/drawing/2014/main" id="{7EA5DB96-EB9C-4791-984D-AC0D4A156710}"/>
-              </a:ext>
-            </a:extLst>
-          </p:cNvPr>
+          <p:cNvPr id="3" name="Content Placeholder 2"/>
           <p:cNvSpPr>
             <a:spLocks noGrp="1"/>
           </p:cNvSpPr>
@@ -9480,19 +9475,106 @@
             <p:ph idx="1"/>
           </p:nvPr>
         </p:nvSpPr>
-        <p:spPr/>
+        <p:spPr>
+          <a:xfrm>
+            <a:off x="1069848" y="1874520"/>
+            <a:ext cx="9634011" cy="3873901"/>
+          </a:xfrm>
+        </p:spPr>
         <p:txBody>
           <a:bodyPr/>
           <a:lstStyle/>
           <a:p>
-            <a:endParaRPr lang="en-AU"/>
+            <a:pPr marL="457200" indent="-457200">
+              <a:buFont typeface="+mj-lt"/>
+              <a:buAutoNum type="arabicPeriod"/>
+            </a:pPr>
+            <a:r>
+              <a:rPr lang="en-AU" sz="1800" dirty="0">
+                <a:solidFill>
+                  <a:schemeClr val="tx1"/>
+                </a:solidFill>
+                <a:latin typeface="Consolas" panose="020B0609020204030204" pitchFamily="49" charset="0"/>
+              </a:rPr>
+              <a:t>Introduction &amp; Objectives</a:t>
+            </a:r>
+          </a:p>
+          <a:p>
+            <a:pPr marL="457200" indent="-457200">
+              <a:buFont typeface="+mj-lt"/>
+              <a:buAutoNum type="arabicPeriod"/>
+            </a:pPr>
+            <a:r>
+              <a:rPr lang="en-AU" sz="1800" dirty="0">
+                <a:solidFill>
+                  <a:schemeClr val="tx1"/>
+                </a:solidFill>
+                <a:latin typeface="Consolas" panose="020B0609020204030204" pitchFamily="49" charset="0"/>
+              </a:rPr>
+              <a:t>Criminal Incidents, Recorded Offences (Antoinette)</a:t>
+            </a:r>
+          </a:p>
+          <a:p>
+            <a:pPr marL="457200" indent="-457200">
+              <a:buFont typeface="+mj-lt"/>
+              <a:buAutoNum type="arabicPeriod"/>
+            </a:pPr>
+            <a:r>
+              <a:rPr lang="en-AU" sz="1800" dirty="0">
+                <a:solidFill>
+                  <a:schemeClr val="tx1"/>
+                </a:solidFill>
+                <a:latin typeface="Consolas" panose="020B0609020204030204" pitchFamily="49" charset="0"/>
+              </a:rPr>
+              <a:t>Victim Reports &amp; Family Incidents (Jacqueline)</a:t>
+            </a:r>
+          </a:p>
+          <a:p>
+            <a:pPr marL="457200" indent="-457200">
+              <a:buFont typeface="+mj-lt"/>
+              <a:buAutoNum type="arabicPeriod"/>
+            </a:pPr>
+            <a:r>
+              <a:rPr lang="en-AU" sz="1800" dirty="0">
+                <a:solidFill>
+                  <a:schemeClr val="tx1"/>
+                </a:solidFill>
+                <a:latin typeface="Consolas" panose="020B0609020204030204" pitchFamily="49" charset="0"/>
+              </a:rPr>
+              <a:t>Crime status &amp; Police Service Areas (Kelvin)</a:t>
+            </a:r>
+          </a:p>
+          <a:p>
+            <a:pPr marL="457200" indent="-457200">
+              <a:buFont typeface="+mj-lt"/>
+              <a:buAutoNum type="arabicPeriod"/>
+            </a:pPr>
+            <a:r>
+              <a:rPr lang="en-AU" sz="1800" b="1" dirty="0">
+                <a:solidFill>
+                  <a:schemeClr val="tx1"/>
+                </a:solidFill>
+                <a:latin typeface="Consolas" panose="020B0609020204030204" pitchFamily="49" charset="0"/>
+              </a:rPr>
+              <a:t>Victoria Crimes Trends from September 2012 to 2021 (Anh)</a:t>
+            </a:r>
+          </a:p>
+          <a:p>
+            <a:pPr marL="457200" indent="-457200">
+              <a:buFont typeface="+mj-lt"/>
+              <a:buAutoNum type="arabicPeriod"/>
+            </a:pPr>
+            <a:endParaRPr lang="en-AU" b="1" dirty="0"/>
+          </a:p>
+          <a:p>
+            <a:endParaRPr lang="en-US" dirty="0"/>
           </a:p>
         </p:txBody>
       </p:sp>
     </p:spTree>
     <p:extLst>
       <p:ext uri="{BB962C8B-B14F-4D97-AF65-F5344CB8AC3E}">
-        <p14:creationId xmlns:p14="http://schemas.microsoft.com/office/powerpoint/2010/main" val="3348356996"/>
+        <p14:creationId xmlns:p14="http://schemas.microsoft.com/office/powerpoint/2010/main" val="1126717445"/>
       </p:ext>
     </p:extLst>
   </p:cSld>
@@ -9549,7 +9631,7 @@
           <a:p>
             <a:r>
               <a:rPr lang="en-AU" sz="4400" dirty="0"/>
-              <a:t>How is the police coping with criminal incidents</a:t>
+              <a:t>How are police coping with criminal incidents</a:t>
             </a:r>
             <a:r>
               <a:rPr lang="en-AU" sz="4100" dirty="0"/>
@@ -9746,12 +9828,7 @@
           <a:lstStyle/>
           <a:p>
             <a:r>
-              <a:rPr lang="en-US" sz="4000" dirty="0">
-                <a:effectLst/>
-                <a:latin typeface="Calibri" panose="020F0502020204030204" pitchFamily="34" charset="0"/>
-                <a:ea typeface="Calibri" panose="020F0502020204030204" pitchFamily="34" charset="0"/>
-                <a:cs typeface="Times New Roman" panose="02020603050405020304" pitchFamily="18" charset="0"/>
-              </a:rPr>
+              <a:rPr lang="en-US" dirty="0"/>
               <a:t>Local government areas (LGAs) </a:t>
             </a:r>
             <a:endParaRPr lang="en-AU" dirty="0"/>
@@ -9899,11 +9976,8 @@
           <a:lstStyle/>
           <a:p>
             <a:r>
-              <a:rPr lang="en-US" sz="4000" b="1" i="0" dirty="0">
-                <a:effectLst/>
-                <a:latin typeface="Slack-Lato"/>
-              </a:rPr>
-              <a:t>What are Police Service Areas?</a:t>
+              <a:rPr lang="en-US" dirty="0"/>
+              <a:t>Where are Police Service Areas?</a:t>
             </a:r>
             <a:endParaRPr lang="en-AU" dirty="0"/>
           </a:p>
@@ -10199,7 +10273,7 @@
                 <a:latin typeface="Calibri" panose="020F0502020204030204" pitchFamily="34" charset="0"/>
                 <a:cs typeface="Times New Roman" panose="02020603050405020304" pitchFamily="18" charset="0"/>
               </a:rPr>
-              <a:t>Data is normally distributed, no outliner identified</a:t>
+              <a:t>Data is normally distributed, no outliners identified</a:t>
             </a:r>
             <a:endParaRPr lang="en-AU" sz="2400" dirty="0">
               <a:latin typeface="Calibri" panose="020F0502020204030204" pitchFamily="34" charset="0"/>
@@ -10316,14 +10390,10 @@
           </a:lstStyle>
           <a:p>
             <a:r>
-              <a:rPr lang="en-US" dirty="0">
-                <a:latin typeface="Slack-Lato"/>
-              </a:rPr>
+              <a:rPr lang="en-US" dirty="0"/>
               <a:t>Unsolved charge percentage - 2021</a:t>
             </a:r>
-            <a:endParaRPr lang="en-AU" dirty="0">
-              <a:latin typeface="Slack-Lato"/>
-            </a:endParaRPr>
+            <a:endParaRPr lang="en-AU" dirty="0"/>
           </a:p>
         </p:txBody>
       </p:sp>
@@ -10454,14 +10524,10 @@
           <a:lstStyle/>
           <a:p>
             <a:r>
-              <a:rPr lang="en-US" dirty="0">
-                <a:latin typeface="Slack-Lato"/>
-              </a:rPr>
+              <a:rPr lang="en-US" dirty="0"/>
               <a:t>Solved charge percentage - 2021</a:t>
             </a:r>
-            <a:endParaRPr lang="en-AU" dirty="0">
-              <a:latin typeface="Slack-Lato"/>
-            </a:endParaRPr>
+            <a:endParaRPr lang="en-AU" dirty="0"/>
           </a:p>
         </p:txBody>
       </p:sp>
@@ -10876,14 +10942,10 @@
           <a:lstStyle/>
           <a:p>
             <a:r>
-              <a:rPr lang="en-US" dirty="0">
-                <a:latin typeface="Slack-Lato"/>
-              </a:rPr>
+              <a:rPr lang="en-US" dirty="0"/>
               <a:t>Top vs bottom 5 LGA in 2021</a:t>
             </a:r>
-            <a:endParaRPr lang="en-AU" dirty="0">
-              <a:latin typeface="Slack-Lato"/>
-            </a:endParaRPr>
+            <a:endParaRPr lang="en-AU" dirty="0"/>
           </a:p>
         </p:txBody>
       </p:sp>
@@ -14462,8 +14524,8 @@
         </p:nvSpPr>
         <p:spPr>
           <a:xfrm>
-            <a:off x="1967622" y="5920789"/>
-            <a:ext cx="9634011" cy="652549"/>
+            <a:off x="764772" y="5920789"/>
+            <a:ext cx="10836862" cy="652549"/>
           </a:xfrm>
         </p:spPr>
         <p:txBody>
@@ -14473,32 +14535,24 @@
           <a:lstStyle/>
           <a:p>
             <a:r>
-              <a:rPr lang="en-US" sz="2400" dirty="0">
-                <a:effectLst/>
-                <a:latin typeface="Calibri" panose="020F0502020204030204" pitchFamily="34" charset="0"/>
-                <a:ea typeface="Calibri" panose="020F0502020204030204" pitchFamily="34" charset="0"/>
-                <a:cs typeface="Times New Roman" panose="02020603050405020304" pitchFamily="18" charset="0"/>
+              <a:rPr lang="en-US" sz="1800" dirty="0">
+                <a:solidFill>
+                  <a:schemeClr val="tx1"/>
+                </a:solidFill>
+                <a:latin typeface="Consolas" panose="020B0609020204030204" pitchFamily="49" charset="0"/>
+                <a:ea typeface="+mn-ea"/>
+                <a:cs typeface="+mn-cs"/>
               </a:rPr>
-              <a:t>The more police station a LGA has, the less is </a:t>
+              <a:t>More police stations in each LGA, the lower the unsolved charge percentage</a:t>
             </a:r>
-            <a:r>
-              <a:rPr lang="en-US" sz="2400" dirty="0">
-                <a:latin typeface="Calibri" panose="020F0502020204030204" pitchFamily="34" charset="0"/>
-                <a:ea typeface="Calibri" panose="020F0502020204030204" pitchFamily="34" charset="0"/>
-                <a:cs typeface="Times New Roman" panose="02020603050405020304" pitchFamily="18" charset="0"/>
-              </a:rPr>
-              <a:t>unsolved </a:t>
-            </a:r>
-            <a:r>
-              <a:rPr lang="en-US" sz="2400" dirty="0">
-                <a:effectLst/>
-                <a:latin typeface="Calibri" panose="020F0502020204030204" pitchFamily="34" charset="0"/>
-                <a:ea typeface="Calibri" panose="020F0502020204030204" pitchFamily="34" charset="0"/>
-                <a:cs typeface="Times New Roman" panose="02020603050405020304" pitchFamily="18" charset="0"/>
-              </a:rPr>
-              <a:t>charge percentage</a:t>
-            </a:r>
-            <a:endParaRPr lang="en-AU" sz="2400" dirty="0"/>
+            <a:endParaRPr lang="en-AU" sz="1800" dirty="0">
+              <a:solidFill>
+                <a:schemeClr val="tx1"/>
+              </a:solidFill>
+              <a:latin typeface="Consolas" panose="020B0609020204030204" pitchFamily="49" charset="0"/>
+              <a:ea typeface="+mn-ea"/>
+              <a:cs typeface="+mn-cs"/>
+            </a:endParaRPr>
           </a:p>
         </p:txBody>
       </p:sp>

--- a/Crime_Victoria_PowerPoint_Presentation_temporary_Kelvin.pptx
+++ b/Crime_Victoria_PowerPoint_Presentation_temporary_Kelvin.pptx
@@ -5,7 +5,7 @@
     <p:sldMasterId id="2147483660" r:id="rId1"/>
   </p:sldMasterIdLst>
   <p:notesMasterIdLst>
-    <p:notesMasterId r:id="rId13"/>
+    <p:notesMasterId r:id="rId14"/>
   </p:notesMasterIdLst>
   <p:sldIdLst>
     <p:sldId id="282" r:id="rId2"/>
@@ -16,9 +16,10 @@
     <p:sldId id="274" r:id="rId7"/>
     <p:sldId id="285" r:id="rId8"/>
     <p:sldId id="275" r:id="rId9"/>
-    <p:sldId id="276" r:id="rId10"/>
-    <p:sldId id="277" r:id="rId11"/>
-    <p:sldId id="280" r:id="rId12"/>
+    <p:sldId id="280" r:id="rId10"/>
+    <p:sldId id="276" r:id="rId11"/>
+    <p:sldId id="277" r:id="rId12"/>
+    <p:sldId id="286" r:id="rId13"/>
   </p:sldIdLst>
   <p:sldSz cx="12192000" cy="6858000"/>
   <p:notesSz cx="6858000" cy="9144000"/>
@@ -121,6 +122,9 @@
     <p:ext uri="{EFAFB233-063F-42B5-8137-9DF3F51BA10A}">
       <p15:sldGuideLst xmlns:p15="http://schemas.microsoft.com/office/powerpoint/2012/main"/>
     </p:ext>
+    <p:ext uri="{2D200454-40CA-4A62-9FC3-DE9A4176ACB9}">
+      <p15:notesGuideLst xmlns:p15="http://schemas.microsoft.com/office/powerpoint/2012/main"/>
+    </p:ext>
   </p:extLst>
 </p:presentation>
 </file>
@@ -174,7 +178,7 @@
             </a:lvl1pPr>
           </a:lstStyle>
           <a:p>
-            <a:endParaRPr lang="en-AU"/>
+            <a:endParaRPr lang="en-AU" dirty="0"/>
           </a:p>
         </p:txBody>
       </p:sp>
@@ -207,9 +211,9 @@
           <a:p>
             <a:fld id="{014CC861-B526-4F4C-BB4A-044EE9A33D98}" type="datetimeFigureOut">
               <a:rPr lang="en-AU" smtClean="0"/>
-              <a:t>3/01/2022</a:t>
+              <a:t>4/01/2022</a:t>
             </a:fld>
-            <a:endParaRPr lang="en-AU"/>
+            <a:endParaRPr lang="en-AU" dirty="0"/>
           </a:p>
         </p:txBody>
       </p:sp>
@@ -242,7 +246,7 @@
           <a:bodyPr vert="horz" lIns="91440" tIns="45720" rIns="91440" bIns="45720" rtlCol="0" anchor="ctr"/>
           <a:lstStyle/>
           <a:p>
-            <a:endParaRPr lang="en-AU"/>
+            <a:endParaRPr lang="en-AU" dirty="0"/>
           </a:p>
         </p:txBody>
       </p:sp>
@@ -333,7 +337,7 @@
             </a:lvl1pPr>
           </a:lstStyle>
           <a:p>
-            <a:endParaRPr lang="en-AU"/>
+            <a:endParaRPr lang="en-AU" dirty="0"/>
           </a:p>
         </p:txBody>
       </p:sp>
@@ -368,7 +372,7 @@
               <a:rPr lang="en-AU" smtClean="0"/>
               <a:t>‹#›</a:t>
             </a:fld>
-            <a:endParaRPr lang="en-AU"/>
+            <a:endParaRPr lang="en-AU" dirty="0"/>
           </a:p>
         </p:txBody>
       </p:sp>
@@ -473,6 +477,1259 @@
     </a:lvl9pPr>
   </p:notesStyle>
 </p:notesMaster>
+</file>
+
+<file path=ppt/notesSlides/notesSlide1.xml><?xml version="1.0" encoding="utf-8"?>
+<p:notes xmlns:a="http://schemas.openxmlformats.org/drawingml/2006/main" xmlns:r="http://schemas.openxmlformats.org/officeDocument/2006/relationships" xmlns:p="http://schemas.openxmlformats.org/presentationml/2006/main">
+  <p:cSld>
+    <p:spTree>
+      <p:nvGrpSpPr>
+        <p:cNvPr id="1" name=""/>
+        <p:cNvGrpSpPr/>
+        <p:nvPr/>
+      </p:nvGrpSpPr>
+      <p:grpSpPr>
+        <a:xfrm>
+          <a:off x="0" y="0"/>
+          <a:ext cx="0" cy="0"/>
+          <a:chOff x="0" y="0"/>
+          <a:chExt cx="0" cy="0"/>
+        </a:xfrm>
+      </p:grpSpPr>
+      <p:sp>
+        <p:nvSpPr>
+          <p:cNvPr id="2" name="Slide Image Placeholder 1"/>
+          <p:cNvSpPr>
+            <a:spLocks noGrp="1" noRot="1" noChangeAspect="1"/>
+          </p:cNvSpPr>
+          <p:nvPr>
+            <p:ph type="sldImg"/>
+          </p:nvPr>
+        </p:nvSpPr>
+        <p:spPr/>
+      </p:sp>
+      <p:sp>
+        <p:nvSpPr>
+          <p:cNvPr id="3" name="Notes Placeholder 2"/>
+          <p:cNvSpPr>
+            <a:spLocks noGrp="1"/>
+          </p:cNvSpPr>
+          <p:nvPr>
+            <p:ph type="body" idx="1"/>
+          </p:nvPr>
+        </p:nvSpPr>
+        <p:spPr/>
+        <p:txBody>
+          <a:bodyPr/>
+          <a:lstStyle/>
+          <a:p>
+            <a:endParaRPr lang="en-AU" dirty="0"/>
+          </a:p>
+        </p:txBody>
+      </p:sp>
+      <p:sp>
+        <p:nvSpPr>
+          <p:cNvPr id="4" name="Slide Number Placeholder 3"/>
+          <p:cNvSpPr>
+            <a:spLocks noGrp="1"/>
+          </p:cNvSpPr>
+          <p:nvPr>
+            <p:ph type="sldNum" sz="quarter" idx="5"/>
+          </p:nvPr>
+        </p:nvSpPr>
+        <p:spPr/>
+        <p:txBody>
+          <a:bodyPr/>
+          <a:lstStyle/>
+          <a:p>
+            <a:fld id="{58239BD6-EB29-4011-A62C-2CB7FEE68F3C}" type="slidenum">
+              <a:rPr lang="en-AU" smtClean="0"/>
+              <a:t>1</a:t>
+            </a:fld>
+            <a:endParaRPr lang="en-AU" dirty="0"/>
+          </a:p>
+        </p:txBody>
+      </p:sp>
+    </p:spTree>
+    <p:extLst>
+      <p:ext uri="{BB962C8B-B14F-4D97-AF65-F5344CB8AC3E}">
+        <p14:creationId xmlns:p14="http://schemas.microsoft.com/office/powerpoint/2010/main" val="65848736"/>
+      </p:ext>
+    </p:extLst>
+  </p:cSld>
+  <p:clrMapOvr>
+    <a:masterClrMapping/>
+  </p:clrMapOvr>
+</p:notes>
+</file>
+
+<file path=ppt/notesSlides/notesSlide10.xml><?xml version="1.0" encoding="utf-8"?>
+<p:notes xmlns:a="http://schemas.openxmlformats.org/drawingml/2006/main" xmlns:r="http://schemas.openxmlformats.org/officeDocument/2006/relationships" xmlns:p="http://schemas.openxmlformats.org/presentationml/2006/main">
+  <p:cSld>
+    <p:spTree>
+      <p:nvGrpSpPr>
+        <p:cNvPr id="1" name=""/>
+        <p:cNvGrpSpPr/>
+        <p:nvPr/>
+      </p:nvGrpSpPr>
+      <p:grpSpPr>
+        <a:xfrm>
+          <a:off x="0" y="0"/>
+          <a:ext cx="0" cy="0"/>
+          <a:chOff x="0" y="0"/>
+          <a:chExt cx="0" cy="0"/>
+        </a:xfrm>
+      </p:grpSpPr>
+      <p:sp>
+        <p:nvSpPr>
+          <p:cNvPr id="2" name="Slide Image Placeholder 1"/>
+          <p:cNvSpPr>
+            <a:spLocks noGrp="1" noRot="1" noChangeAspect="1"/>
+          </p:cNvSpPr>
+          <p:nvPr>
+            <p:ph type="sldImg"/>
+          </p:nvPr>
+        </p:nvSpPr>
+        <p:spPr/>
+      </p:sp>
+      <p:sp>
+        <p:nvSpPr>
+          <p:cNvPr id="3" name="Notes Placeholder 2"/>
+          <p:cNvSpPr>
+            <a:spLocks noGrp="1"/>
+          </p:cNvSpPr>
+          <p:nvPr>
+            <p:ph type="body" idx="1"/>
+          </p:nvPr>
+        </p:nvSpPr>
+        <p:spPr/>
+        <p:txBody>
+          <a:bodyPr/>
+          <a:lstStyle/>
+          <a:p>
+            <a:endParaRPr lang="en-AU" dirty="0"/>
+          </a:p>
+        </p:txBody>
+      </p:sp>
+      <p:sp>
+        <p:nvSpPr>
+          <p:cNvPr id="4" name="Slide Number Placeholder 3"/>
+          <p:cNvSpPr>
+            <a:spLocks noGrp="1"/>
+          </p:cNvSpPr>
+          <p:nvPr>
+            <p:ph type="sldNum" sz="quarter" idx="5"/>
+          </p:nvPr>
+        </p:nvSpPr>
+        <p:spPr/>
+        <p:txBody>
+          <a:bodyPr/>
+          <a:lstStyle/>
+          <a:p>
+            <a:fld id="{58239BD6-EB29-4011-A62C-2CB7FEE68F3C}" type="slidenum">
+              <a:rPr lang="en-AU" smtClean="0"/>
+              <a:t>10</a:t>
+            </a:fld>
+            <a:endParaRPr lang="en-AU" dirty="0"/>
+          </a:p>
+        </p:txBody>
+      </p:sp>
+    </p:spTree>
+    <p:extLst>
+      <p:ext uri="{BB962C8B-B14F-4D97-AF65-F5344CB8AC3E}">
+        <p14:creationId xmlns:p14="http://schemas.microsoft.com/office/powerpoint/2010/main" val="2697309739"/>
+      </p:ext>
+    </p:extLst>
+  </p:cSld>
+  <p:clrMapOvr>
+    <a:masterClrMapping/>
+  </p:clrMapOvr>
+</p:notes>
+</file>
+
+<file path=ppt/notesSlides/notesSlide11.xml><?xml version="1.0" encoding="utf-8"?>
+<p:notes xmlns:a="http://schemas.openxmlformats.org/drawingml/2006/main" xmlns:r="http://schemas.openxmlformats.org/officeDocument/2006/relationships" xmlns:p="http://schemas.openxmlformats.org/presentationml/2006/main">
+  <p:cSld>
+    <p:spTree>
+      <p:nvGrpSpPr>
+        <p:cNvPr id="1" name=""/>
+        <p:cNvGrpSpPr/>
+        <p:nvPr/>
+      </p:nvGrpSpPr>
+      <p:grpSpPr>
+        <a:xfrm>
+          <a:off x="0" y="0"/>
+          <a:ext cx="0" cy="0"/>
+          <a:chOff x="0" y="0"/>
+          <a:chExt cx="0" cy="0"/>
+        </a:xfrm>
+      </p:grpSpPr>
+      <p:sp>
+        <p:nvSpPr>
+          <p:cNvPr id="2" name="Slide Image Placeholder 1"/>
+          <p:cNvSpPr>
+            <a:spLocks noGrp="1" noRot="1" noChangeAspect="1"/>
+          </p:cNvSpPr>
+          <p:nvPr>
+            <p:ph type="sldImg"/>
+          </p:nvPr>
+        </p:nvSpPr>
+        <p:spPr/>
+      </p:sp>
+      <p:sp>
+        <p:nvSpPr>
+          <p:cNvPr id="3" name="Notes Placeholder 2"/>
+          <p:cNvSpPr>
+            <a:spLocks noGrp="1"/>
+          </p:cNvSpPr>
+          <p:nvPr>
+            <p:ph type="body" idx="1"/>
+          </p:nvPr>
+        </p:nvSpPr>
+        <p:spPr/>
+        <p:txBody>
+          <a:bodyPr/>
+          <a:lstStyle/>
+          <a:p>
+            <a:r>
+              <a:rPr lang="en-US" sz="1800" dirty="0">
+                <a:effectLst/>
+                <a:latin typeface="Calibri" panose="020F0502020204030204" pitchFamily="34" charset="0"/>
+                <a:ea typeface="Calibri" panose="020F0502020204030204" pitchFamily="34" charset="0"/>
+                <a:cs typeface="Times New Roman" panose="02020603050405020304" pitchFamily="18" charset="0"/>
+              </a:rPr>
+              <a:t>LGAs dataset are grouped into four PSA regions for this analysis</a:t>
+            </a:r>
+          </a:p>
+          <a:p>
+            <a:pPr>
+              <a:lnSpc>
+                <a:spcPct val="107000"/>
+              </a:lnSpc>
+              <a:spcAft>
+                <a:spcPts val="800"/>
+              </a:spcAft>
+            </a:pPr>
+            <a:r>
+              <a:rPr lang="en-US" sz="1800" dirty="0">
+                <a:effectLst/>
+                <a:latin typeface="Calibri" panose="020F0502020204030204" pitchFamily="34" charset="0"/>
+                <a:ea typeface="Calibri" panose="020F0502020204030204" pitchFamily="34" charset="0"/>
+                <a:cs typeface="Times New Roman" panose="02020603050405020304" pitchFamily="18" charset="0"/>
+              </a:rPr>
+              <a:t>In for each region, unsolved charge percentage, however, showed decreased in trend despite the increase in population.</a:t>
+            </a:r>
+            <a:endParaRPr lang="en-AU" sz="1800" dirty="0">
+              <a:effectLst/>
+              <a:latin typeface="Calibri" panose="020F0502020204030204" pitchFamily="34" charset="0"/>
+              <a:ea typeface="Calibri" panose="020F0502020204030204" pitchFamily="34" charset="0"/>
+              <a:cs typeface="Times New Roman" panose="02020603050405020304" pitchFamily="18" charset="0"/>
+            </a:endParaRPr>
+          </a:p>
+          <a:p>
+            <a:pPr>
+              <a:lnSpc>
+                <a:spcPct val="107000"/>
+              </a:lnSpc>
+              <a:spcAft>
+                <a:spcPts val="800"/>
+              </a:spcAft>
+            </a:pPr>
+            <a:r>
+              <a:rPr lang="en-US" sz="1800" dirty="0">
+                <a:effectLst/>
+                <a:latin typeface="Calibri" panose="020F0502020204030204" pitchFamily="34" charset="0"/>
+                <a:ea typeface="Calibri" panose="020F0502020204030204" pitchFamily="34" charset="0"/>
+                <a:cs typeface="Times New Roman" panose="02020603050405020304" pitchFamily="18" charset="0"/>
+              </a:rPr>
+              <a:t>Especially for North West metropolitan region, the population growth rate was higher, but the unsolved charge percentage reduced at a little higher rate compared to other regions.</a:t>
+            </a:r>
+            <a:endParaRPr lang="en-AU" sz="1800" dirty="0">
+              <a:effectLst/>
+              <a:latin typeface="Calibri" panose="020F0502020204030204" pitchFamily="34" charset="0"/>
+              <a:ea typeface="Calibri" panose="020F0502020204030204" pitchFamily="34" charset="0"/>
+              <a:cs typeface="Times New Roman" panose="02020603050405020304" pitchFamily="18" charset="0"/>
+            </a:endParaRPr>
+          </a:p>
+          <a:p>
+            <a:pPr>
+              <a:lnSpc>
+                <a:spcPct val="107000"/>
+              </a:lnSpc>
+              <a:spcAft>
+                <a:spcPts val="800"/>
+              </a:spcAft>
+            </a:pPr>
+            <a:r>
+              <a:rPr lang="en-US" sz="1800" dirty="0">
+                <a:effectLst/>
+                <a:latin typeface="Calibri" panose="020F0502020204030204" pitchFamily="34" charset="0"/>
+                <a:ea typeface="Calibri" panose="020F0502020204030204" pitchFamily="34" charset="0"/>
+                <a:cs typeface="Times New Roman" panose="02020603050405020304" pitchFamily="18" charset="0"/>
+              </a:rPr>
+              <a:t>On the other hand, Southern metropolitan with lower population growth rate compared to North Western metropolitan, but the unsolved charge percentage reached to equivalent level in last three years.</a:t>
+            </a:r>
+            <a:endParaRPr lang="en-AU" sz="1800" dirty="0">
+              <a:effectLst/>
+              <a:latin typeface="Calibri" panose="020F0502020204030204" pitchFamily="34" charset="0"/>
+              <a:ea typeface="Calibri" panose="020F0502020204030204" pitchFamily="34" charset="0"/>
+              <a:cs typeface="Times New Roman" panose="02020603050405020304" pitchFamily="18" charset="0"/>
+            </a:endParaRPr>
+          </a:p>
+          <a:p>
+            <a:endParaRPr lang="en-US" sz="1800" dirty="0">
+              <a:latin typeface="Calibri" panose="020F0502020204030204" pitchFamily="34" charset="0"/>
+              <a:cs typeface="Times New Roman" panose="02020603050405020304" pitchFamily="18" charset="0"/>
+            </a:endParaRPr>
+          </a:p>
+        </p:txBody>
+      </p:sp>
+      <p:sp>
+        <p:nvSpPr>
+          <p:cNvPr id="4" name="Slide Number Placeholder 3"/>
+          <p:cNvSpPr>
+            <a:spLocks noGrp="1"/>
+          </p:cNvSpPr>
+          <p:nvPr>
+            <p:ph type="sldNum" sz="quarter" idx="5"/>
+          </p:nvPr>
+        </p:nvSpPr>
+        <p:spPr/>
+        <p:txBody>
+          <a:bodyPr/>
+          <a:lstStyle/>
+          <a:p>
+            <a:fld id="{58239BD6-EB29-4011-A62C-2CB7FEE68F3C}" type="slidenum">
+              <a:rPr lang="en-AU" smtClean="0"/>
+              <a:t>11</a:t>
+            </a:fld>
+            <a:endParaRPr lang="en-AU" dirty="0"/>
+          </a:p>
+        </p:txBody>
+      </p:sp>
+    </p:spTree>
+    <p:extLst>
+      <p:ext uri="{BB962C8B-B14F-4D97-AF65-F5344CB8AC3E}">
+        <p14:creationId xmlns:p14="http://schemas.microsoft.com/office/powerpoint/2010/main" val="1283516425"/>
+      </p:ext>
+    </p:extLst>
+  </p:cSld>
+  <p:clrMapOvr>
+    <a:masterClrMapping/>
+  </p:clrMapOvr>
+</p:notes>
+</file>
+
+<file path=ppt/notesSlides/notesSlide12.xml><?xml version="1.0" encoding="utf-8"?>
+<p:notes xmlns:a="http://schemas.openxmlformats.org/drawingml/2006/main" xmlns:r="http://schemas.openxmlformats.org/officeDocument/2006/relationships" xmlns:p="http://schemas.openxmlformats.org/presentationml/2006/main">
+  <p:cSld>
+    <p:spTree>
+      <p:nvGrpSpPr>
+        <p:cNvPr id="1" name=""/>
+        <p:cNvGrpSpPr/>
+        <p:nvPr/>
+      </p:nvGrpSpPr>
+      <p:grpSpPr>
+        <a:xfrm>
+          <a:off x="0" y="0"/>
+          <a:ext cx="0" cy="0"/>
+          <a:chOff x="0" y="0"/>
+          <a:chExt cx="0" cy="0"/>
+        </a:xfrm>
+      </p:grpSpPr>
+      <p:sp>
+        <p:nvSpPr>
+          <p:cNvPr id="2" name="Slide Image Placeholder 1"/>
+          <p:cNvSpPr>
+            <a:spLocks noGrp="1" noRot="1" noChangeAspect="1"/>
+          </p:cNvSpPr>
+          <p:nvPr>
+            <p:ph type="sldImg"/>
+          </p:nvPr>
+        </p:nvSpPr>
+        <p:spPr/>
+      </p:sp>
+      <p:sp>
+        <p:nvSpPr>
+          <p:cNvPr id="3" name="Notes Placeholder 2"/>
+          <p:cNvSpPr>
+            <a:spLocks noGrp="1"/>
+          </p:cNvSpPr>
+          <p:nvPr>
+            <p:ph type="body" idx="1"/>
+          </p:nvPr>
+        </p:nvSpPr>
+        <p:spPr/>
+        <p:txBody>
+          <a:bodyPr/>
+          <a:lstStyle/>
+          <a:p>
+            <a:endParaRPr lang="en-AU"/>
+          </a:p>
+        </p:txBody>
+      </p:sp>
+      <p:sp>
+        <p:nvSpPr>
+          <p:cNvPr id="4" name="Slide Number Placeholder 3"/>
+          <p:cNvSpPr>
+            <a:spLocks noGrp="1"/>
+          </p:cNvSpPr>
+          <p:nvPr>
+            <p:ph type="sldNum" sz="quarter" idx="5"/>
+          </p:nvPr>
+        </p:nvSpPr>
+        <p:spPr/>
+        <p:txBody>
+          <a:bodyPr/>
+          <a:lstStyle/>
+          <a:p>
+            <a:fld id="{58239BD6-EB29-4011-A62C-2CB7FEE68F3C}" type="slidenum">
+              <a:rPr lang="en-AU" smtClean="0"/>
+              <a:t>12</a:t>
+            </a:fld>
+            <a:endParaRPr lang="en-AU" dirty="0"/>
+          </a:p>
+        </p:txBody>
+      </p:sp>
+    </p:spTree>
+    <p:extLst>
+      <p:ext uri="{BB962C8B-B14F-4D97-AF65-F5344CB8AC3E}">
+        <p14:creationId xmlns:p14="http://schemas.microsoft.com/office/powerpoint/2010/main" val="4291862822"/>
+      </p:ext>
+    </p:extLst>
+  </p:cSld>
+  <p:clrMapOvr>
+    <a:masterClrMapping/>
+  </p:clrMapOvr>
+</p:notes>
+</file>
+
+<file path=ppt/notesSlides/notesSlide2.xml><?xml version="1.0" encoding="utf-8"?>
+<p:notes xmlns:a="http://schemas.openxmlformats.org/drawingml/2006/main" xmlns:r="http://schemas.openxmlformats.org/officeDocument/2006/relationships" xmlns:p="http://schemas.openxmlformats.org/presentationml/2006/main">
+  <p:cSld>
+    <p:spTree>
+      <p:nvGrpSpPr>
+        <p:cNvPr id="1" name=""/>
+        <p:cNvGrpSpPr/>
+        <p:nvPr/>
+      </p:nvGrpSpPr>
+      <p:grpSpPr>
+        <a:xfrm>
+          <a:off x="0" y="0"/>
+          <a:ext cx="0" cy="0"/>
+          <a:chOff x="0" y="0"/>
+          <a:chExt cx="0" cy="0"/>
+        </a:xfrm>
+      </p:grpSpPr>
+      <p:sp>
+        <p:nvSpPr>
+          <p:cNvPr id="2" name="Slide Image Placeholder 1"/>
+          <p:cNvSpPr>
+            <a:spLocks noGrp="1" noRot="1" noChangeAspect="1"/>
+          </p:cNvSpPr>
+          <p:nvPr>
+            <p:ph type="sldImg"/>
+          </p:nvPr>
+        </p:nvSpPr>
+        <p:spPr/>
+      </p:sp>
+      <p:sp>
+        <p:nvSpPr>
+          <p:cNvPr id="3" name="Notes Placeholder 2"/>
+          <p:cNvSpPr>
+            <a:spLocks noGrp="1"/>
+          </p:cNvSpPr>
+          <p:nvPr>
+            <p:ph type="body" idx="1"/>
+          </p:nvPr>
+        </p:nvSpPr>
+        <p:spPr/>
+        <p:txBody>
+          <a:bodyPr/>
+          <a:lstStyle/>
+          <a:p>
+            <a:endParaRPr lang="en-AU" dirty="0"/>
+          </a:p>
+        </p:txBody>
+      </p:sp>
+      <p:sp>
+        <p:nvSpPr>
+          <p:cNvPr id="4" name="Slide Number Placeholder 3"/>
+          <p:cNvSpPr>
+            <a:spLocks noGrp="1"/>
+          </p:cNvSpPr>
+          <p:nvPr>
+            <p:ph type="sldNum" sz="quarter" idx="5"/>
+          </p:nvPr>
+        </p:nvSpPr>
+        <p:spPr/>
+        <p:txBody>
+          <a:bodyPr/>
+          <a:lstStyle/>
+          <a:p>
+            <a:fld id="{58239BD6-EB29-4011-A62C-2CB7FEE68F3C}" type="slidenum">
+              <a:rPr lang="en-AU" smtClean="0"/>
+              <a:t>2</a:t>
+            </a:fld>
+            <a:endParaRPr lang="en-AU" dirty="0"/>
+          </a:p>
+        </p:txBody>
+      </p:sp>
+    </p:spTree>
+    <p:extLst>
+      <p:ext uri="{BB962C8B-B14F-4D97-AF65-F5344CB8AC3E}">
+        <p14:creationId xmlns:p14="http://schemas.microsoft.com/office/powerpoint/2010/main" val="3887865546"/>
+      </p:ext>
+    </p:extLst>
+  </p:cSld>
+  <p:clrMapOvr>
+    <a:masterClrMapping/>
+  </p:clrMapOvr>
+</p:notes>
+</file>
+
+<file path=ppt/notesSlides/notesSlide3.xml><?xml version="1.0" encoding="utf-8"?>
+<p:notes xmlns:a="http://schemas.openxmlformats.org/drawingml/2006/main" xmlns:r="http://schemas.openxmlformats.org/officeDocument/2006/relationships" xmlns:p="http://schemas.openxmlformats.org/presentationml/2006/main">
+  <p:cSld>
+    <p:spTree>
+      <p:nvGrpSpPr>
+        <p:cNvPr id="1" name=""/>
+        <p:cNvGrpSpPr/>
+        <p:nvPr/>
+      </p:nvGrpSpPr>
+      <p:grpSpPr>
+        <a:xfrm>
+          <a:off x="0" y="0"/>
+          <a:ext cx="0" cy="0"/>
+          <a:chOff x="0" y="0"/>
+          <a:chExt cx="0" cy="0"/>
+        </a:xfrm>
+      </p:grpSpPr>
+      <p:sp>
+        <p:nvSpPr>
+          <p:cNvPr id="2" name="Slide Image Placeholder 1"/>
+          <p:cNvSpPr>
+            <a:spLocks noGrp="1" noRot="1" noChangeAspect="1"/>
+          </p:cNvSpPr>
+          <p:nvPr>
+            <p:ph type="sldImg"/>
+          </p:nvPr>
+        </p:nvSpPr>
+        <p:spPr/>
+      </p:sp>
+      <p:sp>
+        <p:nvSpPr>
+          <p:cNvPr id="3" name="Notes Placeholder 2"/>
+          <p:cNvSpPr>
+            <a:spLocks noGrp="1"/>
+          </p:cNvSpPr>
+          <p:nvPr>
+            <p:ph type="body" idx="1"/>
+          </p:nvPr>
+        </p:nvSpPr>
+        <p:spPr/>
+        <p:txBody>
+          <a:bodyPr/>
+          <a:lstStyle/>
+          <a:p>
+            <a:endParaRPr lang="en-AU" dirty="0"/>
+          </a:p>
+        </p:txBody>
+      </p:sp>
+      <p:sp>
+        <p:nvSpPr>
+          <p:cNvPr id="4" name="Slide Number Placeholder 3"/>
+          <p:cNvSpPr>
+            <a:spLocks noGrp="1"/>
+          </p:cNvSpPr>
+          <p:nvPr>
+            <p:ph type="sldNum" sz="quarter" idx="5"/>
+          </p:nvPr>
+        </p:nvSpPr>
+        <p:spPr/>
+        <p:txBody>
+          <a:bodyPr/>
+          <a:lstStyle/>
+          <a:p>
+            <a:fld id="{58239BD6-EB29-4011-A62C-2CB7FEE68F3C}" type="slidenum">
+              <a:rPr lang="en-AU" smtClean="0"/>
+              <a:t>3</a:t>
+            </a:fld>
+            <a:endParaRPr lang="en-AU" dirty="0"/>
+          </a:p>
+        </p:txBody>
+      </p:sp>
+    </p:spTree>
+    <p:extLst>
+      <p:ext uri="{BB962C8B-B14F-4D97-AF65-F5344CB8AC3E}">
+        <p14:creationId xmlns:p14="http://schemas.microsoft.com/office/powerpoint/2010/main" val="1293147927"/>
+      </p:ext>
+    </p:extLst>
+  </p:cSld>
+  <p:clrMapOvr>
+    <a:masterClrMapping/>
+  </p:clrMapOvr>
+</p:notes>
+</file>
+
+<file path=ppt/notesSlides/notesSlide4.xml><?xml version="1.0" encoding="utf-8"?>
+<p:notes xmlns:a="http://schemas.openxmlformats.org/drawingml/2006/main" xmlns:r="http://schemas.openxmlformats.org/officeDocument/2006/relationships" xmlns:p="http://schemas.openxmlformats.org/presentationml/2006/main">
+  <p:cSld>
+    <p:spTree>
+      <p:nvGrpSpPr>
+        <p:cNvPr id="1" name=""/>
+        <p:cNvGrpSpPr/>
+        <p:nvPr/>
+      </p:nvGrpSpPr>
+      <p:grpSpPr>
+        <a:xfrm>
+          <a:off x="0" y="0"/>
+          <a:ext cx="0" cy="0"/>
+          <a:chOff x="0" y="0"/>
+          <a:chExt cx="0" cy="0"/>
+        </a:xfrm>
+      </p:grpSpPr>
+      <p:sp>
+        <p:nvSpPr>
+          <p:cNvPr id="2" name="Slide Image Placeholder 1"/>
+          <p:cNvSpPr>
+            <a:spLocks noGrp="1" noRot="1" noChangeAspect="1"/>
+          </p:cNvSpPr>
+          <p:nvPr>
+            <p:ph type="sldImg"/>
+          </p:nvPr>
+        </p:nvSpPr>
+        <p:spPr/>
+      </p:sp>
+      <p:sp>
+        <p:nvSpPr>
+          <p:cNvPr id="3" name="Notes Placeholder 2"/>
+          <p:cNvSpPr>
+            <a:spLocks noGrp="1"/>
+          </p:cNvSpPr>
+          <p:nvPr>
+            <p:ph type="body" idx="1"/>
+          </p:nvPr>
+        </p:nvSpPr>
+        <p:spPr/>
+        <p:txBody>
+          <a:bodyPr/>
+          <a:lstStyle/>
+          <a:p>
+            <a:r>
+              <a:rPr lang="en-US" sz="1800" dirty="0">
+                <a:effectLst/>
+                <a:latin typeface="Calibri" panose="020F0502020204030204" pitchFamily="34" charset="0"/>
+                <a:ea typeface="Calibri" panose="020F0502020204030204" pitchFamily="34" charset="0"/>
+                <a:cs typeface="Times New Roman" panose="02020603050405020304" pitchFamily="18" charset="0"/>
+              </a:rPr>
+              <a:t>There are too many LGA’s, those must be allocated into seven administrative regions for ease of referencing</a:t>
+            </a:r>
+          </a:p>
+          <a:p>
+            <a:endParaRPr lang="en-US" sz="1800" dirty="0">
+              <a:latin typeface="Calibri" panose="020F0502020204030204" pitchFamily="34" charset="0"/>
+              <a:cs typeface="Times New Roman" panose="02020603050405020304" pitchFamily="18" charset="0"/>
+            </a:endParaRPr>
+          </a:p>
+          <a:p>
+            <a:r>
+              <a:rPr lang="en-AU" sz="1800" dirty="0">
+                <a:effectLst/>
+                <a:latin typeface="Calibri" panose="020F0502020204030204" pitchFamily="34" charset="0"/>
+                <a:ea typeface="Calibri" panose="020F0502020204030204" pitchFamily="34" charset="0"/>
+                <a:cs typeface="Times New Roman" panose="02020603050405020304" pitchFamily="18" charset="0"/>
+              </a:rPr>
+              <a:t>For more simplicity and better service, the police further group LGA into only four regions</a:t>
+            </a:r>
+          </a:p>
+          <a:p>
+            <a:endParaRPr lang="en-AU" dirty="0"/>
+          </a:p>
+        </p:txBody>
+      </p:sp>
+      <p:sp>
+        <p:nvSpPr>
+          <p:cNvPr id="4" name="Slide Number Placeholder 3"/>
+          <p:cNvSpPr>
+            <a:spLocks noGrp="1"/>
+          </p:cNvSpPr>
+          <p:nvPr>
+            <p:ph type="sldNum" sz="quarter" idx="5"/>
+          </p:nvPr>
+        </p:nvSpPr>
+        <p:spPr/>
+        <p:txBody>
+          <a:bodyPr/>
+          <a:lstStyle/>
+          <a:p>
+            <a:fld id="{58239BD6-EB29-4011-A62C-2CB7FEE68F3C}" type="slidenum">
+              <a:rPr lang="en-AU" smtClean="0"/>
+              <a:t>4</a:t>
+            </a:fld>
+            <a:endParaRPr lang="en-AU" dirty="0"/>
+          </a:p>
+        </p:txBody>
+      </p:sp>
+    </p:spTree>
+    <p:extLst>
+      <p:ext uri="{BB962C8B-B14F-4D97-AF65-F5344CB8AC3E}">
+        <p14:creationId xmlns:p14="http://schemas.microsoft.com/office/powerpoint/2010/main" val="2741411593"/>
+      </p:ext>
+    </p:extLst>
+  </p:cSld>
+  <p:clrMapOvr>
+    <a:masterClrMapping/>
+  </p:clrMapOvr>
+</p:notes>
+</file>
+
+<file path=ppt/notesSlides/notesSlide5.xml><?xml version="1.0" encoding="utf-8"?>
+<p:notes xmlns:a="http://schemas.openxmlformats.org/drawingml/2006/main" xmlns:r="http://schemas.openxmlformats.org/officeDocument/2006/relationships" xmlns:p="http://schemas.openxmlformats.org/presentationml/2006/main">
+  <p:cSld>
+    <p:spTree>
+      <p:nvGrpSpPr>
+        <p:cNvPr id="1" name=""/>
+        <p:cNvGrpSpPr/>
+        <p:nvPr/>
+      </p:nvGrpSpPr>
+      <p:grpSpPr>
+        <a:xfrm>
+          <a:off x="0" y="0"/>
+          <a:ext cx="0" cy="0"/>
+          <a:chOff x="0" y="0"/>
+          <a:chExt cx="0" cy="0"/>
+        </a:xfrm>
+      </p:grpSpPr>
+      <p:sp>
+        <p:nvSpPr>
+          <p:cNvPr id="2" name="Slide Image Placeholder 1"/>
+          <p:cNvSpPr>
+            <a:spLocks noGrp="1" noRot="1" noChangeAspect="1"/>
+          </p:cNvSpPr>
+          <p:nvPr>
+            <p:ph type="sldImg"/>
+          </p:nvPr>
+        </p:nvSpPr>
+        <p:spPr/>
+      </p:sp>
+      <p:sp>
+        <p:nvSpPr>
+          <p:cNvPr id="3" name="Notes Placeholder 2"/>
+          <p:cNvSpPr>
+            <a:spLocks noGrp="1"/>
+          </p:cNvSpPr>
+          <p:nvPr>
+            <p:ph type="body" idx="1"/>
+          </p:nvPr>
+        </p:nvSpPr>
+        <p:spPr/>
+        <p:txBody>
+          <a:bodyPr/>
+          <a:lstStyle/>
+          <a:p>
+            <a:r>
+              <a:rPr lang="en-US" sz="1800" dirty="0">
+                <a:effectLst/>
+                <a:latin typeface="Calibri" panose="020F0502020204030204" pitchFamily="34" charset="0"/>
+                <a:ea typeface="Calibri" panose="020F0502020204030204" pitchFamily="34" charset="0"/>
+                <a:cs typeface="Times New Roman" panose="02020603050405020304" pitchFamily="18" charset="0"/>
+              </a:rPr>
+              <a:t>For purpose of understanding progress of a criminal case, criminal charges statuses are grouped into two main categories, solved or unsolved.</a:t>
+            </a:r>
+          </a:p>
+          <a:p>
+            <a:r>
+              <a:rPr lang="en-US" sz="1800" dirty="0">
+                <a:effectLst/>
+                <a:latin typeface="Calibri" panose="020F0502020204030204" pitchFamily="34" charset="0"/>
+                <a:ea typeface="Calibri" panose="020F0502020204030204" pitchFamily="34" charset="0"/>
+                <a:cs typeface="Times New Roman" panose="02020603050405020304" pitchFamily="18" charset="0"/>
+              </a:rPr>
+              <a:t>But we pick u</a:t>
+            </a:r>
+            <a:r>
+              <a:rPr lang="en-US" sz="1800" dirty="0">
+                <a:latin typeface="Calibri" panose="020F0502020204030204" pitchFamily="34" charset="0"/>
+                <a:ea typeface="Calibri" panose="020F0502020204030204" pitchFamily="34" charset="0"/>
+                <a:cs typeface="Times New Roman" panose="02020603050405020304" pitchFamily="18" charset="0"/>
+              </a:rPr>
+              <a:t>nsolved charge to examine how efficient..</a:t>
+            </a:r>
+          </a:p>
+          <a:p>
+            <a:endParaRPr lang="en-US" sz="1800" dirty="0">
+              <a:effectLst/>
+              <a:latin typeface="Calibri" panose="020F0502020204030204" pitchFamily="34" charset="0"/>
+              <a:ea typeface="Calibri" panose="020F0502020204030204" pitchFamily="34" charset="0"/>
+              <a:cs typeface="Times New Roman" panose="02020603050405020304" pitchFamily="18" charset="0"/>
+            </a:endParaRPr>
+          </a:p>
+          <a:p>
+            <a:r>
+              <a:rPr lang="en-US" sz="1800" dirty="0">
+                <a:effectLst/>
+                <a:latin typeface="Calibri" panose="020F0502020204030204" pitchFamily="34" charset="0"/>
+                <a:ea typeface="Calibri" panose="020F0502020204030204" pitchFamily="34" charset="0"/>
+                <a:cs typeface="Times New Roman" panose="02020603050405020304" pitchFamily="18" charset="0"/>
+              </a:rPr>
+              <a:t>We took a snapshot of criminal incident unsolved charge status in 2021 and concluded the data is normal distributed and there are no outliners.</a:t>
+            </a:r>
+            <a:endParaRPr lang="en-AU" sz="1800" dirty="0">
+              <a:effectLst/>
+              <a:latin typeface="Calibri" panose="020F0502020204030204" pitchFamily="34" charset="0"/>
+              <a:ea typeface="Calibri" panose="020F0502020204030204" pitchFamily="34" charset="0"/>
+              <a:cs typeface="Times New Roman" panose="02020603050405020304" pitchFamily="18" charset="0"/>
+            </a:endParaRPr>
+          </a:p>
+          <a:p>
+            <a:endParaRPr lang="en-AU" sz="1800" dirty="0">
+              <a:effectLst/>
+              <a:latin typeface="Calibri" panose="020F0502020204030204" pitchFamily="34" charset="0"/>
+              <a:ea typeface="Calibri" panose="020F0502020204030204" pitchFamily="34" charset="0"/>
+              <a:cs typeface="Times New Roman" panose="02020603050405020304" pitchFamily="18" charset="0"/>
+            </a:endParaRPr>
+          </a:p>
+          <a:p>
+            <a:endParaRPr lang="en-AU" dirty="0"/>
+          </a:p>
+        </p:txBody>
+      </p:sp>
+      <p:sp>
+        <p:nvSpPr>
+          <p:cNvPr id="4" name="Slide Number Placeholder 3"/>
+          <p:cNvSpPr>
+            <a:spLocks noGrp="1"/>
+          </p:cNvSpPr>
+          <p:nvPr>
+            <p:ph type="sldNum" sz="quarter" idx="5"/>
+          </p:nvPr>
+        </p:nvSpPr>
+        <p:spPr/>
+        <p:txBody>
+          <a:bodyPr/>
+          <a:lstStyle/>
+          <a:p>
+            <a:fld id="{58239BD6-EB29-4011-A62C-2CB7FEE68F3C}" type="slidenum">
+              <a:rPr lang="en-AU" smtClean="0"/>
+              <a:t>5</a:t>
+            </a:fld>
+            <a:endParaRPr lang="en-AU" dirty="0"/>
+          </a:p>
+        </p:txBody>
+      </p:sp>
+    </p:spTree>
+    <p:extLst>
+      <p:ext uri="{BB962C8B-B14F-4D97-AF65-F5344CB8AC3E}">
+        <p14:creationId xmlns:p14="http://schemas.microsoft.com/office/powerpoint/2010/main" val="2480485781"/>
+      </p:ext>
+    </p:extLst>
+  </p:cSld>
+  <p:clrMapOvr>
+    <a:masterClrMapping/>
+  </p:clrMapOvr>
+</p:notes>
+</file>
+
+<file path=ppt/notesSlides/notesSlide6.xml><?xml version="1.0" encoding="utf-8"?>
+<p:notes xmlns:a="http://schemas.openxmlformats.org/drawingml/2006/main" xmlns:r="http://schemas.openxmlformats.org/officeDocument/2006/relationships" xmlns:p="http://schemas.openxmlformats.org/presentationml/2006/main">
+  <p:cSld>
+    <p:spTree>
+      <p:nvGrpSpPr>
+        <p:cNvPr id="1" name=""/>
+        <p:cNvGrpSpPr/>
+        <p:nvPr/>
+      </p:nvGrpSpPr>
+      <p:grpSpPr>
+        <a:xfrm>
+          <a:off x="0" y="0"/>
+          <a:ext cx="0" cy="0"/>
+          <a:chOff x="0" y="0"/>
+          <a:chExt cx="0" cy="0"/>
+        </a:xfrm>
+      </p:grpSpPr>
+      <p:sp>
+        <p:nvSpPr>
+          <p:cNvPr id="2" name="Slide Image Placeholder 1"/>
+          <p:cNvSpPr>
+            <a:spLocks noGrp="1" noRot="1" noChangeAspect="1"/>
+          </p:cNvSpPr>
+          <p:nvPr>
+            <p:ph type="sldImg"/>
+          </p:nvPr>
+        </p:nvSpPr>
+        <p:spPr/>
+      </p:sp>
+      <p:sp>
+        <p:nvSpPr>
+          <p:cNvPr id="3" name="Notes Placeholder 2"/>
+          <p:cNvSpPr>
+            <a:spLocks noGrp="1"/>
+          </p:cNvSpPr>
+          <p:nvPr>
+            <p:ph type="body" idx="1"/>
+          </p:nvPr>
+        </p:nvSpPr>
+        <p:spPr/>
+        <p:txBody>
+          <a:bodyPr/>
+          <a:lstStyle/>
+          <a:p>
+            <a:r>
+              <a:rPr lang="en-US" sz="1800" dirty="0">
+                <a:effectLst/>
+                <a:latin typeface="Calibri" panose="020F0502020204030204" pitchFamily="34" charset="0"/>
+                <a:ea typeface="Calibri" panose="020F0502020204030204" pitchFamily="34" charset="0"/>
+                <a:cs typeface="Times New Roman" panose="02020603050405020304" pitchFamily="18" charset="0"/>
+              </a:rPr>
+              <a:t>On average, a LGA has unsolved charges rate of 41.5% with a standard deviation of 10.4%. </a:t>
+            </a:r>
+            <a:endParaRPr lang="en-AU" sz="1800" dirty="0">
+              <a:effectLst/>
+              <a:latin typeface="Calibri" panose="020F0502020204030204" pitchFamily="34" charset="0"/>
+              <a:ea typeface="Calibri" panose="020F0502020204030204" pitchFamily="34" charset="0"/>
+              <a:cs typeface="Times New Roman" panose="02020603050405020304" pitchFamily="18" charset="0"/>
+            </a:endParaRPr>
+          </a:p>
+          <a:p>
+            <a:endParaRPr lang="en-AU" dirty="0"/>
+          </a:p>
+          <a:p>
+            <a:r>
+              <a:rPr lang="en-US" sz="1800" dirty="0">
+                <a:effectLst/>
+                <a:latin typeface="Calibri" panose="020F0502020204030204" pitchFamily="34" charset="0"/>
+                <a:ea typeface="Calibri" panose="020F0502020204030204" pitchFamily="34" charset="0"/>
+                <a:cs typeface="Times New Roman" panose="02020603050405020304" pitchFamily="18" charset="0"/>
+              </a:rPr>
+              <a:t>95% of LGA has unsolved charge percentage between 20.7% and 62.3% </a:t>
+            </a:r>
+            <a:endParaRPr lang="en-AU" dirty="0"/>
+          </a:p>
+        </p:txBody>
+      </p:sp>
+      <p:sp>
+        <p:nvSpPr>
+          <p:cNvPr id="4" name="Slide Number Placeholder 3"/>
+          <p:cNvSpPr>
+            <a:spLocks noGrp="1"/>
+          </p:cNvSpPr>
+          <p:nvPr>
+            <p:ph type="sldNum" sz="quarter" idx="5"/>
+          </p:nvPr>
+        </p:nvSpPr>
+        <p:spPr/>
+        <p:txBody>
+          <a:bodyPr/>
+          <a:lstStyle/>
+          <a:p>
+            <a:fld id="{58239BD6-EB29-4011-A62C-2CB7FEE68F3C}" type="slidenum">
+              <a:rPr lang="en-AU" smtClean="0"/>
+              <a:t>6</a:t>
+            </a:fld>
+            <a:endParaRPr lang="en-AU" dirty="0"/>
+          </a:p>
+        </p:txBody>
+      </p:sp>
+    </p:spTree>
+    <p:extLst>
+      <p:ext uri="{BB962C8B-B14F-4D97-AF65-F5344CB8AC3E}">
+        <p14:creationId xmlns:p14="http://schemas.microsoft.com/office/powerpoint/2010/main" val="1375733618"/>
+      </p:ext>
+    </p:extLst>
+  </p:cSld>
+  <p:clrMapOvr>
+    <a:masterClrMapping/>
+  </p:clrMapOvr>
+</p:notes>
+</file>
+
+<file path=ppt/notesSlides/notesSlide7.xml><?xml version="1.0" encoding="utf-8"?>
+<p:notes xmlns:a="http://schemas.openxmlformats.org/drawingml/2006/main" xmlns:r="http://schemas.openxmlformats.org/officeDocument/2006/relationships" xmlns:p="http://schemas.openxmlformats.org/presentationml/2006/main">
+  <p:cSld>
+    <p:spTree>
+      <p:nvGrpSpPr>
+        <p:cNvPr id="1" name=""/>
+        <p:cNvGrpSpPr/>
+        <p:nvPr/>
+      </p:nvGrpSpPr>
+      <p:grpSpPr>
+        <a:xfrm>
+          <a:off x="0" y="0"/>
+          <a:ext cx="0" cy="0"/>
+          <a:chOff x="0" y="0"/>
+          <a:chExt cx="0" cy="0"/>
+        </a:xfrm>
+      </p:grpSpPr>
+      <p:sp>
+        <p:nvSpPr>
+          <p:cNvPr id="2" name="Slide Image Placeholder 1"/>
+          <p:cNvSpPr>
+            <a:spLocks noGrp="1" noRot="1" noChangeAspect="1"/>
+          </p:cNvSpPr>
+          <p:nvPr>
+            <p:ph type="sldImg"/>
+          </p:nvPr>
+        </p:nvSpPr>
+        <p:spPr/>
+      </p:sp>
+      <p:sp>
+        <p:nvSpPr>
+          <p:cNvPr id="3" name="Notes Placeholder 2"/>
+          <p:cNvSpPr>
+            <a:spLocks noGrp="1"/>
+          </p:cNvSpPr>
+          <p:nvPr>
+            <p:ph type="body" idx="1"/>
+          </p:nvPr>
+        </p:nvSpPr>
+        <p:spPr/>
+        <p:txBody>
+          <a:bodyPr/>
+          <a:lstStyle/>
+          <a:p>
+            <a:endParaRPr lang="en-AU" dirty="0"/>
+          </a:p>
+        </p:txBody>
+      </p:sp>
+      <p:sp>
+        <p:nvSpPr>
+          <p:cNvPr id="4" name="Slide Number Placeholder 3"/>
+          <p:cNvSpPr>
+            <a:spLocks noGrp="1"/>
+          </p:cNvSpPr>
+          <p:nvPr>
+            <p:ph type="sldNum" sz="quarter" idx="5"/>
+          </p:nvPr>
+        </p:nvSpPr>
+        <p:spPr/>
+        <p:txBody>
+          <a:bodyPr/>
+          <a:lstStyle/>
+          <a:p>
+            <a:fld id="{58239BD6-EB29-4011-A62C-2CB7FEE68F3C}" type="slidenum">
+              <a:rPr lang="en-AU" smtClean="0"/>
+              <a:t>7</a:t>
+            </a:fld>
+            <a:endParaRPr lang="en-AU" dirty="0"/>
+          </a:p>
+        </p:txBody>
+      </p:sp>
+    </p:spTree>
+    <p:extLst>
+      <p:ext uri="{BB962C8B-B14F-4D97-AF65-F5344CB8AC3E}">
+        <p14:creationId xmlns:p14="http://schemas.microsoft.com/office/powerpoint/2010/main" val="4200824432"/>
+      </p:ext>
+    </p:extLst>
+  </p:cSld>
+  <p:clrMapOvr>
+    <a:masterClrMapping/>
+  </p:clrMapOvr>
+</p:notes>
+</file>
+
+<file path=ppt/notesSlides/notesSlide8.xml><?xml version="1.0" encoding="utf-8"?>
+<p:notes xmlns:a="http://schemas.openxmlformats.org/drawingml/2006/main" xmlns:r="http://schemas.openxmlformats.org/officeDocument/2006/relationships" xmlns:p="http://schemas.openxmlformats.org/presentationml/2006/main">
+  <p:cSld>
+    <p:spTree>
+      <p:nvGrpSpPr>
+        <p:cNvPr id="1" name=""/>
+        <p:cNvGrpSpPr/>
+        <p:nvPr/>
+      </p:nvGrpSpPr>
+      <p:grpSpPr>
+        <a:xfrm>
+          <a:off x="0" y="0"/>
+          <a:ext cx="0" cy="0"/>
+          <a:chOff x="0" y="0"/>
+          <a:chExt cx="0" cy="0"/>
+        </a:xfrm>
+      </p:grpSpPr>
+      <p:sp>
+        <p:nvSpPr>
+          <p:cNvPr id="2" name="Slide Image Placeholder 1"/>
+          <p:cNvSpPr>
+            <a:spLocks noGrp="1" noRot="1" noChangeAspect="1"/>
+          </p:cNvSpPr>
+          <p:nvPr>
+            <p:ph type="sldImg"/>
+          </p:nvPr>
+        </p:nvSpPr>
+        <p:spPr/>
+      </p:sp>
+      <p:sp>
+        <p:nvSpPr>
+          <p:cNvPr id="3" name="Notes Placeholder 2"/>
+          <p:cNvSpPr>
+            <a:spLocks noGrp="1"/>
+          </p:cNvSpPr>
+          <p:nvPr>
+            <p:ph type="body" idx="1"/>
+          </p:nvPr>
+        </p:nvSpPr>
+        <p:spPr/>
+        <p:txBody>
+          <a:bodyPr/>
+          <a:lstStyle/>
+          <a:p>
+            <a:r>
+              <a:rPr lang="en-US" sz="1800" dirty="0">
+                <a:effectLst/>
+                <a:latin typeface="Calibri" panose="020F0502020204030204" pitchFamily="34" charset="0"/>
+                <a:ea typeface="Calibri" panose="020F0502020204030204" pitchFamily="34" charset="0"/>
+                <a:cs typeface="Times New Roman" panose="02020603050405020304" pitchFamily="18" charset="0"/>
+              </a:rPr>
+              <a:t>In 2021, there’s a medium negative correlation between number of police station in each LGA and percentage of unsolved charge (</a:t>
+            </a:r>
+            <a:r>
+              <a:rPr lang="en-US" sz="1800" dirty="0" err="1">
+                <a:effectLst/>
+                <a:latin typeface="Calibri" panose="020F0502020204030204" pitchFamily="34" charset="0"/>
+                <a:ea typeface="Calibri" panose="020F0502020204030204" pitchFamily="34" charset="0"/>
+                <a:cs typeface="Times New Roman" panose="02020603050405020304" pitchFamily="18" charset="0"/>
+              </a:rPr>
+              <a:t>r-value</a:t>
+            </a:r>
+            <a:r>
+              <a:rPr lang="en-US" sz="1800" dirty="0">
+                <a:effectLst/>
+                <a:latin typeface="Calibri" panose="020F0502020204030204" pitchFamily="34" charset="0"/>
+                <a:ea typeface="Calibri" panose="020F0502020204030204" pitchFamily="34" charset="0"/>
+                <a:cs typeface="Times New Roman" panose="02020603050405020304" pitchFamily="18" charset="0"/>
+              </a:rPr>
+              <a:t> is -0.45). The more police station a LGA has, the less is charge status percentage</a:t>
+            </a:r>
+            <a:endParaRPr lang="en-AU" dirty="0"/>
+          </a:p>
+        </p:txBody>
+      </p:sp>
+      <p:sp>
+        <p:nvSpPr>
+          <p:cNvPr id="4" name="Slide Number Placeholder 3"/>
+          <p:cNvSpPr>
+            <a:spLocks noGrp="1"/>
+          </p:cNvSpPr>
+          <p:nvPr>
+            <p:ph type="sldNum" sz="quarter" idx="5"/>
+          </p:nvPr>
+        </p:nvSpPr>
+        <p:spPr/>
+        <p:txBody>
+          <a:bodyPr/>
+          <a:lstStyle/>
+          <a:p>
+            <a:fld id="{58239BD6-EB29-4011-A62C-2CB7FEE68F3C}" type="slidenum">
+              <a:rPr lang="en-AU" smtClean="0"/>
+              <a:t>8</a:t>
+            </a:fld>
+            <a:endParaRPr lang="en-AU" dirty="0"/>
+          </a:p>
+        </p:txBody>
+      </p:sp>
+    </p:spTree>
+    <p:extLst>
+      <p:ext uri="{BB962C8B-B14F-4D97-AF65-F5344CB8AC3E}">
+        <p14:creationId xmlns:p14="http://schemas.microsoft.com/office/powerpoint/2010/main" val="2183871031"/>
+      </p:ext>
+    </p:extLst>
+  </p:cSld>
+  <p:clrMapOvr>
+    <a:masterClrMapping/>
+  </p:clrMapOvr>
+</p:notes>
+</file>
+
+<file path=ppt/notesSlides/notesSlide9.xml><?xml version="1.0" encoding="utf-8"?>
+<p:notes xmlns:a="http://schemas.openxmlformats.org/drawingml/2006/main" xmlns:r="http://schemas.openxmlformats.org/officeDocument/2006/relationships" xmlns:p="http://schemas.openxmlformats.org/presentationml/2006/main">
+  <p:cSld>
+    <p:spTree>
+      <p:nvGrpSpPr>
+        <p:cNvPr id="1" name=""/>
+        <p:cNvGrpSpPr/>
+        <p:nvPr/>
+      </p:nvGrpSpPr>
+      <p:grpSpPr>
+        <a:xfrm>
+          <a:off x="0" y="0"/>
+          <a:ext cx="0" cy="0"/>
+          <a:chOff x="0" y="0"/>
+          <a:chExt cx="0" cy="0"/>
+        </a:xfrm>
+      </p:grpSpPr>
+      <p:sp>
+        <p:nvSpPr>
+          <p:cNvPr id="2" name="Slide Image Placeholder 1"/>
+          <p:cNvSpPr>
+            <a:spLocks noGrp="1" noRot="1" noChangeAspect="1"/>
+          </p:cNvSpPr>
+          <p:nvPr>
+            <p:ph type="sldImg"/>
+          </p:nvPr>
+        </p:nvSpPr>
+        <p:spPr/>
+      </p:sp>
+      <p:sp>
+        <p:nvSpPr>
+          <p:cNvPr id="3" name="Notes Placeholder 2"/>
+          <p:cNvSpPr>
+            <a:spLocks noGrp="1"/>
+          </p:cNvSpPr>
+          <p:nvPr>
+            <p:ph type="body" idx="1"/>
+          </p:nvPr>
+        </p:nvSpPr>
+        <p:spPr/>
+        <p:txBody>
+          <a:bodyPr/>
+          <a:lstStyle/>
+          <a:p>
+            <a:r>
+              <a:rPr lang="en-US" sz="1800" dirty="0">
+                <a:effectLst/>
+                <a:latin typeface="Calibri" panose="020F0502020204030204" pitchFamily="34" charset="0"/>
+                <a:ea typeface="Calibri" panose="020F0502020204030204" pitchFamily="34" charset="0"/>
+                <a:cs typeface="Times New Roman" panose="02020603050405020304" pitchFamily="18" charset="0"/>
+              </a:rPr>
+              <a:t>building more polices closer to the center metropolitan</a:t>
+            </a:r>
+            <a:endParaRPr lang="en-AU" dirty="0"/>
+          </a:p>
+        </p:txBody>
+      </p:sp>
+      <p:sp>
+        <p:nvSpPr>
+          <p:cNvPr id="4" name="Slide Number Placeholder 3"/>
+          <p:cNvSpPr>
+            <a:spLocks noGrp="1"/>
+          </p:cNvSpPr>
+          <p:nvPr>
+            <p:ph type="sldNum" sz="quarter" idx="5"/>
+          </p:nvPr>
+        </p:nvSpPr>
+        <p:spPr/>
+        <p:txBody>
+          <a:bodyPr/>
+          <a:lstStyle/>
+          <a:p>
+            <a:fld id="{58239BD6-EB29-4011-A62C-2CB7FEE68F3C}" type="slidenum">
+              <a:rPr lang="en-AU" smtClean="0"/>
+              <a:t>9</a:t>
+            </a:fld>
+            <a:endParaRPr lang="en-AU" dirty="0"/>
+          </a:p>
+        </p:txBody>
+      </p:sp>
+    </p:spTree>
+    <p:extLst>
+      <p:ext uri="{BB962C8B-B14F-4D97-AF65-F5344CB8AC3E}">
+        <p14:creationId xmlns:p14="http://schemas.microsoft.com/office/powerpoint/2010/main" val="631340601"/>
+      </p:ext>
+    </p:extLst>
+  </p:cSld>
+  <p:clrMapOvr>
+    <a:masterClrMapping/>
+  </p:clrMapOvr>
+</p:notes>
 </file>
 
 <file path=ppt/slideLayouts/slideLayout1.xml><?xml version="1.0" encoding="utf-8"?>
@@ -626,9 +1883,9 @@
           <a:p>
             <a:fld id="{B5898F52-2787-4BA2-BBBC-9395E9F86D50}" type="datetimeFigureOut">
               <a:rPr lang="en-US" smtClean="0"/>
-              <a:t>1/3/2022</a:t>
+              <a:t>1/4/2022</a:t>
             </a:fld>
-            <a:endParaRPr lang="en-US"/>
+            <a:endParaRPr lang="en-US" dirty="0"/>
           </a:p>
         </p:txBody>
       </p:sp>
@@ -653,7 +1910,7 @@
           <a:bodyPr/>
           <a:lstStyle/>
           <a:p>
-            <a:endParaRPr lang="en-US"/>
+            <a:endParaRPr lang="en-US" dirty="0"/>
           </a:p>
         </p:txBody>
       </p:sp>
@@ -682,7 +1939,7 @@
               <a:rPr lang="en-US" smtClean="0"/>
               <a:t>‹#›</a:t>
             </a:fld>
-            <a:endParaRPr lang="en-US"/>
+            <a:endParaRPr lang="en-US" dirty="0"/>
           </a:p>
         </p:txBody>
       </p:sp>
@@ -824,9 +2081,9 @@
           <a:p>
             <a:fld id="{B5898F52-2787-4BA2-BBBC-9395E9F86D50}" type="datetimeFigureOut">
               <a:rPr lang="en-US" smtClean="0"/>
-              <a:t>1/3/2022</a:t>
+              <a:t>1/4/2022</a:t>
             </a:fld>
-            <a:endParaRPr lang="en-US"/>
+            <a:endParaRPr lang="en-US" dirty="0"/>
           </a:p>
         </p:txBody>
       </p:sp>
@@ -851,7 +2108,7 @@
           <a:bodyPr/>
           <a:lstStyle/>
           <a:p>
-            <a:endParaRPr lang="en-US"/>
+            <a:endParaRPr lang="en-US" dirty="0"/>
           </a:p>
         </p:txBody>
       </p:sp>
@@ -880,7 +2137,7 @@
               <a:rPr lang="en-US" smtClean="0"/>
               <a:t>‹#›</a:t>
             </a:fld>
-            <a:endParaRPr lang="en-US"/>
+            <a:endParaRPr lang="en-US" dirty="0"/>
           </a:p>
         </p:txBody>
       </p:sp>
@@ -1032,9 +2289,9 @@
           <a:p>
             <a:fld id="{B5898F52-2787-4BA2-BBBC-9395E9F86D50}" type="datetimeFigureOut">
               <a:rPr lang="en-US" smtClean="0"/>
-              <a:t>1/3/2022</a:t>
+              <a:t>1/4/2022</a:t>
             </a:fld>
-            <a:endParaRPr lang="en-US"/>
+            <a:endParaRPr lang="en-US" dirty="0"/>
           </a:p>
         </p:txBody>
       </p:sp>
@@ -1059,7 +2316,7 @@
           <a:bodyPr/>
           <a:lstStyle/>
           <a:p>
-            <a:endParaRPr lang="en-US"/>
+            <a:endParaRPr lang="en-US" dirty="0"/>
           </a:p>
         </p:txBody>
       </p:sp>
@@ -1088,7 +2345,7 @@
               <a:rPr lang="en-US" smtClean="0"/>
               <a:t>‹#›</a:t>
             </a:fld>
-            <a:endParaRPr lang="en-US"/>
+            <a:endParaRPr lang="en-US" dirty="0"/>
           </a:p>
         </p:txBody>
       </p:sp>
@@ -1230,9 +2487,9 @@
           <a:p>
             <a:fld id="{B5898F52-2787-4BA2-BBBC-9395E9F86D50}" type="datetimeFigureOut">
               <a:rPr lang="en-US" smtClean="0"/>
-              <a:t>1/3/2022</a:t>
+              <a:t>1/4/2022</a:t>
             </a:fld>
-            <a:endParaRPr lang="en-US"/>
+            <a:endParaRPr lang="en-US" dirty="0"/>
           </a:p>
         </p:txBody>
       </p:sp>
@@ -1257,7 +2514,7 @@
           <a:bodyPr/>
           <a:lstStyle/>
           <a:p>
-            <a:endParaRPr lang="en-US"/>
+            <a:endParaRPr lang="en-US" dirty="0"/>
           </a:p>
         </p:txBody>
       </p:sp>
@@ -1507,9 +2764,9 @@
           <a:p>
             <a:fld id="{B5898F52-2787-4BA2-BBBC-9395E9F86D50}" type="datetimeFigureOut">
               <a:rPr lang="en-US" smtClean="0"/>
-              <a:t>1/3/2022</a:t>
+              <a:t>1/4/2022</a:t>
             </a:fld>
-            <a:endParaRPr lang="en-US"/>
+            <a:endParaRPr lang="en-US" dirty="0"/>
           </a:p>
         </p:txBody>
       </p:sp>
@@ -1534,7 +2791,7 @@
           <a:bodyPr/>
           <a:lstStyle/>
           <a:p>
-            <a:endParaRPr lang="en-US"/>
+            <a:endParaRPr lang="en-US" dirty="0"/>
           </a:p>
         </p:txBody>
       </p:sp>
@@ -1563,7 +2820,7 @@
               <a:rPr lang="en-US" smtClean="0"/>
               <a:t>‹#›</a:t>
             </a:fld>
-            <a:endParaRPr lang="en-US"/>
+            <a:endParaRPr lang="en-US" dirty="0"/>
           </a:p>
         </p:txBody>
       </p:sp>
@@ -1772,9 +3029,9 @@
           <a:p>
             <a:fld id="{B5898F52-2787-4BA2-BBBC-9395E9F86D50}" type="datetimeFigureOut">
               <a:rPr lang="en-US" smtClean="0"/>
-              <a:t>1/3/2022</a:t>
+              <a:t>1/4/2022</a:t>
             </a:fld>
-            <a:endParaRPr lang="en-US"/>
+            <a:endParaRPr lang="en-US" dirty="0"/>
           </a:p>
         </p:txBody>
       </p:sp>
@@ -1799,7 +3056,7 @@
           <a:bodyPr/>
           <a:lstStyle/>
           <a:p>
-            <a:endParaRPr lang="en-US"/>
+            <a:endParaRPr lang="en-US" dirty="0"/>
           </a:p>
         </p:txBody>
       </p:sp>
@@ -1828,7 +3085,7 @@
               <a:rPr lang="en-US" smtClean="0"/>
               <a:t>‹#›</a:t>
             </a:fld>
-            <a:endParaRPr lang="en-US"/>
+            <a:endParaRPr lang="en-US" dirty="0"/>
           </a:p>
         </p:txBody>
       </p:sp>
@@ -2202,9 +3459,9 @@
           <a:p>
             <a:fld id="{B5898F52-2787-4BA2-BBBC-9395E9F86D50}" type="datetimeFigureOut">
               <a:rPr lang="en-US" smtClean="0"/>
-              <a:t>1/3/2022</a:t>
+              <a:t>1/4/2022</a:t>
             </a:fld>
-            <a:endParaRPr lang="en-US"/>
+            <a:endParaRPr lang="en-US" dirty="0"/>
           </a:p>
         </p:txBody>
       </p:sp>
@@ -2229,7 +3486,7 @@
           <a:bodyPr/>
           <a:lstStyle/>
           <a:p>
-            <a:endParaRPr lang="en-US"/>
+            <a:endParaRPr lang="en-US" dirty="0"/>
           </a:p>
         </p:txBody>
       </p:sp>
@@ -2258,7 +3515,7 @@
               <a:rPr lang="en-US" smtClean="0"/>
               <a:t>‹#›</a:t>
             </a:fld>
-            <a:endParaRPr lang="en-US"/>
+            <a:endParaRPr lang="en-US" dirty="0"/>
           </a:p>
         </p:txBody>
       </p:sp>
@@ -2343,9 +3600,9 @@
           <a:p>
             <a:fld id="{B5898F52-2787-4BA2-BBBC-9395E9F86D50}" type="datetimeFigureOut">
               <a:rPr lang="en-US" smtClean="0"/>
-              <a:t>1/3/2022</a:t>
+              <a:t>1/4/2022</a:t>
             </a:fld>
-            <a:endParaRPr lang="en-US"/>
+            <a:endParaRPr lang="en-US" dirty="0"/>
           </a:p>
         </p:txBody>
       </p:sp>
@@ -2370,7 +3627,7 @@
           <a:bodyPr/>
           <a:lstStyle/>
           <a:p>
-            <a:endParaRPr lang="en-US"/>
+            <a:endParaRPr lang="en-US" dirty="0"/>
           </a:p>
         </p:txBody>
       </p:sp>
@@ -2399,7 +3656,7 @@
               <a:rPr lang="en-US" smtClean="0"/>
               <a:t>‹#›</a:t>
             </a:fld>
-            <a:endParaRPr lang="en-US"/>
+            <a:endParaRPr lang="en-US" dirty="0"/>
           </a:p>
         </p:txBody>
       </p:sp>
@@ -2456,9 +3713,9 @@
           <a:p>
             <a:fld id="{B5898F52-2787-4BA2-BBBC-9395E9F86D50}" type="datetimeFigureOut">
               <a:rPr lang="en-US" smtClean="0"/>
-              <a:t>1/3/2022</a:t>
+              <a:t>1/4/2022</a:t>
             </a:fld>
-            <a:endParaRPr lang="en-US"/>
+            <a:endParaRPr lang="en-US" dirty="0"/>
           </a:p>
         </p:txBody>
       </p:sp>
@@ -2483,7 +3740,7 @@
           <a:bodyPr/>
           <a:lstStyle/>
           <a:p>
-            <a:endParaRPr lang="en-US"/>
+            <a:endParaRPr lang="en-US" dirty="0"/>
           </a:p>
         </p:txBody>
       </p:sp>
@@ -2512,7 +3769,7 @@
               <a:rPr lang="en-US" smtClean="0"/>
               <a:t>‹#›</a:t>
             </a:fld>
-            <a:endParaRPr lang="en-US"/>
+            <a:endParaRPr lang="en-US" dirty="0"/>
           </a:p>
         </p:txBody>
       </p:sp>
@@ -2767,9 +4024,9 @@
           <a:p>
             <a:fld id="{B5898F52-2787-4BA2-BBBC-9395E9F86D50}" type="datetimeFigureOut">
               <a:rPr lang="en-US" smtClean="0"/>
-              <a:t>1/3/2022</a:t>
+              <a:t>1/4/2022</a:t>
             </a:fld>
-            <a:endParaRPr lang="en-US"/>
+            <a:endParaRPr lang="en-US" dirty="0"/>
           </a:p>
         </p:txBody>
       </p:sp>
@@ -2794,7 +4051,7 @@
           <a:bodyPr/>
           <a:lstStyle/>
           <a:p>
-            <a:endParaRPr lang="en-US"/>
+            <a:endParaRPr lang="en-US" dirty="0"/>
           </a:p>
         </p:txBody>
       </p:sp>
@@ -2823,7 +4080,7 @@
               <a:rPr lang="en-US" smtClean="0"/>
               <a:t>‹#›</a:t>
             </a:fld>
-            <a:endParaRPr lang="en-US"/>
+            <a:endParaRPr lang="en-US" dirty="0"/>
           </a:p>
         </p:txBody>
       </p:sp>
@@ -2957,7 +4214,7 @@
             </a:lvl9pPr>
           </a:lstStyle>
           <a:p>
-            <a:endParaRPr lang="en-US"/>
+            <a:endParaRPr lang="en-US" dirty="0"/>
           </a:p>
         </p:txBody>
       </p:sp>
@@ -3055,9 +4312,9 @@
           <a:p>
             <a:fld id="{B5898F52-2787-4BA2-BBBC-9395E9F86D50}" type="datetimeFigureOut">
               <a:rPr lang="en-US" smtClean="0"/>
-              <a:t>1/3/2022</a:t>
+              <a:t>1/4/2022</a:t>
             </a:fld>
-            <a:endParaRPr lang="en-US"/>
+            <a:endParaRPr lang="en-US" dirty="0"/>
           </a:p>
         </p:txBody>
       </p:sp>
@@ -3082,7 +4339,7 @@
           <a:bodyPr/>
           <a:lstStyle/>
           <a:p>
-            <a:endParaRPr lang="en-US"/>
+            <a:endParaRPr lang="en-US" dirty="0"/>
           </a:p>
         </p:txBody>
       </p:sp>
@@ -3111,7 +4368,7 @@
               <a:rPr lang="en-US" smtClean="0"/>
               <a:t>‹#›</a:t>
             </a:fld>
-            <a:endParaRPr lang="en-US"/>
+            <a:endParaRPr lang="en-US" dirty="0"/>
           </a:p>
         </p:txBody>
       </p:sp>
@@ -3249,7 +4506,7 @@
             </a:bodyPr>
             <a:lstStyle/>
             <a:p>
-              <a:endParaRPr lang="en-US">
+              <a:endParaRPr lang="en-US" dirty="0">
                 <a:solidFill>
                   <a:schemeClr val="tx2"/>
                 </a:solidFill>
@@ -3331,7 +4588,7 @@
             </a:bodyPr>
             <a:lstStyle/>
             <a:p>
-              <a:endParaRPr lang="en-US">
+              <a:endParaRPr lang="en-US" dirty="0">
                 <a:solidFill>
                   <a:schemeClr val="tx2"/>
                 </a:solidFill>
@@ -3413,7 +4670,7 @@
             </a:bodyPr>
             <a:lstStyle/>
             <a:p>
-              <a:endParaRPr lang="en-US">
+              <a:endParaRPr lang="en-US" dirty="0">
                 <a:solidFill>
                   <a:schemeClr val="tx2"/>
                 </a:solidFill>
@@ -3495,7 +4752,7 @@
             </a:bodyPr>
             <a:lstStyle/>
             <a:p>
-              <a:endParaRPr lang="en-US">
+              <a:endParaRPr lang="en-US" dirty="0">
                 <a:solidFill>
                   <a:schemeClr val="tx2"/>
                 </a:solidFill>
@@ -3577,7 +4834,7 @@
             </a:bodyPr>
             <a:lstStyle/>
             <a:p>
-              <a:endParaRPr lang="en-US">
+              <a:endParaRPr lang="en-US" dirty="0">
                 <a:solidFill>
                   <a:schemeClr val="tx2"/>
                 </a:solidFill>
@@ -3659,7 +4916,7 @@
             </a:bodyPr>
             <a:lstStyle/>
             <a:p>
-              <a:endParaRPr lang="en-US">
+              <a:endParaRPr lang="en-US" dirty="0">
                 <a:solidFill>
                   <a:schemeClr val="tx2"/>
                 </a:solidFill>
@@ -3741,7 +4998,7 @@
             </a:bodyPr>
             <a:lstStyle/>
             <a:p>
-              <a:endParaRPr lang="en-US">
+              <a:endParaRPr lang="en-US" dirty="0">
                 <a:solidFill>
                   <a:schemeClr val="tx2"/>
                 </a:solidFill>
@@ -3823,7 +5080,7 @@
             </a:bodyPr>
             <a:lstStyle/>
             <a:p>
-              <a:endParaRPr lang="en-US">
+              <a:endParaRPr lang="en-US" dirty="0">
                 <a:solidFill>
                   <a:schemeClr val="tx2"/>
                 </a:solidFill>
@@ -3905,7 +5162,7 @@
             </a:bodyPr>
             <a:lstStyle/>
             <a:p>
-              <a:endParaRPr lang="en-US">
+              <a:endParaRPr lang="en-US" dirty="0">
                 <a:solidFill>
                   <a:schemeClr val="tx2"/>
                 </a:solidFill>
@@ -3987,7 +5244,7 @@
             </a:bodyPr>
             <a:lstStyle/>
             <a:p>
-              <a:endParaRPr lang="en-US">
+              <a:endParaRPr lang="en-US" dirty="0">
                 <a:solidFill>
                   <a:schemeClr val="tx2"/>
                 </a:solidFill>
@@ -4069,7 +5326,7 @@
             </a:bodyPr>
             <a:lstStyle/>
             <a:p>
-              <a:endParaRPr lang="en-US">
+              <a:endParaRPr lang="en-US" dirty="0">
                 <a:solidFill>
                   <a:schemeClr val="tx2"/>
                 </a:solidFill>
@@ -4151,7 +5408,7 @@
             </a:bodyPr>
             <a:lstStyle/>
             <a:p>
-              <a:endParaRPr lang="en-US">
+              <a:endParaRPr lang="en-US" dirty="0">
                 <a:solidFill>
                   <a:schemeClr val="tx2"/>
                 </a:solidFill>
@@ -4233,7 +5490,7 @@
             </a:bodyPr>
             <a:lstStyle/>
             <a:p>
-              <a:endParaRPr lang="en-US">
+              <a:endParaRPr lang="en-US" dirty="0">
                 <a:solidFill>
                   <a:schemeClr val="tx2"/>
                 </a:solidFill>
@@ -4325,7 +5582,7 @@
             </a:bodyPr>
             <a:lstStyle/>
             <a:p>
-              <a:endParaRPr lang="en-US">
+              <a:endParaRPr lang="en-US" dirty="0">
                 <a:solidFill>
                   <a:schemeClr val="tx2"/>
                 </a:solidFill>
@@ -4407,7 +5664,7 @@
             </a:bodyPr>
             <a:lstStyle/>
             <a:p>
-              <a:endParaRPr lang="en-US">
+              <a:endParaRPr lang="en-US" dirty="0">
                 <a:solidFill>
                   <a:schemeClr val="tx2"/>
                 </a:solidFill>
@@ -4489,7 +5746,7 @@
             </a:bodyPr>
             <a:lstStyle/>
             <a:p>
-              <a:endParaRPr lang="en-US">
+              <a:endParaRPr lang="en-US" dirty="0">
                 <a:solidFill>
                   <a:schemeClr val="tx2"/>
                 </a:solidFill>
@@ -4571,7 +5828,7 @@
             </a:bodyPr>
             <a:lstStyle/>
             <a:p>
-              <a:endParaRPr lang="en-US">
+              <a:endParaRPr lang="en-US" dirty="0">
                 <a:solidFill>
                   <a:schemeClr val="tx2"/>
                 </a:solidFill>
@@ -4653,7 +5910,7 @@
             </a:bodyPr>
             <a:lstStyle/>
             <a:p>
-              <a:endParaRPr lang="en-US">
+              <a:endParaRPr lang="en-US" dirty="0">
                 <a:solidFill>
                   <a:schemeClr val="tx2"/>
                 </a:solidFill>
@@ -4735,7 +5992,7 @@
             </a:bodyPr>
             <a:lstStyle/>
             <a:p>
-              <a:endParaRPr lang="en-US">
+              <a:endParaRPr lang="en-US" dirty="0">
                 <a:solidFill>
                   <a:schemeClr val="tx2"/>
                 </a:solidFill>
@@ -4817,7 +6074,7 @@
             </a:bodyPr>
             <a:lstStyle/>
             <a:p>
-              <a:endParaRPr lang="en-US">
+              <a:endParaRPr lang="en-US" dirty="0">
                 <a:solidFill>
                   <a:schemeClr val="tx2"/>
                 </a:solidFill>
@@ -4899,7 +6156,7 @@
             </a:bodyPr>
             <a:lstStyle/>
             <a:p>
-              <a:endParaRPr lang="en-US">
+              <a:endParaRPr lang="en-US" dirty="0">
                 <a:solidFill>
                   <a:schemeClr val="tx2"/>
                 </a:solidFill>
@@ -4981,7 +6238,7 @@
             </a:bodyPr>
             <a:lstStyle/>
             <a:p>
-              <a:endParaRPr lang="en-US">
+              <a:endParaRPr lang="en-US" dirty="0">
                 <a:solidFill>
                   <a:schemeClr val="tx2"/>
                 </a:solidFill>
@@ -5063,7 +6320,7 @@
             </a:bodyPr>
             <a:lstStyle/>
             <a:p>
-              <a:endParaRPr lang="en-US">
+              <a:endParaRPr lang="en-US" dirty="0">
                 <a:solidFill>
                   <a:schemeClr val="tx2"/>
                 </a:solidFill>
@@ -5145,7 +6402,7 @@
             </a:bodyPr>
             <a:lstStyle/>
             <a:p>
-              <a:endParaRPr lang="en-US">
+              <a:endParaRPr lang="en-US" dirty="0">
                 <a:solidFill>
                   <a:schemeClr val="tx2"/>
                 </a:solidFill>
@@ -5227,7 +6484,7 @@
             </a:bodyPr>
             <a:lstStyle/>
             <a:p>
-              <a:endParaRPr lang="en-US">
+              <a:endParaRPr lang="en-US" dirty="0">
                 <a:solidFill>
                   <a:schemeClr val="tx2"/>
                 </a:solidFill>
@@ -5309,7 +6566,7 @@
             </a:bodyPr>
             <a:lstStyle/>
             <a:p>
-              <a:endParaRPr lang="en-US">
+              <a:endParaRPr lang="en-US" dirty="0">
                 <a:solidFill>
                   <a:schemeClr val="tx2"/>
                 </a:solidFill>
@@ -5391,7 +6648,7 @@
             </a:bodyPr>
             <a:lstStyle/>
             <a:p>
-              <a:endParaRPr lang="en-US">
+              <a:endParaRPr lang="en-US" dirty="0">
                 <a:solidFill>
                   <a:schemeClr val="tx2"/>
                 </a:solidFill>
@@ -5473,7 +6730,7 @@
             </a:bodyPr>
             <a:lstStyle/>
             <a:p>
-              <a:endParaRPr lang="en-US">
+              <a:endParaRPr lang="en-US" dirty="0">
                 <a:solidFill>
                   <a:schemeClr val="tx2"/>
                 </a:solidFill>
@@ -5555,7 +6812,7 @@
             </a:bodyPr>
             <a:lstStyle/>
             <a:p>
-              <a:endParaRPr lang="en-US">
+              <a:endParaRPr lang="en-US" dirty="0">
                 <a:solidFill>
                   <a:schemeClr val="tx2"/>
                 </a:solidFill>
@@ -5637,7 +6894,7 @@
             </a:bodyPr>
             <a:lstStyle/>
             <a:p>
-              <a:endParaRPr lang="en-US">
+              <a:endParaRPr lang="en-US" dirty="0">
                 <a:solidFill>
                   <a:schemeClr val="tx2"/>
                 </a:solidFill>
@@ -5719,7 +6976,7 @@
             </a:bodyPr>
             <a:lstStyle/>
             <a:p>
-              <a:endParaRPr lang="en-US">
+              <a:endParaRPr lang="en-US" dirty="0">
                 <a:solidFill>
                   <a:schemeClr val="tx2"/>
                 </a:solidFill>
@@ -5801,7 +7058,7 @@
             </a:bodyPr>
             <a:lstStyle/>
             <a:p>
-              <a:endParaRPr lang="en-US">
+              <a:endParaRPr lang="en-US" dirty="0">
                 <a:solidFill>
                   <a:schemeClr val="tx2"/>
                 </a:solidFill>
@@ -5883,7 +7140,7 @@
             </a:bodyPr>
             <a:lstStyle/>
             <a:p>
-              <a:endParaRPr lang="en-US">
+              <a:endParaRPr lang="en-US" dirty="0">
                 <a:solidFill>
                   <a:schemeClr val="tx2"/>
                 </a:solidFill>
@@ -5965,7 +7222,7 @@
             </a:bodyPr>
             <a:lstStyle/>
             <a:p>
-              <a:endParaRPr lang="en-US">
+              <a:endParaRPr lang="en-US" dirty="0">
                 <a:solidFill>
                   <a:schemeClr val="tx2"/>
                 </a:solidFill>
@@ -6047,7 +7304,7 @@
             </a:bodyPr>
             <a:lstStyle/>
             <a:p>
-              <a:endParaRPr lang="en-US">
+              <a:endParaRPr lang="en-US" dirty="0">
                 <a:solidFill>
                   <a:schemeClr val="tx2"/>
                 </a:solidFill>
@@ -6129,7 +7386,7 @@
             </a:bodyPr>
             <a:lstStyle/>
             <a:p>
-              <a:endParaRPr lang="en-US">
+              <a:endParaRPr lang="en-US" dirty="0">
                 <a:solidFill>
                   <a:schemeClr val="tx2"/>
                 </a:solidFill>
@@ -6211,7 +7468,7 @@
             </a:bodyPr>
             <a:lstStyle/>
             <a:p>
-              <a:endParaRPr lang="en-US">
+              <a:endParaRPr lang="en-US" dirty="0">
                 <a:solidFill>
                   <a:schemeClr val="tx2"/>
                 </a:solidFill>
@@ -6293,7 +7550,7 @@
             </a:bodyPr>
             <a:lstStyle/>
             <a:p>
-              <a:endParaRPr lang="en-US">
+              <a:endParaRPr lang="en-US" dirty="0">
                 <a:solidFill>
                   <a:schemeClr val="tx2"/>
                 </a:solidFill>
@@ -6375,7 +7632,7 @@
             </a:bodyPr>
             <a:lstStyle/>
             <a:p>
-              <a:endParaRPr lang="en-US">
+              <a:endParaRPr lang="en-US" dirty="0">
                 <a:solidFill>
                   <a:schemeClr val="tx2"/>
                 </a:solidFill>
@@ -6457,7 +7714,7 @@
             </a:bodyPr>
             <a:lstStyle/>
             <a:p>
-              <a:endParaRPr lang="en-US">
+              <a:endParaRPr lang="en-US" dirty="0">
                 <a:solidFill>
                   <a:schemeClr val="tx2"/>
                 </a:solidFill>
@@ -6539,7 +7796,7 @@
             </a:bodyPr>
             <a:lstStyle/>
             <a:p>
-              <a:endParaRPr lang="en-US">
+              <a:endParaRPr lang="en-US" dirty="0">
                 <a:solidFill>
                   <a:schemeClr val="tx2"/>
                 </a:solidFill>
@@ -6621,7 +7878,7 @@
             </a:bodyPr>
             <a:lstStyle/>
             <a:p>
-              <a:endParaRPr lang="en-US">
+              <a:endParaRPr lang="en-US" dirty="0">
                 <a:solidFill>
                   <a:schemeClr val="tx2"/>
                 </a:solidFill>
@@ -6703,7 +7960,7 @@
             </a:bodyPr>
             <a:lstStyle/>
             <a:p>
-              <a:endParaRPr lang="en-US">
+              <a:endParaRPr lang="en-US" dirty="0">
                 <a:solidFill>
                   <a:schemeClr val="tx2"/>
                 </a:solidFill>
@@ -6785,7 +8042,7 @@
             </a:bodyPr>
             <a:lstStyle/>
             <a:p>
-              <a:endParaRPr lang="en-US">
+              <a:endParaRPr lang="en-US" dirty="0">
                 <a:solidFill>
                   <a:schemeClr val="tx2"/>
                 </a:solidFill>
@@ -6867,7 +8124,7 @@
             </a:bodyPr>
             <a:lstStyle/>
             <a:p>
-              <a:endParaRPr lang="en-US">
+              <a:endParaRPr lang="en-US" dirty="0">
                 <a:solidFill>
                   <a:schemeClr val="tx2"/>
                 </a:solidFill>
@@ -6949,7 +8206,7 @@
             </a:bodyPr>
             <a:lstStyle/>
             <a:p>
-              <a:endParaRPr lang="en-US">
+              <a:endParaRPr lang="en-US" dirty="0">
                 <a:solidFill>
                   <a:schemeClr val="tx2"/>
                 </a:solidFill>
@@ -7031,7 +8288,7 @@
             </a:bodyPr>
             <a:lstStyle/>
             <a:p>
-              <a:endParaRPr lang="en-US">
+              <a:endParaRPr lang="en-US" dirty="0">
                 <a:solidFill>
                   <a:schemeClr val="tx2"/>
                 </a:solidFill>
@@ -7113,7 +8370,7 @@
             </a:bodyPr>
             <a:lstStyle/>
             <a:p>
-              <a:endParaRPr lang="en-US">
+              <a:endParaRPr lang="en-US" dirty="0">
                 <a:solidFill>
                   <a:schemeClr val="tx2"/>
                 </a:solidFill>
@@ -7195,7 +8452,7 @@
             </a:bodyPr>
             <a:lstStyle/>
             <a:p>
-              <a:endParaRPr lang="en-US">
+              <a:endParaRPr lang="en-US" dirty="0">
                 <a:solidFill>
                   <a:schemeClr val="tx2"/>
                 </a:solidFill>
@@ -7277,7 +8534,7 @@
             </a:bodyPr>
             <a:lstStyle/>
             <a:p>
-              <a:endParaRPr lang="en-US">
+              <a:endParaRPr lang="en-US" dirty="0">
                 <a:solidFill>
                   <a:schemeClr val="tx2"/>
                 </a:solidFill>
@@ -7359,7 +8616,7 @@
             </a:bodyPr>
             <a:lstStyle/>
             <a:p>
-              <a:endParaRPr lang="en-US">
+              <a:endParaRPr lang="en-US" dirty="0">
                 <a:solidFill>
                   <a:schemeClr val="tx2"/>
                 </a:solidFill>
@@ -7441,7 +8698,7 @@
             </a:bodyPr>
             <a:lstStyle/>
             <a:p>
-              <a:endParaRPr lang="en-US">
+              <a:endParaRPr lang="en-US" dirty="0">
                 <a:solidFill>
                   <a:schemeClr val="tx2"/>
                 </a:solidFill>
@@ -7523,7 +8780,7 @@
             </a:bodyPr>
             <a:lstStyle/>
             <a:p>
-              <a:endParaRPr lang="en-US">
+              <a:endParaRPr lang="en-US" dirty="0">
                 <a:solidFill>
                   <a:schemeClr val="tx2"/>
                 </a:solidFill>
@@ -7605,7 +8862,7 @@
             </a:bodyPr>
             <a:lstStyle/>
             <a:p>
-              <a:endParaRPr lang="en-US">
+              <a:endParaRPr lang="en-US" dirty="0">
                 <a:solidFill>
                   <a:schemeClr val="tx2"/>
                 </a:solidFill>
@@ -7687,7 +8944,7 @@
             </a:bodyPr>
             <a:lstStyle/>
             <a:p>
-              <a:endParaRPr lang="en-US">
+              <a:endParaRPr lang="en-US" dirty="0">
                 <a:solidFill>
                   <a:schemeClr val="tx2"/>
                 </a:solidFill>
@@ -7769,7 +9026,7 @@
             </a:bodyPr>
             <a:lstStyle/>
             <a:p>
-              <a:endParaRPr lang="en-US">
+              <a:endParaRPr lang="en-US" dirty="0">
                 <a:solidFill>
                   <a:schemeClr val="tx2"/>
                 </a:solidFill>
@@ -7851,7 +9108,7 @@
             </a:bodyPr>
             <a:lstStyle/>
             <a:p>
-              <a:endParaRPr lang="en-US">
+              <a:endParaRPr lang="en-US" dirty="0">
                 <a:solidFill>
                   <a:schemeClr val="tx2"/>
                 </a:solidFill>
@@ -8005,7 +9262,7 @@
             <a:fld id="{B5898F52-2787-4BA2-BBBC-9395E9F86D50}" type="datetimeFigureOut">
               <a:rPr lang="en-US" smtClean="0"/>
               <a:pPr/>
-              <a:t>1/3/2022</a:t>
+              <a:t>1/4/2022</a:t>
             </a:fld>
             <a:endParaRPr lang="en-US" dirty="0"/>
           </a:p>
@@ -8094,7 +9351,7 @@
               <a:pPr/>
               <a:t>‹#›</a:t>
             </a:fld>
-            <a:endParaRPr lang="en-US"/>
+            <a:endParaRPr lang="en-US" dirty="0"/>
           </a:p>
         </p:txBody>
       </p:sp>
@@ -8461,7 +9718,7 @@
           <a:p>
             <a:r>
               <a:rPr lang="en-AU" dirty="0"/>
-              <a:t>Table of Contents</a:t>
+              <a:t>Agenda</a:t>
             </a:r>
             <a:endParaRPr lang="en-US" dirty="0"/>
           </a:p>
@@ -8492,12 +9749,11 @@
               <a:buAutoNum type="arabicPeriod"/>
             </a:pPr>
             <a:r>
-              <a:rPr lang="en-AU" dirty="0">
+              <a:rPr lang="en-AU" sz="1800" dirty="0">
                 <a:solidFill>
-                  <a:schemeClr val="bg1">
-                    <a:lumMod val="65000"/>
-                  </a:schemeClr>
+                  <a:schemeClr val="tx1"/>
                 </a:solidFill>
+                <a:latin typeface="Consolas" panose="020B0609020204030204" pitchFamily="49" charset="0"/>
               </a:rPr>
               <a:t>Introduction &amp; Objectives</a:t>
             </a:r>
@@ -8508,28 +9764,11 @@
               <a:buAutoNum type="arabicPeriod"/>
             </a:pPr>
             <a:r>
-              <a:rPr lang="en-AU" dirty="0">
+              <a:rPr lang="en-AU" sz="1800" dirty="0">
                 <a:solidFill>
-                  <a:schemeClr val="bg1">
-                    <a:lumMod val="65000"/>
-                  </a:schemeClr>
+                  <a:schemeClr val="tx1"/>
                 </a:solidFill>
-              </a:rPr>
-              <a:t>Overview Victoria Crimes from September 2012 to 2021 (Anh)</a:t>
-            </a:r>
-          </a:p>
-          <a:p>
-            <a:pPr marL="457200" indent="-457200">
-              <a:buFont typeface="+mj-lt"/>
-              <a:buAutoNum type="arabicPeriod"/>
-            </a:pPr>
-            <a:r>
-              <a:rPr lang="en-AU" dirty="0">
-                <a:solidFill>
-                  <a:schemeClr val="bg1">
-                    <a:lumMod val="65000"/>
-                  </a:schemeClr>
-                </a:solidFill>
+                <a:latin typeface="Consolas" panose="020B0609020204030204" pitchFamily="49" charset="0"/>
               </a:rPr>
               <a:t>Criminal Incidents, Recorded Offences (Antoinette)</a:t>
             </a:r>
@@ -8540,14 +9779,13 @@
               <a:buAutoNum type="arabicPeriod"/>
             </a:pPr>
             <a:r>
-              <a:rPr lang="en-AU" dirty="0">
+              <a:rPr lang="en-AU" sz="1800" dirty="0">
                 <a:solidFill>
-                  <a:schemeClr val="bg1">
-                    <a:lumMod val="65000"/>
-                  </a:schemeClr>
+                  <a:schemeClr val="tx1"/>
                 </a:solidFill>
+                <a:latin typeface="Consolas" panose="020B0609020204030204" pitchFamily="49" charset="0"/>
               </a:rPr>
-              <a:t>Family Incidents (Jacqueline)</a:t>
+              <a:t>Victim Reports &amp; Family Incidents (Jacqueline)</a:t>
             </a:r>
           </a:p>
           <a:p>
@@ -8556,12 +9794,28 @@
               <a:buAutoNum type="arabicPeriod"/>
             </a:pPr>
             <a:r>
-              <a:rPr lang="en-AU" dirty="0">
+              <a:rPr lang="en-AU" sz="1800" b="1" dirty="0">
                 <a:solidFill>
                   <a:schemeClr val="tx1"/>
                 </a:solidFill>
+                <a:latin typeface="Consolas" panose="020B0609020204030204" pitchFamily="49" charset="0"/>
               </a:rPr>
               <a:t>Crime status &amp; Police Service Areas (Kelvin)</a:t>
+            </a:r>
+          </a:p>
+          <a:p>
+            <a:pPr marL="457200" indent="-457200">
+              <a:buFont typeface="+mj-lt"/>
+              <a:buAutoNum type="arabicPeriod"/>
+            </a:pPr>
+            <a:r>
+              <a:rPr lang="en-AU" sz="1800" dirty="0">
+                <a:solidFill>
+                  <a:schemeClr val="tx1"/>
+                </a:solidFill>
+                <a:latin typeface="Consolas" panose="020B0609020204030204" pitchFamily="49" charset="0"/>
+              </a:rPr>
+              <a:t>Victoria Crimes Trends from September 2012 to 2021 (Anh)</a:t>
             </a:r>
           </a:p>
           <a:p>
@@ -8601,6 +9855,221 @@
           <a:chExt cx="0" cy="0"/>
         </a:xfrm>
       </p:grpSpPr>
+      <p:sp>
+        <p:nvSpPr>
+          <p:cNvPr id="2" name="Title 1">
+            <a:extLst>
+              <a:ext uri="{FF2B5EF4-FFF2-40B4-BE49-F238E27FC236}">
+                <a16:creationId xmlns:a16="http://schemas.microsoft.com/office/drawing/2014/main" id="{BD48FA31-BDCC-4F65-B470-CB2E8AF6BE9D}"/>
+              </a:ext>
+            </a:extLst>
+          </p:cNvPr>
+          <p:cNvSpPr>
+            <a:spLocks noGrp="1"/>
+          </p:cNvSpPr>
+          <p:nvPr>
+            <p:ph type="title"/>
+          </p:nvPr>
+        </p:nvSpPr>
+        <p:spPr>
+          <a:xfrm>
+            <a:off x="716693" y="5972694"/>
+            <a:ext cx="10937752" cy="511233"/>
+          </a:xfrm>
+        </p:spPr>
+        <p:txBody>
+          <a:bodyPr>
+            <a:normAutofit/>
+          </a:bodyPr>
+          <a:lstStyle/>
+          <a:p>
+            <a:r>
+              <a:rPr lang="en-US" sz="1800" dirty="0">
+                <a:solidFill>
+                  <a:schemeClr val="tx1"/>
+                </a:solidFill>
+                <a:latin typeface="Consolas" panose="020B0609020204030204" pitchFamily="49" charset="0"/>
+                <a:ea typeface="+mn-ea"/>
+                <a:cs typeface="+mn-cs"/>
+              </a:rPr>
+              <a:t>As the population increases in a LGA, the higher the percentage of unsolved charges</a:t>
+            </a:r>
+            <a:endParaRPr lang="en-AU" sz="1800" dirty="0">
+              <a:solidFill>
+                <a:schemeClr val="tx1"/>
+              </a:solidFill>
+              <a:latin typeface="Consolas" panose="020B0609020204030204" pitchFamily="49" charset="0"/>
+              <a:ea typeface="+mn-ea"/>
+              <a:cs typeface="+mn-cs"/>
+            </a:endParaRPr>
+          </a:p>
+        </p:txBody>
+      </p:sp>
+      <p:pic>
+        <p:nvPicPr>
+          <p:cNvPr id="8" name="Picture 7">
+            <a:extLst>
+              <a:ext uri="{FF2B5EF4-FFF2-40B4-BE49-F238E27FC236}">
+                <a16:creationId xmlns:a16="http://schemas.microsoft.com/office/drawing/2014/main" id="{48E5ACEE-7F56-4A0D-B3B7-33E36DBBF77F}"/>
+              </a:ext>
+            </a:extLst>
+          </p:cNvPr>
+          <p:cNvPicPr>
+            <a:picLocks noChangeAspect="1"/>
+          </p:cNvPicPr>
+          <p:nvPr/>
+        </p:nvPicPr>
+        <p:blipFill>
+          <a:blip r:embed="rId3"/>
+          <a:stretch>
+            <a:fillRect/>
+          </a:stretch>
+        </p:blipFill>
+        <p:spPr>
+          <a:xfrm>
+            <a:off x="4933442" y="499900"/>
+            <a:ext cx="6049219" cy="4810796"/>
+          </a:xfrm>
+          <a:prstGeom prst="rect">
+            <a:avLst/>
+          </a:prstGeom>
+        </p:spPr>
+      </p:pic>
+      <p:pic>
+        <p:nvPicPr>
+          <p:cNvPr id="10" name="Picture 9">
+            <a:extLst>
+              <a:ext uri="{FF2B5EF4-FFF2-40B4-BE49-F238E27FC236}">
+                <a16:creationId xmlns:a16="http://schemas.microsoft.com/office/drawing/2014/main" id="{B8496430-E9A0-4046-92AA-2ED2C76D3712}"/>
+              </a:ext>
+            </a:extLst>
+          </p:cNvPr>
+          <p:cNvPicPr>
+            <a:picLocks noChangeAspect="1"/>
+          </p:cNvPicPr>
+          <p:nvPr/>
+        </p:nvPicPr>
+        <p:blipFill>
+          <a:blip r:embed="rId4"/>
+          <a:stretch>
+            <a:fillRect/>
+          </a:stretch>
+        </p:blipFill>
+        <p:spPr>
+          <a:xfrm>
+            <a:off x="1849190" y="2299738"/>
+            <a:ext cx="1876687" cy="1676634"/>
+          </a:xfrm>
+          <a:prstGeom prst="rect">
+            <a:avLst/>
+          </a:prstGeom>
+        </p:spPr>
+      </p:pic>
+      <p:sp>
+        <p:nvSpPr>
+          <p:cNvPr id="11" name="Title 1">
+            <a:extLst>
+              <a:ext uri="{FF2B5EF4-FFF2-40B4-BE49-F238E27FC236}">
+                <a16:creationId xmlns:a16="http://schemas.microsoft.com/office/drawing/2014/main" id="{7D98C783-9AF9-4874-A8A3-55E2E665A091}"/>
+              </a:ext>
+            </a:extLst>
+          </p:cNvPr>
+          <p:cNvSpPr txBox="1">
+            <a:spLocks/>
+          </p:cNvSpPr>
+          <p:nvPr/>
+        </p:nvSpPr>
+        <p:spPr>
+          <a:xfrm>
+            <a:off x="4933442" y="5441151"/>
+            <a:ext cx="4553769" cy="401088"/>
+          </a:xfrm>
+          <a:prstGeom prst="rect">
+            <a:avLst/>
+          </a:prstGeom>
+        </p:spPr>
+        <p:txBody>
+          <a:bodyPr vert="horz" lIns="91440" tIns="45720" rIns="91440" bIns="45720" rtlCol="0" anchor="ctr">
+            <a:normAutofit/>
+          </a:bodyPr>
+          <a:lstStyle>
+            <a:lvl1pPr algn="l" defTabSz="914400" rtl="0" eaLnBrk="1" latinLnBrk="0" hangingPunct="1">
+              <a:lnSpc>
+                <a:spcPct val="100000"/>
+              </a:lnSpc>
+              <a:spcBef>
+                <a:spcPct val="0"/>
+              </a:spcBef>
+              <a:buNone/>
+              <a:defRPr sz="4000" kern="1200">
+                <a:solidFill>
+                  <a:schemeClr val="tx2"/>
+                </a:solidFill>
+                <a:latin typeface="+mj-lt"/>
+                <a:ea typeface="+mj-ea"/>
+                <a:cs typeface="+mj-cs"/>
+              </a:defRPr>
+            </a:lvl1pPr>
+          </a:lstStyle>
+          <a:p>
+            <a:r>
+              <a:rPr lang="en-US" sz="1600" dirty="0">
+                <a:latin typeface="Calibri" panose="020F0502020204030204" pitchFamily="34" charset="0"/>
+                <a:ea typeface="Calibri" panose="020F0502020204030204" pitchFamily="34" charset="0"/>
+                <a:cs typeface="Times New Roman" panose="02020603050405020304" pitchFamily="18" charset="0"/>
+              </a:rPr>
+              <a:t>Standard error r</a:t>
+            </a:r>
+            <a:r>
+              <a:rPr lang="en-US" sz="1600" baseline="30000" dirty="0">
+                <a:latin typeface="Calibri" panose="020F0502020204030204" pitchFamily="34" charset="0"/>
+                <a:ea typeface="Calibri" panose="020F0502020204030204" pitchFamily="34" charset="0"/>
+                <a:cs typeface="Times New Roman" panose="02020603050405020304" pitchFamily="18" charset="0"/>
+              </a:rPr>
+              <a:t>2</a:t>
+            </a:r>
+            <a:r>
+              <a:rPr lang="en-US" sz="1600" dirty="0">
+                <a:latin typeface="Calibri" panose="020F0502020204030204" pitchFamily="34" charset="0"/>
+                <a:ea typeface="Calibri" panose="020F0502020204030204" pitchFamily="34" charset="0"/>
+                <a:cs typeface="Times New Roman" panose="02020603050405020304" pitchFamily="18" charset="0"/>
+              </a:rPr>
+              <a:t> is 25% </a:t>
+            </a:r>
+            <a:endParaRPr lang="en-AU" sz="1600" dirty="0"/>
+          </a:p>
+        </p:txBody>
+      </p:sp>
+    </p:spTree>
+    <p:extLst>
+      <p:ext uri="{BB962C8B-B14F-4D97-AF65-F5344CB8AC3E}">
+        <p14:creationId xmlns:p14="http://schemas.microsoft.com/office/powerpoint/2010/main" val="809717122"/>
+      </p:ext>
+    </p:extLst>
+  </p:cSld>
+  <p:clrMapOvr>
+    <a:masterClrMapping/>
+  </p:clrMapOvr>
+</p:sld>
+</file>
+
+<file path=ppt/slides/slide11.xml><?xml version="1.0" encoding="utf-8"?>
+<p:sld xmlns:a="http://schemas.openxmlformats.org/drawingml/2006/main" xmlns:r="http://schemas.openxmlformats.org/officeDocument/2006/relationships" xmlns:p="http://schemas.openxmlformats.org/presentationml/2006/main">
+  <p:cSld>
+    <p:spTree>
+      <p:nvGrpSpPr>
+        <p:cNvPr id="1" name=""/>
+        <p:cNvGrpSpPr/>
+        <p:nvPr/>
+      </p:nvGrpSpPr>
+      <p:grpSpPr>
+        <a:xfrm>
+          <a:off x="0" y="0"/>
+          <a:ext cx="0" cy="0"/>
+          <a:chOff x="0" y="0"/>
+          <a:chExt cx="0" cy="0"/>
+        </a:xfrm>
+      </p:grpSpPr>
       <p:pic>
         <p:nvPicPr>
           <p:cNvPr id="5" name="Content Placeholder 4">
@@ -8618,7 +10087,7 @@
           </p:nvPr>
         </p:nvPicPr>
         <p:blipFill>
-          <a:blip r:embed="rId2"/>
+          <a:blip r:embed="rId3"/>
           <a:stretch>
             <a:fillRect/>
           </a:stretch>
@@ -8645,7 +10114,7 @@
           <p:nvPr/>
         </p:nvPicPr>
         <p:blipFill>
-          <a:blip r:embed="rId3"/>
+          <a:blip r:embed="rId4"/>
           <a:stretch>
             <a:fillRect/>
           </a:stretch>
@@ -8734,7 +10203,7 @@
           <p:nvPr/>
         </p:nvPicPr>
         <p:blipFill>
-          <a:blip r:embed="rId4"/>
+          <a:blip r:embed="rId5"/>
           <a:stretch>
             <a:fillRect/>
           </a:stretch>
@@ -8764,7 +10233,7 @@
           <p:nvPr/>
         </p:nvPicPr>
         <p:blipFill>
-          <a:blip r:embed="rId5"/>
+          <a:blip r:embed="rId6"/>
           <a:stretch>
             <a:fillRect/>
           </a:stretch>
@@ -8794,7 +10263,7 @@
           <p:nvPr/>
         </p:nvPicPr>
         <p:blipFill>
-          <a:blip r:embed="rId4"/>
+          <a:blip r:embed="rId5"/>
           <a:stretch>
             <a:fillRect/>
           </a:stretch>
@@ -8840,14 +10309,14 @@
                             </p:stCondLst>
                             <p:childTnLst>
                               <p:par>
-                                <p:cTn id="5" presetID="32" presetClass="emph" presetSubtype="0" fill="hold" nodeType="clickEffect">
+                                <p:cTn id="5" presetID="42" presetClass="entr" presetSubtype="0" fill="hold" nodeType="clickEffect">
                                   <p:stCondLst>
                                     <p:cond delay="0"/>
                                   </p:stCondLst>
                                   <p:childTnLst>
-                                    <p:animRot by="120000">
+                                    <p:set>
                                       <p:cBhvr>
-                                        <p:cTn id="6" dur="100" fill="hold">
+                                        <p:cTn id="6" dur="1" fill="hold">
                                           <p:stCondLst>
                                             <p:cond delay="0"/>
                                           </p:stCondLst>
@@ -8856,70 +10325,67 @@
                                           <p:spTgt spid="5"/>
                                         </p:tgtEl>
                                         <p:attrNameLst>
-                                          <p:attrName>r</p:attrName>
+                                          <p:attrName>style.visibility</p:attrName>
                                         </p:attrNameLst>
                                       </p:cBhvr>
-                                    </p:animRot>
-                                    <p:animRot by="-240000">
+                                      <p:to>
+                                        <p:strVal val="visible"/>
+                                      </p:to>
+                                    </p:set>
+                                    <p:animEffect transition="in" filter="fade">
                                       <p:cBhvr>
-                                        <p:cTn id="7" dur="200" fill="hold">
-                                          <p:stCondLst>
-                                            <p:cond delay="200"/>
-                                          </p:stCondLst>
-                                        </p:cTn>
+                                        <p:cTn id="7" dur="250"/>
+                                        <p:tgtEl>
+                                          <p:spTgt spid="5"/>
+                                        </p:tgtEl>
+                                      </p:cBhvr>
+                                    </p:animEffect>
+                                    <p:anim calcmode="lin" valueType="num">
+                                      <p:cBhvr>
+                                        <p:cTn id="8" dur="250" fill="hold"/>
                                         <p:tgtEl>
                                           <p:spTgt spid="5"/>
                                         </p:tgtEl>
                                         <p:attrNameLst>
-                                          <p:attrName>r</p:attrName>
+                                          <p:attrName>ppt_x</p:attrName>
                                         </p:attrNameLst>
                                       </p:cBhvr>
-                                    </p:animRot>
-                                    <p:animRot by="240000">
+                                      <p:tavLst>
+                                        <p:tav tm="0">
+                                          <p:val>
+                                            <p:strVal val="#ppt_x"/>
+                                          </p:val>
+                                        </p:tav>
+                                        <p:tav tm="100000">
+                                          <p:val>
+                                            <p:strVal val="#ppt_x"/>
+                                          </p:val>
+                                        </p:tav>
+                                      </p:tavLst>
+                                    </p:anim>
+                                    <p:anim calcmode="lin" valueType="num">
                                       <p:cBhvr>
-                                        <p:cTn id="8" dur="200" fill="hold">
-                                          <p:stCondLst>
-                                            <p:cond delay="400"/>
-                                          </p:stCondLst>
-                                        </p:cTn>
+                                        <p:cTn id="9" dur="250" fill="hold"/>
                                         <p:tgtEl>
                                           <p:spTgt spid="5"/>
                                         </p:tgtEl>
                                         <p:attrNameLst>
-                                          <p:attrName>r</p:attrName>
+                                          <p:attrName>ppt_y</p:attrName>
                                         </p:attrNameLst>
                                       </p:cBhvr>
-                                    </p:animRot>
-                                    <p:animRot by="-240000">
-                                      <p:cBhvr>
-                                        <p:cTn id="9" dur="200" fill="hold">
-                                          <p:stCondLst>
-                                            <p:cond delay="600"/>
-                                          </p:stCondLst>
-                                        </p:cTn>
-                                        <p:tgtEl>
-                                          <p:spTgt spid="5"/>
-                                        </p:tgtEl>
-                                        <p:attrNameLst>
-                                          <p:attrName>r</p:attrName>
-                                        </p:attrNameLst>
-                                      </p:cBhvr>
-                                    </p:animRot>
-                                    <p:animRot by="120000">
-                                      <p:cBhvr>
-                                        <p:cTn id="10" dur="200" fill="hold">
-                                          <p:stCondLst>
-                                            <p:cond delay="800"/>
-                                          </p:stCondLst>
-                                        </p:cTn>
-                                        <p:tgtEl>
-                                          <p:spTgt spid="5"/>
-                                        </p:tgtEl>
-                                        <p:attrNameLst>
-                                          <p:attrName>r</p:attrName>
-                                        </p:attrNameLst>
-                                      </p:cBhvr>
-                                    </p:animRot>
+                                      <p:tavLst>
+                                        <p:tav tm="0">
+                                          <p:val>
+                                            <p:strVal val="#ppt_y+.1"/>
+                                          </p:val>
+                                        </p:tav>
+                                        <p:tav tm="100000">
+                                          <p:val>
+                                            <p:strVal val="#ppt_y"/>
+                                          </p:val>
+                                        </p:tav>
+                                      </p:tavLst>
+                                    </p:anim>
                                   </p:childTnLst>
                                 </p:cTn>
                               </p:par>
@@ -8930,26 +10396,107 @@
                     </p:cTn>
                   </p:par>
                   <p:par>
-                    <p:cTn id="11" fill="hold">
+                    <p:cTn id="10" fill="hold">
                       <p:stCondLst>
                         <p:cond delay="indefinite"/>
                       </p:stCondLst>
                       <p:childTnLst>
                         <p:par>
-                          <p:cTn id="12" fill="hold">
+                          <p:cTn id="11" fill="hold">
                             <p:stCondLst>
                               <p:cond delay="0"/>
                             </p:stCondLst>
                             <p:childTnLst>
                               <p:par>
-                                <p:cTn id="13" presetID="53" presetClass="entr" presetSubtype="16" fill="hold" nodeType="clickEffect">
+                                <p:cTn id="12" presetID="53" presetClass="entr" presetSubtype="16" fill="hold" nodeType="clickEffect">
                                   <p:stCondLst>
                                     <p:cond delay="0"/>
                                   </p:stCondLst>
                                   <p:childTnLst>
                                     <p:set>
                                       <p:cBhvr>
-                                        <p:cTn id="14" dur="1" fill="hold">
+                                        <p:cTn id="13" dur="1" fill="hold">
+                                          <p:stCondLst>
+                                            <p:cond delay="0"/>
+                                          </p:stCondLst>
+                                        </p:cTn>
+                                        <p:tgtEl>
+                                          <p:spTgt spid="12"/>
+                                        </p:tgtEl>
+                                        <p:attrNameLst>
+                                          <p:attrName>style.visibility</p:attrName>
+                                        </p:attrNameLst>
+                                      </p:cBhvr>
+                                      <p:to>
+                                        <p:strVal val="visible"/>
+                                      </p:to>
+                                    </p:set>
+                                    <p:anim calcmode="lin" valueType="num">
+                                      <p:cBhvr>
+                                        <p:cTn id="14" dur="250" fill="hold"/>
+                                        <p:tgtEl>
+                                          <p:spTgt spid="12"/>
+                                        </p:tgtEl>
+                                        <p:attrNameLst>
+                                          <p:attrName>ppt_w</p:attrName>
+                                        </p:attrNameLst>
+                                      </p:cBhvr>
+                                      <p:tavLst>
+                                        <p:tav tm="0">
+                                          <p:val>
+                                            <p:fltVal val="0"/>
+                                          </p:val>
+                                        </p:tav>
+                                        <p:tav tm="100000">
+                                          <p:val>
+                                            <p:strVal val="#ppt_w"/>
+                                          </p:val>
+                                        </p:tav>
+                                      </p:tavLst>
+                                    </p:anim>
+                                    <p:anim calcmode="lin" valueType="num">
+                                      <p:cBhvr>
+                                        <p:cTn id="15" dur="250" fill="hold"/>
+                                        <p:tgtEl>
+                                          <p:spTgt spid="12"/>
+                                        </p:tgtEl>
+                                        <p:attrNameLst>
+                                          <p:attrName>ppt_h</p:attrName>
+                                        </p:attrNameLst>
+                                      </p:cBhvr>
+                                      <p:tavLst>
+                                        <p:tav tm="0">
+                                          <p:val>
+                                            <p:fltVal val="0"/>
+                                          </p:val>
+                                        </p:tav>
+                                        <p:tav tm="100000">
+                                          <p:val>
+                                            <p:strVal val="#ppt_h"/>
+                                          </p:val>
+                                        </p:tav>
+                                      </p:tavLst>
+                                    </p:anim>
+                                    <p:animEffect transition="in" filter="fade">
+                                      <p:cBhvr>
+                                        <p:cTn id="16" dur="250"/>
+                                        <p:tgtEl>
+                                          <p:spTgt spid="12"/>
+                                        </p:tgtEl>
+                                      </p:cBhvr>
+                                    </p:animEffect>
+                                  </p:childTnLst>
+                                </p:cTn>
+                              </p:par>
+                              <p:par>
+                                <p:cTn id="17" presetID="53" presetClass="entr" presetSubtype="16" fill="hold" nodeType="withEffect">
+                                  <p:stCondLst>
+                                    <p:cond delay="0"/>
+                                  </p:stCondLst>
+                                  <p:childTnLst>
+                                    <p:set>
+                                      <p:cBhvr>
+                                        <p:cTn id="18" dur="1" fill="hold">
                                           <p:stCondLst>
                                             <p:cond delay="0"/>
                                           </p:stCondLst>
@@ -8967,7 +10514,7 @@
                                     </p:set>
                                     <p:anim calcmode="lin" valueType="num">
                                       <p:cBhvr>
-                                        <p:cTn id="15" dur="500" fill="hold"/>
+                                        <p:cTn id="19" dur="250" fill="hold"/>
                                         <p:tgtEl>
                                           <p:spTgt spid="15"/>
                                         </p:tgtEl>
@@ -8990,7 +10537,7 @@
                                     </p:anim>
                                     <p:anim calcmode="lin" valueType="num">
                                       <p:cBhvr>
-                                        <p:cTn id="16" dur="500" fill="hold"/>
+                                        <p:cTn id="20" dur="250" fill="hold"/>
                                         <p:tgtEl>
                                           <p:spTgt spid="15"/>
                                         </p:tgtEl>
@@ -9013,7 +10560,7 @@
                                     </p:anim>
                                     <p:animEffect transition="in" filter="fade">
                                       <p:cBhvr>
-                                        <p:cTn id="17" dur="500"/>
+                                        <p:cTn id="21" dur="250"/>
                                         <p:tgtEl>
                                           <p:spTgt spid="15"/>
                                         </p:tgtEl>
@@ -9023,95 +10570,14 @@
                                 </p:cTn>
                               </p:par>
                               <p:par>
-                                <p:cTn id="18" presetID="53" presetClass="entr" presetSubtype="16" fill="hold" nodeType="withEffect">
+                                <p:cTn id="22" presetID="53" presetClass="entr" presetSubtype="16" fill="hold" nodeType="withEffect">
                                   <p:stCondLst>
                                     <p:cond delay="0"/>
                                   </p:stCondLst>
                                   <p:childTnLst>
                                     <p:set>
                                       <p:cBhvr>
-                                        <p:cTn id="19" dur="1" fill="hold">
-                                          <p:stCondLst>
-                                            <p:cond delay="0"/>
-                                          </p:stCondLst>
-                                        </p:cTn>
-                                        <p:tgtEl>
-                                          <p:spTgt spid="12"/>
-                                        </p:tgtEl>
-                                        <p:attrNameLst>
-                                          <p:attrName>style.visibility</p:attrName>
-                                        </p:attrNameLst>
-                                      </p:cBhvr>
-                                      <p:to>
-                                        <p:strVal val="visible"/>
-                                      </p:to>
-                                    </p:set>
-                                    <p:anim calcmode="lin" valueType="num">
-                                      <p:cBhvr>
-                                        <p:cTn id="20" dur="500" fill="hold"/>
-                                        <p:tgtEl>
-                                          <p:spTgt spid="12"/>
-                                        </p:tgtEl>
-                                        <p:attrNameLst>
-                                          <p:attrName>ppt_w</p:attrName>
-                                        </p:attrNameLst>
-                                      </p:cBhvr>
-                                      <p:tavLst>
-                                        <p:tav tm="0">
-                                          <p:val>
-                                            <p:fltVal val="0"/>
-                                          </p:val>
-                                        </p:tav>
-                                        <p:tav tm="100000">
-                                          <p:val>
-                                            <p:strVal val="#ppt_w"/>
-                                          </p:val>
-                                        </p:tav>
-                                      </p:tavLst>
-                                    </p:anim>
-                                    <p:anim calcmode="lin" valueType="num">
-                                      <p:cBhvr>
-                                        <p:cTn id="21" dur="500" fill="hold"/>
-                                        <p:tgtEl>
-                                          <p:spTgt spid="12"/>
-                                        </p:tgtEl>
-                                        <p:attrNameLst>
-                                          <p:attrName>ppt_h</p:attrName>
-                                        </p:attrNameLst>
-                                      </p:cBhvr>
-                                      <p:tavLst>
-                                        <p:tav tm="0">
-                                          <p:val>
-                                            <p:fltVal val="0"/>
-                                          </p:val>
-                                        </p:tav>
-                                        <p:tav tm="100000">
-                                          <p:val>
-                                            <p:strVal val="#ppt_h"/>
-                                          </p:val>
-                                        </p:tav>
-                                      </p:tavLst>
-                                    </p:anim>
-                                    <p:animEffect transition="in" filter="fade">
-                                      <p:cBhvr>
-                                        <p:cTn id="22" dur="500"/>
-                                        <p:tgtEl>
-                                          <p:spTgt spid="12"/>
-                                        </p:tgtEl>
-                                      </p:cBhvr>
-                                    </p:animEffect>
-                                  </p:childTnLst>
-                                </p:cTn>
-                              </p:par>
-                              <p:par>
-                                <p:cTn id="23" presetID="53" presetClass="entr" presetSubtype="16" fill="hold" nodeType="withEffect">
-                                  <p:stCondLst>
-                                    <p:cond delay="0"/>
-                                  </p:stCondLst>
-                                  <p:childTnLst>
-                                    <p:set>
-                                      <p:cBhvr>
-                                        <p:cTn id="24" dur="1" fill="hold">
+                                        <p:cTn id="23" dur="1" fill="hold">
                                           <p:stCondLst>
                                             <p:cond delay="0"/>
                                           </p:stCondLst>
@@ -9129,7 +10595,7 @@
                                     </p:set>
                                     <p:anim calcmode="lin" valueType="num">
                                       <p:cBhvr>
-                                        <p:cTn id="25" dur="500" fill="hold"/>
+                                        <p:cTn id="24" dur="250" fill="hold"/>
                                         <p:tgtEl>
                                           <p:spTgt spid="10"/>
                                         </p:tgtEl>
@@ -9152,7 +10618,7 @@
                                     </p:anim>
                                     <p:anim calcmode="lin" valueType="num">
                                       <p:cBhvr>
-                                        <p:cTn id="26" dur="500" fill="hold"/>
+                                        <p:cTn id="25" dur="250" fill="hold"/>
                                         <p:tgtEl>
                                           <p:spTgt spid="10"/>
                                         </p:tgtEl>
@@ -9175,7 +10641,7 @@
                                     </p:anim>
                                     <p:animEffect transition="in" filter="fade">
                                       <p:cBhvr>
-                                        <p:cTn id="27" dur="500"/>
+                                        <p:cTn id="26" dur="250"/>
                                         <p:tgtEl>
                                           <p:spTgt spid="10"/>
                                         </p:tgtEl>
@@ -9215,7 +10681,7 @@
 </p:sld>
 </file>
 
-<file path=ppt/slides/slide11.xml><?xml version="1.0" encoding="utf-8"?>
+<file path=ppt/slides/slide12.xml><?xml version="1.0" encoding="utf-8"?>
 <p:sld xmlns:a="http://schemas.openxmlformats.org/drawingml/2006/main" xmlns:r="http://schemas.openxmlformats.org/officeDocument/2006/relationships" xmlns:p="http://schemas.openxmlformats.org/presentationml/2006/main">
   <p:cSld>
     <p:spTree>
@@ -9232,70 +10698,139 @@
           <a:chExt cx="0" cy="0"/>
         </a:xfrm>
       </p:grpSpPr>
-      <p:pic>
-        <p:nvPicPr>
-          <p:cNvPr id="7" name="Picture 6">
-            <a:extLst>
-              <a:ext uri="{FF2B5EF4-FFF2-40B4-BE49-F238E27FC236}">
-                <a16:creationId xmlns:a16="http://schemas.microsoft.com/office/drawing/2014/main" id="{915D7BEE-5F3D-49B2-A878-49229E9DD217}"/>
-              </a:ext>
-            </a:extLst>
-          </p:cNvPr>
-          <p:cNvPicPr>
-            <a:picLocks noChangeAspect="1"/>
-          </p:cNvPicPr>
-          <p:nvPr/>
-        </p:nvPicPr>
-        <p:blipFill>
-          <a:blip r:embed="rId2"/>
-          <a:stretch>
-            <a:fillRect/>
-          </a:stretch>
-        </p:blipFill>
+      <p:sp>
+        <p:nvSpPr>
+          <p:cNvPr id="2" name="Title 1"/>
+          <p:cNvSpPr>
+            <a:spLocks noGrp="1"/>
+          </p:cNvSpPr>
+          <p:nvPr>
+            <p:ph type="title"/>
+          </p:nvPr>
+        </p:nvSpPr>
+        <p:spPr/>
+        <p:txBody>
+          <a:bodyPr/>
+          <a:lstStyle/>
+          <a:p>
+            <a:r>
+              <a:rPr lang="en-AU" dirty="0"/>
+              <a:t>Agenda</a:t>
+            </a:r>
+            <a:endParaRPr lang="en-US" dirty="0"/>
+          </a:p>
+        </p:txBody>
+      </p:sp>
+      <p:sp>
+        <p:nvSpPr>
+          <p:cNvPr id="3" name="Content Placeholder 2"/>
+          <p:cNvSpPr>
+            <a:spLocks noGrp="1"/>
+          </p:cNvSpPr>
+          <p:nvPr>
+            <p:ph idx="1"/>
+          </p:nvPr>
+        </p:nvSpPr>
         <p:spPr>
           <a:xfrm>
-            <a:off x="2377081" y="42390"/>
-            <a:ext cx="8410635" cy="6071027"/>
+            <a:off x="1069848" y="1874520"/>
+            <a:ext cx="9634011" cy="3873901"/>
           </a:xfrm>
-          <a:prstGeom prst="rect">
-            <a:avLst/>
-          </a:prstGeom>
         </p:spPr>
-      </p:pic>
-      <p:pic>
-        <p:nvPicPr>
-          <p:cNvPr id="9" name="Picture 8">
-            <a:extLst>
-              <a:ext uri="{FF2B5EF4-FFF2-40B4-BE49-F238E27FC236}">
-                <a16:creationId xmlns:a16="http://schemas.microsoft.com/office/drawing/2014/main" id="{D050DCF3-AD6B-44C2-A20E-7D68B73DF1C7}"/>
-              </a:ext>
-            </a:extLst>
-          </p:cNvPr>
-          <p:cNvPicPr>
-            <a:picLocks noChangeAspect="1"/>
-          </p:cNvPicPr>
-          <p:nvPr/>
-        </p:nvPicPr>
-        <p:blipFill>
-          <a:blip r:embed="rId3"/>
-          <a:stretch>
-            <a:fillRect/>
-          </a:stretch>
-        </p:blipFill>
-        <p:spPr>
-          <a:xfrm>
-            <a:off x="3037500" y="6081390"/>
-            <a:ext cx="6777419" cy="734220"/>
-          </a:xfrm>
-          <a:prstGeom prst="rect">
-            <a:avLst/>
-          </a:prstGeom>
-        </p:spPr>
-      </p:pic>
+        <p:txBody>
+          <a:bodyPr/>
+          <a:lstStyle/>
+          <a:p>
+            <a:pPr marL="457200" indent="-457200">
+              <a:buFont typeface="+mj-lt"/>
+              <a:buAutoNum type="arabicPeriod"/>
+            </a:pPr>
+            <a:r>
+              <a:rPr lang="en-AU" sz="1800" dirty="0">
+                <a:solidFill>
+                  <a:schemeClr val="tx1"/>
+                </a:solidFill>
+                <a:latin typeface="Consolas" panose="020B0609020204030204" pitchFamily="49" charset="0"/>
+              </a:rPr>
+              <a:t>Introduction &amp; Objectives</a:t>
+            </a:r>
+          </a:p>
+          <a:p>
+            <a:pPr marL="457200" indent="-457200">
+              <a:buFont typeface="+mj-lt"/>
+              <a:buAutoNum type="arabicPeriod"/>
+            </a:pPr>
+            <a:r>
+              <a:rPr lang="en-AU" sz="1800" dirty="0">
+                <a:solidFill>
+                  <a:schemeClr val="tx1"/>
+                </a:solidFill>
+                <a:latin typeface="Consolas" panose="020B0609020204030204" pitchFamily="49" charset="0"/>
+              </a:rPr>
+              <a:t>Criminal Incidents, Recorded Offences (Antoinette)</a:t>
+            </a:r>
+          </a:p>
+          <a:p>
+            <a:pPr marL="457200" indent="-457200">
+              <a:buFont typeface="+mj-lt"/>
+              <a:buAutoNum type="arabicPeriod"/>
+            </a:pPr>
+            <a:r>
+              <a:rPr lang="en-AU" sz="1800" dirty="0">
+                <a:solidFill>
+                  <a:schemeClr val="tx1"/>
+                </a:solidFill>
+                <a:latin typeface="Consolas" panose="020B0609020204030204" pitchFamily="49" charset="0"/>
+              </a:rPr>
+              <a:t>Victim Reports &amp; Family Incidents (Jacqueline)</a:t>
+            </a:r>
+          </a:p>
+          <a:p>
+            <a:pPr marL="457200" indent="-457200">
+              <a:buFont typeface="+mj-lt"/>
+              <a:buAutoNum type="arabicPeriod"/>
+            </a:pPr>
+            <a:r>
+              <a:rPr lang="en-AU" sz="1800" dirty="0">
+                <a:solidFill>
+                  <a:schemeClr val="tx1"/>
+                </a:solidFill>
+                <a:latin typeface="Consolas" panose="020B0609020204030204" pitchFamily="49" charset="0"/>
+              </a:rPr>
+              <a:t>Crime status &amp; Police Service Areas (Kelvin)</a:t>
+            </a:r>
+          </a:p>
+          <a:p>
+            <a:pPr marL="457200" indent="-457200">
+              <a:buFont typeface="+mj-lt"/>
+              <a:buAutoNum type="arabicPeriod"/>
+            </a:pPr>
+            <a:r>
+              <a:rPr lang="en-AU" sz="1800" b="1" dirty="0">
+                <a:solidFill>
+                  <a:schemeClr val="tx1"/>
+                </a:solidFill>
+                <a:latin typeface="Consolas" panose="020B0609020204030204" pitchFamily="49" charset="0"/>
+              </a:rPr>
+              <a:t>Victoria Crimes Trends from September 2012 to 2021 (Anh)</a:t>
+            </a:r>
+          </a:p>
+          <a:p>
+            <a:pPr marL="457200" indent="-457200">
+              <a:buFont typeface="+mj-lt"/>
+              <a:buAutoNum type="arabicPeriod"/>
+            </a:pPr>
+            <a:endParaRPr lang="en-AU" b="1" dirty="0"/>
+          </a:p>
+          <a:p>
+            <a:endParaRPr lang="en-US" dirty="0"/>
+          </a:p>
+        </p:txBody>
+      </p:sp>
     </p:spTree>
     <p:extLst>
       <p:ext uri="{BB962C8B-B14F-4D97-AF65-F5344CB8AC3E}">
-        <p14:creationId xmlns:p14="http://schemas.microsoft.com/office/powerpoint/2010/main" val="4093479017"/>
+        <p14:creationId xmlns:p14="http://schemas.microsoft.com/office/powerpoint/2010/main" val="1126717445"/>
       </p:ext>
     </p:extLst>
   </p:cSld>
@@ -9352,7 +10887,7 @@
           <a:p>
             <a:r>
               <a:rPr lang="en-AU" sz="4400" dirty="0"/>
-              <a:t>How is the police coping with criminal incidents</a:t>
+              <a:t>How are police coping with criminal incidents</a:t>
             </a:r>
             <a:r>
               <a:rPr lang="en-AU" sz="4100" dirty="0"/>
@@ -9417,7 +10952,7 @@
           <p:nvPr/>
         </p:nvPicPr>
         <p:blipFill rotWithShape="1">
-          <a:blip r:embed="rId2">
+          <a:blip r:embed="rId3">
             <a:extLst>
               <a:ext uri="{28A0092B-C50C-407E-A947-70E740481C1C}">
                 <a14:useLocalDpi xmlns:a14="http://schemas.microsoft.com/office/drawing/2010/main" val="0"/>
@@ -9462,7 +10997,7 @@
           <p:nvPr/>
         </p:nvPicPr>
         <p:blipFill rotWithShape="1">
-          <a:blip r:embed="rId3">
+          <a:blip r:embed="rId4">
             <a:extLst>
               <a:ext uri="{28A0092B-C50C-407E-A947-70E740481C1C}">
                 <a14:useLocalDpi xmlns:a14="http://schemas.microsoft.com/office/drawing/2010/main" val="0"/>
@@ -9549,12 +11084,7 @@
           <a:lstStyle/>
           <a:p>
             <a:r>
-              <a:rPr lang="en-US" sz="4000" dirty="0">
-                <a:effectLst/>
-                <a:latin typeface="Calibri" panose="020F0502020204030204" pitchFamily="34" charset="0"/>
-                <a:ea typeface="Calibri" panose="020F0502020204030204" pitchFamily="34" charset="0"/>
-                <a:cs typeface="Times New Roman" panose="02020603050405020304" pitchFamily="18" charset="0"/>
-              </a:rPr>
+              <a:rPr lang="en-US" dirty="0"/>
               <a:t>Local government areas (LGAs) </a:t>
             </a:r>
             <a:endParaRPr lang="en-AU" dirty="0"/>
@@ -9618,7 +11148,7 @@
           <p:nvPr/>
         </p:nvPicPr>
         <p:blipFill>
-          <a:blip r:embed="rId2">
+          <a:blip r:embed="rId3">
             <a:extLst>
               <a:ext uri="{28A0092B-C50C-407E-A947-70E740481C1C}">
                 <a14:useLocalDpi xmlns:a14="http://schemas.microsoft.com/office/drawing/2010/main" val="0"/>
@@ -9702,11 +11232,8 @@
           <a:lstStyle/>
           <a:p>
             <a:r>
-              <a:rPr lang="en-US" sz="4000" b="1" i="0" dirty="0">
-                <a:effectLst/>
-                <a:latin typeface="Slack-Lato"/>
-              </a:rPr>
-              <a:t>What are Police Service Areas?</a:t>
+              <a:rPr lang="en-US" dirty="0"/>
+              <a:t>Where are Police Service Areas?</a:t>
             </a:r>
             <a:endParaRPr lang="en-AU" dirty="0"/>
           </a:p>
@@ -9729,7 +11256,7 @@
           </p:nvPr>
         </p:nvPicPr>
         <p:blipFill>
-          <a:blip r:embed="rId2"/>
+          <a:blip r:embed="rId3"/>
           <a:stretch>
             <a:fillRect/>
           </a:stretch>
@@ -9756,7 +11283,7 @@
           <p:nvPr/>
         </p:nvPicPr>
         <p:blipFill>
-          <a:blip r:embed="rId3"/>
+          <a:blip r:embed="rId4"/>
           <a:stretch>
             <a:fillRect/>
           </a:stretch>
@@ -9786,7 +11313,7 @@
           <p:nvPr/>
         </p:nvPicPr>
         <p:blipFill>
-          <a:blip r:embed="rId4">
+          <a:blip r:embed="rId5">
             <a:extLst>
               <a:ext uri="{28A0092B-C50C-407E-A947-70E740481C1C}">
                 <a14:useLocalDpi xmlns:a14="http://schemas.microsoft.com/office/drawing/2010/main" val="0"/>
@@ -10002,7 +11529,7 @@
                 <a:latin typeface="Calibri" panose="020F0502020204030204" pitchFamily="34" charset="0"/>
                 <a:cs typeface="Times New Roman" panose="02020603050405020304" pitchFamily="18" charset="0"/>
               </a:rPr>
-              <a:t>Data is normally distributed, no outliner identified</a:t>
+              <a:t>Data is normally distributed, no outliners identified</a:t>
             </a:r>
             <a:endParaRPr lang="en-AU" sz="2400" dirty="0">
               <a:latin typeface="Calibri" panose="020F0502020204030204" pitchFamily="34" charset="0"/>
@@ -10026,7 +11553,7 @@
           <p:nvPr/>
         </p:nvPicPr>
         <p:blipFill>
-          <a:blip r:embed="rId2"/>
+          <a:blip r:embed="rId3"/>
           <a:stretch>
             <a:fillRect/>
           </a:stretch>
@@ -10056,7 +11583,7 @@
           <p:nvPr/>
         </p:nvPicPr>
         <p:blipFill>
-          <a:blip r:embed="rId3"/>
+          <a:blip r:embed="rId4"/>
           <a:stretch>
             <a:fillRect/>
           </a:stretch>
@@ -10119,14 +11646,10 @@
           </a:lstStyle>
           <a:p>
             <a:r>
-              <a:rPr lang="en-US">
-                <a:latin typeface="Slack-Lato"/>
-              </a:rPr>
-              <a:t>Solved charge percentage - 2021</a:t>
+              <a:rPr lang="en-US" dirty="0"/>
+              <a:t>Unsolved charge percentage - 2021</a:t>
             </a:r>
-            <a:endParaRPr lang="en-AU" dirty="0">
-              <a:latin typeface="Slack-Lato"/>
-            </a:endParaRPr>
+            <a:endParaRPr lang="en-AU" dirty="0"/>
           </a:p>
         </p:txBody>
       </p:sp>
@@ -10257,14 +11780,10 @@
           <a:lstStyle/>
           <a:p>
             <a:r>
-              <a:rPr lang="en-US" dirty="0">
-                <a:latin typeface="Slack-Lato"/>
-              </a:rPr>
-              <a:t>Solved charge percentage - 2021</a:t>
+              <a:rPr lang="en-US" dirty="0"/>
+              <a:t>Unsolved charge percentage - 2021</a:t>
             </a:r>
-            <a:endParaRPr lang="en-AU" dirty="0">
-              <a:latin typeface="Slack-Lato"/>
-            </a:endParaRPr>
+            <a:endParaRPr lang="en-AU" dirty="0"/>
           </a:p>
         </p:txBody>
       </p:sp>
@@ -10357,7 +11876,7 @@
                 <a:effectLst/>
                 <a:latin typeface="Courier New" panose="02070309020205020404" pitchFamily="49" charset="0"/>
               </a:rPr>
-              <a:t>Mean solved: 41.5%</a:t>
+              <a:t>Mean unsolved: 41.5%</a:t>
             </a:r>
           </a:p>
           <a:p>
@@ -10388,7 +11907,7 @@
                 <a:effectLst/>
                 <a:latin typeface="Courier New" panose="02070309020205020404" pitchFamily="49" charset="0"/>
               </a:rPr>
-              <a:t>Median solved: 40.8%</a:t>
+              <a:t>Median unsolved: 40.8%</a:t>
             </a:r>
           </a:p>
           <a:p>
@@ -10679,14 +12198,10 @@
           <a:lstStyle/>
           <a:p>
             <a:r>
-              <a:rPr lang="en-US" dirty="0">
-                <a:latin typeface="Slack-Lato"/>
-              </a:rPr>
+              <a:rPr lang="en-US" dirty="0"/>
               <a:t>Top vs bottom 5 LGA in 2021</a:t>
             </a:r>
-            <a:endParaRPr lang="en-AU" dirty="0">
-              <a:latin typeface="Slack-Lato"/>
-            </a:endParaRPr>
+            <a:endParaRPr lang="en-AU" dirty="0"/>
           </a:p>
         </p:txBody>
       </p:sp>
@@ -11170,7 +12685,7 @@
                     <a:p>
                       <a:pPr algn="r" fontAlgn="ctr"/>
                       <a:r>
-                        <a:rPr lang="en-AU" sz="1400">
+                        <a:rPr lang="en-AU" sz="1400" dirty="0">
                           <a:effectLst/>
                         </a:rPr>
                         <a:t>362</a:t>
@@ -11226,7 +12741,7 @@
                     <a:p>
                       <a:pPr algn="r" fontAlgn="ctr"/>
                       <a:r>
-                        <a:rPr lang="en-AU" sz="1400">
+                        <a:rPr lang="en-AU" sz="1400" dirty="0">
                           <a:effectLst/>
                         </a:rPr>
                         <a:t>1810</a:t>
@@ -11282,7 +12797,7 @@
                     <a:p>
                       <a:pPr algn="r" fontAlgn="ctr"/>
                       <a:r>
-                        <a:rPr lang="en-AU" sz="1400">
+                        <a:rPr lang="en-AU" sz="1400" dirty="0">
                           <a:effectLst/>
                         </a:rPr>
                         <a:t>20.00</a:t>
@@ -11401,7 +12916,7 @@
                     <a:p>
                       <a:pPr algn="r" fontAlgn="ctr"/>
                       <a:r>
-                        <a:rPr lang="en-AU" sz="1400">
+                        <a:rPr lang="en-AU" sz="1400" dirty="0">
                           <a:effectLst/>
                         </a:rPr>
                         <a:t>Southern Grampians</a:t>
@@ -11457,7 +12972,7 @@
                     <a:p>
                       <a:pPr algn="r" fontAlgn="ctr"/>
                       <a:r>
-                        <a:rPr lang="en-AU" sz="1400">
+                        <a:rPr lang="en-AU" sz="1400" dirty="0">
                           <a:effectLst/>
                         </a:rPr>
                         <a:t>172</a:t>
@@ -11513,7 +13028,7 @@
                     <a:p>
                       <a:pPr algn="r" fontAlgn="ctr"/>
                       <a:r>
-                        <a:rPr lang="en-AU" sz="1400">
+                        <a:rPr lang="en-AU" sz="1400" dirty="0">
                           <a:effectLst/>
                         </a:rPr>
                         <a:t>780</a:t>
@@ -11569,7 +13084,7 @@
                     <a:p>
                       <a:pPr algn="r" fontAlgn="ctr"/>
                       <a:r>
-                        <a:rPr lang="en-AU" sz="1400">
+                        <a:rPr lang="en-AU" sz="1400" dirty="0">
                           <a:effectLst/>
                         </a:rPr>
                         <a:t>22.05</a:t>
@@ -11688,7 +13203,7 @@
                     <a:p>
                       <a:pPr algn="r" fontAlgn="ctr"/>
                       <a:r>
-                        <a:rPr lang="en-AU" sz="1400">
+                        <a:rPr lang="en-AU" sz="1400" dirty="0">
                           <a:effectLst/>
                         </a:rPr>
                         <a:t>Ararat</a:t>
@@ -11800,7 +13315,7 @@
                     <a:p>
                       <a:pPr algn="r" fontAlgn="ctr"/>
                       <a:r>
-                        <a:rPr lang="en-AU" sz="1400">
+                        <a:rPr lang="en-AU" sz="1400" dirty="0">
                           <a:effectLst/>
                         </a:rPr>
                         <a:t>1134</a:t>
@@ -11856,7 +13371,7 @@
                     <a:p>
                       <a:pPr algn="r" fontAlgn="ctr"/>
                       <a:r>
-                        <a:rPr lang="en-AU" sz="1400">
+                        <a:rPr lang="en-AU" sz="1400" dirty="0">
                           <a:effectLst/>
                         </a:rPr>
                         <a:t>22.84</a:t>
@@ -12031,7 +13546,7 @@
                     <a:p>
                       <a:pPr algn="r" fontAlgn="ctr"/>
                       <a:r>
-                        <a:rPr lang="en-AU" sz="1400">
+                        <a:rPr lang="en-AU" sz="1400" dirty="0">
                           <a:effectLst/>
                         </a:rPr>
                         <a:t>395</a:t>
@@ -12087,7 +13602,7 @@
                     <a:p>
                       <a:pPr algn="r" fontAlgn="ctr"/>
                       <a:r>
-                        <a:rPr lang="en-AU" sz="1400">
+                        <a:rPr lang="en-AU" sz="1400" dirty="0">
                           <a:effectLst/>
                         </a:rPr>
                         <a:t>1631</a:t>
@@ -12143,7 +13658,7 @@
                     <a:p>
                       <a:pPr algn="r" fontAlgn="ctr"/>
                       <a:r>
-                        <a:rPr lang="en-AU" sz="1400">
+                        <a:rPr lang="en-AU" sz="1400" dirty="0">
                           <a:effectLst/>
                         </a:rPr>
                         <a:t>24.22</a:t>
@@ -12262,7 +13777,7 @@
                     <a:p>
                       <a:pPr algn="r" fontAlgn="ctr"/>
                       <a:r>
-                        <a:rPr lang="en-AU" sz="1400">
+                        <a:rPr lang="en-AU" sz="1400" dirty="0">
                           <a:effectLst/>
                         </a:rPr>
                         <a:t>Northern Grampians</a:t>
@@ -12318,7 +13833,7 @@
                     <a:p>
                       <a:pPr algn="r" fontAlgn="ctr"/>
                       <a:r>
-                        <a:rPr lang="en-AU" sz="1400">
+                        <a:rPr lang="en-AU" sz="1400" dirty="0">
                           <a:effectLst/>
                         </a:rPr>
                         <a:t>233</a:t>
@@ -12493,14 +14008,11 @@
                     <a:p>
                       <a:pPr algn="r" fontAlgn="ctr"/>
                       <a:r>
-                        <a:rPr lang="en-AU" sz="1400" b="1">
+                        <a:rPr lang="en-AU" sz="1400" b="1" dirty="0">
                           <a:effectLst/>
                         </a:rPr>
                         <a:t>...</a:t>
                       </a:r>
-                      <a:endParaRPr lang="en-AU" sz="1400" b="1" dirty="0">
-                        <a:effectLst/>
-                      </a:endParaRPr>
                     </a:p>
                   </a:txBody>
                   <a:tcPr marL="69069" marR="69069" marT="34534" marB="34534" anchor="ctr">
@@ -12552,14 +14064,11 @@
                     <a:p>
                       <a:pPr algn="r" fontAlgn="ctr"/>
                       <a:r>
-                        <a:rPr lang="en-AU" sz="1400">
+                        <a:rPr lang="en-AU" sz="1400" dirty="0">
                           <a:effectLst/>
                         </a:rPr>
                         <a:t>...</a:t>
                       </a:r>
-                      <a:endParaRPr lang="en-AU" sz="1400" dirty="0">
-                        <a:effectLst/>
-                      </a:endParaRPr>
                     </a:p>
                   </a:txBody>
                   <a:tcPr marL="69069" marR="69069" marT="34534" marB="34534" anchor="ctr">
@@ -12611,7 +14120,7 @@
                     <a:p>
                       <a:pPr algn="r" fontAlgn="ctr"/>
                       <a:r>
-                        <a:rPr lang="en-AU" sz="1400">
+                        <a:rPr lang="en-AU" sz="1400" dirty="0">
                           <a:effectLst/>
                         </a:rPr>
                         <a:t>...</a:t>
@@ -12667,14 +14176,11 @@
                     <a:p>
                       <a:pPr algn="r" fontAlgn="ctr"/>
                       <a:r>
-                        <a:rPr lang="en-AU" sz="1400">
+                        <a:rPr lang="en-AU" sz="1400" dirty="0">
                           <a:effectLst/>
                         </a:rPr>
                         <a:t>...</a:t>
                       </a:r>
-                      <a:endParaRPr lang="en-AU" sz="1400" dirty="0">
-                        <a:effectLst/>
-                      </a:endParaRPr>
                     </a:p>
                   </a:txBody>
                   <a:tcPr marL="69069" marR="69069" marT="34534" marB="34534" anchor="ctr">
@@ -12726,7 +14232,7 @@
                     <a:p>
                       <a:pPr algn="r" fontAlgn="ctr"/>
                       <a:r>
-                        <a:rPr lang="en-AU" sz="1400">
+                        <a:rPr lang="en-AU" sz="1400" dirty="0">
                           <a:effectLst/>
                         </a:rPr>
                         <a:t>...</a:t>
@@ -12789,14 +14295,11 @@
                     <a:p>
                       <a:pPr algn="r" fontAlgn="ctr"/>
                       <a:r>
-                        <a:rPr lang="en-AU" sz="1400" b="1">
+                        <a:rPr lang="en-AU" sz="1400" b="1" dirty="0">
                           <a:effectLst/>
                         </a:rPr>
                         <a:t>75</a:t>
                       </a:r>
-                      <a:endParaRPr lang="en-AU" sz="1400" b="1" dirty="0">
-                        <a:effectLst/>
-                      </a:endParaRPr>
                     </a:p>
                   </a:txBody>
                   <a:tcPr marL="69069" marR="69069" marT="34534" marB="34534" anchor="ctr">
@@ -12848,14 +14351,11 @@
                     <a:p>
                       <a:pPr algn="r" fontAlgn="ctr"/>
                       <a:r>
-                        <a:rPr lang="en-AU" sz="1400">
+                        <a:rPr lang="en-AU" sz="1400" dirty="0">
                           <a:effectLst/>
                         </a:rPr>
                         <a:t>Bayside</a:t>
                       </a:r>
-                      <a:endParaRPr lang="en-AU" sz="1400" dirty="0">
-                        <a:effectLst/>
-                      </a:endParaRPr>
                     </a:p>
                   </a:txBody>
                   <a:tcPr marL="69069" marR="69069" marT="34534" marB="34534" anchor="ctr">
@@ -12907,7 +14407,7 @@
                     <a:p>
                       <a:pPr algn="r" fontAlgn="ctr"/>
                       <a:r>
-                        <a:rPr lang="en-AU" sz="1400">
+                        <a:rPr lang="en-AU" sz="1400" dirty="0">
                           <a:effectLst/>
                         </a:rPr>
                         <a:t>2007</a:t>
@@ -12963,14 +14463,11 @@
                     <a:p>
                       <a:pPr algn="r" fontAlgn="ctr"/>
                       <a:r>
-                        <a:rPr lang="en-AU" sz="1400">
+                        <a:rPr lang="en-AU" sz="1400" dirty="0">
                           <a:effectLst/>
                         </a:rPr>
                         <a:t>3435</a:t>
                       </a:r>
-                      <a:endParaRPr lang="en-AU" sz="1400" dirty="0">
-                        <a:effectLst/>
-                      </a:endParaRPr>
                     </a:p>
                   </a:txBody>
                   <a:tcPr marL="69069" marR="69069" marT="34534" marB="34534" anchor="ctr">
@@ -13022,14 +14519,11 @@
                     <a:p>
                       <a:pPr algn="r" fontAlgn="ctr"/>
                       <a:r>
-                        <a:rPr lang="en-AU" sz="1400">
+                        <a:rPr lang="en-AU" sz="1400" dirty="0">
                           <a:effectLst/>
                         </a:rPr>
                         <a:t>58.43</a:t>
                       </a:r>
-                      <a:endParaRPr lang="en-AU" sz="1400" dirty="0">
-                        <a:effectLst/>
-                      </a:endParaRPr>
                     </a:p>
                   </a:txBody>
                   <a:tcPr marL="69069" marR="69069" marT="34534" marB="34534" anchor="ctr">
@@ -13088,14 +14582,11 @@
                     <a:p>
                       <a:pPr algn="r" fontAlgn="ctr"/>
                       <a:r>
-                        <a:rPr lang="en-AU" sz="1400" b="1">
+                        <a:rPr lang="en-AU" sz="1400" b="1" dirty="0">
                           <a:effectLst/>
                         </a:rPr>
                         <a:t>76</a:t>
                       </a:r>
-                      <a:endParaRPr lang="en-AU" sz="1400" b="1" dirty="0">
-                        <a:effectLst/>
-                      </a:endParaRPr>
                     </a:p>
                   </a:txBody>
                   <a:tcPr marL="69069" marR="69069" marT="34534" marB="34534" anchor="ctr">
@@ -13147,14 +14638,11 @@
                     <a:p>
                       <a:pPr algn="r" fontAlgn="ctr"/>
                       <a:r>
-                        <a:rPr lang="en-AU" sz="1400">
+                        <a:rPr lang="en-AU" sz="1400" dirty="0">
                           <a:effectLst/>
                         </a:rPr>
                         <a:t>Glen Eira</a:t>
                       </a:r>
-                      <a:endParaRPr lang="en-AU" sz="1400" dirty="0">
-                        <a:effectLst/>
-                      </a:endParaRPr>
                     </a:p>
                   </a:txBody>
                   <a:tcPr marL="69069" marR="69069" marT="34534" marB="34534" anchor="ctr">
@@ -13206,14 +14694,11 @@
                     <a:p>
                       <a:pPr algn="r" fontAlgn="ctr"/>
                       <a:r>
-                        <a:rPr lang="en-AU" sz="1400">
+                        <a:rPr lang="en-AU" sz="1400" dirty="0">
                           <a:effectLst/>
                         </a:rPr>
                         <a:t>3276</a:t>
                       </a:r>
-                      <a:endParaRPr lang="en-AU" sz="1400" dirty="0">
-                        <a:effectLst/>
-                      </a:endParaRPr>
                     </a:p>
                   </a:txBody>
                   <a:tcPr marL="69069" marR="69069" marT="34534" marB="34534" anchor="ctr">
@@ -13265,14 +14750,11 @@
                     <a:p>
                       <a:pPr algn="r" fontAlgn="ctr"/>
                       <a:r>
-                        <a:rPr lang="en-AU" sz="1400">
+                        <a:rPr lang="en-AU" sz="1400" dirty="0">
                           <a:effectLst/>
                         </a:rPr>
                         <a:t>5440</a:t>
                       </a:r>
-                      <a:endParaRPr lang="en-AU" sz="1400" dirty="0">
-                        <a:effectLst/>
-                      </a:endParaRPr>
                     </a:p>
                   </a:txBody>
                   <a:tcPr marL="69069" marR="69069" marT="34534" marB="34534" anchor="ctr">
@@ -13324,14 +14806,11 @@
                     <a:p>
                       <a:pPr algn="r" fontAlgn="ctr"/>
                       <a:r>
-                        <a:rPr lang="en-AU" sz="1400">
+                        <a:rPr lang="en-AU" sz="1400" dirty="0">
                           <a:effectLst/>
                         </a:rPr>
                         <a:t>60.22</a:t>
                       </a:r>
-                      <a:endParaRPr lang="en-AU" sz="1400" dirty="0">
-                        <a:effectLst/>
-                      </a:endParaRPr>
                     </a:p>
                   </a:txBody>
                   <a:tcPr marL="69069" marR="69069" marT="34534" marB="34534" anchor="ctr">
@@ -13390,14 +14869,11 @@
                     <a:p>
                       <a:pPr algn="r" fontAlgn="ctr"/>
                       <a:r>
-                        <a:rPr lang="en-AU" sz="1400" b="1">
+                        <a:rPr lang="en-AU" sz="1400" b="1" dirty="0">
                           <a:effectLst/>
                         </a:rPr>
                         <a:t>77</a:t>
                       </a:r>
-                      <a:endParaRPr lang="en-AU" sz="1400" b="1" dirty="0">
-                        <a:effectLst/>
-                      </a:endParaRPr>
                     </a:p>
                   </a:txBody>
                   <a:tcPr marL="69069" marR="69069" marT="34534" marB="34534" anchor="ctr">
@@ -13449,7 +14925,7 @@
                     <a:p>
                       <a:pPr algn="r" fontAlgn="ctr"/>
                       <a:r>
-                        <a:rPr lang="en-AU" sz="1400">
+                        <a:rPr lang="en-AU" sz="1400" dirty="0">
                           <a:effectLst/>
                         </a:rPr>
                         <a:t>Maribyrnong</a:t>
@@ -13505,14 +14981,11 @@
                     <a:p>
                       <a:pPr algn="r" fontAlgn="ctr"/>
                       <a:r>
-                        <a:rPr lang="en-AU" sz="1400">
+                        <a:rPr lang="en-AU" sz="1400" dirty="0">
                           <a:effectLst/>
                         </a:rPr>
                         <a:t>4180</a:t>
                       </a:r>
-                      <a:endParaRPr lang="en-AU" sz="1400" dirty="0">
-                        <a:effectLst/>
-                      </a:endParaRPr>
                     </a:p>
                   </a:txBody>
                   <a:tcPr marL="69069" marR="69069" marT="34534" marB="34534" anchor="ctr">
@@ -13564,14 +15037,11 @@
                     <a:p>
                       <a:pPr algn="r" fontAlgn="ctr"/>
                       <a:r>
-                        <a:rPr lang="en-AU" sz="1400">
+                        <a:rPr lang="en-AU" sz="1400" dirty="0">
                           <a:effectLst/>
                         </a:rPr>
                         <a:t>6903</a:t>
                       </a:r>
-                      <a:endParaRPr lang="en-AU" sz="1400" dirty="0">
-                        <a:effectLst/>
-                      </a:endParaRPr>
                     </a:p>
                   </a:txBody>
                   <a:tcPr marL="69069" marR="69069" marT="34534" marB="34534" anchor="ctr">
@@ -13623,14 +15093,11 @@
                     <a:p>
                       <a:pPr algn="r" fontAlgn="ctr"/>
                       <a:r>
-                        <a:rPr lang="en-AU" sz="1400">
+                        <a:rPr lang="en-AU" sz="1400" dirty="0">
                           <a:effectLst/>
                         </a:rPr>
                         <a:t>60.55</a:t>
                       </a:r>
-                      <a:endParaRPr lang="en-AU" sz="1400" dirty="0">
-                        <a:effectLst/>
-                      </a:endParaRPr>
                     </a:p>
                   </a:txBody>
                   <a:tcPr marL="69069" marR="69069" marT="34534" marB="34534" anchor="ctr">
@@ -13689,14 +15156,11 @@
                     <a:p>
                       <a:pPr algn="r" fontAlgn="ctr"/>
                       <a:r>
-                        <a:rPr lang="en-AU" sz="1400" b="1">
+                        <a:rPr lang="en-AU" sz="1400" b="1" dirty="0">
                           <a:effectLst/>
                         </a:rPr>
                         <a:t>78</a:t>
                       </a:r>
-                      <a:endParaRPr lang="en-AU" sz="1400" b="1" dirty="0">
-                        <a:effectLst/>
-                      </a:endParaRPr>
                     </a:p>
                   </a:txBody>
                   <a:tcPr marL="69069" marR="69069" marT="34534" marB="34534" anchor="ctr">
@@ -13748,14 +15212,11 @@
                     <a:p>
                       <a:pPr algn="r" fontAlgn="ctr"/>
                       <a:r>
-                        <a:rPr lang="en-AU" sz="1400">
+                        <a:rPr lang="en-AU" sz="1400" dirty="0">
                           <a:effectLst/>
                         </a:rPr>
                         <a:t>Boroondara</a:t>
                       </a:r>
-                      <a:endParaRPr lang="en-AU" sz="1400" dirty="0">
-                        <a:effectLst/>
-                      </a:endParaRPr>
                     </a:p>
                   </a:txBody>
                   <a:tcPr marL="69069" marR="69069" marT="34534" marB="34534" anchor="ctr">
@@ -13807,7 +15268,7 @@
                     <a:p>
                       <a:pPr algn="r" fontAlgn="ctr"/>
                       <a:r>
-                        <a:rPr lang="en-AU" sz="1400">
+                        <a:rPr lang="en-AU" sz="1400" dirty="0">
                           <a:effectLst/>
                         </a:rPr>
                         <a:t>3473</a:t>
@@ -13863,14 +15324,11 @@
                     <a:p>
                       <a:pPr algn="r" fontAlgn="ctr"/>
                       <a:r>
-                        <a:rPr lang="en-AU" sz="1400">
+                        <a:rPr lang="en-AU" sz="1400" dirty="0">
                           <a:effectLst/>
                         </a:rPr>
                         <a:t>5535</a:t>
                       </a:r>
-                      <a:endParaRPr lang="en-AU" sz="1400" dirty="0">
-                        <a:effectLst/>
-                      </a:endParaRPr>
                     </a:p>
                   </a:txBody>
                   <a:tcPr marL="69069" marR="69069" marT="34534" marB="34534" anchor="ctr">
@@ -13922,14 +15380,11 @@
                     <a:p>
                       <a:pPr algn="r" fontAlgn="ctr"/>
                       <a:r>
-                        <a:rPr lang="en-AU" sz="1400">
+                        <a:rPr lang="en-AU" sz="1400" dirty="0">
                           <a:effectLst/>
                         </a:rPr>
                         <a:t>62.75</a:t>
                       </a:r>
-                      <a:endParaRPr lang="en-AU" sz="1400" dirty="0">
-                        <a:effectLst/>
-                      </a:endParaRPr>
                     </a:p>
                   </a:txBody>
                   <a:tcPr marL="69069" marR="69069" marT="34534" marB="34534" anchor="ctr">
@@ -13988,14 +15443,11 @@
                     <a:p>
                       <a:pPr algn="r" fontAlgn="ctr"/>
                       <a:r>
-                        <a:rPr lang="en-AU" sz="1400" b="1">
+                        <a:rPr lang="en-AU" sz="1400" b="1" dirty="0">
                           <a:effectLst/>
                         </a:rPr>
                         <a:t>79</a:t>
                       </a:r>
-                      <a:endParaRPr lang="en-AU" sz="1400" b="1" dirty="0">
-                        <a:effectLst/>
-                      </a:endParaRPr>
                     </a:p>
                   </a:txBody>
                   <a:tcPr marL="69069" marR="69069" marT="34534" marB="34534" anchor="ctr">
@@ -14047,7 +15499,7 @@
                     <a:p>
                       <a:pPr algn="r" fontAlgn="ctr"/>
                       <a:r>
-                        <a:rPr lang="en-AU" sz="1400">
+                        <a:rPr lang="en-AU" sz="1400" dirty="0" err="1">
                           <a:effectLst/>
                         </a:rPr>
                         <a:t>Queenscliffe</a:t>
@@ -14328,8 +15780,8 @@
         </p:nvSpPr>
         <p:spPr>
           <a:xfrm>
-            <a:off x="1967622" y="5920789"/>
-            <a:ext cx="9634011" cy="652549"/>
+            <a:off x="764772" y="5920789"/>
+            <a:ext cx="10836862" cy="652549"/>
           </a:xfrm>
         </p:spPr>
         <p:txBody>
@@ -14339,32 +15791,24 @@
           <a:lstStyle/>
           <a:p>
             <a:r>
-              <a:rPr lang="en-US" sz="2400" dirty="0">
-                <a:effectLst/>
-                <a:latin typeface="Calibri" panose="020F0502020204030204" pitchFamily="34" charset="0"/>
-                <a:ea typeface="Calibri" panose="020F0502020204030204" pitchFamily="34" charset="0"/>
-                <a:cs typeface="Times New Roman" panose="02020603050405020304" pitchFamily="18" charset="0"/>
+              <a:rPr lang="en-US" sz="1800" dirty="0">
+                <a:solidFill>
+                  <a:schemeClr val="tx1"/>
+                </a:solidFill>
+                <a:latin typeface="Consolas" panose="020B0609020204030204" pitchFamily="49" charset="0"/>
+                <a:ea typeface="+mn-ea"/>
+                <a:cs typeface="+mn-cs"/>
               </a:rPr>
-              <a:t>The more police station a LGA has, the less is </a:t>
+              <a:t>More police stations in each LGA, the lower the unsolved charge percentage</a:t>
             </a:r>
-            <a:r>
-              <a:rPr lang="en-US" sz="2400" dirty="0">
-                <a:latin typeface="Calibri" panose="020F0502020204030204" pitchFamily="34" charset="0"/>
-                <a:ea typeface="Calibri" panose="020F0502020204030204" pitchFamily="34" charset="0"/>
-                <a:cs typeface="Times New Roman" panose="02020603050405020304" pitchFamily="18" charset="0"/>
-              </a:rPr>
-              <a:t>unsolved </a:t>
-            </a:r>
-            <a:r>
-              <a:rPr lang="en-US" sz="2400" dirty="0">
-                <a:effectLst/>
-                <a:latin typeface="Calibri" panose="020F0502020204030204" pitchFamily="34" charset="0"/>
-                <a:ea typeface="Calibri" panose="020F0502020204030204" pitchFamily="34" charset="0"/>
-                <a:cs typeface="Times New Roman" panose="02020603050405020304" pitchFamily="18" charset="0"/>
-              </a:rPr>
-              <a:t>charge percentage</a:t>
-            </a:r>
-            <a:endParaRPr lang="en-AU" sz="2400" dirty="0"/>
+            <a:endParaRPr lang="en-AU" sz="1800" dirty="0">
+              <a:solidFill>
+                <a:schemeClr val="tx1"/>
+              </a:solidFill>
+              <a:latin typeface="Consolas" panose="020B0609020204030204" pitchFamily="49" charset="0"/>
+              <a:ea typeface="+mn-ea"/>
+              <a:cs typeface="+mn-cs"/>
+            </a:endParaRPr>
           </a:p>
         </p:txBody>
       </p:sp>
@@ -14385,7 +15829,7 @@
           </p:nvPr>
         </p:nvPicPr>
         <p:blipFill>
-          <a:blip r:embed="rId2"/>
+          <a:blip r:embed="rId3"/>
           <a:stretch>
             <a:fillRect/>
           </a:stretch>
@@ -14487,7 +15931,7 @@
           <p:nvPr/>
         </p:nvPicPr>
         <p:blipFill>
-          <a:blip r:embed="rId3"/>
+          <a:blip r:embed="rId4"/>
           <a:stretch>
             <a:fillRect/>
           </a:stretch>
@@ -14517,7 +15961,7 @@
           <p:nvPr/>
         </p:nvPicPr>
         <p:blipFill>
-          <a:blip r:embed="rId3"/>
+          <a:blip r:embed="rId4"/>
           <a:stretch>
             <a:fillRect/>
           </a:stretch>
@@ -14547,7 +15991,7 @@
           <p:nvPr/>
         </p:nvPicPr>
         <p:blipFill>
-          <a:blip r:embed="rId3"/>
+          <a:blip r:embed="rId4"/>
           <a:stretch>
             <a:fillRect/>
           </a:stretch>
@@ -14577,7 +16021,7 @@
           <p:nvPr/>
         </p:nvPicPr>
         <p:blipFill>
-          <a:blip r:embed="rId3"/>
+          <a:blip r:embed="rId4"/>
           <a:stretch>
             <a:fillRect/>
           </a:stretch>
@@ -14607,7 +16051,7 @@
           <p:nvPr/>
         </p:nvPicPr>
         <p:blipFill>
-          <a:blip r:embed="rId3"/>
+          <a:blip r:embed="rId4"/>
           <a:stretch>
             <a:fillRect/>
           </a:stretch>
@@ -14637,7 +16081,7 @@
           <p:nvPr/>
         </p:nvPicPr>
         <p:blipFill>
-          <a:blip r:embed="rId3"/>
+          <a:blip r:embed="rId4"/>
           <a:stretch>
             <a:fillRect/>
           </a:stretch>
@@ -14667,7 +16111,7 @@
           <p:nvPr/>
         </p:nvPicPr>
         <p:blipFill>
-          <a:blip r:embed="rId3"/>
+          <a:blip r:embed="rId4"/>
           <a:stretch>
             <a:fillRect/>
           </a:stretch>
@@ -14697,7 +16141,7 @@
           <p:nvPr/>
         </p:nvPicPr>
         <p:blipFill>
-          <a:blip r:embed="rId3"/>
+          <a:blip r:embed="rId4"/>
           <a:stretch>
             <a:fillRect/>
           </a:stretch>
@@ -14768,7 +16212,7 @@
                                     </p:set>
                                     <p:animEffect transition="in" filter="wipe(down)">
                                       <p:cBhvr>
-                                        <p:cTn id="7" dur="580">
+                                        <p:cTn id="7" dur="217">
                                           <p:stCondLst>
                                             <p:cond delay="0"/>
                                           </p:stCondLst>
@@ -14780,7 +16224,7 @@
                                     </p:animEffect>
                                     <p:anim calcmode="lin" valueType="num">
                                       <p:cBhvr>
-                                        <p:cTn id="8" dur="1822" tmFilter="0,0; 0.14,0.36; 0.43,0.73; 0.71,0.91; 1.0,1.0">
+                                        <p:cTn id="8" dur="683" tmFilter="0,0; 0.14,0.36; 0.43,0.73; 0.71,0.91; 1.0,1.0">
                                           <p:stCondLst>
                                             <p:cond delay="0"/>
                                           </p:stCondLst>
@@ -14807,7 +16251,7 @@
                                     </p:anim>
                                     <p:anim calcmode="lin" valueType="num">
                                       <p:cBhvr>
-                                        <p:cTn id="9" dur="664" tmFilter="0.0,0.0; 0.25,0.07; 0.50,0.2; 0.75,0.467; 1.0,1.0">
+                                        <p:cTn id="9" dur="249" tmFilter="0.0,0.0; 0.25,0.07; 0.50,0.2; 0.75,0.467; 1.0,1.0">
                                           <p:stCondLst>
                                             <p:cond delay="0"/>
                                           </p:stCondLst>
@@ -14834,9 +16278,9 @@
                                     </p:anim>
                                     <p:anim calcmode="lin" valueType="num">
                                       <p:cBhvr>
-                                        <p:cTn id="10" dur="664" tmFilter="0, 0; 0.125,0.2665; 0.25,0.4; 0.375,0.465; 0.5,0.5;  0.625,0.535; 0.75,0.6; 0.875,0.7335; 1,1">
+                                        <p:cTn id="10" dur="249" tmFilter="0, 0; 0.125,0.2665; 0.25,0.4; 0.375,0.465; 0.5,0.5;  0.625,0.535; 0.75,0.6; 0.875,0.7335; 1,1">
                                           <p:stCondLst>
-                                            <p:cond delay="664"/>
+                                            <p:cond delay="249"/>
                                           </p:stCondLst>
                                         </p:cTn>
                                         <p:tgtEl>
@@ -14861,9 +16305,9 @@
                                     </p:anim>
                                     <p:anim calcmode="lin" valueType="num">
                                       <p:cBhvr>
-                                        <p:cTn id="11" dur="332" tmFilter="0, 0; 0.125,0.2665; 0.25,0.4; 0.375,0.465; 0.5,0.5;  0.625,0.535; 0.75,0.6; 0.875,0.7335; 1,1">
+                                        <p:cTn id="11" dur="125" tmFilter="0, 0; 0.125,0.2665; 0.25,0.4; 0.375,0.465; 0.5,0.5;  0.625,0.535; 0.75,0.6; 0.875,0.7335; 1,1">
                                           <p:stCondLst>
-                                            <p:cond delay="1324"/>
+                                            <p:cond delay="496"/>
                                           </p:stCondLst>
                                         </p:cTn>
                                         <p:tgtEl>
@@ -14888,9 +16332,9 @@
                                     </p:anim>
                                     <p:anim calcmode="lin" valueType="num">
                                       <p:cBhvr>
-                                        <p:cTn id="12" dur="164" tmFilter="0, 0; 0.125,0.2665; 0.25,0.4; 0.375,0.465; 0.5,0.5;  0.625,0.535; 0.75,0.6; 0.875,0.7335; 1,1">
+                                        <p:cTn id="12" dur="62" tmFilter="0, 0; 0.125,0.2665; 0.25,0.4; 0.375,0.465; 0.5,0.5;  0.625,0.535; 0.75,0.6; 0.875,0.7335; 1,1">
                                           <p:stCondLst>
-                                            <p:cond delay="1656"/>
+                                            <p:cond delay="621"/>
                                           </p:stCondLst>
                                         </p:cTn>
                                         <p:tgtEl>
@@ -14915,9 +16359,9 @@
                                     </p:anim>
                                     <p:animScale>
                                       <p:cBhvr>
-                                        <p:cTn id="13" dur="26">
+                                        <p:cTn id="13" dur="10">
                                           <p:stCondLst>
-                                            <p:cond delay="650"/>
+                                            <p:cond delay="244"/>
                                           </p:stCondLst>
                                         </p:cTn>
                                         <p:tgtEl>
@@ -14928,9 +16372,9 @@
                                     </p:animScale>
                                     <p:animScale>
                                       <p:cBhvr>
-                                        <p:cTn id="14" dur="166" decel="50000">
+                                        <p:cTn id="14" dur="62" decel="50000">
                                           <p:stCondLst>
-                                            <p:cond delay="676"/>
+                                            <p:cond delay="253"/>
                                           </p:stCondLst>
                                         </p:cTn>
                                         <p:tgtEl>
@@ -14941,9 +16385,9 @@
                                     </p:animScale>
                                     <p:animScale>
                                       <p:cBhvr>
-                                        <p:cTn id="15" dur="26">
+                                        <p:cTn id="15" dur="10">
                                           <p:stCondLst>
-                                            <p:cond delay="1312"/>
+                                            <p:cond delay="492"/>
                                           </p:stCondLst>
                                         </p:cTn>
                                         <p:tgtEl>
@@ -14954,9 +16398,9 @@
                                     </p:animScale>
                                     <p:animScale>
                                       <p:cBhvr>
-                                        <p:cTn id="16" dur="166" decel="50000">
+                                        <p:cTn id="16" dur="62" decel="50000">
                                           <p:stCondLst>
-                                            <p:cond delay="1338"/>
+                                            <p:cond delay="502"/>
                                           </p:stCondLst>
                                         </p:cTn>
                                         <p:tgtEl>
@@ -14967,9 +16411,9 @@
                                     </p:animScale>
                                     <p:animScale>
                                       <p:cBhvr>
-                                        <p:cTn id="17" dur="26">
+                                        <p:cTn id="17" dur="10">
                                           <p:stCondLst>
-                                            <p:cond delay="1642"/>
+                                            <p:cond delay="616"/>
                                           </p:stCondLst>
                                         </p:cTn>
                                         <p:tgtEl>
@@ -14980,9 +16424,9 @@
                                     </p:animScale>
                                     <p:animScale>
                                       <p:cBhvr>
-                                        <p:cTn id="18" dur="166" decel="50000">
+                                        <p:cTn id="18" dur="62" decel="50000">
                                           <p:stCondLst>
-                                            <p:cond delay="1668"/>
+                                            <p:cond delay="626"/>
                                           </p:stCondLst>
                                         </p:cTn>
                                         <p:tgtEl>
@@ -14993,9 +16437,9 @@
                                     </p:animScale>
                                     <p:animScale>
                                       <p:cBhvr>
-                                        <p:cTn id="19" dur="26">
+                                        <p:cTn id="19" dur="10">
                                           <p:stCondLst>
-                                            <p:cond delay="1808"/>
+                                            <p:cond delay="678"/>
                                           </p:stCondLst>
                                         </p:cTn>
                                         <p:tgtEl>
@@ -15006,9 +16450,9 @@
                                     </p:animScale>
                                     <p:animScale>
                                       <p:cBhvr>
-                                        <p:cTn id="20" dur="166" decel="50000">
+                                        <p:cTn id="20" dur="62" decel="50000">
                                           <p:stCondLst>
-                                            <p:cond delay="1834"/>
+                                            <p:cond delay="688"/>
                                           </p:stCondLst>
                                         </p:cTn>
                                         <p:tgtEl>
@@ -15046,7 +16490,7 @@
                                     </p:set>
                                     <p:animEffect transition="in" filter="wipe(down)">
                                       <p:cBhvr>
-                                        <p:cTn id="23" dur="580">
+                                        <p:cTn id="23" dur="217">
                                           <p:stCondLst>
                                             <p:cond delay="0"/>
                                           </p:stCondLst>
@@ -15058,7 +16502,7 @@
                                     </p:animEffect>
                                     <p:anim calcmode="lin" valueType="num">
                                       <p:cBhvr>
-                                        <p:cTn id="24" dur="1822" tmFilter="0,0; 0.14,0.36; 0.43,0.73; 0.71,0.91; 1.0,1.0">
+                                        <p:cTn id="24" dur="683" tmFilter="0,0; 0.14,0.36; 0.43,0.73; 0.71,0.91; 1.0,1.0">
                                           <p:stCondLst>
                                             <p:cond delay="0"/>
                                           </p:stCondLst>
@@ -15085,7 +16529,7 @@
                                     </p:anim>
                                     <p:anim calcmode="lin" valueType="num">
                                       <p:cBhvr>
-                                        <p:cTn id="25" dur="664" tmFilter="0.0,0.0; 0.25,0.07; 0.50,0.2; 0.75,0.467; 1.0,1.0">
+                                        <p:cTn id="25" dur="249" tmFilter="0.0,0.0; 0.25,0.07; 0.50,0.2; 0.75,0.467; 1.0,1.0">
                                           <p:stCondLst>
                                             <p:cond delay="0"/>
                                           </p:stCondLst>
@@ -15112,9 +16556,9 @@
                                     </p:anim>
                                     <p:anim calcmode="lin" valueType="num">
                                       <p:cBhvr>
-                                        <p:cTn id="26" dur="664" tmFilter="0, 0; 0.125,0.2665; 0.25,0.4; 0.375,0.465; 0.5,0.5;  0.625,0.535; 0.75,0.6; 0.875,0.7335; 1,1">
+                                        <p:cTn id="26" dur="249" tmFilter="0, 0; 0.125,0.2665; 0.25,0.4; 0.375,0.465; 0.5,0.5;  0.625,0.535; 0.75,0.6; 0.875,0.7335; 1,1">
                                           <p:stCondLst>
-                                            <p:cond delay="664"/>
+                                            <p:cond delay="249"/>
                                           </p:stCondLst>
                                         </p:cTn>
                                         <p:tgtEl>
@@ -15139,9 +16583,9 @@
                                     </p:anim>
                                     <p:anim calcmode="lin" valueType="num">
                                       <p:cBhvr>
-                                        <p:cTn id="27" dur="332" tmFilter="0, 0; 0.125,0.2665; 0.25,0.4; 0.375,0.465; 0.5,0.5;  0.625,0.535; 0.75,0.6; 0.875,0.7335; 1,1">
+                                        <p:cTn id="27" dur="125" tmFilter="0, 0; 0.125,0.2665; 0.25,0.4; 0.375,0.465; 0.5,0.5;  0.625,0.535; 0.75,0.6; 0.875,0.7335; 1,1">
                                           <p:stCondLst>
-                                            <p:cond delay="1324"/>
+                                            <p:cond delay="496"/>
                                           </p:stCondLst>
                                         </p:cTn>
                                         <p:tgtEl>
@@ -15166,9 +16610,9 @@
                                     </p:anim>
                                     <p:anim calcmode="lin" valueType="num">
                                       <p:cBhvr>
-                                        <p:cTn id="28" dur="164" tmFilter="0, 0; 0.125,0.2665; 0.25,0.4; 0.375,0.465; 0.5,0.5;  0.625,0.535; 0.75,0.6; 0.875,0.7335; 1,1">
+                                        <p:cTn id="28" dur="62" tmFilter="0, 0; 0.125,0.2665; 0.25,0.4; 0.375,0.465; 0.5,0.5;  0.625,0.535; 0.75,0.6; 0.875,0.7335; 1,1">
                                           <p:stCondLst>
-                                            <p:cond delay="1656"/>
+                                            <p:cond delay="621"/>
                                           </p:stCondLst>
                                         </p:cTn>
                                         <p:tgtEl>
@@ -15193,9 +16637,9 @@
                                     </p:anim>
                                     <p:animScale>
                                       <p:cBhvr>
-                                        <p:cTn id="29" dur="26">
+                                        <p:cTn id="29" dur="10">
                                           <p:stCondLst>
-                                            <p:cond delay="650"/>
+                                            <p:cond delay="244"/>
                                           </p:stCondLst>
                                         </p:cTn>
                                         <p:tgtEl>
@@ -15206,9 +16650,9 @@
                                     </p:animScale>
                                     <p:animScale>
                                       <p:cBhvr>
-                                        <p:cTn id="30" dur="166" decel="50000">
+                                        <p:cTn id="30" dur="62" decel="50000">
                                           <p:stCondLst>
-                                            <p:cond delay="676"/>
+                                            <p:cond delay="253"/>
                                           </p:stCondLst>
                                         </p:cTn>
                                         <p:tgtEl>
@@ -15219,9 +16663,9 @@
                                     </p:animScale>
                                     <p:animScale>
                                       <p:cBhvr>
-                                        <p:cTn id="31" dur="26">
+                                        <p:cTn id="31" dur="10">
                                           <p:stCondLst>
-                                            <p:cond delay="1312"/>
+                                            <p:cond delay="492"/>
                                           </p:stCondLst>
                                         </p:cTn>
                                         <p:tgtEl>
@@ -15232,9 +16676,9 @@
                                     </p:animScale>
                                     <p:animScale>
                                       <p:cBhvr>
-                                        <p:cTn id="32" dur="166" decel="50000">
+                                        <p:cTn id="32" dur="62" decel="50000">
                                           <p:stCondLst>
-                                            <p:cond delay="1338"/>
+                                            <p:cond delay="502"/>
                                           </p:stCondLst>
                                         </p:cTn>
                                         <p:tgtEl>
@@ -15245,9 +16689,9 @@
                                     </p:animScale>
                                     <p:animScale>
                                       <p:cBhvr>
-                                        <p:cTn id="33" dur="26">
+                                        <p:cTn id="33" dur="10">
                                           <p:stCondLst>
-                                            <p:cond delay="1642"/>
+                                            <p:cond delay="616"/>
                                           </p:stCondLst>
                                         </p:cTn>
                                         <p:tgtEl>
@@ -15258,9 +16702,9 @@
                                     </p:animScale>
                                     <p:animScale>
                                       <p:cBhvr>
-                                        <p:cTn id="34" dur="166" decel="50000">
+                                        <p:cTn id="34" dur="62" decel="50000">
                                           <p:stCondLst>
-                                            <p:cond delay="1668"/>
+                                            <p:cond delay="626"/>
                                           </p:stCondLst>
                                         </p:cTn>
                                         <p:tgtEl>
@@ -15271,9 +16715,9 @@
                                     </p:animScale>
                                     <p:animScale>
                                       <p:cBhvr>
-                                        <p:cTn id="35" dur="26">
+                                        <p:cTn id="35" dur="10">
                                           <p:stCondLst>
-                                            <p:cond delay="1808"/>
+                                            <p:cond delay="678"/>
                                           </p:stCondLst>
                                         </p:cTn>
                                         <p:tgtEl>
@@ -15284,9 +16728,9 @@
                                     </p:animScale>
                                     <p:animScale>
                                       <p:cBhvr>
-                                        <p:cTn id="36" dur="166" decel="50000">
+                                        <p:cTn id="36" dur="62" decel="50000">
                                           <p:stCondLst>
-                                            <p:cond delay="1834"/>
+                                            <p:cond delay="688"/>
                                           </p:stCondLst>
                                         </p:cTn>
                                         <p:tgtEl>
@@ -15324,7 +16768,7 @@
                                     </p:set>
                                     <p:animEffect transition="in" filter="wipe(down)">
                                       <p:cBhvr>
-                                        <p:cTn id="39" dur="580">
+                                        <p:cTn id="39" dur="217">
                                           <p:stCondLst>
                                             <p:cond delay="0"/>
                                           </p:stCondLst>
@@ -15336,7 +16780,7 @@
                                     </p:animEffect>
                                     <p:anim calcmode="lin" valueType="num">
                                       <p:cBhvr>
-                                        <p:cTn id="40" dur="1822" tmFilter="0,0; 0.14,0.36; 0.43,0.73; 0.71,0.91; 1.0,1.0">
+                                        <p:cTn id="40" dur="683" tmFilter="0,0; 0.14,0.36; 0.43,0.73; 0.71,0.91; 1.0,1.0">
                                           <p:stCondLst>
                                             <p:cond delay="0"/>
                                           </p:stCondLst>
@@ -15363,7 +16807,7 @@
                                     </p:anim>
                                     <p:anim calcmode="lin" valueType="num">
                                       <p:cBhvr>
-                                        <p:cTn id="41" dur="664" tmFilter="0.0,0.0; 0.25,0.07; 0.50,0.2; 0.75,0.467; 1.0,1.0">
+                                        <p:cTn id="41" dur="249" tmFilter="0.0,0.0; 0.25,0.07; 0.50,0.2; 0.75,0.467; 1.0,1.0">
                                           <p:stCondLst>
                                             <p:cond delay="0"/>
                                           </p:stCondLst>
@@ -15390,9 +16834,9 @@
                                     </p:anim>
                                     <p:anim calcmode="lin" valueType="num">
                                       <p:cBhvr>
-                                        <p:cTn id="42" dur="664" tmFilter="0, 0; 0.125,0.2665; 0.25,0.4; 0.375,0.465; 0.5,0.5;  0.625,0.535; 0.75,0.6; 0.875,0.7335; 1,1">
+                                        <p:cTn id="42" dur="249" tmFilter="0, 0; 0.125,0.2665; 0.25,0.4; 0.375,0.465; 0.5,0.5;  0.625,0.535; 0.75,0.6; 0.875,0.7335; 1,1">
                                           <p:stCondLst>
-                                            <p:cond delay="664"/>
+                                            <p:cond delay="249"/>
                                           </p:stCondLst>
                                         </p:cTn>
                                         <p:tgtEl>
@@ -15417,9 +16861,9 @@
                                     </p:anim>
                                     <p:anim calcmode="lin" valueType="num">
                                       <p:cBhvr>
-                                        <p:cTn id="43" dur="332" tmFilter="0, 0; 0.125,0.2665; 0.25,0.4; 0.375,0.465; 0.5,0.5;  0.625,0.535; 0.75,0.6; 0.875,0.7335; 1,1">
+                                        <p:cTn id="43" dur="125" tmFilter="0, 0; 0.125,0.2665; 0.25,0.4; 0.375,0.465; 0.5,0.5;  0.625,0.535; 0.75,0.6; 0.875,0.7335; 1,1">
                                           <p:stCondLst>
-                                            <p:cond delay="1324"/>
+                                            <p:cond delay="496"/>
                                           </p:stCondLst>
                                         </p:cTn>
                                         <p:tgtEl>
@@ -15444,9 +16888,9 @@
                                     </p:anim>
                                     <p:anim calcmode="lin" valueType="num">
                                       <p:cBhvr>
-                                        <p:cTn id="44" dur="164" tmFilter="0, 0; 0.125,0.2665; 0.25,0.4; 0.375,0.465; 0.5,0.5;  0.625,0.535; 0.75,0.6; 0.875,0.7335; 1,1">
+                                        <p:cTn id="44" dur="62" tmFilter="0, 0; 0.125,0.2665; 0.25,0.4; 0.375,0.465; 0.5,0.5;  0.625,0.535; 0.75,0.6; 0.875,0.7335; 1,1">
                                           <p:stCondLst>
-                                            <p:cond delay="1656"/>
+                                            <p:cond delay="621"/>
                                           </p:stCondLst>
                                         </p:cTn>
                                         <p:tgtEl>
@@ -15471,9 +16915,9 @@
                                     </p:anim>
                                     <p:animScale>
                                       <p:cBhvr>
-                                        <p:cTn id="45" dur="26">
+                                        <p:cTn id="45" dur="10">
                                           <p:stCondLst>
-                                            <p:cond delay="650"/>
+                                            <p:cond delay="244"/>
                                           </p:stCondLst>
                                         </p:cTn>
                                         <p:tgtEl>
@@ -15484,9 +16928,9 @@
                                     </p:animScale>
                                     <p:animScale>
                                       <p:cBhvr>
-                                        <p:cTn id="46" dur="166" decel="50000">
+                                        <p:cTn id="46" dur="62" decel="50000">
                                           <p:stCondLst>
-                                            <p:cond delay="676"/>
+                                            <p:cond delay="253"/>
                                           </p:stCondLst>
                                         </p:cTn>
                                         <p:tgtEl>
@@ -15497,9 +16941,9 @@
                                     </p:animScale>
                                     <p:animScale>
                                       <p:cBhvr>
-                                        <p:cTn id="47" dur="26">
+                                        <p:cTn id="47" dur="10">
                                           <p:stCondLst>
-                                            <p:cond delay="1312"/>
+                                            <p:cond delay="492"/>
                                           </p:stCondLst>
                                         </p:cTn>
                                         <p:tgtEl>
@@ -15510,9 +16954,9 @@
                                     </p:animScale>
                                     <p:animScale>
                                       <p:cBhvr>
-                                        <p:cTn id="48" dur="166" decel="50000">
+                                        <p:cTn id="48" dur="62" decel="50000">
                                           <p:stCondLst>
-                                            <p:cond delay="1338"/>
+                                            <p:cond delay="502"/>
                                           </p:stCondLst>
                                         </p:cTn>
                                         <p:tgtEl>
@@ -15523,9 +16967,9 @@
                                     </p:animScale>
                                     <p:animScale>
                                       <p:cBhvr>
-                                        <p:cTn id="49" dur="26">
+                                        <p:cTn id="49" dur="10">
                                           <p:stCondLst>
-                                            <p:cond delay="1642"/>
+                                            <p:cond delay="616"/>
                                           </p:stCondLst>
                                         </p:cTn>
                                         <p:tgtEl>
@@ -15536,9 +16980,9 @@
                                     </p:animScale>
                                     <p:animScale>
                                       <p:cBhvr>
-                                        <p:cTn id="50" dur="166" decel="50000">
+                                        <p:cTn id="50" dur="62" decel="50000">
                                           <p:stCondLst>
-                                            <p:cond delay="1668"/>
+                                            <p:cond delay="626"/>
                                           </p:stCondLst>
                                         </p:cTn>
                                         <p:tgtEl>
@@ -15549,9 +16993,9 @@
                                     </p:animScale>
                                     <p:animScale>
                                       <p:cBhvr>
-                                        <p:cTn id="51" dur="26">
+                                        <p:cTn id="51" dur="10">
                                           <p:stCondLst>
-                                            <p:cond delay="1808"/>
+                                            <p:cond delay="678"/>
                                           </p:stCondLst>
                                         </p:cTn>
                                         <p:tgtEl>
@@ -15562,9 +17006,9 @@
                                     </p:animScale>
                                     <p:animScale>
                                       <p:cBhvr>
-                                        <p:cTn id="52" dur="166" decel="50000">
+                                        <p:cTn id="52" dur="62" decel="50000">
                                           <p:stCondLst>
-                                            <p:cond delay="1834"/>
+                                            <p:cond delay="688"/>
                                           </p:stCondLst>
                                         </p:cTn>
                                         <p:tgtEl>
@@ -15602,7 +17046,7 @@
                                     </p:set>
                                     <p:animEffect transition="in" filter="wipe(down)">
                                       <p:cBhvr>
-                                        <p:cTn id="55" dur="580">
+                                        <p:cTn id="55" dur="217">
                                           <p:stCondLst>
                                             <p:cond delay="0"/>
                                           </p:stCondLst>
@@ -15614,7 +17058,7 @@
                                     </p:animEffect>
                                     <p:anim calcmode="lin" valueType="num">
                                       <p:cBhvr>
-                                        <p:cTn id="56" dur="1822" tmFilter="0,0; 0.14,0.36; 0.43,0.73; 0.71,0.91; 1.0,1.0">
+                                        <p:cTn id="56" dur="683" tmFilter="0,0; 0.14,0.36; 0.43,0.73; 0.71,0.91; 1.0,1.0">
                                           <p:stCondLst>
                                             <p:cond delay="0"/>
                                           </p:stCondLst>
@@ -15641,7 +17085,7 @@
                                     </p:anim>
                                     <p:anim calcmode="lin" valueType="num">
                                       <p:cBhvr>
-                                        <p:cTn id="57" dur="664" tmFilter="0.0,0.0; 0.25,0.07; 0.50,0.2; 0.75,0.467; 1.0,1.0">
+                                        <p:cTn id="57" dur="249" tmFilter="0.0,0.0; 0.25,0.07; 0.50,0.2; 0.75,0.467; 1.0,1.0">
                                           <p:stCondLst>
                                             <p:cond delay="0"/>
                                           </p:stCondLst>
@@ -15668,9 +17112,9 @@
                                     </p:anim>
                                     <p:anim calcmode="lin" valueType="num">
                                       <p:cBhvr>
-                                        <p:cTn id="58" dur="664" tmFilter="0, 0; 0.125,0.2665; 0.25,0.4; 0.375,0.465; 0.5,0.5;  0.625,0.535; 0.75,0.6; 0.875,0.7335; 1,1">
+                                        <p:cTn id="58" dur="249" tmFilter="0, 0; 0.125,0.2665; 0.25,0.4; 0.375,0.465; 0.5,0.5;  0.625,0.535; 0.75,0.6; 0.875,0.7335; 1,1">
                                           <p:stCondLst>
-                                            <p:cond delay="664"/>
+                                            <p:cond delay="249"/>
                                           </p:stCondLst>
                                         </p:cTn>
                                         <p:tgtEl>
@@ -15695,9 +17139,9 @@
                                     </p:anim>
                                     <p:anim calcmode="lin" valueType="num">
                                       <p:cBhvr>
-                                        <p:cTn id="59" dur="332" tmFilter="0, 0; 0.125,0.2665; 0.25,0.4; 0.375,0.465; 0.5,0.5;  0.625,0.535; 0.75,0.6; 0.875,0.7335; 1,1">
+                                        <p:cTn id="59" dur="125" tmFilter="0, 0; 0.125,0.2665; 0.25,0.4; 0.375,0.465; 0.5,0.5;  0.625,0.535; 0.75,0.6; 0.875,0.7335; 1,1">
                                           <p:stCondLst>
-                                            <p:cond delay="1324"/>
+                                            <p:cond delay="496"/>
                                           </p:stCondLst>
                                         </p:cTn>
                                         <p:tgtEl>
@@ -15722,9 +17166,9 @@
                                     </p:anim>
                                     <p:anim calcmode="lin" valueType="num">
                                       <p:cBhvr>
-                                        <p:cTn id="60" dur="164" tmFilter="0, 0; 0.125,0.2665; 0.25,0.4; 0.375,0.465; 0.5,0.5;  0.625,0.535; 0.75,0.6; 0.875,0.7335; 1,1">
+                                        <p:cTn id="60" dur="62" tmFilter="0, 0; 0.125,0.2665; 0.25,0.4; 0.375,0.465; 0.5,0.5;  0.625,0.535; 0.75,0.6; 0.875,0.7335; 1,1">
                                           <p:stCondLst>
-                                            <p:cond delay="1656"/>
+                                            <p:cond delay="621"/>
                                           </p:stCondLst>
                                         </p:cTn>
                                         <p:tgtEl>
@@ -15749,9 +17193,9 @@
                                     </p:anim>
                                     <p:animScale>
                                       <p:cBhvr>
-                                        <p:cTn id="61" dur="26">
+                                        <p:cTn id="61" dur="10">
                                           <p:stCondLst>
-                                            <p:cond delay="650"/>
+                                            <p:cond delay="244"/>
                                           </p:stCondLst>
                                         </p:cTn>
                                         <p:tgtEl>
@@ -15762,9 +17206,9 @@
                                     </p:animScale>
                                     <p:animScale>
                                       <p:cBhvr>
-                                        <p:cTn id="62" dur="166" decel="50000">
+                                        <p:cTn id="62" dur="62" decel="50000">
                                           <p:stCondLst>
-                                            <p:cond delay="676"/>
+                                            <p:cond delay="253"/>
                                           </p:stCondLst>
                                         </p:cTn>
                                         <p:tgtEl>
@@ -15775,9 +17219,9 @@
                                     </p:animScale>
                                     <p:animScale>
                                       <p:cBhvr>
-                                        <p:cTn id="63" dur="26">
+                                        <p:cTn id="63" dur="10">
                                           <p:stCondLst>
-                                            <p:cond delay="1312"/>
+                                            <p:cond delay="492"/>
                                           </p:stCondLst>
                                         </p:cTn>
                                         <p:tgtEl>
@@ -15788,9 +17232,9 @@
                                     </p:animScale>
                                     <p:animScale>
                                       <p:cBhvr>
-                                        <p:cTn id="64" dur="166" decel="50000">
+                                        <p:cTn id="64" dur="62" decel="50000">
                                           <p:stCondLst>
-                                            <p:cond delay="1338"/>
+                                            <p:cond delay="502"/>
                                           </p:stCondLst>
                                         </p:cTn>
                                         <p:tgtEl>
@@ -15801,9 +17245,9 @@
                                     </p:animScale>
                                     <p:animScale>
                                       <p:cBhvr>
-                                        <p:cTn id="65" dur="26">
+                                        <p:cTn id="65" dur="10">
                                           <p:stCondLst>
-                                            <p:cond delay="1642"/>
+                                            <p:cond delay="616"/>
                                           </p:stCondLst>
                                         </p:cTn>
                                         <p:tgtEl>
@@ -15814,9 +17258,9 @@
                                     </p:animScale>
                                     <p:animScale>
                                       <p:cBhvr>
-                                        <p:cTn id="66" dur="166" decel="50000">
+                                        <p:cTn id="66" dur="62" decel="50000">
                                           <p:stCondLst>
-                                            <p:cond delay="1668"/>
+                                            <p:cond delay="626"/>
                                           </p:stCondLst>
                                         </p:cTn>
                                         <p:tgtEl>
@@ -15827,9 +17271,9 @@
                                     </p:animScale>
                                     <p:animScale>
                                       <p:cBhvr>
-                                        <p:cTn id="67" dur="26">
+                                        <p:cTn id="67" dur="10">
                                           <p:stCondLst>
-                                            <p:cond delay="1808"/>
+                                            <p:cond delay="678"/>
                                           </p:stCondLst>
                                         </p:cTn>
                                         <p:tgtEl>
@@ -15840,9 +17284,9 @@
                                     </p:animScale>
                                     <p:animScale>
                                       <p:cBhvr>
-                                        <p:cTn id="68" dur="166" decel="50000">
+                                        <p:cTn id="68" dur="62" decel="50000">
                                           <p:stCondLst>
-                                            <p:cond delay="1834"/>
+                                            <p:cond delay="688"/>
                                           </p:stCondLst>
                                         </p:cTn>
                                         <p:tgtEl>
@@ -15880,7 +17324,7 @@
                                     </p:set>
                                     <p:animEffect transition="in" filter="wipe(down)">
                                       <p:cBhvr>
-                                        <p:cTn id="71" dur="580">
+                                        <p:cTn id="71" dur="217">
                                           <p:stCondLst>
                                             <p:cond delay="0"/>
                                           </p:stCondLst>
@@ -15892,7 +17336,7 @@
                                     </p:animEffect>
                                     <p:anim calcmode="lin" valueType="num">
                                       <p:cBhvr>
-                                        <p:cTn id="72" dur="1822" tmFilter="0,0; 0.14,0.36; 0.43,0.73; 0.71,0.91; 1.0,1.0">
+                                        <p:cTn id="72" dur="683" tmFilter="0,0; 0.14,0.36; 0.43,0.73; 0.71,0.91; 1.0,1.0">
                                           <p:stCondLst>
                                             <p:cond delay="0"/>
                                           </p:stCondLst>
@@ -15919,7 +17363,7 @@
                                     </p:anim>
                                     <p:anim calcmode="lin" valueType="num">
                                       <p:cBhvr>
-                                        <p:cTn id="73" dur="664" tmFilter="0.0,0.0; 0.25,0.07; 0.50,0.2; 0.75,0.467; 1.0,1.0">
+                                        <p:cTn id="73" dur="249" tmFilter="0.0,0.0; 0.25,0.07; 0.50,0.2; 0.75,0.467; 1.0,1.0">
                                           <p:stCondLst>
                                             <p:cond delay="0"/>
                                           </p:stCondLst>
@@ -15946,9 +17390,9 @@
                                     </p:anim>
                                     <p:anim calcmode="lin" valueType="num">
                                       <p:cBhvr>
-                                        <p:cTn id="74" dur="664" tmFilter="0, 0; 0.125,0.2665; 0.25,0.4; 0.375,0.465; 0.5,0.5;  0.625,0.535; 0.75,0.6; 0.875,0.7335; 1,1">
+                                        <p:cTn id="74" dur="249" tmFilter="0, 0; 0.125,0.2665; 0.25,0.4; 0.375,0.465; 0.5,0.5;  0.625,0.535; 0.75,0.6; 0.875,0.7335; 1,1">
                                           <p:stCondLst>
-                                            <p:cond delay="664"/>
+                                            <p:cond delay="249"/>
                                           </p:stCondLst>
                                         </p:cTn>
                                         <p:tgtEl>
@@ -15973,9 +17417,9 @@
                                     </p:anim>
                                     <p:anim calcmode="lin" valueType="num">
                                       <p:cBhvr>
-                                        <p:cTn id="75" dur="332" tmFilter="0, 0; 0.125,0.2665; 0.25,0.4; 0.375,0.465; 0.5,0.5;  0.625,0.535; 0.75,0.6; 0.875,0.7335; 1,1">
+                                        <p:cTn id="75" dur="125" tmFilter="0, 0; 0.125,0.2665; 0.25,0.4; 0.375,0.465; 0.5,0.5;  0.625,0.535; 0.75,0.6; 0.875,0.7335; 1,1">
                                           <p:stCondLst>
-                                            <p:cond delay="1324"/>
+                                            <p:cond delay="496"/>
                                           </p:stCondLst>
                                         </p:cTn>
                                         <p:tgtEl>
@@ -16000,9 +17444,9 @@
                                     </p:anim>
                                     <p:anim calcmode="lin" valueType="num">
                                       <p:cBhvr>
-                                        <p:cTn id="76" dur="164" tmFilter="0, 0; 0.125,0.2665; 0.25,0.4; 0.375,0.465; 0.5,0.5;  0.625,0.535; 0.75,0.6; 0.875,0.7335; 1,1">
+                                        <p:cTn id="76" dur="62" tmFilter="0, 0; 0.125,0.2665; 0.25,0.4; 0.375,0.465; 0.5,0.5;  0.625,0.535; 0.75,0.6; 0.875,0.7335; 1,1">
                                           <p:stCondLst>
-                                            <p:cond delay="1656"/>
+                                            <p:cond delay="621"/>
                                           </p:stCondLst>
                                         </p:cTn>
                                         <p:tgtEl>
@@ -16027,9 +17471,9 @@
                                     </p:anim>
                                     <p:animScale>
                                       <p:cBhvr>
-                                        <p:cTn id="77" dur="26">
+                                        <p:cTn id="77" dur="10">
                                           <p:stCondLst>
-                                            <p:cond delay="650"/>
+                                            <p:cond delay="244"/>
                                           </p:stCondLst>
                                         </p:cTn>
                                         <p:tgtEl>
@@ -16040,9 +17484,9 @@
                                     </p:animScale>
                                     <p:animScale>
                                       <p:cBhvr>
-                                        <p:cTn id="78" dur="166" decel="50000">
+                                        <p:cTn id="78" dur="62" decel="50000">
                                           <p:stCondLst>
-                                            <p:cond delay="676"/>
+                                            <p:cond delay="253"/>
                                           </p:stCondLst>
                                         </p:cTn>
                                         <p:tgtEl>
@@ -16053,9 +17497,9 @@
                                     </p:animScale>
                                     <p:animScale>
                                       <p:cBhvr>
-                                        <p:cTn id="79" dur="26">
+                                        <p:cTn id="79" dur="10">
                                           <p:stCondLst>
-                                            <p:cond delay="1312"/>
+                                            <p:cond delay="492"/>
                                           </p:stCondLst>
                                         </p:cTn>
                                         <p:tgtEl>
@@ -16066,9 +17510,9 @@
                                     </p:animScale>
                                     <p:animScale>
                                       <p:cBhvr>
-                                        <p:cTn id="80" dur="166" decel="50000">
+                                        <p:cTn id="80" dur="62" decel="50000">
                                           <p:stCondLst>
-                                            <p:cond delay="1338"/>
+                                            <p:cond delay="502"/>
                                           </p:stCondLst>
                                         </p:cTn>
                                         <p:tgtEl>
@@ -16079,9 +17523,9 @@
                                     </p:animScale>
                                     <p:animScale>
                                       <p:cBhvr>
-                                        <p:cTn id="81" dur="26">
+                                        <p:cTn id="81" dur="10">
                                           <p:stCondLst>
-                                            <p:cond delay="1642"/>
+                                            <p:cond delay="616"/>
                                           </p:stCondLst>
                                         </p:cTn>
                                         <p:tgtEl>
@@ -16092,9 +17536,9 @@
                                     </p:animScale>
                                     <p:animScale>
                                       <p:cBhvr>
-                                        <p:cTn id="82" dur="166" decel="50000">
+                                        <p:cTn id="82" dur="62" decel="50000">
                                           <p:stCondLst>
-                                            <p:cond delay="1668"/>
+                                            <p:cond delay="626"/>
                                           </p:stCondLst>
                                         </p:cTn>
                                         <p:tgtEl>
@@ -16105,9 +17549,9 @@
                                     </p:animScale>
                                     <p:animScale>
                                       <p:cBhvr>
-                                        <p:cTn id="83" dur="26">
+                                        <p:cTn id="83" dur="10">
                                           <p:stCondLst>
-                                            <p:cond delay="1808"/>
+                                            <p:cond delay="678"/>
                                           </p:stCondLst>
                                         </p:cTn>
                                         <p:tgtEl>
@@ -16118,9 +17562,9 @@
                                     </p:animScale>
                                     <p:animScale>
                                       <p:cBhvr>
-                                        <p:cTn id="84" dur="166" decel="50000">
+                                        <p:cTn id="84" dur="62" decel="50000">
                                           <p:stCondLst>
-                                            <p:cond delay="1834"/>
+                                            <p:cond delay="688"/>
                                           </p:stCondLst>
                                         </p:cTn>
                                         <p:tgtEl>
@@ -16158,7 +17602,7 @@
                                     </p:set>
                                     <p:animEffect transition="in" filter="wipe(down)">
                                       <p:cBhvr>
-                                        <p:cTn id="87" dur="580">
+                                        <p:cTn id="87" dur="217">
                                           <p:stCondLst>
                                             <p:cond delay="0"/>
                                           </p:stCondLst>
@@ -16170,7 +17614,7 @@
                                     </p:animEffect>
                                     <p:anim calcmode="lin" valueType="num">
                                       <p:cBhvr>
-                                        <p:cTn id="88" dur="1822" tmFilter="0,0; 0.14,0.36; 0.43,0.73; 0.71,0.91; 1.0,1.0">
+                                        <p:cTn id="88" dur="683" tmFilter="0,0; 0.14,0.36; 0.43,0.73; 0.71,0.91; 1.0,1.0">
                                           <p:stCondLst>
                                             <p:cond delay="0"/>
                                           </p:stCondLst>
@@ -16197,7 +17641,7 @@
                                     </p:anim>
                                     <p:anim calcmode="lin" valueType="num">
                                       <p:cBhvr>
-                                        <p:cTn id="89" dur="664" tmFilter="0.0,0.0; 0.25,0.07; 0.50,0.2; 0.75,0.467; 1.0,1.0">
+                                        <p:cTn id="89" dur="249" tmFilter="0.0,0.0; 0.25,0.07; 0.50,0.2; 0.75,0.467; 1.0,1.0">
                                           <p:stCondLst>
                                             <p:cond delay="0"/>
                                           </p:stCondLst>
@@ -16224,9 +17668,9 @@
                                     </p:anim>
                                     <p:anim calcmode="lin" valueType="num">
                                       <p:cBhvr>
-                                        <p:cTn id="90" dur="664" tmFilter="0, 0; 0.125,0.2665; 0.25,0.4; 0.375,0.465; 0.5,0.5;  0.625,0.535; 0.75,0.6; 0.875,0.7335; 1,1">
+                                        <p:cTn id="90" dur="249" tmFilter="0, 0; 0.125,0.2665; 0.25,0.4; 0.375,0.465; 0.5,0.5;  0.625,0.535; 0.75,0.6; 0.875,0.7335; 1,1">
                                           <p:stCondLst>
-                                            <p:cond delay="664"/>
+                                            <p:cond delay="249"/>
                                           </p:stCondLst>
                                         </p:cTn>
                                         <p:tgtEl>
@@ -16251,9 +17695,9 @@
                                     </p:anim>
                                     <p:anim calcmode="lin" valueType="num">
                                       <p:cBhvr>
-                                        <p:cTn id="91" dur="332" tmFilter="0, 0; 0.125,0.2665; 0.25,0.4; 0.375,0.465; 0.5,0.5;  0.625,0.535; 0.75,0.6; 0.875,0.7335; 1,1">
+                                        <p:cTn id="91" dur="125" tmFilter="0, 0; 0.125,0.2665; 0.25,0.4; 0.375,0.465; 0.5,0.5;  0.625,0.535; 0.75,0.6; 0.875,0.7335; 1,1">
                                           <p:stCondLst>
-                                            <p:cond delay="1324"/>
+                                            <p:cond delay="496"/>
                                           </p:stCondLst>
                                         </p:cTn>
                                         <p:tgtEl>
@@ -16278,9 +17722,9 @@
                                     </p:anim>
                                     <p:anim calcmode="lin" valueType="num">
                                       <p:cBhvr>
-                                        <p:cTn id="92" dur="164" tmFilter="0, 0; 0.125,0.2665; 0.25,0.4; 0.375,0.465; 0.5,0.5;  0.625,0.535; 0.75,0.6; 0.875,0.7335; 1,1">
+                                        <p:cTn id="92" dur="62" tmFilter="0, 0; 0.125,0.2665; 0.25,0.4; 0.375,0.465; 0.5,0.5;  0.625,0.535; 0.75,0.6; 0.875,0.7335; 1,1">
                                           <p:stCondLst>
-                                            <p:cond delay="1656"/>
+                                            <p:cond delay="621"/>
                                           </p:stCondLst>
                                         </p:cTn>
                                         <p:tgtEl>
@@ -16305,9 +17749,9 @@
                                     </p:anim>
                                     <p:animScale>
                                       <p:cBhvr>
-                                        <p:cTn id="93" dur="26">
+                                        <p:cTn id="93" dur="10">
                                           <p:stCondLst>
-                                            <p:cond delay="650"/>
+                                            <p:cond delay="244"/>
                                           </p:stCondLst>
                                         </p:cTn>
                                         <p:tgtEl>
@@ -16318,9 +17762,9 @@
                                     </p:animScale>
                                     <p:animScale>
                                       <p:cBhvr>
-                                        <p:cTn id="94" dur="166" decel="50000">
+                                        <p:cTn id="94" dur="62" decel="50000">
                                           <p:stCondLst>
-                                            <p:cond delay="676"/>
+                                            <p:cond delay="253"/>
                                           </p:stCondLst>
                                         </p:cTn>
                                         <p:tgtEl>
@@ -16331,9 +17775,9 @@
                                     </p:animScale>
                                     <p:animScale>
                                       <p:cBhvr>
-                                        <p:cTn id="95" dur="26">
+                                        <p:cTn id="95" dur="10">
                                           <p:stCondLst>
-                                            <p:cond delay="1312"/>
+                                            <p:cond delay="492"/>
                                           </p:stCondLst>
                                         </p:cTn>
                                         <p:tgtEl>
@@ -16344,9 +17788,9 @@
                                     </p:animScale>
                                     <p:animScale>
                                       <p:cBhvr>
-                                        <p:cTn id="96" dur="166" decel="50000">
+                                        <p:cTn id="96" dur="62" decel="50000">
                                           <p:stCondLst>
-                                            <p:cond delay="1338"/>
+                                            <p:cond delay="502"/>
                                           </p:stCondLst>
                                         </p:cTn>
                                         <p:tgtEl>
@@ -16357,9 +17801,9 @@
                                     </p:animScale>
                                     <p:animScale>
                                       <p:cBhvr>
-                                        <p:cTn id="97" dur="26">
+                                        <p:cTn id="97" dur="10">
                                           <p:stCondLst>
-                                            <p:cond delay="1642"/>
+                                            <p:cond delay="616"/>
                                           </p:stCondLst>
                                         </p:cTn>
                                         <p:tgtEl>
@@ -16370,9 +17814,9 @@
                                     </p:animScale>
                                     <p:animScale>
                                       <p:cBhvr>
-                                        <p:cTn id="98" dur="166" decel="50000">
+                                        <p:cTn id="98" dur="62" decel="50000">
                                           <p:stCondLst>
-                                            <p:cond delay="1668"/>
+                                            <p:cond delay="626"/>
                                           </p:stCondLst>
                                         </p:cTn>
                                         <p:tgtEl>
@@ -16383,9 +17827,9 @@
                                     </p:animScale>
                                     <p:animScale>
                                       <p:cBhvr>
-                                        <p:cTn id="99" dur="26">
+                                        <p:cTn id="99" dur="10">
                                           <p:stCondLst>
-                                            <p:cond delay="1808"/>
+                                            <p:cond delay="678"/>
                                           </p:stCondLst>
                                         </p:cTn>
                                         <p:tgtEl>
@@ -16396,9 +17840,9 @@
                                     </p:animScale>
                                     <p:animScale>
                                       <p:cBhvr>
-                                        <p:cTn id="100" dur="166" decel="50000">
+                                        <p:cTn id="100" dur="62" decel="50000">
                                           <p:stCondLst>
-                                            <p:cond delay="1834"/>
+                                            <p:cond delay="688"/>
                                           </p:stCondLst>
                                         </p:cTn>
                                         <p:tgtEl>
@@ -16436,7 +17880,7 @@
                                     </p:set>
                                     <p:animEffect transition="in" filter="wipe(down)">
                                       <p:cBhvr>
-                                        <p:cTn id="103" dur="580">
+                                        <p:cTn id="103" dur="217">
                                           <p:stCondLst>
                                             <p:cond delay="0"/>
                                           </p:stCondLst>
@@ -16448,7 +17892,7 @@
                                     </p:animEffect>
                                     <p:anim calcmode="lin" valueType="num">
                                       <p:cBhvr>
-                                        <p:cTn id="104" dur="1822" tmFilter="0,0; 0.14,0.36; 0.43,0.73; 0.71,0.91; 1.0,1.0">
+                                        <p:cTn id="104" dur="683" tmFilter="0,0; 0.14,0.36; 0.43,0.73; 0.71,0.91; 1.0,1.0">
                                           <p:stCondLst>
                                             <p:cond delay="0"/>
                                           </p:stCondLst>
@@ -16475,7 +17919,7 @@
                                     </p:anim>
                                     <p:anim calcmode="lin" valueType="num">
                                       <p:cBhvr>
-                                        <p:cTn id="105" dur="664" tmFilter="0.0,0.0; 0.25,0.07; 0.50,0.2; 0.75,0.467; 1.0,1.0">
+                                        <p:cTn id="105" dur="249" tmFilter="0.0,0.0; 0.25,0.07; 0.50,0.2; 0.75,0.467; 1.0,1.0">
                                           <p:stCondLst>
                                             <p:cond delay="0"/>
                                           </p:stCondLst>
@@ -16502,9 +17946,9 @@
                                     </p:anim>
                                     <p:anim calcmode="lin" valueType="num">
                                       <p:cBhvr>
-                                        <p:cTn id="106" dur="664" tmFilter="0, 0; 0.125,0.2665; 0.25,0.4; 0.375,0.465; 0.5,0.5;  0.625,0.535; 0.75,0.6; 0.875,0.7335; 1,1">
+                                        <p:cTn id="106" dur="249" tmFilter="0, 0; 0.125,0.2665; 0.25,0.4; 0.375,0.465; 0.5,0.5;  0.625,0.535; 0.75,0.6; 0.875,0.7335; 1,1">
                                           <p:stCondLst>
-                                            <p:cond delay="664"/>
+                                            <p:cond delay="249"/>
                                           </p:stCondLst>
                                         </p:cTn>
                                         <p:tgtEl>
@@ -16529,9 +17973,9 @@
                                     </p:anim>
                                     <p:anim calcmode="lin" valueType="num">
                                       <p:cBhvr>
-                                        <p:cTn id="107" dur="332" tmFilter="0, 0; 0.125,0.2665; 0.25,0.4; 0.375,0.465; 0.5,0.5;  0.625,0.535; 0.75,0.6; 0.875,0.7335; 1,1">
+                                        <p:cTn id="107" dur="125" tmFilter="0, 0; 0.125,0.2665; 0.25,0.4; 0.375,0.465; 0.5,0.5;  0.625,0.535; 0.75,0.6; 0.875,0.7335; 1,1">
                                           <p:stCondLst>
-                                            <p:cond delay="1324"/>
+                                            <p:cond delay="496"/>
                                           </p:stCondLst>
                                         </p:cTn>
                                         <p:tgtEl>
@@ -16556,9 +18000,9 @@
                                     </p:anim>
                                     <p:anim calcmode="lin" valueType="num">
                                       <p:cBhvr>
-                                        <p:cTn id="108" dur="164" tmFilter="0, 0; 0.125,0.2665; 0.25,0.4; 0.375,0.465; 0.5,0.5;  0.625,0.535; 0.75,0.6; 0.875,0.7335; 1,1">
+                                        <p:cTn id="108" dur="62" tmFilter="0, 0; 0.125,0.2665; 0.25,0.4; 0.375,0.465; 0.5,0.5;  0.625,0.535; 0.75,0.6; 0.875,0.7335; 1,1">
                                           <p:stCondLst>
-                                            <p:cond delay="1656"/>
+                                            <p:cond delay="621"/>
                                           </p:stCondLst>
                                         </p:cTn>
                                         <p:tgtEl>
@@ -16583,9 +18027,9 @@
                                     </p:anim>
                                     <p:animScale>
                                       <p:cBhvr>
-                                        <p:cTn id="109" dur="26">
+                                        <p:cTn id="109" dur="10">
                                           <p:stCondLst>
-                                            <p:cond delay="650"/>
+                                            <p:cond delay="244"/>
                                           </p:stCondLst>
                                         </p:cTn>
                                         <p:tgtEl>
@@ -16596,9 +18040,9 @@
                                     </p:animScale>
                                     <p:animScale>
                                       <p:cBhvr>
-                                        <p:cTn id="110" dur="166" decel="50000">
+                                        <p:cTn id="110" dur="62" decel="50000">
                                           <p:stCondLst>
-                                            <p:cond delay="676"/>
+                                            <p:cond delay="253"/>
                                           </p:stCondLst>
                                         </p:cTn>
                                         <p:tgtEl>
@@ -16609,9 +18053,9 @@
                                     </p:animScale>
                                     <p:animScale>
                                       <p:cBhvr>
-                                        <p:cTn id="111" dur="26">
+                                        <p:cTn id="111" dur="10">
                                           <p:stCondLst>
-                                            <p:cond delay="1312"/>
+                                            <p:cond delay="492"/>
                                           </p:stCondLst>
                                         </p:cTn>
                                         <p:tgtEl>
@@ -16622,9 +18066,9 @@
                                     </p:animScale>
                                     <p:animScale>
                                       <p:cBhvr>
-                                        <p:cTn id="112" dur="166" decel="50000">
+                                        <p:cTn id="112" dur="62" decel="50000">
                                           <p:stCondLst>
-                                            <p:cond delay="1338"/>
+                                            <p:cond delay="502"/>
                                           </p:stCondLst>
                                         </p:cTn>
                                         <p:tgtEl>
@@ -16635,9 +18079,9 @@
                                     </p:animScale>
                                     <p:animScale>
                                       <p:cBhvr>
-                                        <p:cTn id="113" dur="26">
+                                        <p:cTn id="113" dur="10">
                                           <p:stCondLst>
-                                            <p:cond delay="1642"/>
+                                            <p:cond delay="616"/>
                                           </p:stCondLst>
                                         </p:cTn>
                                         <p:tgtEl>
@@ -16648,9 +18092,9 @@
                                     </p:animScale>
                                     <p:animScale>
                                       <p:cBhvr>
-                                        <p:cTn id="114" dur="166" decel="50000">
+                                        <p:cTn id="114" dur="62" decel="50000">
                                           <p:stCondLst>
-                                            <p:cond delay="1668"/>
+                                            <p:cond delay="626"/>
                                           </p:stCondLst>
                                         </p:cTn>
                                         <p:tgtEl>
@@ -16661,9 +18105,9 @@
                                     </p:animScale>
                                     <p:animScale>
                                       <p:cBhvr>
-                                        <p:cTn id="115" dur="26">
+                                        <p:cTn id="115" dur="10">
                                           <p:stCondLst>
-                                            <p:cond delay="1808"/>
+                                            <p:cond delay="678"/>
                                           </p:stCondLst>
                                         </p:cTn>
                                         <p:tgtEl>
@@ -16674,9 +18118,9 @@
                                     </p:animScale>
                                     <p:animScale>
                                       <p:cBhvr>
-                                        <p:cTn id="116" dur="166" decel="50000">
+                                        <p:cTn id="116" dur="62" decel="50000">
                                           <p:stCondLst>
-                                            <p:cond delay="1834"/>
+                                            <p:cond delay="688"/>
                                           </p:stCondLst>
                                         </p:cTn>
                                         <p:tgtEl>
@@ -16714,7 +18158,7 @@
                                     </p:set>
                                     <p:animEffect transition="in" filter="wipe(down)">
                                       <p:cBhvr>
-                                        <p:cTn id="119" dur="580">
+                                        <p:cTn id="119" dur="217">
                                           <p:stCondLst>
                                             <p:cond delay="0"/>
                                           </p:stCondLst>
@@ -16726,7 +18170,7 @@
                                     </p:animEffect>
                                     <p:anim calcmode="lin" valueType="num">
                                       <p:cBhvr>
-                                        <p:cTn id="120" dur="1822" tmFilter="0,0; 0.14,0.36; 0.43,0.73; 0.71,0.91; 1.0,1.0">
+                                        <p:cTn id="120" dur="683" tmFilter="0,0; 0.14,0.36; 0.43,0.73; 0.71,0.91; 1.0,1.0">
                                           <p:stCondLst>
                                             <p:cond delay="0"/>
                                           </p:stCondLst>
@@ -16753,7 +18197,7 @@
                                     </p:anim>
                                     <p:anim calcmode="lin" valueType="num">
                                       <p:cBhvr>
-                                        <p:cTn id="121" dur="664" tmFilter="0.0,0.0; 0.25,0.07; 0.50,0.2; 0.75,0.467; 1.0,1.0">
+                                        <p:cTn id="121" dur="249" tmFilter="0.0,0.0; 0.25,0.07; 0.50,0.2; 0.75,0.467; 1.0,1.0">
                                           <p:stCondLst>
                                             <p:cond delay="0"/>
                                           </p:stCondLst>
@@ -16780,9 +18224,9 @@
                                     </p:anim>
                                     <p:anim calcmode="lin" valueType="num">
                                       <p:cBhvr>
-                                        <p:cTn id="122" dur="664" tmFilter="0, 0; 0.125,0.2665; 0.25,0.4; 0.375,0.465; 0.5,0.5;  0.625,0.535; 0.75,0.6; 0.875,0.7335; 1,1">
+                                        <p:cTn id="122" dur="249" tmFilter="0, 0; 0.125,0.2665; 0.25,0.4; 0.375,0.465; 0.5,0.5;  0.625,0.535; 0.75,0.6; 0.875,0.7335; 1,1">
                                           <p:stCondLst>
-                                            <p:cond delay="664"/>
+                                            <p:cond delay="249"/>
                                           </p:stCondLst>
                                         </p:cTn>
                                         <p:tgtEl>
@@ -16807,9 +18251,9 @@
                                     </p:anim>
                                     <p:anim calcmode="lin" valueType="num">
                                       <p:cBhvr>
-                                        <p:cTn id="123" dur="332" tmFilter="0, 0; 0.125,0.2665; 0.25,0.4; 0.375,0.465; 0.5,0.5;  0.625,0.535; 0.75,0.6; 0.875,0.7335; 1,1">
+                                        <p:cTn id="123" dur="125" tmFilter="0, 0; 0.125,0.2665; 0.25,0.4; 0.375,0.465; 0.5,0.5;  0.625,0.535; 0.75,0.6; 0.875,0.7335; 1,1">
                                           <p:stCondLst>
-                                            <p:cond delay="1324"/>
+                                            <p:cond delay="496"/>
                                           </p:stCondLst>
                                         </p:cTn>
                                         <p:tgtEl>
@@ -16834,9 +18278,9 @@
                                     </p:anim>
                                     <p:anim calcmode="lin" valueType="num">
                                       <p:cBhvr>
-                                        <p:cTn id="124" dur="164" tmFilter="0, 0; 0.125,0.2665; 0.25,0.4; 0.375,0.465; 0.5,0.5;  0.625,0.535; 0.75,0.6; 0.875,0.7335; 1,1">
+                                        <p:cTn id="124" dur="62" tmFilter="0, 0; 0.125,0.2665; 0.25,0.4; 0.375,0.465; 0.5,0.5;  0.625,0.535; 0.75,0.6; 0.875,0.7335; 1,1">
                                           <p:stCondLst>
-                                            <p:cond delay="1656"/>
+                                            <p:cond delay="621"/>
                                           </p:stCondLst>
                                         </p:cTn>
                                         <p:tgtEl>
@@ -16861,9 +18305,9 @@
                                     </p:anim>
                                     <p:animScale>
                                       <p:cBhvr>
-                                        <p:cTn id="125" dur="26">
+                                        <p:cTn id="125" dur="10">
                                           <p:stCondLst>
-                                            <p:cond delay="650"/>
+                                            <p:cond delay="244"/>
                                           </p:stCondLst>
                                         </p:cTn>
                                         <p:tgtEl>
@@ -16874,9 +18318,9 @@
                                     </p:animScale>
                                     <p:animScale>
                                       <p:cBhvr>
-                                        <p:cTn id="126" dur="166" decel="50000">
+                                        <p:cTn id="126" dur="62" decel="50000">
                                           <p:stCondLst>
-                                            <p:cond delay="676"/>
+                                            <p:cond delay="253"/>
                                           </p:stCondLst>
                                         </p:cTn>
                                         <p:tgtEl>
@@ -16887,9 +18331,9 @@
                                     </p:animScale>
                                     <p:animScale>
                                       <p:cBhvr>
-                                        <p:cTn id="127" dur="26">
+                                        <p:cTn id="127" dur="10">
                                           <p:stCondLst>
-                                            <p:cond delay="1312"/>
+                                            <p:cond delay="492"/>
                                           </p:stCondLst>
                                         </p:cTn>
                                         <p:tgtEl>
@@ -16900,9 +18344,9 @@
                                     </p:animScale>
                                     <p:animScale>
                                       <p:cBhvr>
-                                        <p:cTn id="128" dur="166" decel="50000">
+                                        <p:cTn id="128" dur="62" decel="50000">
                                           <p:stCondLst>
-                                            <p:cond delay="1338"/>
+                                            <p:cond delay="502"/>
                                           </p:stCondLst>
                                         </p:cTn>
                                         <p:tgtEl>
@@ -16913,9 +18357,9 @@
                                     </p:animScale>
                                     <p:animScale>
                                       <p:cBhvr>
-                                        <p:cTn id="129" dur="26">
+                                        <p:cTn id="129" dur="10">
                                           <p:stCondLst>
-                                            <p:cond delay="1642"/>
+                                            <p:cond delay="616"/>
                                           </p:stCondLst>
                                         </p:cTn>
                                         <p:tgtEl>
@@ -16926,9 +18370,9 @@
                                     </p:animScale>
                                     <p:animScale>
                                       <p:cBhvr>
-                                        <p:cTn id="130" dur="166" decel="50000">
+                                        <p:cTn id="130" dur="62" decel="50000">
                                           <p:stCondLst>
-                                            <p:cond delay="1668"/>
+                                            <p:cond delay="626"/>
                                           </p:stCondLst>
                                         </p:cTn>
                                         <p:tgtEl>
@@ -16939,9 +18383,9 @@
                                     </p:animScale>
                                     <p:animScale>
                                       <p:cBhvr>
-                                        <p:cTn id="131" dur="26">
+                                        <p:cTn id="131" dur="10">
                                           <p:stCondLst>
-                                            <p:cond delay="1808"/>
+                                            <p:cond delay="678"/>
                                           </p:stCondLst>
                                         </p:cTn>
                                         <p:tgtEl>
@@ -16952,9 +18396,9 @@
                                     </p:animScale>
                                     <p:animScale>
                                       <p:cBhvr>
-                                        <p:cTn id="132" dur="166" decel="50000">
+                                        <p:cTn id="132" dur="62" decel="50000">
                                           <p:stCondLst>
-                                            <p:cond delay="1834"/>
+                                            <p:cond delay="688"/>
                                           </p:stCondLst>
                                         </p:cTn>
                                         <p:tgtEl>
@@ -17014,82 +18458,12 @@
           <a:chExt cx="0" cy="0"/>
         </a:xfrm>
       </p:grpSpPr>
-      <p:sp>
-        <p:nvSpPr>
-          <p:cNvPr id="2" name="Title 1">
+      <p:pic>
+        <p:nvPicPr>
+          <p:cNvPr id="7" name="Picture 6">
             <a:extLst>
               <a:ext uri="{FF2B5EF4-FFF2-40B4-BE49-F238E27FC236}">
-                <a16:creationId xmlns:a16="http://schemas.microsoft.com/office/drawing/2014/main" id="{BD48FA31-BDCC-4F65-B470-CB2E8AF6BE9D}"/>
-              </a:ext>
-            </a:extLst>
-          </p:cNvPr>
-          <p:cNvSpPr>
-            <a:spLocks noGrp="1"/>
-          </p:cNvSpPr>
-          <p:nvPr>
-            <p:ph type="title"/>
-          </p:nvPr>
-        </p:nvSpPr>
-        <p:spPr>
-          <a:xfrm>
-            <a:off x="1676677" y="5972694"/>
-            <a:ext cx="9977767" cy="511233"/>
-          </a:xfrm>
-        </p:spPr>
-        <p:txBody>
-          <a:bodyPr/>
-          <a:lstStyle/>
-          <a:p>
-            <a:r>
-              <a:rPr lang="en-US" sz="2400" dirty="0">
-                <a:latin typeface="Calibri" panose="020F0502020204030204" pitchFamily="34" charset="0"/>
-                <a:cs typeface="Times New Roman" panose="02020603050405020304" pitchFamily="18" charset="0"/>
-              </a:rPr>
-              <a:t>The more population a LGA has, the higher the percentage of unsolved charges</a:t>
-            </a:r>
-            <a:endParaRPr lang="en-AU" sz="2400" dirty="0">
-              <a:latin typeface="Calibri" panose="020F0502020204030204" pitchFamily="34" charset="0"/>
-              <a:cs typeface="Times New Roman" panose="02020603050405020304" pitchFamily="18" charset="0"/>
-            </a:endParaRPr>
-          </a:p>
-        </p:txBody>
-      </p:sp>
-      <p:pic>
-        <p:nvPicPr>
-          <p:cNvPr id="8" name="Picture 7">
-            <a:extLst>
-              <a:ext uri="{FF2B5EF4-FFF2-40B4-BE49-F238E27FC236}">
-                <a16:creationId xmlns:a16="http://schemas.microsoft.com/office/drawing/2014/main" id="{48E5ACEE-7F56-4A0D-B3B7-33E36DBBF77F}"/>
-              </a:ext>
-            </a:extLst>
-          </p:cNvPr>
-          <p:cNvPicPr>
-            <a:picLocks noChangeAspect="1"/>
-          </p:cNvPicPr>
-          <p:nvPr/>
-        </p:nvPicPr>
-        <p:blipFill>
-          <a:blip r:embed="rId2"/>
-          <a:stretch>
-            <a:fillRect/>
-          </a:stretch>
-        </p:blipFill>
-        <p:spPr>
-          <a:xfrm>
-            <a:off x="4933442" y="499900"/>
-            <a:ext cx="6049219" cy="4810796"/>
-          </a:xfrm>
-          <a:prstGeom prst="rect">
-            <a:avLst/>
-          </a:prstGeom>
-        </p:spPr>
-      </p:pic>
-      <p:pic>
-        <p:nvPicPr>
-          <p:cNvPr id="10" name="Picture 9">
-            <a:extLst>
-              <a:ext uri="{FF2B5EF4-FFF2-40B4-BE49-F238E27FC236}">
-                <a16:creationId xmlns:a16="http://schemas.microsoft.com/office/drawing/2014/main" id="{B8496430-E9A0-4046-92AA-2ED2C76D3712}"/>
+                <a16:creationId xmlns:a16="http://schemas.microsoft.com/office/drawing/2014/main" id="{915D7BEE-5F3D-49B2-A878-49229E9DD217}"/>
               </a:ext>
             </a:extLst>
           </p:cNvPr>
@@ -17106,93 +18480,48 @@
         </p:blipFill>
         <p:spPr>
           <a:xfrm>
-            <a:off x="1849190" y="2299738"/>
-            <a:ext cx="1876687" cy="1676634"/>
+            <a:off x="2377081" y="42390"/>
+            <a:ext cx="8410635" cy="6071027"/>
           </a:xfrm>
           <a:prstGeom prst="rect">
             <a:avLst/>
           </a:prstGeom>
         </p:spPr>
       </p:pic>
-      <p:sp>
-        <p:nvSpPr>
-          <p:cNvPr id="11" name="Title 1">
+      <p:pic>
+        <p:nvPicPr>
+          <p:cNvPr id="9" name="Picture 8">
             <a:extLst>
               <a:ext uri="{FF2B5EF4-FFF2-40B4-BE49-F238E27FC236}">
-                <a16:creationId xmlns:a16="http://schemas.microsoft.com/office/drawing/2014/main" id="{7D98C783-9AF9-4874-A8A3-55E2E665A091}"/>
+                <a16:creationId xmlns:a16="http://schemas.microsoft.com/office/drawing/2014/main" id="{D050DCF3-AD6B-44C2-A20E-7D68B73DF1C7}"/>
               </a:ext>
             </a:extLst>
           </p:cNvPr>
-          <p:cNvSpPr txBox="1">
-            <a:spLocks/>
-          </p:cNvSpPr>
+          <p:cNvPicPr>
+            <a:picLocks noChangeAspect="1"/>
+          </p:cNvPicPr>
           <p:nvPr/>
-        </p:nvSpPr>
+        </p:nvPicPr>
+        <p:blipFill>
+          <a:blip r:embed="rId4"/>
+          <a:stretch>
+            <a:fillRect/>
+          </a:stretch>
+        </p:blipFill>
         <p:spPr>
           <a:xfrm>
-            <a:off x="4933442" y="5441151"/>
-            <a:ext cx="4553769" cy="401088"/>
+            <a:off x="3037500" y="6081390"/>
+            <a:ext cx="6777419" cy="734220"/>
           </a:xfrm>
           <a:prstGeom prst="rect">
             <a:avLst/>
           </a:prstGeom>
         </p:spPr>
-        <p:txBody>
-          <a:bodyPr vert="horz" lIns="91440" tIns="45720" rIns="91440" bIns="45720" rtlCol="0" anchor="ctr">
-            <a:normAutofit/>
-          </a:bodyPr>
-          <a:lstStyle>
-            <a:lvl1pPr algn="l" defTabSz="914400" rtl="0" eaLnBrk="1" latinLnBrk="0" hangingPunct="1">
-              <a:lnSpc>
-                <a:spcPct val="100000"/>
-              </a:lnSpc>
-              <a:spcBef>
-                <a:spcPct val="0"/>
-              </a:spcBef>
-              <a:buNone/>
-              <a:defRPr sz="4000" kern="1200">
-                <a:solidFill>
-                  <a:schemeClr val="tx2"/>
-                </a:solidFill>
-                <a:latin typeface="+mj-lt"/>
-                <a:ea typeface="+mj-ea"/>
-                <a:cs typeface="+mj-cs"/>
-              </a:defRPr>
-            </a:lvl1pPr>
-          </a:lstStyle>
-          <a:p>
-            <a:r>
-              <a:rPr lang="en-US" sz="1600" dirty="0">
-                <a:latin typeface="Calibri" panose="020F0502020204030204" pitchFamily="34" charset="0"/>
-                <a:ea typeface="Calibri" panose="020F0502020204030204" pitchFamily="34" charset="0"/>
-                <a:cs typeface="Times New Roman" panose="02020603050405020304" pitchFamily="18" charset="0"/>
-              </a:rPr>
-              <a:t>Standard error r</a:t>
-            </a:r>
-            <a:r>
-              <a:rPr lang="en-US" sz="1600" baseline="30000" dirty="0">
-                <a:latin typeface="Calibri" panose="020F0502020204030204" pitchFamily="34" charset="0"/>
-                <a:ea typeface="Calibri" panose="020F0502020204030204" pitchFamily="34" charset="0"/>
-                <a:cs typeface="Times New Roman" panose="02020603050405020304" pitchFamily="18" charset="0"/>
-              </a:rPr>
-              <a:t>2</a:t>
-            </a:r>
-            <a:r>
-              <a:rPr lang="en-US" sz="1600" dirty="0">
-                <a:latin typeface="Calibri" panose="020F0502020204030204" pitchFamily="34" charset="0"/>
-                <a:ea typeface="Calibri" panose="020F0502020204030204" pitchFamily="34" charset="0"/>
-                <a:cs typeface="Times New Roman" panose="02020603050405020304" pitchFamily="18" charset="0"/>
-              </a:rPr>
-              <a:t> is 25% </a:t>
-            </a:r>
-            <a:endParaRPr lang="en-AU" sz="1600" dirty="0"/>
-          </a:p>
-        </p:txBody>
-      </p:sp>
+      </p:pic>
     </p:spTree>
     <p:extLst>
       <p:ext uri="{BB962C8B-B14F-4D97-AF65-F5344CB8AC3E}">
-        <p14:creationId xmlns:p14="http://schemas.microsoft.com/office/powerpoint/2010/main" val="809717122"/>
+        <p14:creationId xmlns:p14="http://schemas.microsoft.com/office/powerpoint/2010/main" val="4093479017"/>
       </p:ext>
     </p:extLst>
   </p:cSld>
